--- a/1. Stack & Queue.pptx
+++ b/1. Stack & Queue.pptx
@@ -4,6 +4,9 @@
   <p:sldMasterIdLst>
     <p:sldMasterId id="2147483696" r:id="rId1"/>
   </p:sldMasterIdLst>
+  <p:notesMasterIdLst>
+    <p:notesMasterId r:id="rId26"/>
+  </p:notesMasterIdLst>
   <p:sldIdLst>
     <p:sldId id="256" r:id="rId2"/>
     <p:sldId id="257" r:id="rId3"/>
@@ -14,13 +17,21 @@
     <p:sldId id="264" r:id="rId8"/>
     <p:sldId id="266" r:id="rId9"/>
     <p:sldId id="267" r:id="rId10"/>
-    <p:sldId id="269" r:id="rId11"/>
-    <p:sldId id="268" r:id="rId12"/>
-    <p:sldId id="270" r:id="rId13"/>
-    <p:sldId id="271" r:id="rId14"/>
-    <p:sldId id="272" r:id="rId15"/>
-    <p:sldId id="273" r:id="rId16"/>
-    <p:sldId id="274" r:id="rId17"/>
+    <p:sldId id="275" r:id="rId11"/>
+    <p:sldId id="277" r:id="rId12"/>
+    <p:sldId id="269" r:id="rId13"/>
+    <p:sldId id="268" r:id="rId14"/>
+    <p:sldId id="270" r:id="rId15"/>
+    <p:sldId id="271" r:id="rId16"/>
+    <p:sldId id="272" r:id="rId17"/>
+    <p:sldId id="273" r:id="rId18"/>
+    <p:sldId id="274" r:id="rId19"/>
+    <p:sldId id="276" r:id="rId20"/>
+    <p:sldId id="278" r:id="rId21"/>
+    <p:sldId id="279" r:id="rId22"/>
+    <p:sldId id="280" r:id="rId23"/>
+    <p:sldId id="281" r:id="rId24"/>
+    <p:sldId id="282" r:id="rId25"/>
   </p:sldIdLst>
   <p:sldSz cx="12192000" cy="6858000"/>
   <p:notesSz cx="6858000" cy="9144000"/>
@@ -122,7 +133,7 @@
   <p:extLst>
     <p:ext uri="{EFAFB233-063F-42B5-8137-9DF3F51BA10A}">
       <p15:sldGuideLst xmlns:p15="http://schemas.microsoft.com/office/powerpoint/2012/main">
-        <p15:guide id="1" orient="horz" pos="2160" userDrawn="1">
+        <p15:guide id="1" orient="horz" pos="2183" userDrawn="1">
           <p15:clr>
             <a:srgbClr val="A4A3A4"/>
           </p15:clr>
@@ -136,6 +147,1331 @@
     </p:ext>
   </p:extLst>
 </p:presentation>
+</file>
+
+<file path=ppt/notesMasters/notesMaster1.xml><?xml version="1.0" encoding="utf-8"?>
+<p:notesMaster xmlns:a="http://schemas.openxmlformats.org/drawingml/2006/main" xmlns:r="http://schemas.openxmlformats.org/officeDocument/2006/relationships" xmlns:p="http://schemas.openxmlformats.org/presentationml/2006/main">
+  <p:cSld>
+    <p:bg>
+      <p:bgRef idx="1001">
+        <a:schemeClr val="bg1"/>
+      </p:bgRef>
+    </p:bg>
+    <p:spTree>
+      <p:nvGrpSpPr>
+        <p:cNvPr id="1" name=""/>
+        <p:cNvGrpSpPr/>
+        <p:nvPr/>
+      </p:nvGrpSpPr>
+      <p:grpSpPr>
+        <a:xfrm>
+          <a:off x="0" y="0"/>
+          <a:ext cx="0" cy="0"/>
+          <a:chOff x="0" y="0"/>
+          <a:chExt cx="0" cy="0"/>
+        </a:xfrm>
+      </p:grpSpPr>
+      <p:sp>
+        <p:nvSpPr>
+          <p:cNvPr id="2" name="머리글 개체 틀 1"/>
+          <p:cNvSpPr>
+            <a:spLocks noGrp="1"/>
+          </p:cNvSpPr>
+          <p:nvPr>
+            <p:ph type="hdr" sz="quarter"/>
+          </p:nvPr>
+        </p:nvSpPr>
+        <p:spPr>
+          <a:xfrm>
+            <a:off x="0" y="0"/>
+            <a:ext cx="2971800" cy="458788"/>
+          </a:xfrm>
+          <a:prstGeom prst="rect">
+            <a:avLst/>
+          </a:prstGeom>
+        </p:spPr>
+        <p:txBody>
+          <a:bodyPr vert="horz" lIns="91440" tIns="45720" rIns="91440" bIns="45720" rtlCol="0"/>
+          <a:lstStyle>
+            <a:lvl1pPr algn="l">
+              <a:defRPr sz="1200"/>
+            </a:lvl1pPr>
+          </a:lstStyle>
+          <a:p>
+            <a:endParaRPr lang="ko-KR" altLang="en-US"/>
+          </a:p>
+        </p:txBody>
+      </p:sp>
+      <p:sp>
+        <p:nvSpPr>
+          <p:cNvPr id="3" name="날짜 개체 틀 2"/>
+          <p:cNvSpPr>
+            <a:spLocks noGrp="1"/>
+          </p:cNvSpPr>
+          <p:nvPr>
+            <p:ph type="dt" idx="1"/>
+          </p:nvPr>
+        </p:nvSpPr>
+        <p:spPr>
+          <a:xfrm>
+            <a:off x="3884613" y="0"/>
+            <a:ext cx="2971800" cy="458788"/>
+          </a:xfrm>
+          <a:prstGeom prst="rect">
+            <a:avLst/>
+          </a:prstGeom>
+        </p:spPr>
+        <p:txBody>
+          <a:bodyPr vert="horz" lIns="91440" tIns="45720" rIns="91440" bIns="45720" rtlCol="0"/>
+          <a:lstStyle>
+            <a:lvl1pPr algn="r">
+              <a:defRPr sz="1200"/>
+            </a:lvl1pPr>
+          </a:lstStyle>
+          <a:p>
+            <a:fld id="{EF22644F-726A-4EF6-887D-42F44A279A80}" type="datetimeFigureOut">
+              <a:rPr lang="ko-KR" altLang="en-US" smtClean="0"/>
+              <a:t>2020-02-03</a:t>
+            </a:fld>
+            <a:endParaRPr lang="ko-KR" altLang="en-US"/>
+          </a:p>
+        </p:txBody>
+      </p:sp>
+      <p:sp>
+        <p:nvSpPr>
+          <p:cNvPr id="4" name="슬라이드 이미지 개체 틀 3"/>
+          <p:cNvSpPr>
+            <a:spLocks noGrp="1" noRot="1" noChangeAspect="1"/>
+          </p:cNvSpPr>
+          <p:nvPr>
+            <p:ph type="sldImg" idx="2"/>
+          </p:nvPr>
+        </p:nvSpPr>
+        <p:spPr>
+          <a:xfrm>
+            <a:off x="685800" y="1143000"/>
+            <a:ext cx="5486400" cy="3086100"/>
+          </a:xfrm>
+          <a:prstGeom prst="rect">
+            <a:avLst/>
+          </a:prstGeom>
+          <a:noFill/>
+          <a:ln w="12700">
+            <a:solidFill>
+              <a:prstClr val="black"/>
+            </a:solidFill>
+          </a:ln>
+        </p:spPr>
+        <p:txBody>
+          <a:bodyPr vert="horz" lIns="91440" tIns="45720" rIns="91440" bIns="45720" rtlCol="0" anchor="ctr"/>
+          <a:lstStyle/>
+          <a:p>
+            <a:endParaRPr lang="ko-KR" altLang="en-US"/>
+          </a:p>
+        </p:txBody>
+      </p:sp>
+      <p:sp>
+        <p:nvSpPr>
+          <p:cNvPr id="5" name="슬라이드 노트 개체 틀 4"/>
+          <p:cNvSpPr>
+            <a:spLocks noGrp="1"/>
+          </p:cNvSpPr>
+          <p:nvPr>
+            <p:ph type="body" sz="quarter" idx="3"/>
+          </p:nvPr>
+        </p:nvSpPr>
+        <p:spPr>
+          <a:xfrm>
+            <a:off x="685800" y="4400550"/>
+            <a:ext cx="5486400" cy="3600450"/>
+          </a:xfrm>
+          <a:prstGeom prst="rect">
+            <a:avLst/>
+          </a:prstGeom>
+        </p:spPr>
+        <p:txBody>
+          <a:bodyPr vert="horz" lIns="91440" tIns="45720" rIns="91440" bIns="45720" rtlCol="0"/>
+          <a:lstStyle/>
+          <a:p>
+            <a:pPr lvl="0"/>
+            <a:r>
+              <a:rPr lang="ko-KR" altLang="en-US" smtClean="0"/>
+              <a:t>마스터 텍스트 스타일을 편집합니다</a:t>
+            </a:r>
+          </a:p>
+          <a:p>
+            <a:pPr lvl="1"/>
+            <a:r>
+              <a:rPr lang="ko-KR" altLang="en-US" smtClean="0"/>
+              <a:t>둘째 수준</a:t>
+            </a:r>
+          </a:p>
+          <a:p>
+            <a:pPr lvl="2"/>
+            <a:r>
+              <a:rPr lang="ko-KR" altLang="en-US" smtClean="0"/>
+              <a:t>셋째 수준</a:t>
+            </a:r>
+          </a:p>
+          <a:p>
+            <a:pPr lvl="3"/>
+            <a:r>
+              <a:rPr lang="ko-KR" altLang="en-US" smtClean="0"/>
+              <a:t>넷째 수준</a:t>
+            </a:r>
+          </a:p>
+          <a:p>
+            <a:pPr lvl="4"/>
+            <a:r>
+              <a:rPr lang="ko-KR" altLang="en-US" smtClean="0"/>
+              <a:t>다섯째 수준</a:t>
+            </a:r>
+            <a:endParaRPr lang="ko-KR" altLang="en-US"/>
+          </a:p>
+        </p:txBody>
+      </p:sp>
+      <p:sp>
+        <p:nvSpPr>
+          <p:cNvPr id="6" name="바닥글 개체 틀 5"/>
+          <p:cNvSpPr>
+            <a:spLocks noGrp="1"/>
+          </p:cNvSpPr>
+          <p:nvPr>
+            <p:ph type="ftr" sz="quarter" idx="4"/>
+          </p:nvPr>
+        </p:nvSpPr>
+        <p:spPr>
+          <a:xfrm>
+            <a:off x="0" y="8685213"/>
+            <a:ext cx="2971800" cy="458787"/>
+          </a:xfrm>
+          <a:prstGeom prst="rect">
+            <a:avLst/>
+          </a:prstGeom>
+        </p:spPr>
+        <p:txBody>
+          <a:bodyPr vert="horz" lIns="91440" tIns="45720" rIns="91440" bIns="45720" rtlCol="0" anchor="b"/>
+          <a:lstStyle>
+            <a:lvl1pPr algn="l">
+              <a:defRPr sz="1200"/>
+            </a:lvl1pPr>
+          </a:lstStyle>
+          <a:p>
+            <a:endParaRPr lang="ko-KR" altLang="en-US"/>
+          </a:p>
+        </p:txBody>
+      </p:sp>
+      <p:sp>
+        <p:nvSpPr>
+          <p:cNvPr id="7" name="슬라이드 번호 개체 틀 6"/>
+          <p:cNvSpPr>
+            <a:spLocks noGrp="1"/>
+          </p:cNvSpPr>
+          <p:nvPr>
+            <p:ph type="sldNum" sz="quarter" idx="5"/>
+          </p:nvPr>
+        </p:nvSpPr>
+        <p:spPr>
+          <a:xfrm>
+            <a:off x="3884613" y="8685213"/>
+            <a:ext cx="2971800" cy="458787"/>
+          </a:xfrm>
+          <a:prstGeom prst="rect">
+            <a:avLst/>
+          </a:prstGeom>
+        </p:spPr>
+        <p:txBody>
+          <a:bodyPr vert="horz" lIns="91440" tIns="45720" rIns="91440" bIns="45720" rtlCol="0" anchor="b"/>
+          <a:lstStyle>
+            <a:lvl1pPr algn="r">
+              <a:defRPr sz="1200"/>
+            </a:lvl1pPr>
+          </a:lstStyle>
+          <a:p>
+            <a:fld id="{363DE918-169C-4652-A68E-DF6F6714EEFF}" type="slidenum">
+              <a:rPr lang="ko-KR" altLang="en-US" smtClean="0"/>
+              <a:t>‹#›</a:t>
+            </a:fld>
+            <a:endParaRPr lang="ko-KR" altLang="en-US"/>
+          </a:p>
+        </p:txBody>
+      </p:sp>
+    </p:spTree>
+    <p:extLst>
+      <p:ext uri="{BB962C8B-B14F-4D97-AF65-F5344CB8AC3E}">
+        <p14:creationId xmlns:p14="http://schemas.microsoft.com/office/powerpoint/2010/main" val="3311434629"/>
+      </p:ext>
+    </p:extLst>
+  </p:cSld>
+  <p:clrMap bg1="lt1" tx1="dk1" bg2="lt2" tx2="dk2" accent1="accent1" accent2="accent2" accent3="accent3" accent4="accent4" accent5="accent5" accent6="accent6" hlink="hlink" folHlink="folHlink"/>
+  <p:notesStyle>
+    <a:lvl1pPr marL="0" algn="l" defTabSz="914400" rtl="0" eaLnBrk="1" latinLnBrk="1" hangingPunct="1">
+      <a:defRPr sz="1200" kern="1200">
+        <a:solidFill>
+          <a:schemeClr val="tx1"/>
+        </a:solidFill>
+        <a:latin typeface="+mn-lt"/>
+        <a:ea typeface="+mn-ea"/>
+        <a:cs typeface="+mn-cs"/>
+      </a:defRPr>
+    </a:lvl1pPr>
+    <a:lvl2pPr marL="457200" algn="l" defTabSz="914400" rtl="0" eaLnBrk="1" latinLnBrk="1" hangingPunct="1">
+      <a:defRPr sz="1200" kern="1200">
+        <a:solidFill>
+          <a:schemeClr val="tx1"/>
+        </a:solidFill>
+        <a:latin typeface="+mn-lt"/>
+        <a:ea typeface="+mn-ea"/>
+        <a:cs typeface="+mn-cs"/>
+      </a:defRPr>
+    </a:lvl2pPr>
+    <a:lvl3pPr marL="914400" algn="l" defTabSz="914400" rtl="0" eaLnBrk="1" latinLnBrk="1" hangingPunct="1">
+      <a:defRPr sz="1200" kern="1200">
+        <a:solidFill>
+          <a:schemeClr val="tx1"/>
+        </a:solidFill>
+        <a:latin typeface="+mn-lt"/>
+        <a:ea typeface="+mn-ea"/>
+        <a:cs typeface="+mn-cs"/>
+      </a:defRPr>
+    </a:lvl3pPr>
+    <a:lvl4pPr marL="1371600" algn="l" defTabSz="914400" rtl="0" eaLnBrk="1" latinLnBrk="1" hangingPunct="1">
+      <a:defRPr sz="1200" kern="1200">
+        <a:solidFill>
+          <a:schemeClr val="tx1"/>
+        </a:solidFill>
+        <a:latin typeface="+mn-lt"/>
+        <a:ea typeface="+mn-ea"/>
+        <a:cs typeface="+mn-cs"/>
+      </a:defRPr>
+    </a:lvl4pPr>
+    <a:lvl5pPr marL="1828800" algn="l" defTabSz="914400" rtl="0" eaLnBrk="1" latinLnBrk="1" hangingPunct="1">
+      <a:defRPr sz="1200" kern="1200">
+        <a:solidFill>
+          <a:schemeClr val="tx1"/>
+        </a:solidFill>
+        <a:latin typeface="+mn-lt"/>
+        <a:ea typeface="+mn-ea"/>
+        <a:cs typeface="+mn-cs"/>
+      </a:defRPr>
+    </a:lvl5pPr>
+    <a:lvl6pPr marL="2286000" algn="l" defTabSz="914400" rtl="0" eaLnBrk="1" latinLnBrk="1" hangingPunct="1">
+      <a:defRPr sz="1200" kern="1200">
+        <a:solidFill>
+          <a:schemeClr val="tx1"/>
+        </a:solidFill>
+        <a:latin typeface="+mn-lt"/>
+        <a:ea typeface="+mn-ea"/>
+        <a:cs typeface="+mn-cs"/>
+      </a:defRPr>
+    </a:lvl6pPr>
+    <a:lvl7pPr marL="2743200" algn="l" defTabSz="914400" rtl="0" eaLnBrk="1" latinLnBrk="1" hangingPunct="1">
+      <a:defRPr sz="1200" kern="1200">
+        <a:solidFill>
+          <a:schemeClr val="tx1"/>
+        </a:solidFill>
+        <a:latin typeface="+mn-lt"/>
+        <a:ea typeface="+mn-ea"/>
+        <a:cs typeface="+mn-cs"/>
+      </a:defRPr>
+    </a:lvl7pPr>
+    <a:lvl8pPr marL="3200400" algn="l" defTabSz="914400" rtl="0" eaLnBrk="1" latinLnBrk="1" hangingPunct="1">
+      <a:defRPr sz="1200" kern="1200">
+        <a:solidFill>
+          <a:schemeClr val="tx1"/>
+        </a:solidFill>
+        <a:latin typeface="+mn-lt"/>
+        <a:ea typeface="+mn-ea"/>
+        <a:cs typeface="+mn-cs"/>
+      </a:defRPr>
+    </a:lvl8pPr>
+    <a:lvl9pPr marL="3657600" algn="l" defTabSz="914400" rtl="0" eaLnBrk="1" latinLnBrk="1" hangingPunct="1">
+      <a:defRPr sz="1200" kern="1200">
+        <a:solidFill>
+          <a:schemeClr val="tx1"/>
+        </a:solidFill>
+        <a:latin typeface="+mn-lt"/>
+        <a:ea typeface="+mn-ea"/>
+        <a:cs typeface="+mn-cs"/>
+      </a:defRPr>
+    </a:lvl9pPr>
+  </p:notesStyle>
+</p:notesMaster>
+</file>
+
+<file path=ppt/notesSlides/notesSlide1.xml><?xml version="1.0" encoding="utf-8"?>
+<p:notes xmlns:a="http://schemas.openxmlformats.org/drawingml/2006/main" xmlns:r="http://schemas.openxmlformats.org/officeDocument/2006/relationships" xmlns:p="http://schemas.openxmlformats.org/presentationml/2006/main">
+  <p:cSld>
+    <p:spTree>
+      <p:nvGrpSpPr>
+        <p:cNvPr id="1" name=""/>
+        <p:cNvGrpSpPr/>
+        <p:nvPr/>
+      </p:nvGrpSpPr>
+      <p:grpSpPr>
+        <a:xfrm>
+          <a:off x="0" y="0"/>
+          <a:ext cx="0" cy="0"/>
+          <a:chOff x="0" y="0"/>
+          <a:chExt cx="0" cy="0"/>
+        </a:xfrm>
+      </p:grpSpPr>
+      <p:sp>
+        <p:nvSpPr>
+          <p:cNvPr id="2" name="슬라이드 이미지 개체 틀 1"/>
+          <p:cNvSpPr>
+            <a:spLocks noGrp="1" noRot="1" noChangeAspect="1"/>
+          </p:cNvSpPr>
+          <p:nvPr>
+            <p:ph type="sldImg"/>
+          </p:nvPr>
+        </p:nvSpPr>
+        <p:spPr/>
+      </p:sp>
+      <p:sp>
+        <p:nvSpPr>
+          <p:cNvPr id="3" name="슬라이드 노트 개체 틀 2"/>
+          <p:cNvSpPr>
+            <a:spLocks noGrp="1"/>
+          </p:cNvSpPr>
+          <p:nvPr>
+            <p:ph type="body" idx="1"/>
+          </p:nvPr>
+        </p:nvSpPr>
+        <p:spPr/>
+        <p:txBody>
+          <a:bodyPr/>
+          <a:lstStyle/>
+          <a:p>
+            <a:r>
+              <a:rPr lang="ko-KR" altLang="en-US" dirty="0" err="1" smtClean="0"/>
+              <a:t>괄호맞추기</a:t>
+            </a:r>
+            <a:r>
+              <a:rPr lang="en-US" altLang="ko-KR" dirty="0" smtClean="0"/>
+              <a:t>, </a:t>
+            </a:r>
+            <a:endParaRPr lang="ko-KR" altLang="en-US" dirty="0"/>
+          </a:p>
+        </p:txBody>
+      </p:sp>
+      <p:sp>
+        <p:nvSpPr>
+          <p:cNvPr id="4" name="슬라이드 번호 개체 틀 3"/>
+          <p:cNvSpPr>
+            <a:spLocks noGrp="1"/>
+          </p:cNvSpPr>
+          <p:nvPr>
+            <p:ph type="sldNum" sz="quarter" idx="10"/>
+          </p:nvPr>
+        </p:nvSpPr>
+        <p:spPr/>
+        <p:txBody>
+          <a:bodyPr/>
+          <a:lstStyle/>
+          <a:p>
+            <a:fld id="{363DE918-169C-4652-A68E-DF6F6714EEFF}" type="slidenum">
+              <a:rPr lang="ko-KR" altLang="en-US" smtClean="0"/>
+              <a:t>2</a:t>
+            </a:fld>
+            <a:endParaRPr lang="ko-KR" altLang="en-US"/>
+          </a:p>
+        </p:txBody>
+      </p:sp>
+    </p:spTree>
+    <p:extLst>
+      <p:ext uri="{BB962C8B-B14F-4D97-AF65-F5344CB8AC3E}">
+        <p14:creationId xmlns:p14="http://schemas.microsoft.com/office/powerpoint/2010/main" val="927214642"/>
+      </p:ext>
+    </p:extLst>
+  </p:cSld>
+  <p:clrMapOvr>
+    <a:masterClrMapping/>
+  </p:clrMapOvr>
+</p:notes>
+</file>
+
+<file path=ppt/notesSlides/notesSlide2.xml><?xml version="1.0" encoding="utf-8"?>
+<p:notes xmlns:a="http://schemas.openxmlformats.org/drawingml/2006/main" xmlns:r="http://schemas.openxmlformats.org/officeDocument/2006/relationships" xmlns:p="http://schemas.openxmlformats.org/presentationml/2006/main">
+  <p:cSld>
+    <p:spTree>
+      <p:nvGrpSpPr>
+        <p:cNvPr id="1" name=""/>
+        <p:cNvGrpSpPr/>
+        <p:nvPr/>
+      </p:nvGrpSpPr>
+      <p:grpSpPr>
+        <a:xfrm>
+          <a:off x="0" y="0"/>
+          <a:ext cx="0" cy="0"/>
+          <a:chOff x="0" y="0"/>
+          <a:chExt cx="0" cy="0"/>
+        </a:xfrm>
+      </p:grpSpPr>
+      <p:sp>
+        <p:nvSpPr>
+          <p:cNvPr id="2" name="슬라이드 이미지 개체 틀 1"/>
+          <p:cNvSpPr>
+            <a:spLocks noGrp="1" noRot="1" noChangeAspect="1"/>
+          </p:cNvSpPr>
+          <p:nvPr>
+            <p:ph type="sldImg"/>
+          </p:nvPr>
+        </p:nvSpPr>
+        <p:spPr/>
+      </p:sp>
+      <p:sp>
+        <p:nvSpPr>
+          <p:cNvPr id="3" name="슬라이드 노트 개체 틀 2"/>
+          <p:cNvSpPr>
+            <a:spLocks noGrp="1"/>
+          </p:cNvSpPr>
+          <p:nvPr>
+            <p:ph type="body" idx="1"/>
+          </p:nvPr>
+        </p:nvSpPr>
+        <p:spPr/>
+        <p:txBody>
+          <a:bodyPr/>
+          <a:lstStyle/>
+          <a:p>
+            <a:endParaRPr lang="ko-KR" altLang="en-US" dirty="0"/>
+          </a:p>
+        </p:txBody>
+      </p:sp>
+      <p:sp>
+        <p:nvSpPr>
+          <p:cNvPr id="4" name="슬라이드 번호 개체 틀 3"/>
+          <p:cNvSpPr>
+            <a:spLocks noGrp="1"/>
+          </p:cNvSpPr>
+          <p:nvPr>
+            <p:ph type="sldNum" sz="quarter" idx="10"/>
+          </p:nvPr>
+        </p:nvSpPr>
+        <p:spPr/>
+        <p:txBody>
+          <a:bodyPr/>
+          <a:lstStyle/>
+          <a:p>
+            <a:fld id="{363DE918-169C-4652-A68E-DF6F6714EEFF}" type="slidenum">
+              <a:rPr lang="ko-KR" altLang="en-US" smtClean="0"/>
+              <a:t>10</a:t>
+            </a:fld>
+            <a:endParaRPr lang="ko-KR" altLang="en-US"/>
+          </a:p>
+        </p:txBody>
+      </p:sp>
+    </p:spTree>
+    <p:extLst>
+      <p:ext uri="{BB962C8B-B14F-4D97-AF65-F5344CB8AC3E}">
+        <p14:creationId xmlns:p14="http://schemas.microsoft.com/office/powerpoint/2010/main" val="3963104445"/>
+      </p:ext>
+    </p:extLst>
+  </p:cSld>
+  <p:clrMapOvr>
+    <a:masterClrMapping/>
+  </p:clrMapOvr>
+</p:notes>
+</file>
+
+<file path=ppt/notesSlides/notesSlide3.xml><?xml version="1.0" encoding="utf-8"?>
+<p:notes xmlns:a="http://schemas.openxmlformats.org/drawingml/2006/main" xmlns:r="http://schemas.openxmlformats.org/officeDocument/2006/relationships" xmlns:p="http://schemas.openxmlformats.org/presentationml/2006/main">
+  <p:cSld>
+    <p:spTree>
+      <p:nvGrpSpPr>
+        <p:cNvPr id="1" name=""/>
+        <p:cNvGrpSpPr/>
+        <p:nvPr/>
+      </p:nvGrpSpPr>
+      <p:grpSpPr>
+        <a:xfrm>
+          <a:off x="0" y="0"/>
+          <a:ext cx="0" cy="0"/>
+          <a:chOff x="0" y="0"/>
+          <a:chExt cx="0" cy="0"/>
+        </a:xfrm>
+      </p:grpSpPr>
+      <p:sp>
+        <p:nvSpPr>
+          <p:cNvPr id="2" name="슬라이드 이미지 개체 틀 1"/>
+          <p:cNvSpPr>
+            <a:spLocks noGrp="1" noRot="1" noChangeAspect="1"/>
+          </p:cNvSpPr>
+          <p:nvPr>
+            <p:ph type="sldImg"/>
+          </p:nvPr>
+        </p:nvSpPr>
+        <p:spPr/>
+      </p:sp>
+      <p:sp>
+        <p:nvSpPr>
+          <p:cNvPr id="3" name="슬라이드 노트 개체 틀 2"/>
+          <p:cNvSpPr>
+            <a:spLocks noGrp="1"/>
+          </p:cNvSpPr>
+          <p:nvPr>
+            <p:ph type="body" idx="1"/>
+          </p:nvPr>
+        </p:nvSpPr>
+        <p:spPr/>
+        <p:txBody>
+          <a:bodyPr/>
+          <a:lstStyle/>
+          <a:p>
+            <a:pPr marL="0" marR="0" indent="0" algn="l" defTabSz="914400" rtl="0" eaLnBrk="1" fontAlgn="auto" latinLnBrk="1" hangingPunct="1">
+              <a:lnSpc>
+                <a:spcPct val="100000"/>
+              </a:lnSpc>
+              <a:spcBef>
+                <a:spcPts val="0"/>
+              </a:spcBef>
+              <a:spcAft>
+                <a:spcPts val="0"/>
+              </a:spcAft>
+              <a:buClrTx/>
+              <a:buSzTx/>
+              <a:buFontTx/>
+              <a:buNone/>
+              <a:tabLst/>
+              <a:defRPr/>
+            </a:pPr>
+            <a:r>
+              <a:rPr lang="ko-KR" altLang="en-US" dirty="0" smtClean="0"/>
+              <a:t>출처</a:t>
+            </a:r>
+            <a:r>
+              <a:rPr lang="en-US" altLang="ko-KR" dirty="0" smtClean="0"/>
+              <a:t>: </a:t>
+            </a:r>
+            <a:r>
+              <a:rPr lang="en-US" altLang="ko-KR" dirty="0" smtClean="0">
+                <a:hlinkClick r:id="rId3"/>
+              </a:rPr>
+              <a:t>https://daimhada.tistory.com/72?category=820522</a:t>
+            </a:r>
+            <a:endParaRPr lang="ko-KR" altLang="en-US" dirty="0" smtClean="0"/>
+          </a:p>
+          <a:p>
+            <a:endParaRPr lang="ko-KR" altLang="en-US" dirty="0"/>
+          </a:p>
+        </p:txBody>
+      </p:sp>
+      <p:sp>
+        <p:nvSpPr>
+          <p:cNvPr id="4" name="슬라이드 번호 개체 틀 3"/>
+          <p:cNvSpPr>
+            <a:spLocks noGrp="1"/>
+          </p:cNvSpPr>
+          <p:nvPr>
+            <p:ph type="sldNum" sz="quarter" idx="10"/>
+          </p:nvPr>
+        </p:nvSpPr>
+        <p:spPr/>
+        <p:txBody>
+          <a:bodyPr/>
+          <a:lstStyle/>
+          <a:p>
+            <a:fld id="{363DE918-169C-4652-A68E-DF6F6714EEFF}" type="slidenum">
+              <a:rPr lang="ko-KR" altLang="en-US" smtClean="0"/>
+              <a:t>11</a:t>
+            </a:fld>
+            <a:endParaRPr lang="ko-KR" altLang="en-US"/>
+          </a:p>
+        </p:txBody>
+      </p:sp>
+    </p:spTree>
+    <p:extLst>
+      <p:ext uri="{BB962C8B-B14F-4D97-AF65-F5344CB8AC3E}">
+        <p14:creationId xmlns:p14="http://schemas.microsoft.com/office/powerpoint/2010/main" val="2636546203"/>
+      </p:ext>
+    </p:extLst>
+  </p:cSld>
+  <p:clrMapOvr>
+    <a:masterClrMapping/>
+  </p:clrMapOvr>
+</p:notes>
+</file>
+
+<file path=ppt/notesSlides/notesSlide4.xml><?xml version="1.0" encoding="utf-8"?>
+<p:notes xmlns:a="http://schemas.openxmlformats.org/drawingml/2006/main" xmlns:r="http://schemas.openxmlformats.org/officeDocument/2006/relationships" xmlns:p="http://schemas.openxmlformats.org/presentationml/2006/main">
+  <p:cSld>
+    <p:spTree>
+      <p:nvGrpSpPr>
+        <p:cNvPr id="1" name=""/>
+        <p:cNvGrpSpPr/>
+        <p:nvPr/>
+      </p:nvGrpSpPr>
+      <p:grpSpPr>
+        <a:xfrm>
+          <a:off x="0" y="0"/>
+          <a:ext cx="0" cy="0"/>
+          <a:chOff x="0" y="0"/>
+          <a:chExt cx="0" cy="0"/>
+        </a:xfrm>
+      </p:grpSpPr>
+      <p:sp>
+        <p:nvSpPr>
+          <p:cNvPr id="2" name="슬라이드 이미지 개체 틀 1"/>
+          <p:cNvSpPr>
+            <a:spLocks noGrp="1" noRot="1" noChangeAspect="1"/>
+          </p:cNvSpPr>
+          <p:nvPr>
+            <p:ph type="sldImg"/>
+          </p:nvPr>
+        </p:nvSpPr>
+        <p:spPr/>
+      </p:sp>
+      <p:sp>
+        <p:nvSpPr>
+          <p:cNvPr id="3" name="슬라이드 노트 개체 틀 2"/>
+          <p:cNvSpPr>
+            <a:spLocks noGrp="1"/>
+          </p:cNvSpPr>
+          <p:nvPr>
+            <p:ph type="body" idx="1"/>
+          </p:nvPr>
+        </p:nvSpPr>
+        <p:spPr/>
+        <p:txBody>
+          <a:bodyPr/>
+          <a:lstStyle/>
+          <a:p>
+            <a:r>
+              <a:rPr lang="ko-KR" altLang="en-US" dirty="0" smtClean="0"/>
+              <a:t>출처 </a:t>
+            </a:r>
+            <a:r>
+              <a:rPr lang="en-US" altLang="ko-KR" dirty="0" smtClean="0"/>
+              <a:t>: </a:t>
+            </a:r>
+            <a:r>
+              <a:rPr lang="en-US" altLang="ko-KR" dirty="0" smtClean="0">
+                <a:hlinkClick r:id="rId3"/>
+              </a:rPr>
+              <a:t>https://wayhome25.github.io/cs/2017/04/18/cs-21/</a:t>
+            </a:r>
+            <a:endParaRPr lang="ko-KR" altLang="en-US" dirty="0"/>
+          </a:p>
+        </p:txBody>
+      </p:sp>
+      <p:sp>
+        <p:nvSpPr>
+          <p:cNvPr id="4" name="슬라이드 번호 개체 틀 3"/>
+          <p:cNvSpPr>
+            <a:spLocks noGrp="1"/>
+          </p:cNvSpPr>
+          <p:nvPr>
+            <p:ph type="sldNum" sz="quarter" idx="10"/>
+          </p:nvPr>
+        </p:nvSpPr>
+        <p:spPr/>
+        <p:txBody>
+          <a:bodyPr/>
+          <a:lstStyle/>
+          <a:p>
+            <a:fld id="{363DE918-169C-4652-A68E-DF6F6714EEFF}" type="slidenum">
+              <a:rPr lang="ko-KR" altLang="en-US" smtClean="0"/>
+              <a:t>19</a:t>
+            </a:fld>
+            <a:endParaRPr lang="ko-KR" altLang="en-US"/>
+          </a:p>
+        </p:txBody>
+      </p:sp>
+    </p:spTree>
+    <p:extLst>
+      <p:ext uri="{BB962C8B-B14F-4D97-AF65-F5344CB8AC3E}">
+        <p14:creationId xmlns:p14="http://schemas.microsoft.com/office/powerpoint/2010/main" val="898800389"/>
+      </p:ext>
+    </p:extLst>
+  </p:cSld>
+  <p:clrMapOvr>
+    <a:masterClrMapping/>
+  </p:clrMapOvr>
+</p:notes>
+</file>
+
+<file path=ppt/notesSlides/notesSlide5.xml><?xml version="1.0" encoding="utf-8"?>
+<p:notes xmlns:a="http://schemas.openxmlformats.org/drawingml/2006/main" xmlns:r="http://schemas.openxmlformats.org/officeDocument/2006/relationships" xmlns:p="http://schemas.openxmlformats.org/presentationml/2006/main">
+  <p:cSld>
+    <p:spTree>
+      <p:nvGrpSpPr>
+        <p:cNvPr id="1" name=""/>
+        <p:cNvGrpSpPr/>
+        <p:nvPr/>
+      </p:nvGrpSpPr>
+      <p:grpSpPr>
+        <a:xfrm>
+          <a:off x="0" y="0"/>
+          <a:ext cx="0" cy="0"/>
+          <a:chOff x="0" y="0"/>
+          <a:chExt cx="0" cy="0"/>
+        </a:xfrm>
+      </p:grpSpPr>
+      <p:sp>
+        <p:nvSpPr>
+          <p:cNvPr id="2" name="슬라이드 이미지 개체 틀 1"/>
+          <p:cNvSpPr>
+            <a:spLocks noGrp="1" noRot="1" noChangeAspect="1"/>
+          </p:cNvSpPr>
+          <p:nvPr>
+            <p:ph type="sldImg"/>
+          </p:nvPr>
+        </p:nvSpPr>
+        <p:spPr/>
+      </p:sp>
+      <p:sp>
+        <p:nvSpPr>
+          <p:cNvPr id="3" name="슬라이드 노트 개체 틀 2"/>
+          <p:cNvSpPr>
+            <a:spLocks noGrp="1"/>
+          </p:cNvSpPr>
+          <p:nvPr>
+            <p:ph type="body" idx="1"/>
+          </p:nvPr>
+        </p:nvSpPr>
+        <p:spPr/>
+        <p:txBody>
+          <a:bodyPr/>
+          <a:lstStyle/>
+          <a:p>
+            <a:r>
+              <a:rPr lang="ko-KR" altLang="en-US" dirty="0" smtClean="0"/>
+              <a:t>출처 </a:t>
+            </a:r>
+            <a:r>
+              <a:rPr lang="en-US" altLang="ko-KR" dirty="0" smtClean="0"/>
+              <a:t>: </a:t>
+            </a:r>
+            <a:r>
+              <a:rPr lang="en-US" altLang="ko-KR" dirty="0" smtClean="0">
+                <a:hlinkClick r:id="rId3"/>
+              </a:rPr>
+              <a:t>https://wayhome25.github.io/cs/2017/04/18/cs-21/</a:t>
+            </a:r>
+            <a:endParaRPr lang="en-US" altLang="ko-KR" dirty="0" smtClean="0"/>
+          </a:p>
+          <a:p>
+            <a:r>
+              <a:rPr lang="en-US" altLang="ko-KR" baseline="0" dirty="0" smtClean="0"/>
+              <a:t>        </a:t>
+            </a:r>
+            <a:r>
+              <a:rPr lang="en-US" altLang="ko-KR" dirty="0" smtClean="0">
+                <a:hlinkClick r:id="rId4"/>
+              </a:rPr>
+              <a:t>https://daimhada.tistory.com/107?category=820522</a:t>
+            </a:r>
+            <a:endParaRPr lang="en-US" altLang="ko-KR" dirty="0" smtClean="0"/>
+          </a:p>
+          <a:p>
+            <a:endParaRPr lang="en-US" altLang="ko-KR" dirty="0" smtClean="0"/>
+          </a:p>
+          <a:p>
+            <a:r>
+              <a:rPr lang="en-US" altLang="ko-KR" dirty="0" smtClean="0">
+                <a:hlinkClick r:id="rId5"/>
+              </a:rPr>
+              <a:t>https://daimhada.tistory.com/56</a:t>
+            </a:r>
+            <a:r>
+              <a:rPr lang="en-US" altLang="ko-KR" dirty="0" smtClean="0"/>
+              <a:t> : </a:t>
+            </a:r>
+            <a:r>
+              <a:rPr lang="ko-KR" altLang="en-US" dirty="0" smtClean="0"/>
+              <a:t>내장 함수의 시간 복잡도</a:t>
+            </a:r>
+            <a:r>
+              <a:rPr lang="en-US" altLang="ko-KR" dirty="0" smtClean="0"/>
+              <a:t>(big</a:t>
+            </a:r>
+            <a:r>
+              <a:rPr lang="en-US" altLang="ko-KR" baseline="0" dirty="0" smtClean="0"/>
+              <a:t> O)</a:t>
+            </a:r>
+            <a:endParaRPr lang="ko-KR" altLang="en-US" dirty="0"/>
+          </a:p>
+        </p:txBody>
+      </p:sp>
+      <p:sp>
+        <p:nvSpPr>
+          <p:cNvPr id="4" name="슬라이드 번호 개체 틀 3"/>
+          <p:cNvSpPr>
+            <a:spLocks noGrp="1"/>
+          </p:cNvSpPr>
+          <p:nvPr>
+            <p:ph type="sldNum" sz="quarter" idx="10"/>
+          </p:nvPr>
+        </p:nvSpPr>
+        <p:spPr/>
+        <p:txBody>
+          <a:bodyPr/>
+          <a:lstStyle/>
+          <a:p>
+            <a:fld id="{363DE918-169C-4652-A68E-DF6F6714EEFF}" type="slidenum">
+              <a:rPr lang="ko-KR" altLang="en-US" smtClean="0"/>
+              <a:t>20</a:t>
+            </a:fld>
+            <a:endParaRPr lang="ko-KR" altLang="en-US"/>
+          </a:p>
+        </p:txBody>
+      </p:sp>
+    </p:spTree>
+    <p:extLst>
+      <p:ext uri="{BB962C8B-B14F-4D97-AF65-F5344CB8AC3E}">
+        <p14:creationId xmlns:p14="http://schemas.microsoft.com/office/powerpoint/2010/main" val="1527747891"/>
+      </p:ext>
+    </p:extLst>
+  </p:cSld>
+  <p:clrMapOvr>
+    <a:masterClrMapping/>
+  </p:clrMapOvr>
+</p:notes>
+</file>
+
+<file path=ppt/notesSlides/notesSlide6.xml><?xml version="1.0" encoding="utf-8"?>
+<p:notes xmlns:a="http://schemas.openxmlformats.org/drawingml/2006/main" xmlns:r="http://schemas.openxmlformats.org/officeDocument/2006/relationships" xmlns:p="http://schemas.openxmlformats.org/presentationml/2006/main">
+  <p:cSld>
+    <p:spTree>
+      <p:nvGrpSpPr>
+        <p:cNvPr id="1" name=""/>
+        <p:cNvGrpSpPr/>
+        <p:nvPr/>
+      </p:nvGrpSpPr>
+      <p:grpSpPr>
+        <a:xfrm>
+          <a:off x="0" y="0"/>
+          <a:ext cx="0" cy="0"/>
+          <a:chOff x="0" y="0"/>
+          <a:chExt cx="0" cy="0"/>
+        </a:xfrm>
+      </p:grpSpPr>
+      <p:sp>
+        <p:nvSpPr>
+          <p:cNvPr id="2" name="슬라이드 이미지 개체 틀 1"/>
+          <p:cNvSpPr>
+            <a:spLocks noGrp="1" noRot="1" noChangeAspect="1"/>
+          </p:cNvSpPr>
+          <p:nvPr>
+            <p:ph type="sldImg"/>
+          </p:nvPr>
+        </p:nvSpPr>
+        <p:spPr/>
+      </p:sp>
+      <p:sp>
+        <p:nvSpPr>
+          <p:cNvPr id="3" name="슬라이드 노트 개체 틀 2"/>
+          <p:cNvSpPr>
+            <a:spLocks noGrp="1"/>
+          </p:cNvSpPr>
+          <p:nvPr>
+            <p:ph type="body" idx="1"/>
+          </p:nvPr>
+        </p:nvSpPr>
+        <p:spPr/>
+        <p:txBody>
+          <a:bodyPr/>
+          <a:lstStyle/>
+          <a:p>
+            <a:r>
+              <a:rPr lang="ko-KR" altLang="en-US" dirty="0" smtClean="0"/>
+              <a:t>출처 </a:t>
+            </a:r>
+            <a:r>
+              <a:rPr lang="en-US" altLang="ko-KR" dirty="0" smtClean="0"/>
+              <a:t>: </a:t>
+            </a:r>
+            <a:r>
+              <a:rPr lang="en-US" altLang="ko-KR" dirty="0" smtClean="0">
+                <a:hlinkClick r:id="rId3"/>
+              </a:rPr>
+              <a:t>https://wayhome25.github.io/cs/2017/04/18/cs-21/</a:t>
+            </a:r>
+            <a:endParaRPr lang="en-US" altLang="ko-KR" dirty="0" smtClean="0"/>
+          </a:p>
+          <a:p>
+            <a:r>
+              <a:rPr lang="en-US" altLang="ko-KR" baseline="0" dirty="0" smtClean="0"/>
+              <a:t>        </a:t>
+            </a:r>
+            <a:r>
+              <a:rPr lang="en-US" altLang="ko-KR" dirty="0" smtClean="0">
+                <a:hlinkClick r:id="rId4"/>
+              </a:rPr>
+              <a:t>https://daimhada.tistory.com/107?category=820522</a:t>
+            </a:r>
+            <a:endParaRPr lang="ko-KR" altLang="en-US" dirty="0"/>
+          </a:p>
+        </p:txBody>
+      </p:sp>
+      <p:sp>
+        <p:nvSpPr>
+          <p:cNvPr id="4" name="슬라이드 번호 개체 틀 3"/>
+          <p:cNvSpPr>
+            <a:spLocks noGrp="1"/>
+          </p:cNvSpPr>
+          <p:nvPr>
+            <p:ph type="sldNum" sz="quarter" idx="10"/>
+          </p:nvPr>
+        </p:nvSpPr>
+        <p:spPr/>
+        <p:txBody>
+          <a:bodyPr/>
+          <a:lstStyle/>
+          <a:p>
+            <a:fld id="{363DE918-169C-4652-A68E-DF6F6714EEFF}" type="slidenum">
+              <a:rPr lang="ko-KR" altLang="en-US" smtClean="0"/>
+              <a:t>21</a:t>
+            </a:fld>
+            <a:endParaRPr lang="ko-KR" altLang="en-US"/>
+          </a:p>
+        </p:txBody>
+      </p:sp>
+    </p:spTree>
+    <p:extLst>
+      <p:ext uri="{BB962C8B-B14F-4D97-AF65-F5344CB8AC3E}">
+        <p14:creationId xmlns:p14="http://schemas.microsoft.com/office/powerpoint/2010/main" val="1313518604"/>
+      </p:ext>
+    </p:extLst>
+  </p:cSld>
+  <p:clrMapOvr>
+    <a:masterClrMapping/>
+  </p:clrMapOvr>
+</p:notes>
+</file>
+
+<file path=ppt/notesSlides/notesSlide7.xml><?xml version="1.0" encoding="utf-8"?>
+<p:notes xmlns:a="http://schemas.openxmlformats.org/drawingml/2006/main" xmlns:r="http://schemas.openxmlformats.org/officeDocument/2006/relationships" xmlns:p="http://schemas.openxmlformats.org/presentationml/2006/main">
+  <p:cSld>
+    <p:spTree>
+      <p:nvGrpSpPr>
+        <p:cNvPr id="1" name=""/>
+        <p:cNvGrpSpPr/>
+        <p:nvPr/>
+      </p:nvGrpSpPr>
+      <p:grpSpPr>
+        <a:xfrm>
+          <a:off x="0" y="0"/>
+          <a:ext cx="0" cy="0"/>
+          <a:chOff x="0" y="0"/>
+          <a:chExt cx="0" cy="0"/>
+        </a:xfrm>
+      </p:grpSpPr>
+      <p:sp>
+        <p:nvSpPr>
+          <p:cNvPr id="2" name="슬라이드 이미지 개체 틀 1"/>
+          <p:cNvSpPr>
+            <a:spLocks noGrp="1" noRot="1" noChangeAspect="1"/>
+          </p:cNvSpPr>
+          <p:nvPr>
+            <p:ph type="sldImg"/>
+          </p:nvPr>
+        </p:nvSpPr>
+        <p:spPr/>
+      </p:sp>
+      <p:sp>
+        <p:nvSpPr>
+          <p:cNvPr id="3" name="슬라이드 노트 개체 틀 2"/>
+          <p:cNvSpPr>
+            <a:spLocks noGrp="1"/>
+          </p:cNvSpPr>
+          <p:nvPr>
+            <p:ph type="body" idx="1"/>
+          </p:nvPr>
+        </p:nvSpPr>
+        <p:spPr/>
+        <p:txBody>
+          <a:bodyPr/>
+          <a:lstStyle/>
+          <a:p>
+            <a:r>
+              <a:rPr lang="ko-KR" altLang="en-US" dirty="0" smtClean="0"/>
+              <a:t>출처 </a:t>
+            </a:r>
+            <a:r>
+              <a:rPr lang="en-US" altLang="ko-KR" dirty="0" smtClean="0"/>
+              <a:t>: </a:t>
+            </a:r>
+            <a:r>
+              <a:rPr lang="en-US" altLang="ko-KR" dirty="0" smtClean="0">
+                <a:hlinkClick r:id="rId3"/>
+              </a:rPr>
+              <a:t>https://wayhome25.github.io/cs/2017/04/18/cs-21/</a:t>
+            </a:r>
+            <a:endParaRPr lang="en-US" altLang="ko-KR" dirty="0" smtClean="0"/>
+          </a:p>
+          <a:p>
+            <a:r>
+              <a:rPr lang="en-US" altLang="ko-KR" baseline="0" dirty="0" smtClean="0"/>
+              <a:t>        </a:t>
+            </a:r>
+            <a:r>
+              <a:rPr lang="en-US" altLang="ko-KR" dirty="0" smtClean="0">
+                <a:hlinkClick r:id="rId4"/>
+              </a:rPr>
+              <a:t>https://daimhada.tistory.com/107?category=820522</a:t>
+            </a:r>
+            <a:endParaRPr lang="ko-KR" altLang="en-US" dirty="0"/>
+          </a:p>
+        </p:txBody>
+      </p:sp>
+      <p:sp>
+        <p:nvSpPr>
+          <p:cNvPr id="4" name="슬라이드 번호 개체 틀 3"/>
+          <p:cNvSpPr>
+            <a:spLocks noGrp="1"/>
+          </p:cNvSpPr>
+          <p:nvPr>
+            <p:ph type="sldNum" sz="quarter" idx="10"/>
+          </p:nvPr>
+        </p:nvSpPr>
+        <p:spPr/>
+        <p:txBody>
+          <a:bodyPr/>
+          <a:lstStyle/>
+          <a:p>
+            <a:fld id="{363DE918-169C-4652-A68E-DF6F6714EEFF}" type="slidenum">
+              <a:rPr lang="ko-KR" altLang="en-US" smtClean="0"/>
+              <a:t>22</a:t>
+            </a:fld>
+            <a:endParaRPr lang="ko-KR" altLang="en-US"/>
+          </a:p>
+        </p:txBody>
+      </p:sp>
+    </p:spTree>
+    <p:extLst>
+      <p:ext uri="{BB962C8B-B14F-4D97-AF65-F5344CB8AC3E}">
+        <p14:creationId xmlns:p14="http://schemas.microsoft.com/office/powerpoint/2010/main" val="3446881541"/>
+      </p:ext>
+    </p:extLst>
+  </p:cSld>
+  <p:clrMapOvr>
+    <a:masterClrMapping/>
+  </p:clrMapOvr>
+</p:notes>
+</file>
+
+<file path=ppt/notesSlides/notesSlide8.xml><?xml version="1.0" encoding="utf-8"?>
+<p:notes xmlns:a="http://schemas.openxmlformats.org/drawingml/2006/main" xmlns:r="http://schemas.openxmlformats.org/officeDocument/2006/relationships" xmlns:p="http://schemas.openxmlformats.org/presentationml/2006/main">
+  <p:cSld>
+    <p:spTree>
+      <p:nvGrpSpPr>
+        <p:cNvPr id="1" name=""/>
+        <p:cNvGrpSpPr/>
+        <p:nvPr/>
+      </p:nvGrpSpPr>
+      <p:grpSpPr>
+        <a:xfrm>
+          <a:off x="0" y="0"/>
+          <a:ext cx="0" cy="0"/>
+          <a:chOff x="0" y="0"/>
+          <a:chExt cx="0" cy="0"/>
+        </a:xfrm>
+      </p:grpSpPr>
+      <p:sp>
+        <p:nvSpPr>
+          <p:cNvPr id="2" name="슬라이드 이미지 개체 틀 1"/>
+          <p:cNvSpPr>
+            <a:spLocks noGrp="1" noRot="1" noChangeAspect="1"/>
+          </p:cNvSpPr>
+          <p:nvPr>
+            <p:ph type="sldImg"/>
+          </p:nvPr>
+        </p:nvSpPr>
+        <p:spPr/>
+      </p:sp>
+      <p:sp>
+        <p:nvSpPr>
+          <p:cNvPr id="3" name="슬라이드 노트 개체 틀 2"/>
+          <p:cNvSpPr>
+            <a:spLocks noGrp="1"/>
+          </p:cNvSpPr>
+          <p:nvPr>
+            <p:ph type="body" idx="1"/>
+          </p:nvPr>
+        </p:nvSpPr>
+        <p:spPr/>
+        <p:txBody>
+          <a:bodyPr/>
+          <a:lstStyle/>
+          <a:p>
+            <a:r>
+              <a:rPr lang="ko-KR" altLang="en-US" dirty="0" smtClean="0"/>
+              <a:t>출처 </a:t>
+            </a:r>
+            <a:r>
+              <a:rPr lang="en-US" altLang="ko-KR" dirty="0" smtClean="0"/>
+              <a:t>: </a:t>
+            </a:r>
+            <a:r>
+              <a:rPr lang="en-US" altLang="ko-KR" dirty="0" smtClean="0">
+                <a:hlinkClick r:id="rId3"/>
+              </a:rPr>
+              <a:t>https://www.acmicpc.net/problem/10828</a:t>
+            </a:r>
+            <a:endParaRPr lang="en-US" altLang="ko-KR" dirty="0" smtClean="0"/>
+          </a:p>
+          <a:p>
+            <a:r>
+              <a:rPr lang="en-US" altLang="ko-KR" baseline="0" dirty="0" smtClean="0"/>
+              <a:t>        </a:t>
+            </a:r>
+            <a:r>
+              <a:rPr lang="en-US" altLang="ko-KR" dirty="0" smtClean="0">
+                <a:hlinkClick r:id="rId4"/>
+              </a:rPr>
+              <a:t>https://chunghyup.tistory.com/37</a:t>
+            </a:r>
+            <a:endParaRPr lang="ko-KR" altLang="en-US" dirty="0"/>
+          </a:p>
+        </p:txBody>
+      </p:sp>
+      <p:sp>
+        <p:nvSpPr>
+          <p:cNvPr id="4" name="슬라이드 번호 개체 틀 3"/>
+          <p:cNvSpPr>
+            <a:spLocks noGrp="1"/>
+          </p:cNvSpPr>
+          <p:nvPr>
+            <p:ph type="sldNum" sz="quarter" idx="10"/>
+          </p:nvPr>
+        </p:nvSpPr>
+        <p:spPr/>
+        <p:txBody>
+          <a:bodyPr/>
+          <a:lstStyle/>
+          <a:p>
+            <a:fld id="{363DE918-169C-4652-A68E-DF6F6714EEFF}" type="slidenum">
+              <a:rPr lang="ko-KR" altLang="en-US" smtClean="0"/>
+              <a:t>23</a:t>
+            </a:fld>
+            <a:endParaRPr lang="ko-KR" altLang="en-US"/>
+          </a:p>
+        </p:txBody>
+      </p:sp>
+    </p:spTree>
+    <p:extLst>
+      <p:ext uri="{BB962C8B-B14F-4D97-AF65-F5344CB8AC3E}">
+        <p14:creationId xmlns:p14="http://schemas.microsoft.com/office/powerpoint/2010/main" val="1402027702"/>
+      </p:ext>
+    </p:extLst>
+  </p:cSld>
+  <p:clrMapOvr>
+    <a:masterClrMapping/>
+  </p:clrMapOvr>
+</p:notes>
+</file>
+
+<file path=ppt/notesSlides/notesSlide9.xml><?xml version="1.0" encoding="utf-8"?>
+<p:notes xmlns:a="http://schemas.openxmlformats.org/drawingml/2006/main" xmlns:r="http://schemas.openxmlformats.org/officeDocument/2006/relationships" xmlns:p="http://schemas.openxmlformats.org/presentationml/2006/main">
+  <p:cSld>
+    <p:spTree>
+      <p:nvGrpSpPr>
+        <p:cNvPr id="1" name=""/>
+        <p:cNvGrpSpPr/>
+        <p:nvPr/>
+      </p:nvGrpSpPr>
+      <p:grpSpPr>
+        <a:xfrm>
+          <a:off x="0" y="0"/>
+          <a:ext cx="0" cy="0"/>
+          <a:chOff x="0" y="0"/>
+          <a:chExt cx="0" cy="0"/>
+        </a:xfrm>
+      </p:grpSpPr>
+      <p:sp>
+        <p:nvSpPr>
+          <p:cNvPr id="2" name="슬라이드 이미지 개체 틀 1"/>
+          <p:cNvSpPr>
+            <a:spLocks noGrp="1" noRot="1" noChangeAspect="1"/>
+          </p:cNvSpPr>
+          <p:nvPr>
+            <p:ph type="sldImg"/>
+          </p:nvPr>
+        </p:nvSpPr>
+        <p:spPr/>
+      </p:sp>
+      <p:sp>
+        <p:nvSpPr>
+          <p:cNvPr id="3" name="슬라이드 노트 개체 틀 2"/>
+          <p:cNvSpPr>
+            <a:spLocks noGrp="1"/>
+          </p:cNvSpPr>
+          <p:nvPr>
+            <p:ph type="body" idx="1"/>
+          </p:nvPr>
+        </p:nvSpPr>
+        <p:spPr/>
+        <p:txBody>
+          <a:bodyPr/>
+          <a:lstStyle/>
+          <a:p>
+            <a:r>
+              <a:rPr lang="ko-KR" altLang="en-US" dirty="0" smtClean="0"/>
+              <a:t>출처 </a:t>
+            </a:r>
+            <a:r>
+              <a:rPr lang="en-US" altLang="ko-KR" dirty="0" smtClean="0"/>
+              <a:t>: </a:t>
+            </a:r>
+            <a:r>
+              <a:rPr lang="en-US" altLang="ko-KR" dirty="0" smtClean="0">
+                <a:hlinkClick r:id="rId3"/>
+              </a:rPr>
+              <a:t>https://www.acmicpc.net/problem/10828</a:t>
+            </a:r>
+            <a:endParaRPr lang="en-US" altLang="ko-KR" dirty="0" smtClean="0"/>
+          </a:p>
+          <a:p>
+            <a:r>
+              <a:rPr lang="en-US" altLang="ko-KR" baseline="0" dirty="0" smtClean="0"/>
+              <a:t>        </a:t>
+            </a:r>
+            <a:r>
+              <a:rPr lang="en-US" altLang="ko-KR" dirty="0" smtClean="0">
+                <a:hlinkClick r:id="rId4"/>
+              </a:rPr>
+              <a:t>https://chunghyup.tistory.com/37</a:t>
+            </a:r>
+            <a:endParaRPr lang="ko-KR" altLang="en-US" dirty="0"/>
+          </a:p>
+        </p:txBody>
+      </p:sp>
+      <p:sp>
+        <p:nvSpPr>
+          <p:cNvPr id="4" name="슬라이드 번호 개체 틀 3"/>
+          <p:cNvSpPr>
+            <a:spLocks noGrp="1"/>
+          </p:cNvSpPr>
+          <p:nvPr>
+            <p:ph type="sldNum" sz="quarter" idx="10"/>
+          </p:nvPr>
+        </p:nvSpPr>
+        <p:spPr/>
+        <p:txBody>
+          <a:bodyPr/>
+          <a:lstStyle/>
+          <a:p>
+            <a:fld id="{363DE918-169C-4652-A68E-DF6F6714EEFF}" type="slidenum">
+              <a:rPr lang="ko-KR" altLang="en-US" smtClean="0"/>
+              <a:t>24</a:t>
+            </a:fld>
+            <a:endParaRPr lang="ko-KR" altLang="en-US"/>
+          </a:p>
+        </p:txBody>
+      </p:sp>
+    </p:spTree>
+    <p:extLst>
+      <p:ext uri="{BB962C8B-B14F-4D97-AF65-F5344CB8AC3E}">
+        <p14:creationId xmlns:p14="http://schemas.microsoft.com/office/powerpoint/2010/main" val="775003664"/>
+      </p:ext>
+    </p:extLst>
+  </p:cSld>
+  <p:clrMapOvr>
+    <a:masterClrMapping/>
+  </p:clrMapOvr>
+</p:notes>
 </file>
 
 <file path=ppt/slideLayouts/slideLayout1.xml><?xml version="1.0" encoding="utf-8"?>
@@ -3274,7 +4610,7 @@
           <p:cNvPr id="2" name="제목 1">
             <a:extLst>
               <a:ext uri="{FF2B5EF4-FFF2-40B4-BE49-F238E27FC236}">
-                <a16:creationId xmlns="" xmlns:a16="http://schemas.microsoft.com/office/drawing/2014/main" id="{49C45785-968F-42C6-8AD3-90F65A4457CF}"/>
+                <a16:creationId xmlns:a16="http://schemas.microsoft.com/office/drawing/2014/main" xmlns="" id="{49C45785-968F-42C6-8AD3-90F65A4457CF}"/>
               </a:ext>
             </a:extLst>
           </p:cNvPr>
@@ -3311,7 +4647,7 @@
           <p:cNvPr id="3" name="부제목 2">
             <a:extLst>
               <a:ext uri="{FF2B5EF4-FFF2-40B4-BE49-F238E27FC236}">
-                <a16:creationId xmlns="" xmlns:a16="http://schemas.microsoft.com/office/drawing/2014/main" id="{3AA3096E-25E2-435C-8CE7-2141EDB8FEA7}"/>
+                <a16:creationId xmlns:a16="http://schemas.microsoft.com/office/drawing/2014/main" xmlns="" id="{3AA3096E-25E2-435C-8CE7-2141EDB8FEA7}"/>
               </a:ext>
             </a:extLst>
           </p:cNvPr>
@@ -3331,6 +4667,43 @@
               <a:rPr lang="ko-KR" altLang="en-US" dirty="0"/>
               <a:t>파이썬 알고리즘 </a:t>
             </a:r>
+          </a:p>
+        </p:txBody>
+      </p:sp>
+      <p:sp>
+        <p:nvSpPr>
+          <p:cNvPr id="4" name="TextBox 3"/>
+          <p:cNvSpPr txBox="1"/>
+          <p:nvPr/>
+        </p:nvSpPr>
+        <p:spPr>
+          <a:xfrm>
+            <a:off x="9777046" y="5592438"/>
+            <a:ext cx="2848708" cy="646331"/>
+          </a:xfrm>
+          <a:prstGeom prst="rect">
+            <a:avLst/>
+          </a:prstGeom>
+          <a:noFill/>
+        </p:spPr>
+        <p:txBody>
+          <a:bodyPr wrap="square" rtlCol="0">
+            <a:spAutoFit/>
+          </a:bodyPr>
+          <a:lstStyle/>
+          <a:p>
+            <a:r>
+              <a:rPr lang="ko-KR" altLang="en-US" dirty="0" smtClean="0"/>
+              <a:t>이혁재</a:t>
+            </a:r>
+            <a:endParaRPr lang="en-US" altLang="ko-KR" dirty="0" smtClean="0"/>
+          </a:p>
+          <a:p>
+            <a:r>
+              <a:rPr lang="ko-KR" altLang="en-US" dirty="0" smtClean="0"/>
+              <a:t>찐다고</a:t>
+            </a:r>
+            <a:endParaRPr lang="en-US" altLang="ko-KR" dirty="0" smtClean="0"/>
           </a:p>
         </p:txBody>
       </p:sp>
@@ -3355,6 +4728,1265 @@
 </file>
 
 <file path=ppt/slides/slide10.xml><?xml version="1.0" encoding="utf-8"?>
+<p:sld xmlns:a="http://schemas.openxmlformats.org/drawingml/2006/main" xmlns:r="http://schemas.openxmlformats.org/officeDocument/2006/relationships" xmlns:p="http://schemas.openxmlformats.org/presentationml/2006/main">
+  <p:cSld>
+    <p:spTree>
+      <p:nvGrpSpPr>
+        <p:cNvPr id="1" name=""/>
+        <p:cNvGrpSpPr/>
+        <p:nvPr/>
+      </p:nvGrpSpPr>
+      <p:grpSpPr>
+        <a:xfrm>
+          <a:off x="0" y="0"/>
+          <a:ext cx="0" cy="0"/>
+          <a:chOff x="0" y="0"/>
+          <a:chExt cx="0" cy="0"/>
+        </a:xfrm>
+      </p:grpSpPr>
+      <p:sp>
+        <p:nvSpPr>
+          <p:cNvPr id="2" name="제목 1">
+            <a:extLst>
+              <a:ext uri="{FF2B5EF4-FFF2-40B4-BE49-F238E27FC236}">
+                <a16:creationId xmlns:a16="http://schemas.microsoft.com/office/drawing/2014/main" xmlns="" id="{46EF07D7-2C4E-4DE1-B52F-9ACD386C79CB}"/>
+              </a:ext>
+            </a:extLst>
+          </p:cNvPr>
+          <p:cNvSpPr>
+            <a:spLocks noGrp="1"/>
+          </p:cNvSpPr>
+          <p:nvPr>
+            <p:ph type="title"/>
+          </p:nvPr>
+        </p:nvSpPr>
+        <p:spPr>
+          <a:xfrm>
+            <a:off x="769620" y="189946"/>
+            <a:ext cx="4486656" cy="513440"/>
+          </a:xfrm>
+        </p:spPr>
+        <p:txBody>
+          <a:bodyPr>
+            <a:normAutofit fontScale="90000"/>
+          </a:bodyPr>
+          <a:lstStyle/>
+          <a:p>
+            <a:r>
+              <a:rPr lang="en-US" altLang="ko-KR" dirty="0"/>
+              <a:t>1. </a:t>
+            </a:r>
+            <a:r>
+              <a:rPr lang="ko-KR" altLang="en-US" dirty="0"/>
+              <a:t>알고리즘 개요 </a:t>
+            </a:r>
+          </a:p>
+        </p:txBody>
+      </p:sp>
+      <p:sp>
+        <p:nvSpPr>
+          <p:cNvPr id="5" name="TextBox 4">
+            <a:extLst>
+              <a:ext uri="{FF2B5EF4-FFF2-40B4-BE49-F238E27FC236}">
+                <a16:creationId xmlns:a16="http://schemas.microsoft.com/office/drawing/2014/main" xmlns="" id="{F83BAFA1-C11B-4672-B510-037979FA2D38}"/>
+              </a:ext>
+            </a:extLst>
+          </p:cNvPr>
+          <p:cNvSpPr txBox="1"/>
+          <p:nvPr/>
+        </p:nvSpPr>
+        <p:spPr>
+          <a:xfrm>
+            <a:off x="769620" y="804672"/>
+            <a:ext cx="4486656" cy="461665"/>
+          </a:xfrm>
+          <a:prstGeom prst="rect">
+            <a:avLst/>
+          </a:prstGeom>
+          <a:noFill/>
+        </p:spPr>
+        <p:txBody>
+          <a:bodyPr wrap="square" rtlCol="0">
+            <a:spAutoFit/>
+          </a:bodyPr>
+          <a:lstStyle/>
+          <a:p>
+            <a:r>
+              <a:rPr lang="ko-KR" altLang="en-US" sz="2400" dirty="0">
+                <a:solidFill>
+                  <a:schemeClr val="bg1"/>
+                </a:solidFill>
+              </a:rPr>
+              <a:t>▶ </a:t>
+            </a:r>
+            <a:r>
+              <a:rPr lang="en-US" altLang="ko-KR" sz="2400" dirty="0" smtClean="0">
+                <a:solidFill>
+                  <a:schemeClr val="bg1"/>
+                </a:solidFill>
+              </a:rPr>
+              <a:t>Stack</a:t>
+            </a:r>
+            <a:r>
+              <a:rPr lang="ko-KR" altLang="en-US" sz="2400" dirty="0" smtClean="0">
+                <a:solidFill>
+                  <a:schemeClr val="bg1"/>
+                </a:solidFill>
+              </a:rPr>
+              <a:t> </a:t>
+            </a:r>
+            <a:r>
+              <a:rPr lang="ko-KR" altLang="en-US" sz="2400" dirty="0">
+                <a:solidFill>
+                  <a:schemeClr val="bg1"/>
+                </a:solidFill>
+              </a:rPr>
+              <a:t>의 작동원리 </a:t>
+            </a:r>
+            <a:endParaRPr lang="ko-KR" altLang="en-US" sz="2400" dirty="0">
+              <a:solidFill>
+                <a:schemeClr val="bg1"/>
+              </a:solidFill>
+            </a:endParaRPr>
+          </a:p>
+        </p:txBody>
+      </p:sp>
+      <p:sp>
+        <p:nvSpPr>
+          <p:cNvPr id="15" name="TextBox 14">
+            <a:extLst>
+              <a:ext uri="{FF2B5EF4-FFF2-40B4-BE49-F238E27FC236}">
+                <a16:creationId xmlns:a16="http://schemas.microsoft.com/office/drawing/2014/main" xmlns="" id="{F83BAFA1-C11B-4672-B510-037979FA2D38}"/>
+              </a:ext>
+            </a:extLst>
+          </p:cNvPr>
+          <p:cNvSpPr txBox="1"/>
+          <p:nvPr/>
+        </p:nvSpPr>
+        <p:spPr>
+          <a:xfrm>
+            <a:off x="769620" y="1289783"/>
+            <a:ext cx="4486656" cy="3647152"/>
+          </a:xfrm>
+          <a:prstGeom prst="rect">
+            <a:avLst/>
+          </a:prstGeom>
+          <a:noFill/>
+        </p:spPr>
+        <p:txBody>
+          <a:bodyPr wrap="square" rtlCol="0">
+            <a:spAutoFit/>
+          </a:bodyPr>
+          <a:lstStyle/>
+          <a:p>
+            <a:r>
+              <a:rPr lang="en-US" altLang="ko-KR" sz="2000" dirty="0" smtClean="0">
+                <a:solidFill>
+                  <a:schemeClr val="bg1"/>
+                </a:solidFill>
+              </a:rPr>
+              <a:t>Stack </a:t>
+            </a:r>
+            <a:r>
+              <a:rPr lang="ko-KR" altLang="en-US" sz="2000" dirty="0" smtClean="0">
+                <a:solidFill>
+                  <a:schemeClr val="bg1"/>
+                </a:solidFill>
+              </a:rPr>
+              <a:t>의 </a:t>
+            </a:r>
+            <a:r>
+              <a:rPr lang="en-US" altLang="ko-KR" sz="2000" dirty="0" smtClean="0">
+                <a:solidFill>
+                  <a:schemeClr val="bg1"/>
+                </a:solidFill>
+              </a:rPr>
+              <a:t>ADT (abstract data type)</a:t>
+            </a:r>
+            <a:r>
+              <a:rPr lang="en-US" altLang="ko-KR" sz="2400" dirty="0" smtClean="0">
+                <a:solidFill>
+                  <a:schemeClr val="bg1"/>
+                </a:solidFill>
+              </a:rPr>
+              <a:t> </a:t>
+            </a:r>
+          </a:p>
+          <a:p>
+            <a:endParaRPr lang="en-US" altLang="ko-KR" dirty="0">
+              <a:solidFill>
+                <a:schemeClr val="bg1"/>
+              </a:solidFill>
+            </a:endParaRPr>
+          </a:p>
+          <a:p>
+            <a:pPr>
+              <a:lnSpc>
+                <a:spcPct val="150000"/>
+              </a:lnSpc>
+            </a:pPr>
+            <a:r>
+              <a:rPr lang="ko-KR" altLang="en-US" dirty="0" smtClean="0">
+                <a:solidFill>
+                  <a:schemeClr val="bg1"/>
+                </a:solidFill>
+              </a:rPr>
+              <a:t>★ </a:t>
+            </a:r>
+            <a:r>
+              <a:rPr lang="en-US" altLang="ko-KR" dirty="0" smtClean="0">
+                <a:solidFill>
+                  <a:schemeClr val="bg1"/>
+                </a:solidFill>
+                <a:effectLst>
+                  <a:outerShdw blurRad="38100" dist="38100" dir="2700000" algn="tl">
+                    <a:srgbClr val="000000">
+                      <a:alpha val="43137"/>
+                    </a:srgbClr>
+                  </a:outerShdw>
+                </a:effectLst>
+              </a:rPr>
+              <a:t>push</a:t>
+            </a:r>
+            <a:r>
+              <a:rPr lang="en-US" altLang="ko-KR" dirty="0" smtClean="0">
+                <a:solidFill>
+                  <a:schemeClr val="bg1"/>
+                </a:solidFill>
+              </a:rPr>
+              <a:t> (</a:t>
+            </a:r>
+            <a:r>
+              <a:rPr lang="ko-KR" altLang="en-US" dirty="0" smtClean="0">
+                <a:solidFill>
+                  <a:schemeClr val="bg1"/>
+                </a:solidFill>
+              </a:rPr>
+              <a:t>→ </a:t>
+            </a:r>
+            <a:r>
+              <a:rPr lang="en-US" altLang="ko-KR" dirty="0" smtClean="0">
+                <a:solidFill>
+                  <a:schemeClr val="bg1"/>
+                </a:solidFill>
+              </a:rPr>
+              <a:t>None) : </a:t>
+            </a:r>
+            <a:r>
+              <a:rPr lang="ko-KR" altLang="en-US" dirty="0" smtClean="0">
+                <a:solidFill>
+                  <a:schemeClr val="bg1"/>
+                </a:solidFill>
+              </a:rPr>
+              <a:t>맨 위에 값 추가 </a:t>
+            </a:r>
+            <a:endParaRPr lang="en-US" altLang="ko-KR" dirty="0" smtClean="0">
+              <a:solidFill>
+                <a:schemeClr val="bg1"/>
+              </a:solidFill>
+            </a:endParaRPr>
+          </a:p>
+          <a:p>
+            <a:endParaRPr lang="en-US" altLang="ko-KR" dirty="0" smtClean="0">
+              <a:solidFill>
+                <a:schemeClr val="bg1"/>
+              </a:solidFill>
+            </a:endParaRPr>
+          </a:p>
+          <a:p>
+            <a:r>
+              <a:rPr lang="ko-KR" altLang="en-US" dirty="0" smtClean="0">
+                <a:solidFill>
+                  <a:schemeClr val="bg1"/>
+                </a:solidFill>
+              </a:rPr>
+              <a:t>★</a:t>
+            </a:r>
+            <a:r>
+              <a:rPr lang="en-US" altLang="ko-KR" dirty="0" smtClean="0">
+                <a:solidFill>
+                  <a:schemeClr val="bg1"/>
+                </a:solidFill>
+              </a:rPr>
+              <a:t> </a:t>
+            </a:r>
+            <a:r>
+              <a:rPr lang="en-US" altLang="ko-KR" dirty="0" smtClean="0">
+                <a:solidFill>
+                  <a:schemeClr val="bg1"/>
+                </a:solidFill>
+                <a:effectLst>
+                  <a:outerShdw blurRad="38100" dist="38100" dir="2700000" algn="tl">
+                    <a:srgbClr val="000000">
+                      <a:alpha val="43137"/>
+                    </a:srgbClr>
+                  </a:outerShdw>
+                </a:effectLst>
+              </a:rPr>
+              <a:t>pop</a:t>
+            </a:r>
+            <a:r>
+              <a:rPr lang="en-US" altLang="ko-KR" dirty="0" smtClean="0">
+                <a:solidFill>
+                  <a:schemeClr val="bg1"/>
+                </a:solidFill>
+              </a:rPr>
+              <a:t> (</a:t>
+            </a:r>
+            <a:r>
+              <a:rPr lang="ko-KR" altLang="en-US" dirty="0" smtClean="0">
+                <a:solidFill>
+                  <a:schemeClr val="bg1"/>
+                </a:solidFill>
+              </a:rPr>
+              <a:t>→ </a:t>
+            </a:r>
+            <a:r>
+              <a:rPr lang="en-US" altLang="ko-KR" dirty="0" smtClean="0">
+                <a:solidFill>
+                  <a:schemeClr val="bg1"/>
+                </a:solidFill>
+              </a:rPr>
+              <a:t>data) : </a:t>
+            </a:r>
+            <a:r>
+              <a:rPr lang="ko-KR" altLang="en-US" dirty="0" smtClean="0">
+                <a:solidFill>
+                  <a:schemeClr val="bg1"/>
+                </a:solidFill>
+              </a:rPr>
+              <a:t>가장 최근에 넣은</a:t>
+            </a:r>
+            <a:endParaRPr lang="en-US" altLang="ko-KR" dirty="0" smtClean="0">
+              <a:solidFill>
+                <a:schemeClr val="bg1"/>
+              </a:solidFill>
+            </a:endParaRPr>
+          </a:p>
+          <a:p>
+            <a:pPr>
+              <a:lnSpc>
+                <a:spcPct val="150000"/>
+              </a:lnSpc>
+            </a:pPr>
+            <a:r>
+              <a:rPr lang="en-US" altLang="ko-KR" dirty="0">
+                <a:solidFill>
+                  <a:schemeClr val="bg1"/>
+                </a:solidFill>
+              </a:rPr>
+              <a:t>	</a:t>
+            </a:r>
+            <a:r>
+              <a:rPr lang="en-US" altLang="ko-KR" dirty="0" smtClean="0">
+                <a:solidFill>
+                  <a:schemeClr val="bg1"/>
+                </a:solidFill>
+              </a:rPr>
+              <a:t>		    </a:t>
+            </a:r>
+            <a:r>
+              <a:rPr lang="ko-KR" altLang="en-US" dirty="0" smtClean="0">
+                <a:solidFill>
+                  <a:schemeClr val="bg1"/>
+                </a:solidFill>
+              </a:rPr>
+              <a:t> 맨 위의 </a:t>
+            </a:r>
+            <a:r>
+              <a:rPr lang="ko-KR" altLang="en-US" dirty="0" smtClean="0">
+                <a:solidFill>
+                  <a:schemeClr val="bg1"/>
+                </a:solidFill>
+              </a:rPr>
+              <a:t>값을 제거 </a:t>
+            </a:r>
+            <a:endParaRPr lang="en-US" altLang="ko-KR" dirty="0" smtClean="0">
+              <a:solidFill>
+                <a:schemeClr val="bg1"/>
+              </a:solidFill>
+            </a:endParaRPr>
+          </a:p>
+          <a:p>
+            <a:pPr>
+              <a:lnSpc>
+                <a:spcPct val="150000"/>
+              </a:lnSpc>
+            </a:pPr>
+            <a:r>
+              <a:rPr lang="en-US" altLang="ko-KR" dirty="0" smtClean="0">
+                <a:solidFill>
+                  <a:schemeClr val="bg1"/>
+                </a:solidFill>
+                <a:effectLst>
+                  <a:outerShdw blurRad="38100" dist="38100" dir="2700000" algn="tl">
+                    <a:srgbClr val="000000">
+                      <a:alpha val="43137"/>
+                    </a:srgbClr>
+                  </a:outerShdw>
+                </a:effectLst>
+              </a:rPr>
+              <a:t>Peak</a:t>
+            </a:r>
+            <a:r>
+              <a:rPr lang="en-US" altLang="ko-KR" dirty="0" smtClean="0">
+                <a:solidFill>
+                  <a:schemeClr val="bg1"/>
+                </a:solidFill>
+              </a:rPr>
+              <a:t> ( </a:t>
+            </a:r>
+            <a:r>
+              <a:rPr lang="ko-KR" altLang="en-US" dirty="0" smtClean="0">
+                <a:solidFill>
+                  <a:schemeClr val="bg1"/>
+                </a:solidFill>
+              </a:rPr>
+              <a:t>→ </a:t>
+            </a:r>
+            <a:r>
+              <a:rPr lang="en-US" altLang="ko-KR" dirty="0" smtClean="0">
+                <a:solidFill>
+                  <a:schemeClr val="bg1"/>
+                </a:solidFill>
+              </a:rPr>
+              <a:t>data or -1) : stack </a:t>
+            </a:r>
+            <a:r>
+              <a:rPr lang="ko-KR" altLang="en-US" dirty="0" smtClean="0">
+                <a:solidFill>
+                  <a:schemeClr val="bg1"/>
+                </a:solidFill>
+              </a:rPr>
+              <a:t>의 변형 없이 </a:t>
+            </a:r>
+            <a:endParaRPr lang="en-US" altLang="ko-KR" dirty="0" smtClean="0">
+              <a:solidFill>
+                <a:schemeClr val="bg1"/>
+              </a:solidFill>
+            </a:endParaRPr>
+          </a:p>
+          <a:p>
+            <a:r>
+              <a:rPr lang="en-US" altLang="ko-KR" dirty="0">
+                <a:solidFill>
+                  <a:schemeClr val="bg1"/>
+                </a:solidFill>
+              </a:rPr>
+              <a:t>	</a:t>
+            </a:r>
+            <a:r>
+              <a:rPr lang="en-US" altLang="ko-KR" dirty="0" smtClean="0">
+                <a:solidFill>
+                  <a:schemeClr val="bg1"/>
+                </a:solidFill>
+              </a:rPr>
+              <a:t>			   </a:t>
+            </a:r>
+            <a:r>
+              <a:rPr lang="ko-KR" altLang="en-US" dirty="0" smtClean="0">
+                <a:solidFill>
+                  <a:schemeClr val="bg1"/>
+                </a:solidFill>
+              </a:rPr>
+              <a:t>맨 위의 값을 출력 </a:t>
+            </a:r>
+            <a:endParaRPr lang="en-US" altLang="ko-KR" dirty="0" smtClean="0">
+              <a:solidFill>
+                <a:schemeClr val="bg1"/>
+              </a:solidFill>
+            </a:endParaRPr>
+          </a:p>
+          <a:p>
+            <a:pPr>
+              <a:lnSpc>
+                <a:spcPct val="150000"/>
+              </a:lnSpc>
+            </a:pPr>
+            <a:endParaRPr lang="en-US" altLang="ko-KR" dirty="0" smtClean="0">
+              <a:solidFill>
+                <a:schemeClr val="bg1"/>
+              </a:solidFill>
+              <a:effectLst>
+                <a:outerShdw blurRad="38100" dist="38100" dir="2700000" algn="tl">
+                  <a:srgbClr val="000000">
+                    <a:alpha val="43137"/>
+                  </a:srgbClr>
+                </a:outerShdw>
+              </a:effectLst>
+            </a:endParaRPr>
+          </a:p>
+          <a:p>
+            <a:pPr>
+              <a:lnSpc>
+                <a:spcPct val="150000"/>
+              </a:lnSpc>
+            </a:pPr>
+            <a:r>
+              <a:rPr lang="en-US" altLang="ko-KR" dirty="0" err="1" smtClean="0">
+                <a:solidFill>
+                  <a:schemeClr val="bg1"/>
+                </a:solidFill>
+                <a:effectLst>
+                  <a:outerShdw blurRad="38100" dist="38100" dir="2700000" algn="tl">
+                    <a:srgbClr val="000000">
+                      <a:alpha val="43137"/>
+                    </a:srgbClr>
+                  </a:outerShdw>
+                </a:effectLst>
+              </a:rPr>
+              <a:t>Is_empty</a:t>
+            </a:r>
+            <a:r>
+              <a:rPr lang="en-US" altLang="ko-KR" dirty="0" smtClean="0">
+                <a:solidFill>
+                  <a:schemeClr val="bg1"/>
+                </a:solidFill>
+              </a:rPr>
+              <a:t> (</a:t>
+            </a:r>
+            <a:r>
+              <a:rPr lang="ko-KR" altLang="en-US" dirty="0" smtClean="0">
+                <a:solidFill>
+                  <a:schemeClr val="bg1"/>
+                </a:solidFill>
+              </a:rPr>
+              <a:t>→ </a:t>
+            </a:r>
+            <a:r>
+              <a:rPr lang="en-US" altLang="ko-KR" dirty="0" smtClean="0">
+                <a:solidFill>
+                  <a:schemeClr val="bg1"/>
+                </a:solidFill>
+              </a:rPr>
+              <a:t>Boolean) : stack</a:t>
+            </a:r>
+            <a:r>
+              <a:rPr lang="ko-KR" altLang="en-US" dirty="0" smtClean="0">
+                <a:solidFill>
+                  <a:schemeClr val="bg1"/>
+                </a:solidFill>
+              </a:rPr>
+              <a:t>이 비어있는지 확인 </a:t>
+            </a:r>
+            <a:endParaRPr lang="en-US" altLang="ko-KR" dirty="0" smtClean="0">
+              <a:solidFill>
+                <a:schemeClr val="bg1"/>
+              </a:solidFill>
+            </a:endParaRPr>
+          </a:p>
+        </p:txBody>
+      </p:sp>
+      <p:sp>
+        <p:nvSpPr>
+          <p:cNvPr id="16" name="TextBox 15"/>
+          <p:cNvSpPr txBox="1"/>
+          <p:nvPr/>
+        </p:nvSpPr>
+        <p:spPr>
+          <a:xfrm>
+            <a:off x="7491045" y="635394"/>
+            <a:ext cx="3962400" cy="369332"/>
+          </a:xfrm>
+          <a:prstGeom prst="rect">
+            <a:avLst/>
+          </a:prstGeom>
+          <a:noFill/>
+        </p:spPr>
+        <p:txBody>
+          <a:bodyPr wrap="square" rtlCol="0">
+            <a:spAutoFit/>
+          </a:bodyPr>
+          <a:lstStyle/>
+          <a:p>
+            <a:r>
+              <a:rPr lang="en-US" altLang="ko-KR" dirty="0" smtClean="0"/>
+              <a:t>&lt; Stack </a:t>
+            </a:r>
+            <a:r>
+              <a:rPr lang="ko-KR" altLang="en-US" dirty="0" smtClean="0"/>
+              <a:t>구현하기 </a:t>
+            </a:r>
+            <a:r>
+              <a:rPr lang="en-US" altLang="ko-KR" dirty="0" smtClean="0"/>
+              <a:t>:  Python List&gt; </a:t>
+            </a:r>
+            <a:endParaRPr lang="en-US" altLang="ko-KR" sz="2000" dirty="0"/>
+          </a:p>
+        </p:txBody>
+      </p:sp>
+      <p:pic>
+        <p:nvPicPr>
+          <p:cNvPr id="18" name="내용 개체 틀 17"/>
+          <p:cNvPicPr>
+            <a:picLocks noGrp="1" noChangeAspect="1"/>
+          </p:cNvPicPr>
+          <p:nvPr>
+            <p:ph idx="1"/>
+          </p:nvPr>
+        </p:nvPicPr>
+        <p:blipFill>
+          <a:blip r:embed="rId3"/>
+          <a:stretch>
+            <a:fillRect/>
+          </a:stretch>
+        </p:blipFill>
+        <p:spPr>
+          <a:xfrm>
+            <a:off x="6717323" y="1152735"/>
+            <a:ext cx="5134708" cy="5248275"/>
+          </a:xfrm>
+          <a:prstGeom prst="rect">
+            <a:avLst/>
+          </a:prstGeom>
+        </p:spPr>
+      </p:pic>
+    </p:spTree>
+    <p:extLst>
+      <p:ext uri="{BB962C8B-B14F-4D97-AF65-F5344CB8AC3E}">
+        <p14:creationId xmlns:p14="http://schemas.microsoft.com/office/powerpoint/2010/main" val="1446956110"/>
+      </p:ext>
+    </p:extLst>
+  </p:cSld>
+  <p:clrMapOvr>
+    <a:masterClrMapping/>
+  </p:clrMapOvr>
+  <p:timing>
+    <p:tnLst>
+      <p:par>
+        <p:cTn id="1" dur="indefinite" restart="never" nodeType="tmRoot"/>
+      </p:par>
+    </p:tnLst>
+  </p:timing>
+</p:sld>
+</file>
+
+<file path=ppt/slides/slide11.xml><?xml version="1.0" encoding="utf-8"?>
+<p:sld xmlns:a="http://schemas.openxmlformats.org/drawingml/2006/main" xmlns:r="http://schemas.openxmlformats.org/officeDocument/2006/relationships" xmlns:p="http://schemas.openxmlformats.org/presentationml/2006/main">
+  <p:cSld>
+    <p:spTree>
+      <p:nvGrpSpPr>
+        <p:cNvPr id="1" name=""/>
+        <p:cNvGrpSpPr/>
+        <p:nvPr/>
+      </p:nvGrpSpPr>
+      <p:grpSpPr>
+        <a:xfrm>
+          <a:off x="0" y="0"/>
+          <a:ext cx="0" cy="0"/>
+          <a:chOff x="0" y="0"/>
+          <a:chExt cx="0" cy="0"/>
+        </a:xfrm>
+      </p:grpSpPr>
+      <p:sp>
+        <p:nvSpPr>
+          <p:cNvPr id="2" name="제목 1">
+            <a:extLst>
+              <a:ext uri="{FF2B5EF4-FFF2-40B4-BE49-F238E27FC236}">
+                <a16:creationId xmlns:a16="http://schemas.microsoft.com/office/drawing/2014/main" xmlns="" id="{46EF07D7-2C4E-4DE1-B52F-9ACD386C79CB}"/>
+              </a:ext>
+            </a:extLst>
+          </p:cNvPr>
+          <p:cNvSpPr>
+            <a:spLocks noGrp="1"/>
+          </p:cNvSpPr>
+          <p:nvPr>
+            <p:ph type="title"/>
+          </p:nvPr>
+        </p:nvSpPr>
+        <p:spPr>
+          <a:xfrm>
+            <a:off x="769620" y="189946"/>
+            <a:ext cx="4486656" cy="513440"/>
+          </a:xfrm>
+        </p:spPr>
+        <p:txBody>
+          <a:bodyPr>
+            <a:normAutofit fontScale="90000"/>
+          </a:bodyPr>
+          <a:lstStyle/>
+          <a:p>
+            <a:r>
+              <a:rPr lang="en-US" altLang="ko-KR" dirty="0"/>
+              <a:t>1. </a:t>
+            </a:r>
+            <a:r>
+              <a:rPr lang="ko-KR" altLang="en-US" dirty="0"/>
+              <a:t>알고리즘 개요 </a:t>
+            </a:r>
+          </a:p>
+        </p:txBody>
+      </p:sp>
+      <p:sp>
+        <p:nvSpPr>
+          <p:cNvPr id="5" name="TextBox 4">
+            <a:extLst>
+              <a:ext uri="{FF2B5EF4-FFF2-40B4-BE49-F238E27FC236}">
+                <a16:creationId xmlns:a16="http://schemas.microsoft.com/office/drawing/2014/main" xmlns="" id="{F83BAFA1-C11B-4672-B510-037979FA2D38}"/>
+              </a:ext>
+            </a:extLst>
+          </p:cNvPr>
+          <p:cNvSpPr txBox="1"/>
+          <p:nvPr/>
+        </p:nvSpPr>
+        <p:spPr>
+          <a:xfrm>
+            <a:off x="769620" y="804672"/>
+            <a:ext cx="4486656" cy="461665"/>
+          </a:xfrm>
+          <a:prstGeom prst="rect">
+            <a:avLst/>
+          </a:prstGeom>
+          <a:noFill/>
+        </p:spPr>
+        <p:txBody>
+          <a:bodyPr wrap="square" rtlCol="0">
+            <a:spAutoFit/>
+          </a:bodyPr>
+          <a:lstStyle/>
+          <a:p>
+            <a:r>
+              <a:rPr lang="ko-KR" altLang="en-US" sz="2400" dirty="0">
+                <a:solidFill>
+                  <a:schemeClr val="bg1"/>
+                </a:solidFill>
+              </a:rPr>
+              <a:t>▶ </a:t>
+            </a:r>
+            <a:r>
+              <a:rPr lang="en-US" altLang="ko-KR" sz="2400" dirty="0" smtClean="0">
+                <a:solidFill>
+                  <a:schemeClr val="bg1"/>
+                </a:solidFill>
+              </a:rPr>
+              <a:t>Stack</a:t>
+            </a:r>
+            <a:r>
+              <a:rPr lang="ko-KR" altLang="en-US" sz="2400" dirty="0" smtClean="0">
+                <a:solidFill>
+                  <a:schemeClr val="bg1"/>
+                </a:solidFill>
+              </a:rPr>
+              <a:t> </a:t>
+            </a:r>
+            <a:r>
+              <a:rPr lang="ko-KR" altLang="en-US" sz="2400" dirty="0">
+                <a:solidFill>
+                  <a:schemeClr val="bg1"/>
+                </a:solidFill>
+              </a:rPr>
+              <a:t>의 작동원리 </a:t>
+            </a:r>
+            <a:endParaRPr lang="ko-KR" altLang="en-US" sz="2400" dirty="0">
+              <a:solidFill>
+                <a:schemeClr val="bg1"/>
+              </a:solidFill>
+            </a:endParaRPr>
+          </a:p>
+        </p:txBody>
+      </p:sp>
+      <p:sp>
+        <p:nvSpPr>
+          <p:cNvPr id="16" name="TextBox 15"/>
+          <p:cNvSpPr txBox="1"/>
+          <p:nvPr/>
+        </p:nvSpPr>
+        <p:spPr>
+          <a:xfrm>
+            <a:off x="7491045" y="635394"/>
+            <a:ext cx="3962400" cy="369332"/>
+          </a:xfrm>
+          <a:prstGeom prst="rect">
+            <a:avLst/>
+          </a:prstGeom>
+          <a:noFill/>
+        </p:spPr>
+        <p:txBody>
+          <a:bodyPr wrap="square" rtlCol="0">
+            <a:spAutoFit/>
+          </a:bodyPr>
+          <a:lstStyle/>
+          <a:p>
+            <a:r>
+              <a:rPr lang="en-US" altLang="ko-KR" dirty="0" smtClean="0"/>
+              <a:t>&lt; Stack </a:t>
+            </a:r>
+            <a:r>
+              <a:rPr lang="ko-KR" altLang="en-US" dirty="0" smtClean="0"/>
+              <a:t>구현하기 </a:t>
+            </a:r>
+            <a:r>
+              <a:rPr lang="en-US" altLang="ko-KR" dirty="0" smtClean="0"/>
+              <a:t>:  Singly linked list &gt; </a:t>
+            </a:r>
+            <a:endParaRPr lang="en-US" altLang="ko-KR" sz="2000" dirty="0"/>
+          </a:p>
+        </p:txBody>
+      </p:sp>
+      <p:pic>
+        <p:nvPicPr>
+          <p:cNvPr id="8" name="내용 개체 틀 7"/>
+          <p:cNvPicPr>
+            <a:picLocks noGrp="1" noChangeAspect="1"/>
+          </p:cNvPicPr>
+          <p:nvPr>
+            <p:ph idx="1"/>
+          </p:nvPr>
+        </p:nvPicPr>
+        <p:blipFill>
+          <a:blip r:embed="rId3"/>
+          <a:stretch>
+            <a:fillRect/>
+          </a:stretch>
+        </p:blipFill>
+        <p:spPr>
+          <a:xfrm>
+            <a:off x="6773320" y="1035504"/>
+            <a:ext cx="4680125" cy="5248275"/>
+          </a:xfrm>
+          <a:prstGeom prst="rect">
+            <a:avLst/>
+          </a:prstGeom>
+        </p:spPr>
+      </p:pic>
+      <p:pic>
+        <p:nvPicPr>
+          <p:cNvPr id="9" name="그림 8"/>
+          <p:cNvPicPr>
+            <a:picLocks noChangeAspect="1"/>
+          </p:cNvPicPr>
+          <p:nvPr/>
+        </p:nvPicPr>
+        <p:blipFill>
+          <a:blip r:embed="rId4"/>
+          <a:stretch>
+            <a:fillRect/>
+          </a:stretch>
+        </p:blipFill>
+        <p:spPr>
+          <a:xfrm>
+            <a:off x="504942" y="1887415"/>
+            <a:ext cx="5086350" cy="2649417"/>
+          </a:xfrm>
+          <a:prstGeom prst="rect">
+            <a:avLst/>
+          </a:prstGeom>
+        </p:spPr>
+      </p:pic>
+      <p:sp>
+        <p:nvSpPr>
+          <p:cNvPr id="10" name="TextBox 9"/>
+          <p:cNvSpPr txBox="1"/>
+          <p:nvPr/>
+        </p:nvSpPr>
+        <p:spPr>
+          <a:xfrm>
+            <a:off x="504942" y="4595448"/>
+            <a:ext cx="5086350" cy="2031325"/>
+          </a:xfrm>
+          <a:prstGeom prst="rect">
+            <a:avLst/>
+          </a:prstGeom>
+          <a:noFill/>
+        </p:spPr>
+        <p:txBody>
+          <a:bodyPr wrap="square" rtlCol="0">
+            <a:spAutoFit/>
+          </a:bodyPr>
+          <a:lstStyle/>
+          <a:p>
+            <a:r>
+              <a:rPr lang="en-US" altLang="ko-KR" dirty="0" smtClean="0">
+                <a:solidFill>
+                  <a:schemeClr val="bg1"/>
+                </a:solidFill>
+                <a:effectLst>
+                  <a:outerShdw blurRad="38100" dist="38100" dir="2700000" algn="tl">
+                    <a:srgbClr val="000000">
+                      <a:alpha val="43137"/>
+                    </a:srgbClr>
+                  </a:outerShdw>
+                </a:effectLst>
+              </a:rPr>
+              <a:t>Linked list(</a:t>
+            </a:r>
+            <a:r>
+              <a:rPr lang="ko-KR" altLang="en-US" dirty="0" smtClean="0">
+                <a:solidFill>
+                  <a:schemeClr val="bg1"/>
+                </a:solidFill>
+                <a:effectLst>
+                  <a:outerShdw blurRad="38100" dist="38100" dir="2700000" algn="tl">
+                    <a:srgbClr val="000000">
+                      <a:alpha val="43137"/>
+                    </a:srgbClr>
+                  </a:outerShdw>
+                </a:effectLst>
+              </a:rPr>
+              <a:t>연결리스트</a:t>
+            </a:r>
+            <a:r>
+              <a:rPr lang="en-US" altLang="ko-KR" dirty="0" smtClean="0">
+                <a:solidFill>
+                  <a:schemeClr val="bg1"/>
+                </a:solidFill>
+                <a:effectLst>
+                  <a:outerShdw blurRad="38100" dist="38100" dir="2700000" algn="tl">
+                    <a:srgbClr val="000000">
+                      <a:alpha val="43137"/>
+                    </a:srgbClr>
+                  </a:outerShdw>
+                </a:effectLst>
+              </a:rPr>
+              <a:t>)</a:t>
+            </a:r>
+            <a:r>
+              <a:rPr lang="ko-KR" altLang="en-US" dirty="0" smtClean="0">
+                <a:solidFill>
+                  <a:schemeClr val="bg1"/>
+                </a:solidFill>
+              </a:rPr>
+              <a:t>는</a:t>
+            </a:r>
+            <a:r>
+              <a:rPr lang="en-US" altLang="ko-KR" dirty="0" smtClean="0">
+                <a:solidFill>
+                  <a:schemeClr val="bg1"/>
+                </a:solidFill>
+              </a:rPr>
+              <a:t> </a:t>
+            </a:r>
+          </a:p>
+          <a:p>
+            <a:r>
+              <a:rPr lang="ko-KR" altLang="en-US" dirty="0" smtClean="0">
+                <a:solidFill>
+                  <a:schemeClr val="bg1"/>
+                </a:solidFill>
+              </a:rPr>
+              <a:t>데이터와 다음 </a:t>
+            </a:r>
+            <a:r>
+              <a:rPr lang="ko-KR" altLang="en-US" dirty="0" err="1" smtClean="0">
+                <a:solidFill>
+                  <a:schemeClr val="bg1"/>
+                </a:solidFill>
+              </a:rPr>
+              <a:t>노드들이</a:t>
+            </a:r>
+            <a:r>
+              <a:rPr lang="ko-KR" altLang="en-US" dirty="0" smtClean="0">
+                <a:solidFill>
+                  <a:schemeClr val="bg1"/>
+                </a:solidFill>
+              </a:rPr>
+              <a:t> 한 줄로 연결되어 있는 방식을 말함 </a:t>
+            </a:r>
+            <a:endParaRPr lang="en-US" altLang="ko-KR" dirty="0" smtClean="0">
+              <a:solidFill>
+                <a:schemeClr val="bg1"/>
+              </a:solidFill>
+            </a:endParaRPr>
+          </a:p>
+          <a:p>
+            <a:endParaRPr lang="en-US" altLang="ko-KR" dirty="0">
+              <a:solidFill>
+                <a:schemeClr val="bg1"/>
+              </a:solidFill>
+            </a:endParaRPr>
+          </a:p>
+          <a:p>
+            <a:r>
+              <a:rPr lang="ko-KR" altLang="en-US" dirty="0" smtClean="0">
+                <a:solidFill>
+                  <a:schemeClr val="bg1"/>
+                </a:solidFill>
+              </a:rPr>
+              <a:t>연결되는 방향에 따라 </a:t>
+            </a:r>
+            <a:endParaRPr lang="en-US" altLang="ko-KR" dirty="0" smtClean="0">
+              <a:solidFill>
+                <a:schemeClr val="bg1"/>
+              </a:solidFill>
+            </a:endParaRPr>
+          </a:p>
+          <a:p>
+            <a:r>
+              <a:rPr lang="en-US" altLang="ko-KR" dirty="0" smtClean="0">
+                <a:solidFill>
+                  <a:schemeClr val="bg1"/>
+                </a:solidFill>
+                <a:effectLst>
+                  <a:outerShdw blurRad="38100" dist="38100" dir="2700000" algn="tl">
+                    <a:srgbClr val="000000">
+                      <a:alpha val="43137"/>
+                    </a:srgbClr>
+                  </a:outerShdw>
+                </a:effectLst>
+              </a:rPr>
+              <a:t>Singly Linked List (</a:t>
+            </a:r>
+            <a:r>
+              <a:rPr lang="ko-KR" altLang="en-US" dirty="0" smtClean="0">
+                <a:solidFill>
+                  <a:schemeClr val="bg1"/>
+                </a:solidFill>
+                <a:effectLst>
+                  <a:outerShdw blurRad="38100" dist="38100" dir="2700000" algn="tl">
+                    <a:srgbClr val="000000">
+                      <a:alpha val="43137"/>
+                    </a:srgbClr>
+                  </a:outerShdw>
+                </a:effectLst>
+              </a:rPr>
+              <a:t>단일 연결 리스트</a:t>
+            </a:r>
+            <a:r>
+              <a:rPr lang="en-US" altLang="ko-KR" dirty="0" smtClean="0">
+                <a:solidFill>
+                  <a:schemeClr val="bg1"/>
+                </a:solidFill>
+                <a:effectLst>
+                  <a:outerShdw blurRad="38100" dist="38100" dir="2700000" algn="tl">
+                    <a:srgbClr val="000000">
+                      <a:alpha val="43137"/>
+                    </a:srgbClr>
+                  </a:outerShdw>
+                </a:effectLst>
+              </a:rPr>
+              <a:t>) </a:t>
+            </a:r>
+          </a:p>
+          <a:p>
+            <a:r>
+              <a:rPr lang="en-US" altLang="ko-KR" dirty="0" smtClean="0">
+                <a:solidFill>
+                  <a:schemeClr val="bg1"/>
+                </a:solidFill>
+                <a:effectLst>
+                  <a:outerShdw blurRad="38100" dist="38100" dir="2700000" algn="tl">
+                    <a:srgbClr val="000000">
+                      <a:alpha val="43137"/>
+                    </a:srgbClr>
+                  </a:outerShdw>
+                </a:effectLst>
+              </a:rPr>
+              <a:t>Doubly Linked List (</a:t>
+            </a:r>
+            <a:r>
+              <a:rPr lang="ko-KR" altLang="en-US" dirty="0" smtClean="0">
+                <a:solidFill>
+                  <a:schemeClr val="bg1"/>
+                </a:solidFill>
+                <a:effectLst>
+                  <a:outerShdw blurRad="38100" dist="38100" dir="2700000" algn="tl">
+                    <a:srgbClr val="000000">
+                      <a:alpha val="43137"/>
+                    </a:srgbClr>
+                  </a:outerShdw>
+                </a:effectLst>
+              </a:rPr>
+              <a:t>이중 연결 리스트</a:t>
+            </a:r>
+            <a:r>
+              <a:rPr lang="en-US" altLang="ko-KR" dirty="0" smtClean="0">
+                <a:solidFill>
+                  <a:schemeClr val="bg1"/>
+                </a:solidFill>
+                <a:effectLst>
+                  <a:outerShdw blurRad="38100" dist="38100" dir="2700000" algn="tl">
+                    <a:srgbClr val="000000">
+                      <a:alpha val="43137"/>
+                    </a:srgbClr>
+                  </a:outerShdw>
+                </a:effectLst>
+              </a:rPr>
+              <a:t>)</a:t>
+            </a:r>
+          </a:p>
+          <a:p>
+            <a:r>
+              <a:rPr lang="en-US" altLang="ko-KR" dirty="0" smtClean="0">
+                <a:solidFill>
+                  <a:schemeClr val="bg1"/>
+                </a:solidFill>
+                <a:effectLst>
+                  <a:outerShdw blurRad="38100" dist="38100" dir="2700000" algn="tl">
+                    <a:srgbClr val="000000">
+                      <a:alpha val="43137"/>
+                    </a:srgbClr>
+                  </a:outerShdw>
+                </a:effectLst>
+              </a:rPr>
+              <a:t>Circular linked list (</a:t>
+            </a:r>
+            <a:r>
+              <a:rPr lang="ko-KR" altLang="en-US" dirty="0" smtClean="0">
+                <a:solidFill>
+                  <a:schemeClr val="bg1"/>
+                </a:solidFill>
+                <a:effectLst>
+                  <a:outerShdw blurRad="38100" dist="38100" dir="2700000" algn="tl">
+                    <a:srgbClr val="000000">
+                      <a:alpha val="43137"/>
+                    </a:srgbClr>
+                  </a:outerShdw>
+                </a:effectLst>
+              </a:rPr>
+              <a:t>환형 연결 리스트</a:t>
+            </a:r>
+            <a:r>
+              <a:rPr lang="en-US" altLang="ko-KR" dirty="0" smtClean="0">
+                <a:solidFill>
+                  <a:schemeClr val="bg1"/>
+                </a:solidFill>
+                <a:effectLst>
+                  <a:outerShdw blurRad="38100" dist="38100" dir="2700000" algn="tl">
+                    <a:srgbClr val="000000">
+                      <a:alpha val="43137"/>
+                    </a:srgbClr>
+                  </a:outerShdw>
+                </a:effectLst>
+              </a:rPr>
+              <a:t>) </a:t>
+            </a:r>
+            <a:r>
+              <a:rPr lang="ko-KR" altLang="en-US" dirty="0" smtClean="0">
+                <a:solidFill>
+                  <a:schemeClr val="bg1"/>
+                </a:solidFill>
+              </a:rPr>
+              <a:t>가 있다</a:t>
+            </a:r>
+            <a:r>
+              <a:rPr lang="en-US" altLang="ko-KR" dirty="0" smtClean="0">
+                <a:solidFill>
+                  <a:schemeClr val="bg1"/>
+                </a:solidFill>
+              </a:rPr>
+              <a:t>. </a:t>
+            </a:r>
+            <a:endParaRPr lang="ko-KR" altLang="en-US" dirty="0">
+              <a:solidFill>
+                <a:schemeClr val="bg1"/>
+              </a:solidFill>
+            </a:endParaRPr>
+          </a:p>
+        </p:txBody>
+      </p:sp>
+      <p:sp>
+        <p:nvSpPr>
+          <p:cNvPr id="17" name="TextBox 16">
+            <a:extLst>
+              <a:ext uri="{FF2B5EF4-FFF2-40B4-BE49-F238E27FC236}">
+                <a16:creationId xmlns:a16="http://schemas.microsoft.com/office/drawing/2014/main" xmlns="" id="{F83BAFA1-C11B-4672-B510-037979FA2D38}"/>
+              </a:ext>
+            </a:extLst>
+          </p:cNvPr>
+          <p:cNvSpPr txBox="1"/>
+          <p:nvPr/>
+        </p:nvSpPr>
+        <p:spPr>
+          <a:xfrm>
+            <a:off x="504942" y="1324464"/>
+            <a:ext cx="4486656" cy="400110"/>
+          </a:xfrm>
+          <a:prstGeom prst="rect">
+            <a:avLst/>
+          </a:prstGeom>
+          <a:noFill/>
+        </p:spPr>
+        <p:txBody>
+          <a:bodyPr wrap="square" rtlCol="0">
+            <a:spAutoFit/>
+          </a:bodyPr>
+          <a:lstStyle/>
+          <a:p>
+            <a:r>
+              <a:rPr lang="en-US" altLang="ko-KR" sz="2000" dirty="0" smtClean="0">
+                <a:solidFill>
+                  <a:schemeClr val="bg1"/>
+                </a:solidFill>
+              </a:rPr>
+              <a:t>- </a:t>
+            </a:r>
+            <a:r>
+              <a:rPr lang="ko-KR" altLang="en-US" sz="2000" dirty="0" err="1" smtClean="0">
+                <a:solidFill>
+                  <a:schemeClr val="bg1"/>
+                </a:solidFill>
+              </a:rPr>
+              <a:t>노드를</a:t>
+            </a:r>
+            <a:r>
+              <a:rPr lang="ko-KR" altLang="en-US" sz="2000" dirty="0" smtClean="0">
+                <a:solidFill>
+                  <a:schemeClr val="bg1"/>
+                </a:solidFill>
+              </a:rPr>
+              <a:t> 이용한 </a:t>
+            </a:r>
+            <a:r>
+              <a:rPr lang="en-US" altLang="ko-KR" sz="2000" dirty="0" smtClean="0">
+                <a:solidFill>
+                  <a:schemeClr val="bg1"/>
+                </a:solidFill>
+              </a:rPr>
+              <a:t>Stack</a:t>
+            </a:r>
+            <a:r>
+              <a:rPr lang="ko-KR" altLang="en-US" sz="2000" dirty="0" smtClean="0">
+                <a:solidFill>
+                  <a:schemeClr val="bg1"/>
+                </a:solidFill>
+              </a:rPr>
+              <a:t>의 구현 </a:t>
+            </a:r>
+            <a:r>
+              <a:rPr lang="en-US" altLang="ko-KR" sz="2000" dirty="0" smtClean="0">
+                <a:solidFill>
+                  <a:schemeClr val="bg1"/>
+                </a:solidFill>
+              </a:rPr>
+              <a:t>(Linked List)</a:t>
+            </a:r>
+            <a:r>
+              <a:rPr lang="ko-KR" altLang="en-US" sz="2000" dirty="0" smtClean="0">
+                <a:solidFill>
+                  <a:schemeClr val="bg1"/>
+                </a:solidFill>
+              </a:rPr>
+              <a:t> </a:t>
+            </a:r>
+            <a:endParaRPr lang="en-US" altLang="ko-KR" sz="2400" dirty="0" smtClean="0">
+              <a:solidFill>
+                <a:schemeClr val="bg1"/>
+              </a:solidFill>
+            </a:endParaRPr>
+          </a:p>
+        </p:txBody>
+      </p:sp>
+    </p:spTree>
+    <p:extLst>
+      <p:ext uri="{BB962C8B-B14F-4D97-AF65-F5344CB8AC3E}">
+        <p14:creationId xmlns:p14="http://schemas.microsoft.com/office/powerpoint/2010/main" val="2788894328"/>
+      </p:ext>
+    </p:extLst>
+  </p:cSld>
+  <p:clrMapOvr>
+    <a:masterClrMapping/>
+  </p:clrMapOvr>
+  <p:timing>
+    <p:tnLst>
+      <p:par>
+        <p:cTn id="1" dur="indefinite" restart="never" nodeType="tmRoot"/>
+      </p:par>
+    </p:tnLst>
+  </p:timing>
+</p:sld>
+</file>
+
+<file path=ppt/slides/slide12.xml><?xml version="1.0" encoding="utf-8"?>
 <p:sld xmlns:a="http://schemas.openxmlformats.org/drawingml/2006/main" xmlns:r="http://schemas.openxmlformats.org/officeDocument/2006/relationships" xmlns:p="http://schemas.openxmlformats.org/presentationml/2006/main">
   <p:cSld>
     <p:spTree>
@@ -3426,7 +6058,7 @@
           <p:cNvPr id="2" name="제목 1">
             <a:extLst>
               <a:ext uri="{FF2B5EF4-FFF2-40B4-BE49-F238E27FC236}">
-                <a16:creationId xmlns="" xmlns:a16="http://schemas.microsoft.com/office/drawing/2014/main" id="{46EF07D7-2C4E-4DE1-B52F-9ACD386C79CB}"/>
+                <a16:creationId xmlns:a16="http://schemas.microsoft.com/office/drawing/2014/main" xmlns="" id="{46EF07D7-2C4E-4DE1-B52F-9ACD386C79CB}"/>
               </a:ext>
             </a:extLst>
           </p:cNvPr>
@@ -3465,7 +6097,7 @@
           <p:cNvPr id="5" name="TextBox 4">
             <a:extLst>
               <a:ext uri="{FF2B5EF4-FFF2-40B4-BE49-F238E27FC236}">
-                <a16:creationId xmlns="" xmlns:a16="http://schemas.microsoft.com/office/drawing/2014/main" id="{F83BAFA1-C11B-4672-B510-037979FA2D38}"/>
+                <a16:creationId xmlns:a16="http://schemas.microsoft.com/office/drawing/2014/main" xmlns="" id="{F83BAFA1-C11B-4672-B510-037979FA2D38}"/>
               </a:ext>
             </a:extLst>
           </p:cNvPr>
@@ -3549,7 +6181,7 @@
           <p:cNvPr id="8" name="TextBox 7">
             <a:extLst>
               <a:ext uri="{FF2B5EF4-FFF2-40B4-BE49-F238E27FC236}">
-                <a16:creationId xmlns="" xmlns:a16="http://schemas.microsoft.com/office/drawing/2014/main" id="{CF2F0064-E6D2-4F8F-B3AC-9DC0B8893011}"/>
+                <a16:creationId xmlns:a16="http://schemas.microsoft.com/office/drawing/2014/main" xmlns="" id="{CF2F0064-E6D2-4F8F-B3AC-9DC0B8893011}"/>
               </a:ext>
             </a:extLst>
           </p:cNvPr>
@@ -3818,7 +6450,7 @@
           <p:cNvPr id="1028" name="Picture 4" descr="관련 이미지">
             <a:extLst>
               <a:ext uri="{FF2B5EF4-FFF2-40B4-BE49-F238E27FC236}">
-                <a16:creationId xmlns="" xmlns:a16="http://schemas.microsoft.com/office/drawing/2014/main" id="{A0DD6E44-A036-4F30-A995-9148E666DF94}"/>
+                <a16:creationId xmlns:a16="http://schemas.microsoft.com/office/drawing/2014/main" xmlns="" id="{A0DD6E44-A036-4F30-A995-9148E666DF94}"/>
               </a:ext>
             </a:extLst>
           </p:cNvPr>
@@ -3865,7 +6497,7 @@
           <p:cNvPr id="11" name="Picture 4" descr="관련 이미지">
             <a:extLst>
               <a:ext uri="{FF2B5EF4-FFF2-40B4-BE49-F238E27FC236}">
-                <a16:creationId xmlns="" xmlns:a16="http://schemas.microsoft.com/office/drawing/2014/main" id="{A816B32A-58B0-4D7F-8538-40309F35F850}"/>
+                <a16:creationId xmlns:a16="http://schemas.microsoft.com/office/drawing/2014/main" xmlns="" id="{A816B32A-58B0-4D7F-8538-40309F35F850}"/>
               </a:ext>
             </a:extLst>
           </p:cNvPr>
@@ -4171,7 +6803,7 @@
 </p:sld>
 </file>
 
-<file path=ppt/slides/slide11.xml><?xml version="1.0" encoding="utf-8"?>
+<file path=ppt/slides/slide13.xml><?xml version="1.0" encoding="utf-8"?>
 <p:sld xmlns:a="http://schemas.openxmlformats.org/drawingml/2006/main" xmlns:r="http://schemas.openxmlformats.org/officeDocument/2006/relationships" xmlns:p="http://schemas.openxmlformats.org/presentationml/2006/main">
   <p:cSld>
     <p:spTree>
@@ -4193,7 +6825,7 @@
           <p:cNvPr id="2" name="제목 1">
             <a:extLst>
               <a:ext uri="{FF2B5EF4-FFF2-40B4-BE49-F238E27FC236}">
-                <a16:creationId xmlns="" xmlns:a16="http://schemas.microsoft.com/office/drawing/2014/main" id="{46EF07D7-2C4E-4DE1-B52F-9ACD386C79CB}"/>
+                <a16:creationId xmlns:a16="http://schemas.microsoft.com/office/drawing/2014/main" xmlns="" id="{46EF07D7-2C4E-4DE1-B52F-9ACD386C79CB}"/>
               </a:ext>
             </a:extLst>
           </p:cNvPr>
@@ -4233,7 +6865,7 @@
           <p:cNvPr id="5" name="TextBox 4">
             <a:extLst>
               <a:ext uri="{FF2B5EF4-FFF2-40B4-BE49-F238E27FC236}">
-                <a16:creationId xmlns="" xmlns:a16="http://schemas.microsoft.com/office/drawing/2014/main" id="{F83BAFA1-C11B-4672-B510-037979FA2D38}"/>
+                <a16:creationId xmlns:a16="http://schemas.microsoft.com/office/drawing/2014/main" xmlns="" id="{F83BAFA1-C11B-4672-B510-037979FA2D38}"/>
               </a:ext>
             </a:extLst>
           </p:cNvPr>
@@ -4265,12 +6897,12 @@
               <a:t>▶ </a:t>
             </a:r>
             <a:r>
-              <a:rPr lang="en-US" altLang="ko-KR" sz="2400" dirty="0" err="1" smtClean="0">
-                <a:solidFill>
-                  <a:schemeClr val="bg1"/>
-                </a:solidFill>
-              </a:rPr>
-              <a:t>Que</a:t>
+              <a:rPr lang="en-US" altLang="ko-KR" sz="2400" dirty="0" smtClean="0">
+                <a:solidFill>
+                  <a:schemeClr val="bg1"/>
+                </a:solidFill>
+              </a:rPr>
+              <a:t>Queue</a:t>
             </a:r>
             <a:r>
               <a:rPr lang="ko-KR" altLang="en-US" sz="2400" dirty="0" smtClean="0">
@@ -4278,18 +6910,10 @@
                   <a:schemeClr val="bg1"/>
                 </a:solidFill>
               </a:rPr>
-              <a:t> </a:t>
-            </a:r>
-            <a:r>
-              <a:rPr lang="ko-KR" altLang="en-US" sz="2400" dirty="0">
-                <a:solidFill>
-                  <a:schemeClr val="bg1"/>
-                </a:solidFill>
-              </a:rPr>
-              <a:t>알고리즘이란</a:t>
-            </a:r>
-            <a:r>
-              <a:rPr lang="en-US" altLang="ko-KR" sz="2400" dirty="0">
+              <a:t>의 작동원리</a:t>
+            </a:r>
+            <a:r>
+              <a:rPr lang="en-US" altLang="ko-KR" sz="2400" dirty="0" smtClean="0">
                 <a:solidFill>
                   <a:schemeClr val="bg1"/>
                 </a:solidFill>
@@ -4297,7 +6921,7 @@
               <a:t>?</a:t>
             </a:r>
             <a:r>
-              <a:rPr lang="en-US" altLang="ko-KR" dirty="0">
+              <a:rPr lang="en-US" altLang="ko-KR" dirty="0" smtClean="0">
                 <a:solidFill>
                   <a:schemeClr val="bg1"/>
                 </a:solidFill>
@@ -4892,7 +7516,7 @@
 </p:sld>
 </file>
 
-<file path=ppt/slides/slide12.xml><?xml version="1.0" encoding="utf-8"?>
+<file path=ppt/slides/slide14.xml><?xml version="1.0" encoding="utf-8"?>
 <p:sld xmlns:a="http://schemas.openxmlformats.org/drawingml/2006/main" xmlns:r="http://schemas.openxmlformats.org/officeDocument/2006/relationships" xmlns:p="http://schemas.openxmlformats.org/presentationml/2006/main">
   <p:cSld>
     <p:spTree>
@@ -4914,7 +7538,7 @@
           <p:cNvPr id="2" name="제목 1">
             <a:extLst>
               <a:ext uri="{FF2B5EF4-FFF2-40B4-BE49-F238E27FC236}">
-                <a16:creationId xmlns="" xmlns:a16="http://schemas.microsoft.com/office/drawing/2014/main" id="{46EF07D7-2C4E-4DE1-B52F-9ACD386C79CB}"/>
+                <a16:creationId xmlns:a16="http://schemas.microsoft.com/office/drawing/2014/main" xmlns="" id="{46EF07D7-2C4E-4DE1-B52F-9ACD386C79CB}"/>
               </a:ext>
             </a:extLst>
           </p:cNvPr>
@@ -4954,7 +7578,7 @@
           <p:cNvPr id="5" name="TextBox 4">
             <a:extLst>
               <a:ext uri="{FF2B5EF4-FFF2-40B4-BE49-F238E27FC236}">
-                <a16:creationId xmlns="" xmlns:a16="http://schemas.microsoft.com/office/drawing/2014/main" id="{F83BAFA1-C11B-4672-B510-037979FA2D38}"/>
+                <a16:creationId xmlns:a16="http://schemas.microsoft.com/office/drawing/2014/main" xmlns="" id="{F83BAFA1-C11B-4672-B510-037979FA2D38}"/>
               </a:ext>
             </a:extLst>
           </p:cNvPr>
@@ -4986,20 +7610,12 @@
               <a:t>▶ </a:t>
             </a:r>
             <a:r>
-              <a:rPr lang="en-US" altLang="ko-KR" sz="2400" dirty="0" err="1" smtClean="0">
-                <a:solidFill>
-                  <a:schemeClr val="bg1"/>
-                </a:solidFill>
-              </a:rPr>
-              <a:t>Que</a:t>
-            </a:r>
-            <a:r>
-              <a:rPr lang="ko-KR" altLang="en-US" sz="2400" dirty="0" smtClean="0">
-                <a:solidFill>
-                  <a:schemeClr val="bg1"/>
-                </a:solidFill>
-              </a:rPr>
-              <a:t> </a:t>
+              <a:rPr lang="en-US" altLang="ko-KR" sz="2400" dirty="0">
+                <a:solidFill>
+                  <a:schemeClr val="bg1"/>
+                </a:solidFill>
+              </a:rPr>
+              <a:t>Queue</a:t>
             </a:r>
             <a:r>
               <a:rPr lang="ko-KR" altLang="en-US" sz="2400" dirty="0">
@@ -5007,7 +7623,7 @@
                   <a:schemeClr val="bg1"/>
                 </a:solidFill>
               </a:rPr>
-              <a:t>알고리즘이란</a:t>
+              <a:t>의 작동원리</a:t>
             </a:r>
             <a:r>
               <a:rPr lang="en-US" altLang="ko-KR" sz="2400" dirty="0">
@@ -5015,15 +7631,7 @@
                   <a:schemeClr val="bg1"/>
                 </a:solidFill>
               </a:rPr>
-              <a:t>?</a:t>
-            </a:r>
-            <a:r>
-              <a:rPr lang="en-US" altLang="ko-KR" dirty="0">
-                <a:solidFill>
-                  <a:schemeClr val="bg1"/>
-                </a:solidFill>
-              </a:rPr>
-              <a:t> </a:t>
+              <a:t>? </a:t>
             </a:r>
             <a:endParaRPr lang="ko-KR" altLang="en-US" dirty="0">
               <a:solidFill>
@@ -5577,7 +8185,7 @@
 </p:sld>
 </file>
 
-<file path=ppt/slides/slide13.xml><?xml version="1.0" encoding="utf-8"?>
+<file path=ppt/slides/slide15.xml><?xml version="1.0" encoding="utf-8"?>
 <p:sld xmlns:a="http://schemas.openxmlformats.org/drawingml/2006/main" xmlns:r="http://schemas.openxmlformats.org/officeDocument/2006/relationships" xmlns:p="http://schemas.openxmlformats.org/presentationml/2006/main">
   <p:cSld>
     <p:spTree>
@@ -5599,7 +8207,7 @@
           <p:cNvPr id="2" name="제목 1">
             <a:extLst>
               <a:ext uri="{FF2B5EF4-FFF2-40B4-BE49-F238E27FC236}">
-                <a16:creationId xmlns="" xmlns:a16="http://schemas.microsoft.com/office/drawing/2014/main" id="{46EF07D7-2C4E-4DE1-B52F-9ACD386C79CB}"/>
+                <a16:creationId xmlns:a16="http://schemas.microsoft.com/office/drawing/2014/main" xmlns="" id="{46EF07D7-2C4E-4DE1-B52F-9ACD386C79CB}"/>
               </a:ext>
             </a:extLst>
           </p:cNvPr>
@@ -5639,7 +8247,7 @@
           <p:cNvPr id="5" name="TextBox 4">
             <a:extLst>
               <a:ext uri="{FF2B5EF4-FFF2-40B4-BE49-F238E27FC236}">
-                <a16:creationId xmlns="" xmlns:a16="http://schemas.microsoft.com/office/drawing/2014/main" id="{F83BAFA1-C11B-4672-B510-037979FA2D38}"/>
+                <a16:creationId xmlns:a16="http://schemas.microsoft.com/office/drawing/2014/main" xmlns="" id="{F83BAFA1-C11B-4672-B510-037979FA2D38}"/>
               </a:ext>
             </a:extLst>
           </p:cNvPr>
@@ -5671,20 +8279,12 @@
               <a:t>▶ </a:t>
             </a:r>
             <a:r>
-              <a:rPr lang="en-US" altLang="ko-KR" sz="2400" dirty="0" err="1" smtClean="0">
-                <a:solidFill>
-                  <a:schemeClr val="bg1"/>
-                </a:solidFill>
-              </a:rPr>
-              <a:t>Que</a:t>
-            </a:r>
-            <a:r>
-              <a:rPr lang="ko-KR" altLang="en-US" sz="2400" dirty="0" smtClean="0">
-                <a:solidFill>
-                  <a:schemeClr val="bg1"/>
-                </a:solidFill>
-              </a:rPr>
-              <a:t> </a:t>
+              <a:rPr lang="en-US" altLang="ko-KR" sz="2400" dirty="0">
+                <a:solidFill>
+                  <a:schemeClr val="bg1"/>
+                </a:solidFill>
+              </a:rPr>
+              <a:t>Queue</a:t>
             </a:r>
             <a:r>
               <a:rPr lang="ko-KR" altLang="en-US" sz="2400" dirty="0">
@@ -5692,7 +8292,7 @@
                   <a:schemeClr val="bg1"/>
                 </a:solidFill>
               </a:rPr>
-              <a:t>알고리즘이란</a:t>
+              <a:t>의 작동원리</a:t>
             </a:r>
             <a:r>
               <a:rPr lang="en-US" altLang="ko-KR" sz="2400" dirty="0">
@@ -5700,15 +8300,7 @@
                   <a:schemeClr val="bg1"/>
                 </a:solidFill>
               </a:rPr>
-              <a:t>?</a:t>
-            </a:r>
-            <a:r>
-              <a:rPr lang="en-US" altLang="ko-KR" dirty="0">
-                <a:solidFill>
-                  <a:schemeClr val="bg1"/>
-                </a:solidFill>
-              </a:rPr>
-              <a:t> </a:t>
+              <a:t>? </a:t>
             </a:r>
             <a:endParaRPr lang="ko-KR" altLang="en-US" dirty="0">
               <a:solidFill>
@@ -6324,7 +8916,7 @@
 </p:sld>
 </file>
 
-<file path=ppt/slides/slide14.xml><?xml version="1.0" encoding="utf-8"?>
+<file path=ppt/slides/slide16.xml><?xml version="1.0" encoding="utf-8"?>
 <p:sld xmlns:a="http://schemas.openxmlformats.org/drawingml/2006/main" xmlns:r="http://schemas.openxmlformats.org/officeDocument/2006/relationships" xmlns:p="http://schemas.openxmlformats.org/presentationml/2006/main">
   <p:cSld>
     <p:spTree>
@@ -6346,7 +8938,7 @@
           <p:cNvPr id="2" name="제목 1">
             <a:extLst>
               <a:ext uri="{FF2B5EF4-FFF2-40B4-BE49-F238E27FC236}">
-                <a16:creationId xmlns="" xmlns:a16="http://schemas.microsoft.com/office/drawing/2014/main" id="{46EF07D7-2C4E-4DE1-B52F-9ACD386C79CB}"/>
+                <a16:creationId xmlns:a16="http://schemas.microsoft.com/office/drawing/2014/main" xmlns="" id="{46EF07D7-2C4E-4DE1-B52F-9ACD386C79CB}"/>
               </a:ext>
             </a:extLst>
           </p:cNvPr>
@@ -6386,7 +8978,7 @@
           <p:cNvPr id="5" name="TextBox 4">
             <a:extLst>
               <a:ext uri="{FF2B5EF4-FFF2-40B4-BE49-F238E27FC236}">
-                <a16:creationId xmlns="" xmlns:a16="http://schemas.microsoft.com/office/drawing/2014/main" id="{F83BAFA1-C11B-4672-B510-037979FA2D38}"/>
+                <a16:creationId xmlns:a16="http://schemas.microsoft.com/office/drawing/2014/main" xmlns="" id="{F83BAFA1-C11B-4672-B510-037979FA2D38}"/>
               </a:ext>
             </a:extLst>
           </p:cNvPr>
@@ -6418,20 +9010,12 @@
               <a:t>▶ </a:t>
             </a:r>
             <a:r>
-              <a:rPr lang="en-US" altLang="ko-KR" sz="2400" dirty="0" err="1" smtClean="0">
-                <a:solidFill>
-                  <a:schemeClr val="bg1"/>
-                </a:solidFill>
-              </a:rPr>
-              <a:t>Que</a:t>
-            </a:r>
-            <a:r>
-              <a:rPr lang="ko-KR" altLang="en-US" sz="2400" dirty="0" smtClean="0">
-                <a:solidFill>
-                  <a:schemeClr val="bg1"/>
-                </a:solidFill>
-              </a:rPr>
-              <a:t> </a:t>
+              <a:rPr lang="en-US" altLang="ko-KR" sz="2400" dirty="0">
+                <a:solidFill>
+                  <a:schemeClr val="bg1"/>
+                </a:solidFill>
+              </a:rPr>
+              <a:t>Queue</a:t>
             </a:r>
             <a:r>
               <a:rPr lang="ko-KR" altLang="en-US" sz="2400" dirty="0">
@@ -6439,7 +9023,7 @@
                   <a:schemeClr val="bg1"/>
                 </a:solidFill>
               </a:rPr>
-              <a:t>알고리즘이란</a:t>
+              <a:t>의 작동원리</a:t>
             </a:r>
             <a:r>
               <a:rPr lang="en-US" altLang="ko-KR" sz="2400" dirty="0">
@@ -6447,15 +9031,7 @@
                   <a:schemeClr val="bg1"/>
                 </a:solidFill>
               </a:rPr>
-              <a:t>?</a:t>
-            </a:r>
-            <a:r>
-              <a:rPr lang="en-US" altLang="ko-KR" dirty="0">
-                <a:solidFill>
-                  <a:schemeClr val="bg1"/>
-                </a:solidFill>
-              </a:rPr>
-              <a:t> </a:t>
+              <a:t>? </a:t>
             </a:r>
             <a:endParaRPr lang="ko-KR" altLang="en-US" dirty="0">
               <a:solidFill>
@@ -7009,7 +9585,7 @@
 </p:sld>
 </file>
 
-<file path=ppt/slides/slide15.xml><?xml version="1.0" encoding="utf-8"?>
+<file path=ppt/slides/slide17.xml><?xml version="1.0" encoding="utf-8"?>
 <p:sld xmlns:a="http://schemas.openxmlformats.org/drawingml/2006/main" xmlns:r="http://schemas.openxmlformats.org/officeDocument/2006/relationships" xmlns:p="http://schemas.openxmlformats.org/presentationml/2006/main">
   <p:cSld>
     <p:spTree>
@@ -7031,7 +9607,7 @@
           <p:cNvPr id="2" name="제목 1">
             <a:extLst>
               <a:ext uri="{FF2B5EF4-FFF2-40B4-BE49-F238E27FC236}">
-                <a16:creationId xmlns="" xmlns:a16="http://schemas.microsoft.com/office/drawing/2014/main" id="{46EF07D7-2C4E-4DE1-B52F-9ACD386C79CB}"/>
+                <a16:creationId xmlns:a16="http://schemas.microsoft.com/office/drawing/2014/main" xmlns="" id="{46EF07D7-2C4E-4DE1-B52F-9ACD386C79CB}"/>
               </a:ext>
             </a:extLst>
           </p:cNvPr>
@@ -7071,7 +9647,7 @@
           <p:cNvPr id="5" name="TextBox 4">
             <a:extLst>
               <a:ext uri="{FF2B5EF4-FFF2-40B4-BE49-F238E27FC236}">
-                <a16:creationId xmlns="" xmlns:a16="http://schemas.microsoft.com/office/drawing/2014/main" id="{F83BAFA1-C11B-4672-B510-037979FA2D38}"/>
+                <a16:creationId xmlns:a16="http://schemas.microsoft.com/office/drawing/2014/main" xmlns="" id="{F83BAFA1-C11B-4672-B510-037979FA2D38}"/>
               </a:ext>
             </a:extLst>
           </p:cNvPr>
@@ -7103,20 +9679,12 @@
               <a:t>▶ </a:t>
             </a:r>
             <a:r>
-              <a:rPr lang="en-US" altLang="ko-KR" sz="2400" dirty="0" err="1" smtClean="0">
-                <a:solidFill>
-                  <a:schemeClr val="bg1"/>
-                </a:solidFill>
-              </a:rPr>
-              <a:t>Que</a:t>
-            </a:r>
-            <a:r>
-              <a:rPr lang="ko-KR" altLang="en-US" sz="2400" dirty="0" smtClean="0">
-                <a:solidFill>
-                  <a:schemeClr val="bg1"/>
-                </a:solidFill>
-              </a:rPr>
-              <a:t> </a:t>
+              <a:rPr lang="en-US" altLang="ko-KR" sz="2400" dirty="0">
+                <a:solidFill>
+                  <a:schemeClr val="bg1"/>
+                </a:solidFill>
+              </a:rPr>
+              <a:t>Queue</a:t>
             </a:r>
             <a:r>
               <a:rPr lang="ko-KR" altLang="en-US" sz="2400" dirty="0">
@@ -7124,7 +9692,7 @@
                   <a:schemeClr val="bg1"/>
                 </a:solidFill>
               </a:rPr>
-              <a:t>알고리즘이란</a:t>
+              <a:t>의 작동원리</a:t>
             </a:r>
             <a:r>
               <a:rPr lang="en-US" altLang="ko-KR" sz="2400" dirty="0">
@@ -7132,15 +9700,7 @@
                   <a:schemeClr val="bg1"/>
                 </a:solidFill>
               </a:rPr>
-              <a:t>?</a:t>
-            </a:r>
-            <a:r>
-              <a:rPr lang="en-US" altLang="ko-KR" dirty="0">
-                <a:solidFill>
-                  <a:schemeClr val="bg1"/>
-                </a:solidFill>
-              </a:rPr>
-              <a:t> </a:t>
+              <a:t>? </a:t>
             </a:r>
             <a:endParaRPr lang="ko-KR" altLang="en-US" dirty="0">
               <a:solidFill>
@@ -7756,7 +10316,7 @@
 </p:sld>
 </file>
 
-<file path=ppt/slides/slide16.xml><?xml version="1.0" encoding="utf-8"?>
+<file path=ppt/slides/slide18.xml><?xml version="1.0" encoding="utf-8"?>
 <p:sld xmlns:a="http://schemas.openxmlformats.org/drawingml/2006/main" xmlns:r="http://schemas.openxmlformats.org/officeDocument/2006/relationships" xmlns:p="http://schemas.openxmlformats.org/presentationml/2006/main">
   <p:cSld>
     <p:spTree>
@@ -7778,7 +10338,7 @@
           <p:cNvPr id="2" name="제목 1">
             <a:extLst>
               <a:ext uri="{FF2B5EF4-FFF2-40B4-BE49-F238E27FC236}">
-                <a16:creationId xmlns="" xmlns:a16="http://schemas.microsoft.com/office/drawing/2014/main" id="{46EF07D7-2C4E-4DE1-B52F-9ACD386C79CB}"/>
+                <a16:creationId xmlns:a16="http://schemas.microsoft.com/office/drawing/2014/main" xmlns="" id="{46EF07D7-2C4E-4DE1-B52F-9ACD386C79CB}"/>
               </a:ext>
             </a:extLst>
           </p:cNvPr>
@@ -7818,7 +10378,7 @@
           <p:cNvPr id="5" name="TextBox 4">
             <a:extLst>
               <a:ext uri="{FF2B5EF4-FFF2-40B4-BE49-F238E27FC236}">
-                <a16:creationId xmlns="" xmlns:a16="http://schemas.microsoft.com/office/drawing/2014/main" id="{F83BAFA1-C11B-4672-B510-037979FA2D38}"/>
+                <a16:creationId xmlns:a16="http://schemas.microsoft.com/office/drawing/2014/main" xmlns="" id="{F83BAFA1-C11B-4672-B510-037979FA2D38}"/>
               </a:ext>
             </a:extLst>
           </p:cNvPr>
@@ -7850,20 +10410,12 @@
               <a:t>▶ </a:t>
             </a:r>
             <a:r>
-              <a:rPr lang="en-US" altLang="ko-KR" sz="2400" dirty="0" err="1" smtClean="0">
-                <a:solidFill>
-                  <a:schemeClr val="bg1"/>
-                </a:solidFill>
-              </a:rPr>
-              <a:t>Que</a:t>
-            </a:r>
-            <a:r>
-              <a:rPr lang="ko-KR" altLang="en-US" sz="2400" dirty="0" smtClean="0">
-                <a:solidFill>
-                  <a:schemeClr val="bg1"/>
-                </a:solidFill>
-              </a:rPr>
-              <a:t> </a:t>
+              <a:rPr lang="en-US" altLang="ko-KR" sz="2400" dirty="0">
+                <a:solidFill>
+                  <a:schemeClr val="bg1"/>
+                </a:solidFill>
+              </a:rPr>
+              <a:t>Queue</a:t>
             </a:r>
             <a:r>
               <a:rPr lang="ko-KR" altLang="en-US" sz="2400" dirty="0">
@@ -7871,7 +10423,7 @@
                   <a:schemeClr val="bg1"/>
                 </a:solidFill>
               </a:rPr>
-              <a:t>알고리즘이란</a:t>
+              <a:t>의 작동원리</a:t>
             </a:r>
             <a:r>
               <a:rPr lang="en-US" altLang="ko-KR" sz="2400" dirty="0">
@@ -7879,15 +10431,7 @@
                   <a:schemeClr val="bg1"/>
                 </a:solidFill>
               </a:rPr>
-              <a:t>?</a:t>
-            </a:r>
-            <a:r>
-              <a:rPr lang="en-US" altLang="ko-KR" dirty="0">
-                <a:solidFill>
-                  <a:schemeClr val="bg1"/>
-                </a:solidFill>
-              </a:rPr>
-              <a:t> </a:t>
+              <a:t>? </a:t>
             </a:r>
             <a:endParaRPr lang="ko-KR" altLang="en-US" dirty="0">
               <a:solidFill>
@@ -8441,6 +10985,722 @@
 </p:sld>
 </file>
 
+<file path=ppt/slides/slide19.xml><?xml version="1.0" encoding="utf-8"?>
+<p:sld xmlns:a="http://schemas.openxmlformats.org/drawingml/2006/main" xmlns:r="http://schemas.openxmlformats.org/officeDocument/2006/relationships" xmlns:p="http://schemas.openxmlformats.org/presentationml/2006/main">
+  <p:cSld>
+    <p:spTree>
+      <p:nvGrpSpPr>
+        <p:cNvPr id="1" name=""/>
+        <p:cNvGrpSpPr/>
+        <p:nvPr/>
+      </p:nvGrpSpPr>
+      <p:grpSpPr>
+        <a:xfrm>
+          <a:off x="0" y="0"/>
+          <a:ext cx="0" cy="0"/>
+          <a:chOff x="0" y="0"/>
+          <a:chExt cx="0" cy="0"/>
+        </a:xfrm>
+      </p:grpSpPr>
+      <p:sp>
+        <p:nvSpPr>
+          <p:cNvPr id="2" name="제목 1">
+            <a:extLst>
+              <a:ext uri="{FF2B5EF4-FFF2-40B4-BE49-F238E27FC236}">
+                <a16:creationId xmlns:a16="http://schemas.microsoft.com/office/drawing/2014/main" xmlns="" id="{46EF07D7-2C4E-4DE1-B52F-9ACD386C79CB}"/>
+              </a:ext>
+            </a:extLst>
+          </p:cNvPr>
+          <p:cNvSpPr>
+            <a:spLocks noGrp="1"/>
+          </p:cNvSpPr>
+          <p:nvPr>
+            <p:ph type="title"/>
+          </p:nvPr>
+        </p:nvSpPr>
+        <p:spPr>
+          <a:xfrm>
+            <a:off x="769620" y="189946"/>
+            <a:ext cx="4486656" cy="513440"/>
+          </a:xfrm>
+        </p:spPr>
+        <p:txBody>
+          <a:bodyPr>
+            <a:normAutofit fontScale="90000"/>
+          </a:bodyPr>
+          <a:lstStyle/>
+          <a:p>
+            <a:r>
+              <a:rPr lang="en-US" altLang="ko-KR" dirty="0"/>
+              <a:t>1. </a:t>
+            </a:r>
+            <a:r>
+              <a:rPr lang="ko-KR" altLang="en-US" dirty="0"/>
+              <a:t>알고리즘 개요 </a:t>
+            </a:r>
+          </a:p>
+        </p:txBody>
+      </p:sp>
+      <p:sp>
+        <p:nvSpPr>
+          <p:cNvPr id="5" name="TextBox 4">
+            <a:extLst>
+              <a:ext uri="{FF2B5EF4-FFF2-40B4-BE49-F238E27FC236}">
+                <a16:creationId xmlns:a16="http://schemas.microsoft.com/office/drawing/2014/main" xmlns="" id="{F83BAFA1-C11B-4672-B510-037979FA2D38}"/>
+              </a:ext>
+            </a:extLst>
+          </p:cNvPr>
+          <p:cNvSpPr txBox="1"/>
+          <p:nvPr/>
+        </p:nvSpPr>
+        <p:spPr>
+          <a:xfrm>
+            <a:off x="769620" y="804672"/>
+            <a:ext cx="4486656" cy="461665"/>
+          </a:xfrm>
+          <a:prstGeom prst="rect">
+            <a:avLst/>
+          </a:prstGeom>
+          <a:noFill/>
+        </p:spPr>
+        <p:txBody>
+          <a:bodyPr wrap="square" rtlCol="0">
+            <a:spAutoFit/>
+          </a:bodyPr>
+          <a:lstStyle/>
+          <a:p>
+            <a:r>
+              <a:rPr lang="ko-KR" altLang="en-US" sz="2400" dirty="0">
+                <a:solidFill>
+                  <a:schemeClr val="bg1"/>
+                </a:solidFill>
+              </a:rPr>
+              <a:t>▶ </a:t>
+            </a:r>
+            <a:r>
+              <a:rPr lang="en-US" altLang="ko-KR" sz="2400" dirty="0" smtClean="0">
+                <a:solidFill>
+                  <a:schemeClr val="bg1"/>
+                </a:solidFill>
+              </a:rPr>
+              <a:t>Queue</a:t>
+            </a:r>
+            <a:r>
+              <a:rPr lang="ko-KR" altLang="en-US" sz="2400" dirty="0" smtClean="0">
+                <a:solidFill>
+                  <a:schemeClr val="bg1"/>
+                </a:solidFill>
+              </a:rPr>
+              <a:t> </a:t>
+            </a:r>
+            <a:r>
+              <a:rPr lang="ko-KR" altLang="en-US" sz="2400" dirty="0">
+                <a:solidFill>
+                  <a:schemeClr val="bg1"/>
+                </a:solidFill>
+              </a:rPr>
+              <a:t>의 작동원리 </a:t>
+            </a:r>
+            <a:endParaRPr lang="ko-KR" altLang="en-US" sz="2400" dirty="0">
+              <a:solidFill>
+                <a:schemeClr val="bg1"/>
+              </a:solidFill>
+            </a:endParaRPr>
+          </a:p>
+        </p:txBody>
+      </p:sp>
+      <p:sp>
+        <p:nvSpPr>
+          <p:cNvPr id="15" name="TextBox 14">
+            <a:extLst>
+              <a:ext uri="{FF2B5EF4-FFF2-40B4-BE49-F238E27FC236}">
+                <a16:creationId xmlns:a16="http://schemas.microsoft.com/office/drawing/2014/main" xmlns="" id="{F83BAFA1-C11B-4672-B510-037979FA2D38}"/>
+              </a:ext>
+            </a:extLst>
+          </p:cNvPr>
+          <p:cNvSpPr txBox="1"/>
+          <p:nvPr/>
+        </p:nvSpPr>
+        <p:spPr>
+          <a:xfrm>
+            <a:off x="769620" y="1289783"/>
+            <a:ext cx="4486656" cy="4339650"/>
+          </a:xfrm>
+          <a:prstGeom prst="rect">
+            <a:avLst/>
+          </a:prstGeom>
+          <a:noFill/>
+        </p:spPr>
+        <p:txBody>
+          <a:bodyPr wrap="square" rtlCol="0">
+            <a:spAutoFit/>
+          </a:bodyPr>
+          <a:lstStyle/>
+          <a:p>
+            <a:r>
+              <a:rPr lang="en-US" altLang="ko-KR" sz="2000" dirty="0" smtClean="0">
+                <a:solidFill>
+                  <a:schemeClr val="bg1"/>
+                </a:solidFill>
+              </a:rPr>
+              <a:t>- Queue </a:t>
+            </a:r>
+            <a:r>
+              <a:rPr lang="ko-KR" altLang="en-US" sz="2000" dirty="0" smtClean="0">
+                <a:solidFill>
+                  <a:schemeClr val="bg1"/>
+                </a:solidFill>
+              </a:rPr>
+              <a:t>의 </a:t>
+            </a:r>
+            <a:r>
+              <a:rPr lang="en-US" altLang="ko-KR" sz="2000" dirty="0" smtClean="0">
+                <a:solidFill>
+                  <a:schemeClr val="bg1"/>
+                </a:solidFill>
+              </a:rPr>
+              <a:t>ADT (abstract data type)</a:t>
+            </a:r>
+            <a:r>
+              <a:rPr lang="en-US" altLang="ko-KR" sz="2400" dirty="0" smtClean="0">
+                <a:solidFill>
+                  <a:schemeClr val="bg1"/>
+                </a:solidFill>
+              </a:rPr>
+              <a:t> </a:t>
+            </a:r>
+          </a:p>
+          <a:p>
+            <a:endParaRPr lang="en-US" altLang="ko-KR" dirty="0">
+              <a:solidFill>
+                <a:schemeClr val="bg1"/>
+              </a:solidFill>
+            </a:endParaRPr>
+          </a:p>
+          <a:p>
+            <a:r>
+              <a:rPr lang="en-US" altLang="ko-KR" dirty="0">
+                <a:solidFill>
+                  <a:schemeClr val="bg1"/>
+                </a:solidFill>
+                <a:effectLst>
+                  <a:outerShdw blurRad="38100" dist="38100" dir="2700000" algn="tl">
+                    <a:srgbClr val="000000">
+                      <a:alpha val="43137"/>
+                    </a:srgbClr>
+                  </a:outerShdw>
+                </a:effectLst>
+              </a:rPr>
+              <a:t>front(head)</a:t>
+            </a:r>
+            <a:r>
+              <a:rPr lang="en-US" altLang="ko-KR" dirty="0">
+                <a:solidFill>
+                  <a:schemeClr val="bg1"/>
+                </a:solidFill>
+              </a:rPr>
+              <a:t> : </a:t>
+            </a:r>
+            <a:r>
+              <a:rPr lang="ko-KR" altLang="en-US" dirty="0">
+                <a:solidFill>
+                  <a:schemeClr val="bg1"/>
+                </a:solidFill>
+              </a:rPr>
+              <a:t>데이터를 </a:t>
+            </a:r>
+            <a:r>
+              <a:rPr lang="en-US" altLang="ko-KR" dirty="0" err="1">
+                <a:solidFill>
+                  <a:schemeClr val="bg1"/>
+                </a:solidFill>
+              </a:rPr>
+              <a:t>dequeue</a:t>
+            </a:r>
+            <a:r>
+              <a:rPr lang="en-US" altLang="ko-KR" dirty="0">
+                <a:solidFill>
+                  <a:schemeClr val="bg1"/>
+                </a:solidFill>
+              </a:rPr>
+              <a:t> </a:t>
+            </a:r>
+            <a:r>
+              <a:rPr lang="ko-KR" altLang="en-US" dirty="0">
+                <a:solidFill>
+                  <a:schemeClr val="bg1"/>
+                </a:solidFill>
+              </a:rPr>
+              <a:t>할 수 있는 </a:t>
+            </a:r>
+            <a:r>
+              <a:rPr lang="ko-KR" altLang="en-US" dirty="0" smtClean="0">
+                <a:solidFill>
+                  <a:schemeClr val="bg1"/>
+                </a:solidFill>
+              </a:rPr>
+              <a:t>위치</a:t>
+            </a:r>
+            <a:endParaRPr lang="en-US" altLang="ko-KR" dirty="0" smtClean="0">
+              <a:solidFill>
+                <a:schemeClr val="bg1"/>
+              </a:solidFill>
+            </a:endParaRPr>
+          </a:p>
+          <a:p>
+            <a:endParaRPr lang="ko-KR" altLang="en-US" dirty="0">
+              <a:solidFill>
+                <a:schemeClr val="bg1"/>
+              </a:solidFill>
+            </a:endParaRPr>
+          </a:p>
+          <a:p>
+            <a:r>
+              <a:rPr lang="en-US" altLang="ko-KR" dirty="0">
+                <a:solidFill>
+                  <a:schemeClr val="bg1"/>
+                </a:solidFill>
+                <a:effectLst>
+                  <a:outerShdw blurRad="38100" dist="38100" dir="2700000" algn="tl">
+                    <a:srgbClr val="000000">
+                      <a:alpha val="43137"/>
+                    </a:srgbClr>
+                  </a:outerShdw>
+                </a:effectLst>
+              </a:rPr>
+              <a:t>rear(tail) </a:t>
+            </a:r>
+            <a:r>
+              <a:rPr lang="en-US" altLang="ko-KR" dirty="0">
+                <a:solidFill>
+                  <a:schemeClr val="bg1"/>
+                </a:solidFill>
+              </a:rPr>
+              <a:t>: </a:t>
+            </a:r>
+            <a:r>
+              <a:rPr lang="ko-KR" altLang="en-US" dirty="0">
+                <a:solidFill>
+                  <a:schemeClr val="bg1"/>
+                </a:solidFill>
+              </a:rPr>
+              <a:t>데이터를 </a:t>
+            </a:r>
+            <a:r>
+              <a:rPr lang="en-US" altLang="ko-KR" dirty="0" err="1">
+                <a:solidFill>
+                  <a:schemeClr val="bg1"/>
+                </a:solidFill>
+              </a:rPr>
+              <a:t>enqueue</a:t>
+            </a:r>
+            <a:r>
+              <a:rPr lang="en-US" altLang="ko-KR" dirty="0">
+                <a:solidFill>
+                  <a:schemeClr val="bg1"/>
+                </a:solidFill>
+              </a:rPr>
+              <a:t> </a:t>
+            </a:r>
+            <a:r>
+              <a:rPr lang="ko-KR" altLang="en-US" dirty="0">
+                <a:solidFill>
+                  <a:schemeClr val="bg1"/>
+                </a:solidFill>
+              </a:rPr>
+              <a:t>할 수 있는 위치</a:t>
+            </a:r>
+          </a:p>
+          <a:p>
+            <a:endParaRPr lang="en-US" altLang="ko-KR" dirty="0" smtClean="0">
+              <a:solidFill>
+                <a:schemeClr val="bg1"/>
+              </a:solidFill>
+            </a:endParaRPr>
+          </a:p>
+          <a:p>
+            <a:r>
+              <a:rPr lang="ko-KR" altLang="en-US" dirty="0" err="1" smtClean="0">
+                <a:solidFill>
+                  <a:schemeClr val="bg1"/>
+                </a:solidFill>
+              </a:rPr>
+              <a:t>메소드</a:t>
+            </a:r>
+            <a:r>
+              <a:rPr lang="ko-KR" altLang="en-US" dirty="0" smtClean="0">
+                <a:solidFill>
+                  <a:schemeClr val="bg1"/>
+                </a:solidFill>
+              </a:rPr>
+              <a:t> </a:t>
+            </a:r>
+            <a:r>
+              <a:rPr lang="en-US" altLang="ko-KR" dirty="0" smtClean="0">
+                <a:solidFill>
+                  <a:schemeClr val="bg1"/>
+                </a:solidFill>
+              </a:rPr>
+              <a:t>:</a:t>
+            </a:r>
+            <a:endParaRPr lang="ko-KR" altLang="en-US" dirty="0">
+              <a:solidFill>
+                <a:schemeClr val="bg1"/>
+              </a:solidFill>
+            </a:endParaRPr>
+          </a:p>
+          <a:p>
+            <a:pPr lvl="1"/>
+            <a:r>
+              <a:rPr lang="en-US" altLang="ko-KR" dirty="0" err="1">
+                <a:solidFill>
+                  <a:schemeClr val="bg1"/>
+                </a:solidFill>
+                <a:effectLst>
+                  <a:outerShdw blurRad="38100" dist="38100" dir="2700000" algn="tl">
+                    <a:srgbClr val="000000">
+                      <a:alpha val="43137"/>
+                    </a:srgbClr>
+                  </a:outerShdw>
+                </a:effectLst>
+              </a:rPr>
+              <a:t>is_empty</a:t>
+            </a:r>
+            <a:r>
+              <a:rPr lang="en-US" altLang="ko-KR" dirty="0">
+                <a:solidFill>
+                  <a:schemeClr val="bg1"/>
+                </a:solidFill>
+              </a:rPr>
+              <a:t>() </a:t>
+            </a:r>
+            <a:r>
+              <a:rPr lang="en-US" altLang="ko-KR" dirty="0" smtClean="0">
+                <a:solidFill>
+                  <a:schemeClr val="bg1"/>
+                </a:solidFill>
+              </a:rPr>
+              <a:t>: </a:t>
+            </a:r>
+            <a:r>
+              <a:rPr lang="en-US" altLang="ko-KR" dirty="0" err="1">
+                <a:solidFill>
+                  <a:schemeClr val="bg1"/>
+                </a:solidFill>
+              </a:rPr>
+              <a:t>boolean</a:t>
+            </a:r>
+            <a:endParaRPr lang="en-US" altLang="ko-KR" dirty="0">
+              <a:solidFill>
+                <a:schemeClr val="bg1"/>
+              </a:solidFill>
+            </a:endParaRPr>
+          </a:p>
+          <a:p>
+            <a:pPr lvl="1"/>
+            <a:endParaRPr lang="en-US" altLang="ko-KR" dirty="0" smtClean="0">
+              <a:solidFill>
+                <a:schemeClr val="bg1"/>
+              </a:solidFill>
+            </a:endParaRPr>
+          </a:p>
+          <a:p>
+            <a:pPr lvl="1"/>
+            <a:r>
+              <a:rPr lang="en-US" altLang="ko-KR" dirty="0" err="1" smtClean="0">
+                <a:solidFill>
+                  <a:schemeClr val="bg1"/>
+                </a:solidFill>
+                <a:effectLst>
+                  <a:outerShdw blurRad="38100" dist="38100" dir="2700000" algn="tl">
+                    <a:srgbClr val="000000">
+                      <a:alpha val="43137"/>
+                    </a:srgbClr>
+                  </a:outerShdw>
+                </a:effectLst>
+              </a:rPr>
+              <a:t>enqueue</a:t>
+            </a:r>
+            <a:r>
+              <a:rPr lang="en-US" altLang="ko-KR" dirty="0" smtClean="0">
+                <a:solidFill>
+                  <a:schemeClr val="bg1"/>
+                </a:solidFill>
+              </a:rPr>
+              <a:t> </a:t>
+            </a:r>
+            <a:r>
+              <a:rPr lang="en-US" altLang="ko-KR" dirty="0">
+                <a:solidFill>
+                  <a:schemeClr val="bg1"/>
+                </a:solidFill>
+              </a:rPr>
+              <a:t>:</a:t>
+            </a:r>
+            <a:r>
+              <a:rPr lang="en-US" altLang="ko-KR" dirty="0" smtClean="0">
+                <a:solidFill>
+                  <a:schemeClr val="bg1"/>
+                </a:solidFill>
+              </a:rPr>
+              <a:t> </a:t>
+            </a:r>
+            <a:r>
+              <a:rPr lang="en-US" altLang="ko-KR" dirty="0">
+                <a:solidFill>
+                  <a:schemeClr val="bg1"/>
+                </a:solidFill>
+              </a:rPr>
+              <a:t>insert</a:t>
+            </a:r>
+          </a:p>
+          <a:p>
+            <a:pPr lvl="1"/>
+            <a:endParaRPr lang="en-US" altLang="ko-KR" dirty="0" smtClean="0">
+              <a:solidFill>
+                <a:schemeClr val="bg1"/>
+              </a:solidFill>
+            </a:endParaRPr>
+          </a:p>
+          <a:p>
+            <a:pPr lvl="1"/>
+            <a:r>
+              <a:rPr lang="en-US" altLang="ko-KR" dirty="0" err="1" smtClean="0">
+                <a:solidFill>
+                  <a:schemeClr val="bg1"/>
+                </a:solidFill>
+                <a:effectLst>
+                  <a:outerShdw blurRad="38100" dist="38100" dir="2700000" algn="tl">
+                    <a:srgbClr val="000000">
+                      <a:alpha val="43137"/>
+                    </a:srgbClr>
+                  </a:outerShdw>
+                </a:effectLst>
+              </a:rPr>
+              <a:t>dequeue</a:t>
+            </a:r>
+            <a:r>
+              <a:rPr lang="en-US" altLang="ko-KR" dirty="0" smtClean="0">
+                <a:solidFill>
+                  <a:schemeClr val="bg1"/>
+                </a:solidFill>
+              </a:rPr>
+              <a:t> </a:t>
+            </a:r>
+            <a:r>
+              <a:rPr lang="en-US" altLang="ko-KR" dirty="0">
+                <a:solidFill>
+                  <a:schemeClr val="bg1"/>
+                </a:solidFill>
+              </a:rPr>
+              <a:t>:</a:t>
+            </a:r>
+            <a:r>
+              <a:rPr lang="en-US" altLang="ko-KR" dirty="0" smtClean="0">
+                <a:solidFill>
+                  <a:schemeClr val="bg1"/>
+                </a:solidFill>
+              </a:rPr>
+              <a:t> </a:t>
+            </a:r>
+            <a:r>
+              <a:rPr lang="en-US" altLang="ko-KR" dirty="0">
+                <a:solidFill>
+                  <a:schemeClr val="bg1"/>
+                </a:solidFill>
+              </a:rPr>
+              <a:t>delete</a:t>
+            </a:r>
+          </a:p>
+          <a:p>
+            <a:pPr lvl="1"/>
+            <a:endParaRPr lang="en-US" altLang="ko-KR" dirty="0" smtClean="0">
+              <a:solidFill>
+                <a:schemeClr val="bg1"/>
+              </a:solidFill>
+            </a:endParaRPr>
+          </a:p>
+          <a:p>
+            <a:pPr lvl="1"/>
+            <a:r>
+              <a:rPr lang="en-US" altLang="ko-KR" dirty="0" smtClean="0">
+                <a:solidFill>
+                  <a:schemeClr val="bg1"/>
+                </a:solidFill>
+                <a:effectLst>
+                  <a:outerShdw blurRad="38100" dist="38100" dir="2700000" algn="tl">
+                    <a:srgbClr val="000000">
+                      <a:alpha val="43137"/>
+                    </a:srgbClr>
+                  </a:outerShdw>
+                </a:effectLst>
+              </a:rPr>
+              <a:t>peek</a:t>
+            </a:r>
+            <a:r>
+              <a:rPr lang="en-US" altLang="ko-KR" dirty="0" smtClean="0">
+                <a:solidFill>
+                  <a:schemeClr val="bg1"/>
+                </a:solidFill>
+              </a:rPr>
+              <a:t> </a:t>
+            </a:r>
+            <a:r>
+              <a:rPr lang="en-US" altLang="ko-KR" dirty="0">
+                <a:solidFill>
+                  <a:schemeClr val="bg1"/>
+                </a:solidFill>
+              </a:rPr>
+              <a:t>:</a:t>
+            </a:r>
+            <a:r>
+              <a:rPr lang="en-US" altLang="ko-KR" dirty="0" smtClean="0">
+                <a:solidFill>
+                  <a:schemeClr val="bg1"/>
+                </a:solidFill>
+              </a:rPr>
+              <a:t> </a:t>
+            </a:r>
+            <a:r>
+              <a:rPr lang="ko-KR" altLang="en-US" dirty="0" smtClean="0">
+                <a:solidFill>
+                  <a:schemeClr val="bg1"/>
+                </a:solidFill>
+              </a:rPr>
+              <a:t>엿보기</a:t>
+            </a:r>
+            <a:r>
+              <a:rPr lang="en-US" altLang="ko-KR" dirty="0" smtClean="0">
+                <a:solidFill>
+                  <a:schemeClr val="bg1"/>
+                </a:solidFill>
+              </a:rPr>
+              <a:t>;  </a:t>
+            </a:r>
+            <a:r>
+              <a:rPr lang="ko-KR" altLang="en-US" dirty="0">
+                <a:solidFill>
+                  <a:schemeClr val="bg1"/>
+                </a:solidFill>
+              </a:rPr>
+              <a:t>맨 앞의 값 반환만 하고 </a:t>
+            </a:r>
+            <a:r>
+              <a:rPr lang="en-US" altLang="ko-KR" dirty="0" smtClean="0">
+                <a:solidFill>
+                  <a:schemeClr val="bg1"/>
+                </a:solidFill>
+              </a:rPr>
+              <a:t>		  </a:t>
+            </a:r>
+            <a:r>
+              <a:rPr lang="ko-KR" altLang="en-US" dirty="0" smtClean="0">
+                <a:solidFill>
+                  <a:schemeClr val="bg1"/>
+                </a:solidFill>
+              </a:rPr>
+              <a:t>삭제는 </a:t>
+            </a:r>
+            <a:r>
+              <a:rPr lang="ko-KR" altLang="en-US" dirty="0" err="1">
+                <a:solidFill>
+                  <a:schemeClr val="bg1"/>
+                </a:solidFill>
+              </a:rPr>
+              <a:t>안함</a:t>
+            </a:r>
+            <a:endParaRPr lang="ko-KR" altLang="en-US" dirty="0">
+              <a:solidFill>
+                <a:schemeClr val="bg1"/>
+              </a:solidFill>
+            </a:endParaRPr>
+          </a:p>
+        </p:txBody>
+      </p:sp>
+      <p:sp>
+        <p:nvSpPr>
+          <p:cNvPr id="16" name="TextBox 15"/>
+          <p:cNvSpPr txBox="1"/>
+          <p:nvPr/>
+        </p:nvSpPr>
+        <p:spPr>
+          <a:xfrm>
+            <a:off x="7491045" y="635394"/>
+            <a:ext cx="3962400" cy="369332"/>
+          </a:xfrm>
+          <a:prstGeom prst="rect">
+            <a:avLst/>
+          </a:prstGeom>
+          <a:noFill/>
+        </p:spPr>
+        <p:txBody>
+          <a:bodyPr wrap="square" rtlCol="0">
+            <a:spAutoFit/>
+          </a:bodyPr>
+          <a:lstStyle/>
+          <a:p>
+            <a:r>
+              <a:rPr lang="en-US" altLang="ko-KR" dirty="0" smtClean="0"/>
+              <a:t>&lt; Queue </a:t>
+            </a:r>
+            <a:r>
+              <a:rPr lang="ko-KR" altLang="en-US" dirty="0" smtClean="0"/>
+              <a:t>구현하기 </a:t>
+            </a:r>
+            <a:r>
+              <a:rPr lang="en-US" altLang="ko-KR" dirty="0" smtClean="0"/>
+              <a:t>: Python List&gt; </a:t>
+            </a:r>
+            <a:endParaRPr lang="en-US" altLang="ko-KR" sz="2000" dirty="0"/>
+          </a:p>
+        </p:txBody>
+      </p:sp>
+      <p:pic>
+        <p:nvPicPr>
+          <p:cNvPr id="6" name="내용 개체 틀 5"/>
+          <p:cNvPicPr>
+            <a:picLocks noGrp="1" noChangeAspect="1"/>
+          </p:cNvPicPr>
+          <p:nvPr>
+            <p:ph idx="1"/>
+          </p:nvPr>
+        </p:nvPicPr>
+        <p:blipFill>
+          <a:blip r:embed="rId3"/>
+          <a:stretch>
+            <a:fillRect/>
+          </a:stretch>
+        </p:blipFill>
+        <p:spPr>
+          <a:xfrm>
+            <a:off x="7064007" y="1266337"/>
+            <a:ext cx="4816475" cy="5186311"/>
+          </a:xfrm>
+          <a:prstGeom prst="rect">
+            <a:avLst/>
+          </a:prstGeom>
+        </p:spPr>
+      </p:pic>
+    </p:spTree>
+    <p:extLst>
+      <p:ext uri="{BB962C8B-B14F-4D97-AF65-F5344CB8AC3E}">
+        <p14:creationId xmlns:p14="http://schemas.microsoft.com/office/powerpoint/2010/main" val="2825217280"/>
+      </p:ext>
+    </p:extLst>
+  </p:cSld>
+  <p:clrMapOvr>
+    <a:masterClrMapping/>
+  </p:clrMapOvr>
+  <p:timing>
+    <p:tnLst>
+      <p:par>
+        <p:cTn id="1" dur="indefinite" restart="never" nodeType="tmRoot"/>
+      </p:par>
+    </p:tnLst>
+  </p:timing>
+</p:sld>
+</file>
+
 <file path=ppt/slides/slide2.xml><?xml version="1.0" encoding="utf-8"?>
 <p:sld xmlns:a="http://schemas.openxmlformats.org/drawingml/2006/main" xmlns:r="http://schemas.openxmlformats.org/officeDocument/2006/relationships" xmlns:p="http://schemas.openxmlformats.org/presentationml/2006/main">
   <p:cSld>
@@ -8463,7 +11723,7 @@
           <p:cNvPr id="2" name="제목 1">
             <a:extLst>
               <a:ext uri="{FF2B5EF4-FFF2-40B4-BE49-F238E27FC236}">
-                <a16:creationId xmlns="" xmlns:a16="http://schemas.microsoft.com/office/drawing/2014/main" id="{A0CFF523-35FA-4713-96AD-9F580039853D}"/>
+                <a16:creationId xmlns:a16="http://schemas.microsoft.com/office/drawing/2014/main" xmlns="" id="{A0CFF523-35FA-4713-96AD-9F580039853D}"/>
               </a:ext>
             </a:extLst>
           </p:cNvPr>
@@ -8491,7 +11751,7 @@
           <p:cNvPr id="3" name="내용 개체 틀 2">
             <a:extLst>
               <a:ext uri="{FF2B5EF4-FFF2-40B4-BE49-F238E27FC236}">
-                <a16:creationId xmlns="" xmlns:a16="http://schemas.microsoft.com/office/drawing/2014/main" id="{456DAF33-C273-4D96-95B2-A8C4CD2719C0}"/>
+                <a16:creationId xmlns:a16="http://schemas.microsoft.com/office/drawing/2014/main" xmlns="" id="{456DAF33-C273-4D96-95B2-A8C4CD2719C0}"/>
               </a:ext>
             </a:extLst>
           </p:cNvPr>
@@ -8516,12 +11776,16 @@
               <a:buNone/>
             </a:pPr>
             <a:r>
-              <a:rPr lang="en-US" altLang="ko-KR" dirty="0"/>
+              <a:rPr lang="en-US" altLang="ko-KR" dirty="0" smtClean="0"/>
               <a:t>1. </a:t>
             </a:r>
             <a:r>
+              <a:rPr lang="ko-KR" altLang="en-US" dirty="0" smtClean="0"/>
+              <a:t>알고리즘 </a:t>
+            </a:r>
+            <a:r>
               <a:rPr lang="ko-KR" altLang="en-US" dirty="0"/>
-              <a:t>알고리즘 개요 </a:t>
+              <a:t>개요 </a:t>
             </a:r>
             <a:endParaRPr lang="en-US" altLang="ko-KR" dirty="0"/>
           </a:p>
@@ -8542,11 +11806,34 @@
           <a:p>
             <a:r>
               <a:rPr lang="en-US" altLang="ko-KR" dirty="0"/>
-              <a:t>Que</a:t>
+              <a:t>Stack </a:t>
+            </a:r>
+            <a:r>
+              <a:rPr lang="ko-KR" altLang="en-US" dirty="0" smtClean="0"/>
+              <a:t>의</a:t>
+            </a:r>
+            <a:r>
+              <a:rPr lang="en-US" altLang="ko-KR" dirty="0"/>
+              <a:t> </a:t>
+            </a:r>
+            <a:r>
+              <a:rPr lang="ko-KR" altLang="en-US" dirty="0" smtClean="0"/>
+              <a:t>작동원리</a:t>
+            </a:r>
+            <a:endParaRPr lang="en-US" altLang="ko-KR" dirty="0" smtClean="0"/>
+          </a:p>
+          <a:p>
+            <a:r>
+              <a:rPr lang="en-US" altLang="ko-KR" dirty="0" smtClean="0"/>
+              <a:t>Queue</a:t>
+            </a:r>
+            <a:r>
+              <a:rPr lang="ko-KR" altLang="en-US" dirty="0" smtClean="0"/>
+              <a:t> </a:t>
             </a:r>
             <a:r>
               <a:rPr lang="ko-KR" altLang="en-US" dirty="0"/>
-              <a:t> 알고리즘이란</a:t>
+              <a:t>알고리즘이란</a:t>
             </a:r>
             <a:r>
               <a:rPr lang="en-US" altLang="ko-KR" dirty="0"/>
@@ -8554,57 +11841,31 @@
             </a:r>
           </a:p>
           <a:p>
-            <a:pPr marL="0" indent="0">
-              <a:buNone/>
-            </a:pPr>
+            <a:r>
+              <a:rPr lang="en-US" altLang="ko-KR" dirty="0" smtClean="0"/>
+              <a:t>Queue </a:t>
+            </a:r>
+            <a:r>
+              <a:rPr lang="ko-KR" altLang="en-US" dirty="0" smtClean="0"/>
+              <a:t>의</a:t>
+            </a:r>
+            <a:r>
+              <a:rPr lang="en-US" altLang="ko-KR" dirty="0" smtClean="0"/>
+              <a:t> </a:t>
+            </a:r>
+            <a:r>
+              <a:rPr lang="ko-KR" altLang="en-US" dirty="0" smtClean="0"/>
+              <a:t>작동원리</a:t>
+            </a:r>
+            <a:r>
+              <a:rPr lang="ko-KR" altLang="en-US" dirty="0" smtClean="0"/>
+              <a:t> </a:t>
+            </a:r>
+            <a:r>
+              <a:rPr lang="en-US" altLang="ko-KR" dirty="0" smtClean="0"/>
+              <a:t> </a:t>
+            </a:r>
             <a:endParaRPr lang="en-US" altLang="ko-KR" dirty="0"/>
-          </a:p>
-          <a:p>
-            <a:pPr marL="0" indent="0">
-              <a:buNone/>
-            </a:pPr>
-            <a:r>
-              <a:rPr lang="en-US" altLang="ko-KR" dirty="0"/>
-              <a:t>2. </a:t>
-            </a:r>
-            <a:r>
-              <a:rPr lang="ko-KR" altLang="en-US" dirty="0"/>
-              <a:t>알고리즘의 </a:t>
-            </a:r>
-            <a:r>
-              <a:rPr lang="ko-KR" altLang="en-US" dirty="0" err="1"/>
-              <a:t>매커니즘</a:t>
-            </a:r>
-            <a:r>
-              <a:rPr lang="ko-KR" altLang="en-US" dirty="0"/>
-              <a:t> </a:t>
-            </a:r>
-            <a:endParaRPr lang="en-US" altLang="ko-KR" dirty="0"/>
-          </a:p>
-          <a:p>
-            <a:r>
-              <a:rPr lang="en-US" altLang="ko-KR" dirty="0"/>
-              <a:t>Stack </a:t>
-            </a:r>
-            <a:r>
-              <a:rPr lang="ko-KR" altLang="en-US" dirty="0"/>
-              <a:t>알고리즘의 구조</a:t>
-            </a:r>
-            <a:endParaRPr lang="en-US" altLang="ko-KR" dirty="0"/>
-          </a:p>
-          <a:p>
-            <a:r>
-              <a:rPr lang="en-US" altLang="ko-KR" dirty="0"/>
-              <a:t>Que </a:t>
-            </a:r>
-            <a:r>
-              <a:rPr lang="ko-KR" altLang="en-US" dirty="0"/>
-              <a:t>알고리즘의 구조 </a:t>
-            </a:r>
-            <a:r>
-              <a:rPr lang="en-US" altLang="ko-KR" dirty="0"/>
-              <a:t> </a:t>
-            </a:r>
           </a:p>
           <a:p>
             <a:endParaRPr lang="ko-KR" altLang="en-US" dirty="0"/>
@@ -8616,7 +11877,7 @@
           <p:cNvPr id="4" name="내용 개체 틀 2">
             <a:extLst>
               <a:ext uri="{FF2B5EF4-FFF2-40B4-BE49-F238E27FC236}">
-                <a16:creationId xmlns="" xmlns:a16="http://schemas.microsoft.com/office/drawing/2014/main" id="{50C38EEE-EAF8-439E-AB53-D3944AEACFC4}"/>
+                <a16:creationId xmlns:a16="http://schemas.microsoft.com/office/drawing/2014/main" xmlns="" id="{50C38EEE-EAF8-439E-AB53-D3944AEACFC4}"/>
               </a:ext>
             </a:extLst>
           </p:cNvPr>
@@ -8628,7 +11889,7 @@
         <p:spPr>
           <a:xfrm>
             <a:off x="6987380" y="2638041"/>
-            <a:ext cx="2203936" cy="3101983"/>
+            <a:ext cx="2414528" cy="3101983"/>
           </a:xfrm>
           <a:prstGeom prst="rect">
             <a:avLst/>
@@ -8850,8 +12111,12 @@
               <a:buNone/>
             </a:pPr>
             <a:r>
-              <a:rPr lang="en-US" altLang="ko-KR" dirty="0"/>
-              <a:t>3. </a:t>
+              <a:rPr lang="en-US" altLang="ko-KR" dirty="0" smtClean="0"/>
+              <a:t>2.</a:t>
+            </a:r>
+            <a:r>
+              <a:rPr lang="en-US" altLang="ko-KR" dirty="0" smtClean="0"/>
+              <a:t> </a:t>
             </a:r>
             <a:r>
               <a:rPr lang="ko-KR" altLang="en-US" dirty="0"/>
@@ -8883,12 +12148,16 @@
           </a:p>
           <a:p>
             <a:r>
-              <a:rPr lang="en-US" altLang="ko-KR" dirty="0"/>
-              <a:t>Que</a:t>
+              <a:rPr lang="en-US" altLang="ko-KR" dirty="0" smtClean="0"/>
+              <a:t>Queue</a:t>
+            </a:r>
+            <a:r>
+              <a:rPr lang="ko-KR" altLang="en-US" dirty="0" smtClean="0"/>
+              <a:t> </a:t>
             </a:r>
             <a:r>
               <a:rPr lang="ko-KR" altLang="en-US" dirty="0"/>
-              <a:t> 알고리즘 예제 </a:t>
+              <a:t>알고리즘 예제 </a:t>
             </a:r>
             <a:endParaRPr lang="en-US" altLang="ko-KR" dirty="0"/>
           </a:p>
@@ -8900,8 +12169,12 @@
               <a:buNone/>
             </a:pPr>
             <a:r>
-              <a:rPr lang="en-US" altLang="ko-KR" dirty="0"/>
-              <a:t>4. </a:t>
+              <a:rPr lang="en-US" altLang="ko-KR" dirty="0" smtClean="0"/>
+              <a:t>3.</a:t>
+            </a:r>
+            <a:r>
+              <a:rPr lang="en-US" altLang="ko-KR" dirty="0" smtClean="0"/>
+              <a:t> </a:t>
             </a:r>
             <a:r>
               <a:rPr lang="ko-KR" altLang="en-US" dirty="0"/>
@@ -8929,7 +12202,11 @@
             </a:pPr>
             <a:r>
               <a:rPr lang="en-US" altLang="ko-KR" dirty="0"/>
-              <a:t>5. </a:t>
+              <a:t>4</a:t>
+            </a:r>
+            <a:r>
+              <a:rPr lang="en-US" altLang="ko-KR" dirty="0" smtClean="0"/>
+              <a:t>. </a:t>
             </a:r>
             <a:r>
               <a:rPr lang="ko-KR" altLang="en-US" dirty="0" err="1"/>
@@ -8959,7 +12236,7 @@
           <p:cNvPr id="6" name="직선 연결선 5">
             <a:extLst>
               <a:ext uri="{FF2B5EF4-FFF2-40B4-BE49-F238E27FC236}">
-                <a16:creationId xmlns="" xmlns:a16="http://schemas.microsoft.com/office/drawing/2014/main" id="{DE03CD5E-5F5E-4491-8CBD-4B9882227DF5}"/>
+                <a16:creationId xmlns:a16="http://schemas.microsoft.com/office/drawing/2014/main" xmlns="" id="{DE03CD5E-5F5E-4491-8CBD-4B9882227DF5}"/>
               </a:ext>
             </a:extLst>
           </p:cNvPr>
@@ -9016,6 +12293,3458 @@
 </p:sld>
 </file>
 
+<file path=ppt/slides/slide20.xml><?xml version="1.0" encoding="utf-8"?>
+<p:sld xmlns:a="http://schemas.openxmlformats.org/drawingml/2006/main" xmlns:r="http://schemas.openxmlformats.org/officeDocument/2006/relationships" xmlns:p="http://schemas.openxmlformats.org/presentationml/2006/main">
+  <p:cSld>
+    <p:spTree>
+      <p:nvGrpSpPr>
+        <p:cNvPr id="1" name=""/>
+        <p:cNvGrpSpPr/>
+        <p:nvPr/>
+      </p:nvGrpSpPr>
+      <p:grpSpPr>
+        <a:xfrm>
+          <a:off x="0" y="0"/>
+          <a:ext cx="0" cy="0"/>
+          <a:chOff x="0" y="0"/>
+          <a:chExt cx="0" cy="0"/>
+        </a:xfrm>
+      </p:grpSpPr>
+      <p:sp>
+        <p:nvSpPr>
+          <p:cNvPr id="2" name="제목 1">
+            <a:extLst>
+              <a:ext uri="{FF2B5EF4-FFF2-40B4-BE49-F238E27FC236}">
+                <a16:creationId xmlns:a16="http://schemas.microsoft.com/office/drawing/2014/main" xmlns="" id="{46EF07D7-2C4E-4DE1-B52F-9ACD386C79CB}"/>
+              </a:ext>
+            </a:extLst>
+          </p:cNvPr>
+          <p:cNvSpPr>
+            <a:spLocks noGrp="1"/>
+          </p:cNvSpPr>
+          <p:nvPr>
+            <p:ph type="title"/>
+          </p:nvPr>
+        </p:nvSpPr>
+        <p:spPr>
+          <a:xfrm>
+            <a:off x="769620" y="189946"/>
+            <a:ext cx="4486656" cy="513440"/>
+          </a:xfrm>
+        </p:spPr>
+        <p:txBody>
+          <a:bodyPr>
+            <a:normAutofit fontScale="90000"/>
+          </a:bodyPr>
+          <a:lstStyle/>
+          <a:p>
+            <a:r>
+              <a:rPr lang="en-US" altLang="ko-KR" dirty="0"/>
+              <a:t>1. </a:t>
+            </a:r>
+            <a:r>
+              <a:rPr lang="ko-KR" altLang="en-US" dirty="0"/>
+              <a:t>알고리즘 개요 </a:t>
+            </a:r>
+          </a:p>
+        </p:txBody>
+      </p:sp>
+      <p:sp>
+        <p:nvSpPr>
+          <p:cNvPr id="5" name="TextBox 4">
+            <a:extLst>
+              <a:ext uri="{FF2B5EF4-FFF2-40B4-BE49-F238E27FC236}">
+                <a16:creationId xmlns:a16="http://schemas.microsoft.com/office/drawing/2014/main" xmlns="" id="{F83BAFA1-C11B-4672-B510-037979FA2D38}"/>
+              </a:ext>
+            </a:extLst>
+          </p:cNvPr>
+          <p:cNvSpPr txBox="1"/>
+          <p:nvPr/>
+        </p:nvSpPr>
+        <p:spPr>
+          <a:xfrm>
+            <a:off x="769620" y="804672"/>
+            <a:ext cx="4486656" cy="461665"/>
+          </a:xfrm>
+          <a:prstGeom prst="rect">
+            <a:avLst/>
+          </a:prstGeom>
+          <a:noFill/>
+        </p:spPr>
+        <p:txBody>
+          <a:bodyPr wrap="square" rtlCol="0">
+            <a:spAutoFit/>
+          </a:bodyPr>
+          <a:lstStyle/>
+          <a:p>
+            <a:r>
+              <a:rPr lang="ko-KR" altLang="en-US" sz="2400" dirty="0">
+                <a:solidFill>
+                  <a:schemeClr val="bg1"/>
+                </a:solidFill>
+              </a:rPr>
+              <a:t>▶ </a:t>
+            </a:r>
+            <a:r>
+              <a:rPr lang="en-US" altLang="ko-KR" sz="2400" dirty="0" smtClean="0">
+                <a:solidFill>
+                  <a:schemeClr val="bg1"/>
+                </a:solidFill>
+              </a:rPr>
+              <a:t>Queue</a:t>
+            </a:r>
+            <a:r>
+              <a:rPr lang="ko-KR" altLang="en-US" sz="2400" dirty="0" smtClean="0">
+                <a:solidFill>
+                  <a:schemeClr val="bg1"/>
+                </a:solidFill>
+              </a:rPr>
+              <a:t> </a:t>
+            </a:r>
+            <a:r>
+              <a:rPr lang="ko-KR" altLang="en-US" sz="2400" dirty="0">
+                <a:solidFill>
+                  <a:schemeClr val="bg1"/>
+                </a:solidFill>
+              </a:rPr>
+              <a:t>의 작동원리 </a:t>
+            </a:r>
+            <a:endParaRPr lang="ko-KR" altLang="en-US" sz="2400" dirty="0">
+              <a:solidFill>
+                <a:schemeClr val="bg1"/>
+              </a:solidFill>
+            </a:endParaRPr>
+          </a:p>
+        </p:txBody>
+      </p:sp>
+      <p:sp>
+        <p:nvSpPr>
+          <p:cNvPr id="15" name="TextBox 14">
+            <a:extLst>
+              <a:ext uri="{FF2B5EF4-FFF2-40B4-BE49-F238E27FC236}">
+                <a16:creationId xmlns:a16="http://schemas.microsoft.com/office/drawing/2014/main" xmlns="" id="{F83BAFA1-C11B-4672-B510-037979FA2D38}"/>
+              </a:ext>
+            </a:extLst>
+          </p:cNvPr>
+          <p:cNvSpPr txBox="1"/>
+          <p:nvPr/>
+        </p:nvSpPr>
+        <p:spPr>
+          <a:xfrm>
+            <a:off x="769620" y="2759614"/>
+            <a:ext cx="4486656" cy="954107"/>
+          </a:xfrm>
+          <a:prstGeom prst="rect">
+            <a:avLst/>
+          </a:prstGeom>
+          <a:noFill/>
+        </p:spPr>
+        <p:txBody>
+          <a:bodyPr wrap="square" rtlCol="0">
+            <a:spAutoFit/>
+          </a:bodyPr>
+          <a:lstStyle/>
+          <a:p>
+            <a:r>
+              <a:rPr lang="en-US" altLang="ko-KR" sz="2000" dirty="0" smtClean="0">
+                <a:solidFill>
+                  <a:schemeClr val="bg1"/>
+                </a:solidFill>
+              </a:rPr>
+              <a:t>- </a:t>
+            </a:r>
+            <a:r>
+              <a:rPr lang="ko-KR" altLang="en-US" sz="2000" dirty="0" err="1" smtClean="0">
+                <a:solidFill>
+                  <a:schemeClr val="bg1"/>
+                </a:solidFill>
+              </a:rPr>
+              <a:t>노드를</a:t>
+            </a:r>
+            <a:r>
+              <a:rPr lang="ko-KR" altLang="en-US" sz="2000" dirty="0" smtClean="0">
+                <a:solidFill>
+                  <a:schemeClr val="bg1"/>
+                </a:solidFill>
+              </a:rPr>
+              <a:t> 이용한 </a:t>
+            </a:r>
+            <a:r>
+              <a:rPr lang="en-US" altLang="ko-KR" sz="2000" dirty="0" smtClean="0">
+                <a:solidFill>
+                  <a:schemeClr val="bg1"/>
+                </a:solidFill>
+              </a:rPr>
+              <a:t>Queue</a:t>
+            </a:r>
+            <a:r>
+              <a:rPr lang="ko-KR" altLang="en-US" sz="2000" dirty="0" smtClean="0">
+                <a:solidFill>
+                  <a:schemeClr val="bg1"/>
+                </a:solidFill>
+              </a:rPr>
+              <a:t>의 구현 </a:t>
+            </a:r>
+            <a:endParaRPr lang="en-US" altLang="ko-KR" sz="2400" dirty="0" smtClean="0">
+              <a:solidFill>
+                <a:schemeClr val="bg1"/>
+              </a:solidFill>
+            </a:endParaRPr>
+          </a:p>
+          <a:p>
+            <a:endParaRPr lang="en-US" altLang="ko-KR" dirty="0">
+              <a:solidFill>
+                <a:schemeClr val="bg1"/>
+              </a:solidFill>
+            </a:endParaRPr>
+          </a:p>
+          <a:p>
+            <a:r>
+              <a:rPr lang="en-US" altLang="ko-KR" dirty="0" smtClean="0">
+                <a:solidFill>
+                  <a:schemeClr val="bg1"/>
+                </a:solidFill>
+              </a:rPr>
+              <a:t>    : Head</a:t>
+            </a:r>
+            <a:r>
+              <a:rPr lang="ko-KR" altLang="en-US" dirty="0" smtClean="0">
+                <a:solidFill>
+                  <a:schemeClr val="bg1"/>
+                </a:solidFill>
+              </a:rPr>
+              <a:t>와 </a:t>
+            </a:r>
+            <a:r>
+              <a:rPr lang="en-US" altLang="ko-KR" dirty="0" smtClean="0">
+                <a:solidFill>
+                  <a:schemeClr val="bg1"/>
+                </a:solidFill>
+              </a:rPr>
+              <a:t>tail </a:t>
+            </a:r>
+            <a:r>
+              <a:rPr lang="ko-KR" altLang="en-US" dirty="0" smtClean="0">
+                <a:solidFill>
+                  <a:schemeClr val="bg1"/>
+                </a:solidFill>
+              </a:rPr>
+              <a:t>만으로도 구현이 가능하다</a:t>
+            </a:r>
+            <a:r>
+              <a:rPr lang="en-US" altLang="ko-KR" dirty="0" smtClean="0">
+                <a:solidFill>
+                  <a:schemeClr val="bg1"/>
+                </a:solidFill>
+              </a:rPr>
+              <a:t>. </a:t>
+            </a:r>
+            <a:endParaRPr lang="en-US" altLang="ko-KR" dirty="0">
+              <a:solidFill>
+                <a:schemeClr val="bg1"/>
+              </a:solidFill>
+            </a:endParaRPr>
+          </a:p>
+        </p:txBody>
+      </p:sp>
+      <p:sp>
+        <p:nvSpPr>
+          <p:cNvPr id="16" name="TextBox 15"/>
+          <p:cNvSpPr txBox="1"/>
+          <p:nvPr/>
+        </p:nvSpPr>
+        <p:spPr>
+          <a:xfrm>
+            <a:off x="7373815" y="635394"/>
+            <a:ext cx="4079630" cy="369332"/>
+          </a:xfrm>
+          <a:prstGeom prst="rect">
+            <a:avLst/>
+          </a:prstGeom>
+          <a:noFill/>
+        </p:spPr>
+        <p:txBody>
+          <a:bodyPr wrap="square" rtlCol="0">
+            <a:spAutoFit/>
+          </a:bodyPr>
+          <a:lstStyle/>
+          <a:p>
+            <a:r>
+              <a:rPr lang="en-US" altLang="ko-KR" dirty="0" smtClean="0"/>
+              <a:t>&lt; Queue </a:t>
+            </a:r>
+            <a:r>
+              <a:rPr lang="ko-KR" altLang="en-US" dirty="0" smtClean="0"/>
+              <a:t>구현하기 </a:t>
+            </a:r>
+            <a:r>
+              <a:rPr lang="en-US" altLang="ko-KR" dirty="0" smtClean="0"/>
+              <a:t>: node</a:t>
+            </a:r>
+            <a:r>
+              <a:rPr lang="ko-KR" altLang="en-US" dirty="0" smtClean="0"/>
+              <a:t>를 사용한 </a:t>
+            </a:r>
+            <a:r>
+              <a:rPr lang="en-US" altLang="ko-KR" dirty="0" smtClean="0"/>
+              <a:t>queue&gt; </a:t>
+            </a:r>
+            <a:endParaRPr lang="en-US" altLang="ko-KR" sz="2000" dirty="0"/>
+          </a:p>
+        </p:txBody>
+      </p:sp>
+      <p:pic>
+        <p:nvPicPr>
+          <p:cNvPr id="4" name="내용 개체 틀 3"/>
+          <p:cNvPicPr>
+            <a:picLocks noGrp="1" noChangeAspect="1"/>
+          </p:cNvPicPr>
+          <p:nvPr>
+            <p:ph idx="1"/>
+          </p:nvPr>
+        </p:nvPicPr>
+        <p:blipFill>
+          <a:blip r:embed="rId3"/>
+          <a:stretch>
+            <a:fillRect/>
+          </a:stretch>
+        </p:blipFill>
+        <p:spPr>
+          <a:xfrm>
+            <a:off x="6309489" y="1266337"/>
+            <a:ext cx="3104141" cy="5248275"/>
+          </a:xfrm>
+          <a:prstGeom prst="rect">
+            <a:avLst/>
+          </a:prstGeom>
+        </p:spPr>
+      </p:pic>
+      <p:pic>
+        <p:nvPicPr>
+          <p:cNvPr id="7" name="그림 6"/>
+          <p:cNvPicPr>
+            <a:picLocks noChangeAspect="1"/>
+          </p:cNvPicPr>
+          <p:nvPr/>
+        </p:nvPicPr>
+        <p:blipFill>
+          <a:blip r:embed="rId4"/>
+          <a:stretch>
+            <a:fillRect/>
+          </a:stretch>
+        </p:blipFill>
+        <p:spPr>
+          <a:xfrm>
+            <a:off x="9331568" y="3236668"/>
+            <a:ext cx="2778370" cy="3362325"/>
+          </a:xfrm>
+          <a:prstGeom prst="rect">
+            <a:avLst/>
+          </a:prstGeom>
+        </p:spPr>
+      </p:pic>
+    </p:spTree>
+    <p:extLst>
+      <p:ext uri="{BB962C8B-B14F-4D97-AF65-F5344CB8AC3E}">
+        <p14:creationId xmlns:p14="http://schemas.microsoft.com/office/powerpoint/2010/main" val="4157109739"/>
+      </p:ext>
+    </p:extLst>
+  </p:cSld>
+  <p:clrMapOvr>
+    <a:masterClrMapping/>
+  </p:clrMapOvr>
+  <p:timing>
+    <p:tnLst>
+      <p:par>
+        <p:cTn id="1" dur="indefinite" restart="never" nodeType="tmRoot"/>
+      </p:par>
+    </p:tnLst>
+  </p:timing>
+</p:sld>
+</file>
+
+<file path=ppt/slides/slide21.xml><?xml version="1.0" encoding="utf-8"?>
+<p:sld xmlns:a="http://schemas.openxmlformats.org/drawingml/2006/main" xmlns:r="http://schemas.openxmlformats.org/officeDocument/2006/relationships" xmlns:p="http://schemas.openxmlformats.org/presentationml/2006/main">
+  <p:cSld>
+    <p:spTree>
+      <p:nvGrpSpPr>
+        <p:cNvPr id="1" name=""/>
+        <p:cNvGrpSpPr/>
+        <p:nvPr/>
+      </p:nvGrpSpPr>
+      <p:grpSpPr>
+        <a:xfrm>
+          <a:off x="0" y="0"/>
+          <a:ext cx="0" cy="0"/>
+          <a:chOff x="0" y="0"/>
+          <a:chExt cx="0" cy="0"/>
+        </a:xfrm>
+      </p:grpSpPr>
+      <p:sp>
+        <p:nvSpPr>
+          <p:cNvPr id="2" name="제목 1">
+            <a:extLst>
+              <a:ext uri="{FF2B5EF4-FFF2-40B4-BE49-F238E27FC236}">
+                <a16:creationId xmlns:a16="http://schemas.microsoft.com/office/drawing/2014/main" xmlns="" id="{46EF07D7-2C4E-4DE1-B52F-9ACD386C79CB}"/>
+              </a:ext>
+            </a:extLst>
+          </p:cNvPr>
+          <p:cNvSpPr>
+            <a:spLocks noGrp="1"/>
+          </p:cNvSpPr>
+          <p:nvPr>
+            <p:ph type="title"/>
+          </p:nvPr>
+        </p:nvSpPr>
+        <p:spPr>
+          <a:xfrm>
+            <a:off x="769620" y="189946"/>
+            <a:ext cx="4486656" cy="513440"/>
+          </a:xfrm>
+        </p:spPr>
+        <p:txBody>
+          <a:bodyPr>
+            <a:normAutofit fontScale="90000"/>
+          </a:bodyPr>
+          <a:lstStyle/>
+          <a:p>
+            <a:r>
+              <a:rPr lang="en-US" altLang="ko-KR" dirty="0"/>
+              <a:t>1. </a:t>
+            </a:r>
+            <a:r>
+              <a:rPr lang="ko-KR" altLang="en-US" dirty="0"/>
+              <a:t>알고리즘 개요 </a:t>
+            </a:r>
+          </a:p>
+        </p:txBody>
+      </p:sp>
+      <p:sp>
+        <p:nvSpPr>
+          <p:cNvPr id="5" name="TextBox 4">
+            <a:extLst>
+              <a:ext uri="{FF2B5EF4-FFF2-40B4-BE49-F238E27FC236}">
+                <a16:creationId xmlns:a16="http://schemas.microsoft.com/office/drawing/2014/main" xmlns="" id="{F83BAFA1-C11B-4672-B510-037979FA2D38}"/>
+              </a:ext>
+            </a:extLst>
+          </p:cNvPr>
+          <p:cNvSpPr txBox="1"/>
+          <p:nvPr/>
+        </p:nvSpPr>
+        <p:spPr>
+          <a:xfrm>
+            <a:off x="769620" y="804672"/>
+            <a:ext cx="4486656" cy="461665"/>
+          </a:xfrm>
+          <a:prstGeom prst="rect">
+            <a:avLst/>
+          </a:prstGeom>
+          <a:noFill/>
+        </p:spPr>
+        <p:txBody>
+          <a:bodyPr wrap="square" rtlCol="0">
+            <a:spAutoFit/>
+          </a:bodyPr>
+          <a:lstStyle/>
+          <a:p>
+            <a:r>
+              <a:rPr lang="ko-KR" altLang="en-US" sz="2400" dirty="0">
+                <a:solidFill>
+                  <a:schemeClr val="bg1"/>
+                </a:solidFill>
+              </a:rPr>
+              <a:t>▶ </a:t>
+            </a:r>
+            <a:r>
+              <a:rPr lang="en-US" altLang="ko-KR" sz="2400" dirty="0" smtClean="0">
+                <a:solidFill>
+                  <a:schemeClr val="bg1"/>
+                </a:solidFill>
+              </a:rPr>
+              <a:t>Queue</a:t>
+            </a:r>
+            <a:r>
+              <a:rPr lang="ko-KR" altLang="en-US" sz="2400" dirty="0" smtClean="0">
+                <a:solidFill>
+                  <a:schemeClr val="bg1"/>
+                </a:solidFill>
+              </a:rPr>
+              <a:t> </a:t>
+            </a:r>
+            <a:r>
+              <a:rPr lang="ko-KR" altLang="en-US" sz="2400" dirty="0">
+                <a:solidFill>
+                  <a:schemeClr val="bg1"/>
+                </a:solidFill>
+              </a:rPr>
+              <a:t>의 작동원리 </a:t>
+            </a:r>
+            <a:endParaRPr lang="ko-KR" altLang="en-US" sz="2400" dirty="0">
+              <a:solidFill>
+                <a:schemeClr val="bg1"/>
+              </a:solidFill>
+            </a:endParaRPr>
+          </a:p>
+        </p:txBody>
+      </p:sp>
+      <p:sp>
+        <p:nvSpPr>
+          <p:cNvPr id="15" name="TextBox 14">
+            <a:extLst>
+              <a:ext uri="{FF2B5EF4-FFF2-40B4-BE49-F238E27FC236}">
+                <a16:creationId xmlns:a16="http://schemas.microsoft.com/office/drawing/2014/main" xmlns="" id="{F83BAFA1-C11B-4672-B510-037979FA2D38}"/>
+              </a:ext>
+            </a:extLst>
+          </p:cNvPr>
+          <p:cNvSpPr txBox="1"/>
+          <p:nvPr/>
+        </p:nvSpPr>
+        <p:spPr>
+          <a:xfrm>
+            <a:off x="769620" y="1367623"/>
+            <a:ext cx="4486656" cy="400110"/>
+          </a:xfrm>
+          <a:prstGeom prst="rect">
+            <a:avLst/>
+          </a:prstGeom>
+          <a:noFill/>
+        </p:spPr>
+        <p:txBody>
+          <a:bodyPr wrap="square" rtlCol="0">
+            <a:spAutoFit/>
+          </a:bodyPr>
+          <a:lstStyle/>
+          <a:p>
+            <a:r>
+              <a:rPr lang="en-US" altLang="ko-KR" sz="2000" dirty="0" smtClean="0">
+                <a:solidFill>
+                  <a:schemeClr val="bg1"/>
+                </a:solidFill>
+              </a:rPr>
+              <a:t>- </a:t>
+            </a:r>
+            <a:r>
+              <a:rPr lang="ko-KR" altLang="en-US" sz="2000" dirty="0" smtClean="0">
+                <a:solidFill>
+                  <a:schemeClr val="bg1"/>
+                </a:solidFill>
+              </a:rPr>
+              <a:t>내장함수를 활용한 </a:t>
+            </a:r>
+            <a:r>
+              <a:rPr lang="en-US" altLang="ko-KR" sz="2000" dirty="0" smtClean="0">
+                <a:solidFill>
+                  <a:schemeClr val="bg1"/>
+                </a:solidFill>
+              </a:rPr>
+              <a:t>Queue </a:t>
+            </a:r>
+            <a:r>
+              <a:rPr lang="ko-KR" altLang="en-US" sz="2000" dirty="0" smtClean="0">
+                <a:solidFill>
+                  <a:schemeClr val="bg1"/>
+                </a:solidFill>
+              </a:rPr>
+              <a:t>구현 </a:t>
+            </a:r>
+            <a:endParaRPr lang="en-US" altLang="ko-KR" sz="2400" dirty="0" smtClean="0">
+              <a:solidFill>
+                <a:schemeClr val="bg1"/>
+              </a:solidFill>
+            </a:endParaRPr>
+          </a:p>
+        </p:txBody>
+      </p:sp>
+      <p:sp>
+        <p:nvSpPr>
+          <p:cNvPr id="16" name="TextBox 15"/>
+          <p:cNvSpPr txBox="1"/>
+          <p:nvPr/>
+        </p:nvSpPr>
+        <p:spPr>
+          <a:xfrm>
+            <a:off x="7127631" y="1266337"/>
+            <a:ext cx="4360984" cy="369332"/>
+          </a:xfrm>
+          <a:prstGeom prst="rect">
+            <a:avLst/>
+          </a:prstGeom>
+          <a:noFill/>
+        </p:spPr>
+        <p:txBody>
+          <a:bodyPr wrap="square" rtlCol="0">
+            <a:spAutoFit/>
+          </a:bodyPr>
+          <a:lstStyle/>
+          <a:p>
+            <a:r>
+              <a:rPr lang="en-US" altLang="ko-KR" dirty="0" smtClean="0"/>
+              <a:t>&lt; Queue </a:t>
+            </a:r>
+            <a:r>
+              <a:rPr lang="ko-KR" altLang="en-US" dirty="0" smtClean="0"/>
+              <a:t>구현하기 </a:t>
+            </a:r>
+            <a:r>
+              <a:rPr lang="en-US" altLang="ko-KR" dirty="0" smtClean="0"/>
+              <a:t>: </a:t>
+            </a:r>
+            <a:r>
+              <a:rPr lang="en-US" altLang="ko-KR" dirty="0" err="1"/>
+              <a:t>Collections.deque</a:t>
+            </a:r>
+            <a:r>
+              <a:rPr lang="en-US" altLang="ko-KR" dirty="0"/>
+              <a:t> </a:t>
+            </a:r>
+            <a:r>
+              <a:rPr lang="ko-KR" altLang="en-US" dirty="0"/>
+              <a:t>사용</a:t>
+            </a:r>
+            <a:r>
+              <a:rPr lang="en-US" altLang="ko-KR" dirty="0"/>
+              <a:t>&gt; </a:t>
+            </a:r>
+            <a:endParaRPr lang="en-US" altLang="ko-KR" sz="2000" dirty="0"/>
+          </a:p>
+        </p:txBody>
+      </p:sp>
+      <p:sp>
+        <p:nvSpPr>
+          <p:cNvPr id="8" name="TextBox 7"/>
+          <p:cNvSpPr txBox="1"/>
+          <p:nvPr/>
+        </p:nvSpPr>
+        <p:spPr>
+          <a:xfrm>
+            <a:off x="769620" y="2394162"/>
+            <a:ext cx="4986411" cy="2554545"/>
+          </a:xfrm>
+          <a:prstGeom prst="rect">
+            <a:avLst/>
+          </a:prstGeom>
+          <a:noFill/>
+        </p:spPr>
+        <p:txBody>
+          <a:bodyPr wrap="square" rtlCol="0">
+            <a:spAutoFit/>
+          </a:bodyPr>
+          <a:lstStyle/>
+          <a:p>
+            <a:r>
+              <a:rPr lang="en-US" altLang="ko-KR" sz="2000" dirty="0" err="1" smtClean="0">
+                <a:solidFill>
+                  <a:schemeClr val="bg1"/>
+                </a:solidFill>
+                <a:effectLst>
+                  <a:outerShdw blurRad="38100" dist="38100" dir="2700000" algn="tl">
+                    <a:srgbClr val="000000">
+                      <a:alpha val="43137"/>
+                    </a:srgbClr>
+                  </a:outerShdw>
+                </a:effectLst>
+              </a:rPr>
+              <a:t>Deque</a:t>
+            </a:r>
+            <a:r>
+              <a:rPr lang="en-US" altLang="ko-KR" sz="2000" dirty="0" smtClean="0">
+                <a:solidFill>
+                  <a:schemeClr val="bg1"/>
+                </a:solidFill>
+              </a:rPr>
+              <a:t> (double – ended </a:t>
+            </a:r>
+            <a:r>
+              <a:rPr lang="en-US" altLang="ko-KR" sz="2000" dirty="0" err="1" smtClean="0">
+                <a:solidFill>
+                  <a:schemeClr val="bg1"/>
+                </a:solidFill>
+              </a:rPr>
+              <a:t>que</a:t>
+            </a:r>
+            <a:r>
+              <a:rPr lang="en-US" altLang="ko-KR" sz="2000" dirty="0" smtClean="0">
+                <a:solidFill>
+                  <a:schemeClr val="bg1"/>
+                </a:solidFill>
+              </a:rPr>
+              <a:t>) </a:t>
+            </a:r>
+          </a:p>
+          <a:p>
+            <a:endParaRPr lang="en-US" altLang="ko-KR" sz="2000" dirty="0" smtClean="0">
+              <a:solidFill>
+                <a:schemeClr val="bg1"/>
+              </a:solidFill>
+            </a:endParaRPr>
+          </a:p>
+          <a:p>
+            <a:r>
+              <a:rPr lang="ko-KR" altLang="en-US" sz="2000" dirty="0" smtClean="0">
+                <a:solidFill>
+                  <a:schemeClr val="bg1"/>
+                </a:solidFill>
+              </a:rPr>
+              <a:t>앞뒤 양방향에서 데이터를 처리할 수 있는 자료구조</a:t>
+            </a:r>
+            <a:endParaRPr lang="en-US" altLang="ko-KR" sz="2000" dirty="0" smtClean="0">
+              <a:solidFill>
+                <a:schemeClr val="bg1"/>
+              </a:solidFill>
+            </a:endParaRPr>
+          </a:p>
+          <a:p>
+            <a:endParaRPr lang="en-US" altLang="ko-KR" sz="2000" dirty="0">
+              <a:solidFill>
+                <a:schemeClr val="bg1"/>
+              </a:solidFill>
+            </a:endParaRPr>
+          </a:p>
+          <a:p>
+            <a:r>
+              <a:rPr lang="ko-KR" altLang="en-US" sz="2000" dirty="0" smtClean="0">
+                <a:solidFill>
+                  <a:schemeClr val="bg1"/>
+                </a:solidFill>
+              </a:rPr>
+              <a:t>일반적인</a:t>
+            </a:r>
+            <a:r>
+              <a:rPr lang="en-US" altLang="ko-KR" sz="2000" dirty="0">
+                <a:solidFill>
+                  <a:schemeClr val="bg1"/>
+                </a:solidFill>
+              </a:rPr>
+              <a:t> </a:t>
+            </a:r>
+            <a:r>
+              <a:rPr lang="en-US" altLang="ko-KR" sz="2000" dirty="0" smtClean="0">
+                <a:solidFill>
+                  <a:schemeClr val="bg1"/>
+                </a:solidFill>
+              </a:rPr>
+              <a:t>list</a:t>
+            </a:r>
+            <a:r>
+              <a:rPr lang="ko-KR" altLang="en-US" sz="2000" dirty="0" smtClean="0">
+                <a:solidFill>
+                  <a:schemeClr val="bg1"/>
+                </a:solidFill>
+              </a:rPr>
+              <a:t>와 유사하지만 </a:t>
+            </a:r>
+            <a:endParaRPr lang="en-US" altLang="ko-KR" sz="2000" dirty="0" smtClean="0">
+              <a:solidFill>
+                <a:schemeClr val="bg1"/>
+              </a:solidFill>
+            </a:endParaRPr>
+          </a:p>
+          <a:p>
+            <a:r>
+              <a:rPr lang="ko-KR" altLang="en-US" sz="2000" dirty="0" smtClean="0">
+                <a:solidFill>
+                  <a:schemeClr val="bg1"/>
+                </a:solidFill>
+              </a:rPr>
+              <a:t>내부적으로 </a:t>
+            </a:r>
+            <a:r>
+              <a:rPr lang="en-US" altLang="ko-KR" sz="2000" dirty="0" smtClean="0">
+                <a:solidFill>
+                  <a:schemeClr val="bg1"/>
+                </a:solidFill>
+              </a:rPr>
+              <a:t>doubly linked list</a:t>
+            </a:r>
+            <a:r>
+              <a:rPr lang="ko-KR" altLang="en-US" sz="2000" dirty="0" smtClean="0">
+                <a:solidFill>
+                  <a:schemeClr val="bg1"/>
+                </a:solidFill>
+              </a:rPr>
+              <a:t>로 구현되어 있어</a:t>
+            </a:r>
+            <a:endParaRPr lang="en-US" altLang="ko-KR" sz="2000" dirty="0" smtClean="0">
+              <a:solidFill>
+                <a:schemeClr val="bg1"/>
+              </a:solidFill>
+            </a:endParaRPr>
+          </a:p>
+          <a:p>
+            <a:r>
+              <a:rPr lang="ko-KR" altLang="en-US" sz="2000" dirty="0" smtClean="0">
+                <a:solidFill>
+                  <a:schemeClr val="bg1"/>
+                </a:solidFill>
+              </a:rPr>
+              <a:t>처리속도가 매우 빠르다</a:t>
+            </a:r>
+            <a:r>
+              <a:rPr lang="en-US" altLang="ko-KR" sz="2000" dirty="0" smtClean="0">
+                <a:solidFill>
+                  <a:schemeClr val="bg1"/>
+                </a:solidFill>
+              </a:rPr>
+              <a:t>. </a:t>
+            </a:r>
+          </a:p>
+          <a:p>
+            <a:r>
+              <a:rPr lang="ko-KR" altLang="en-US" sz="2000" dirty="0" smtClean="0">
+                <a:solidFill>
+                  <a:schemeClr val="bg1"/>
+                </a:solidFill>
+              </a:rPr>
+              <a:t> </a:t>
+            </a:r>
+            <a:endParaRPr lang="en-US" altLang="ko-KR" sz="2000" dirty="0">
+              <a:solidFill>
+                <a:schemeClr val="bg1"/>
+              </a:solidFill>
+            </a:endParaRPr>
+          </a:p>
+        </p:txBody>
+      </p:sp>
+      <p:pic>
+        <p:nvPicPr>
+          <p:cNvPr id="6" name="그림 5"/>
+          <p:cNvPicPr>
+            <a:picLocks noChangeAspect="1"/>
+          </p:cNvPicPr>
+          <p:nvPr/>
+        </p:nvPicPr>
+        <p:blipFill>
+          <a:blip r:embed="rId3"/>
+          <a:stretch>
+            <a:fillRect/>
+          </a:stretch>
+        </p:blipFill>
+        <p:spPr>
+          <a:xfrm>
+            <a:off x="7385539" y="2013918"/>
+            <a:ext cx="3610708" cy="3807405"/>
+          </a:xfrm>
+          <a:prstGeom prst="rect">
+            <a:avLst/>
+          </a:prstGeom>
+        </p:spPr>
+      </p:pic>
+    </p:spTree>
+    <p:extLst>
+      <p:ext uri="{BB962C8B-B14F-4D97-AF65-F5344CB8AC3E}">
+        <p14:creationId xmlns:p14="http://schemas.microsoft.com/office/powerpoint/2010/main" val="2810642622"/>
+      </p:ext>
+    </p:extLst>
+  </p:cSld>
+  <p:clrMapOvr>
+    <a:masterClrMapping/>
+  </p:clrMapOvr>
+  <p:timing>
+    <p:tnLst>
+      <p:par>
+        <p:cTn id="1" dur="indefinite" restart="never" nodeType="tmRoot"/>
+      </p:par>
+    </p:tnLst>
+  </p:timing>
+</p:sld>
+</file>
+
+<file path=ppt/slides/slide22.xml><?xml version="1.0" encoding="utf-8"?>
+<p:sld xmlns:a="http://schemas.openxmlformats.org/drawingml/2006/main" xmlns:r="http://schemas.openxmlformats.org/officeDocument/2006/relationships" xmlns:p="http://schemas.openxmlformats.org/presentationml/2006/main">
+  <p:cSld>
+    <p:spTree>
+      <p:nvGrpSpPr>
+        <p:cNvPr id="1" name=""/>
+        <p:cNvGrpSpPr/>
+        <p:nvPr/>
+      </p:nvGrpSpPr>
+      <p:grpSpPr>
+        <a:xfrm>
+          <a:off x="0" y="0"/>
+          <a:ext cx="0" cy="0"/>
+          <a:chOff x="0" y="0"/>
+          <a:chExt cx="0" cy="0"/>
+        </a:xfrm>
+      </p:grpSpPr>
+      <p:sp>
+        <p:nvSpPr>
+          <p:cNvPr id="2" name="제목 1">
+            <a:extLst>
+              <a:ext uri="{FF2B5EF4-FFF2-40B4-BE49-F238E27FC236}">
+                <a16:creationId xmlns:a16="http://schemas.microsoft.com/office/drawing/2014/main" xmlns="" id="{46EF07D7-2C4E-4DE1-B52F-9ACD386C79CB}"/>
+              </a:ext>
+            </a:extLst>
+          </p:cNvPr>
+          <p:cNvSpPr>
+            <a:spLocks noGrp="1"/>
+          </p:cNvSpPr>
+          <p:nvPr>
+            <p:ph type="title"/>
+          </p:nvPr>
+        </p:nvSpPr>
+        <p:spPr>
+          <a:xfrm>
+            <a:off x="769620" y="189946"/>
+            <a:ext cx="4486656" cy="513440"/>
+          </a:xfrm>
+        </p:spPr>
+        <p:txBody>
+          <a:bodyPr>
+            <a:normAutofit fontScale="90000"/>
+          </a:bodyPr>
+          <a:lstStyle/>
+          <a:p>
+            <a:r>
+              <a:rPr lang="en-US" altLang="ko-KR" dirty="0"/>
+              <a:t>1. </a:t>
+            </a:r>
+            <a:r>
+              <a:rPr lang="ko-KR" altLang="en-US" dirty="0"/>
+              <a:t>알고리즘 개요 </a:t>
+            </a:r>
+          </a:p>
+        </p:txBody>
+      </p:sp>
+      <p:sp>
+        <p:nvSpPr>
+          <p:cNvPr id="5" name="TextBox 4">
+            <a:extLst>
+              <a:ext uri="{FF2B5EF4-FFF2-40B4-BE49-F238E27FC236}">
+                <a16:creationId xmlns:a16="http://schemas.microsoft.com/office/drawing/2014/main" xmlns="" id="{F83BAFA1-C11B-4672-B510-037979FA2D38}"/>
+              </a:ext>
+            </a:extLst>
+          </p:cNvPr>
+          <p:cNvSpPr txBox="1"/>
+          <p:nvPr/>
+        </p:nvSpPr>
+        <p:spPr>
+          <a:xfrm>
+            <a:off x="769620" y="804672"/>
+            <a:ext cx="4486656" cy="461665"/>
+          </a:xfrm>
+          <a:prstGeom prst="rect">
+            <a:avLst/>
+          </a:prstGeom>
+          <a:noFill/>
+        </p:spPr>
+        <p:txBody>
+          <a:bodyPr wrap="square" rtlCol="0">
+            <a:spAutoFit/>
+          </a:bodyPr>
+          <a:lstStyle/>
+          <a:p>
+            <a:r>
+              <a:rPr lang="ko-KR" altLang="en-US" sz="2400" dirty="0">
+                <a:solidFill>
+                  <a:schemeClr val="bg1"/>
+                </a:solidFill>
+              </a:rPr>
+              <a:t>▶ </a:t>
+            </a:r>
+            <a:r>
+              <a:rPr lang="en-US" altLang="ko-KR" sz="2400" dirty="0" smtClean="0">
+                <a:solidFill>
+                  <a:schemeClr val="bg1"/>
+                </a:solidFill>
+              </a:rPr>
+              <a:t>Queue</a:t>
+            </a:r>
+            <a:r>
+              <a:rPr lang="ko-KR" altLang="en-US" sz="2400" dirty="0" smtClean="0">
+                <a:solidFill>
+                  <a:schemeClr val="bg1"/>
+                </a:solidFill>
+              </a:rPr>
+              <a:t> </a:t>
+            </a:r>
+            <a:r>
+              <a:rPr lang="ko-KR" altLang="en-US" sz="2400" dirty="0">
+                <a:solidFill>
+                  <a:schemeClr val="bg1"/>
+                </a:solidFill>
+              </a:rPr>
+              <a:t>의 작동원리 </a:t>
+            </a:r>
+            <a:endParaRPr lang="ko-KR" altLang="en-US" sz="2400" dirty="0">
+              <a:solidFill>
+                <a:schemeClr val="bg1"/>
+              </a:solidFill>
+            </a:endParaRPr>
+          </a:p>
+        </p:txBody>
+      </p:sp>
+      <p:sp>
+        <p:nvSpPr>
+          <p:cNvPr id="15" name="TextBox 14">
+            <a:extLst>
+              <a:ext uri="{FF2B5EF4-FFF2-40B4-BE49-F238E27FC236}">
+                <a16:creationId xmlns:a16="http://schemas.microsoft.com/office/drawing/2014/main" xmlns="" id="{F83BAFA1-C11B-4672-B510-037979FA2D38}"/>
+              </a:ext>
+            </a:extLst>
+          </p:cNvPr>
+          <p:cNvSpPr txBox="1"/>
+          <p:nvPr/>
+        </p:nvSpPr>
+        <p:spPr>
+          <a:xfrm>
+            <a:off x="769620" y="1367623"/>
+            <a:ext cx="4486656" cy="400110"/>
+          </a:xfrm>
+          <a:prstGeom prst="rect">
+            <a:avLst/>
+          </a:prstGeom>
+          <a:noFill/>
+        </p:spPr>
+        <p:txBody>
+          <a:bodyPr wrap="square" rtlCol="0">
+            <a:spAutoFit/>
+          </a:bodyPr>
+          <a:lstStyle/>
+          <a:p>
+            <a:r>
+              <a:rPr lang="en-US" altLang="ko-KR" sz="2000" dirty="0" smtClean="0">
+                <a:solidFill>
+                  <a:schemeClr val="bg1"/>
+                </a:solidFill>
+              </a:rPr>
+              <a:t>- </a:t>
+            </a:r>
+            <a:r>
+              <a:rPr lang="ko-KR" altLang="en-US" sz="2000" dirty="0" smtClean="0">
+                <a:solidFill>
+                  <a:schemeClr val="bg1"/>
+                </a:solidFill>
+              </a:rPr>
+              <a:t>모듈을 활용한 </a:t>
+            </a:r>
+            <a:r>
+              <a:rPr lang="en-US" altLang="ko-KR" sz="2000" dirty="0" smtClean="0">
+                <a:solidFill>
+                  <a:schemeClr val="bg1"/>
+                </a:solidFill>
+              </a:rPr>
+              <a:t>Queue </a:t>
+            </a:r>
+            <a:r>
+              <a:rPr lang="ko-KR" altLang="en-US" sz="2000" dirty="0" smtClean="0">
+                <a:solidFill>
+                  <a:schemeClr val="bg1"/>
+                </a:solidFill>
+              </a:rPr>
+              <a:t>구현 </a:t>
+            </a:r>
+            <a:endParaRPr lang="en-US" altLang="ko-KR" sz="2400" dirty="0" smtClean="0">
+              <a:solidFill>
+                <a:schemeClr val="bg1"/>
+              </a:solidFill>
+            </a:endParaRPr>
+          </a:p>
+        </p:txBody>
+      </p:sp>
+      <p:sp>
+        <p:nvSpPr>
+          <p:cNvPr id="16" name="TextBox 15"/>
+          <p:cNvSpPr txBox="1"/>
+          <p:nvPr/>
+        </p:nvSpPr>
+        <p:spPr>
+          <a:xfrm>
+            <a:off x="7432431" y="897005"/>
+            <a:ext cx="4079630" cy="369332"/>
+          </a:xfrm>
+          <a:prstGeom prst="rect">
+            <a:avLst/>
+          </a:prstGeom>
+          <a:noFill/>
+        </p:spPr>
+        <p:txBody>
+          <a:bodyPr wrap="square" rtlCol="0">
+            <a:spAutoFit/>
+          </a:bodyPr>
+          <a:lstStyle/>
+          <a:p>
+            <a:r>
+              <a:rPr lang="en-US" altLang="ko-KR" dirty="0" smtClean="0"/>
+              <a:t>&lt; Queue </a:t>
+            </a:r>
+            <a:r>
+              <a:rPr lang="ko-KR" altLang="en-US" dirty="0" smtClean="0"/>
+              <a:t>구현하기 </a:t>
+            </a:r>
+            <a:r>
+              <a:rPr lang="en-US" altLang="ko-KR" dirty="0" smtClean="0"/>
+              <a:t>: Queue </a:t>
+            </a:r>
+            <a:r>
+              <a:rPr lang="ko-KR" altLang="en-US" dirty="0" smtClean="0"/>
+              <a:t>모듈 사용 </a:t>
+            </a:r>
+            <a:r>
+              <a:rPr lang="en-US" altLang="ko-KR" dirty="0" smtClean="0"/>
+              <a:t>&gt; </a:t>
+            </a:r>
+            <a:endParaRPr lang="en-US" altLang="ko-KR" sz="2000" dirty="0"/>
+          </a:p>
+        </p:txBody>
+      </p:sp>
+      <p:pic>
+        <p:nvPicPr>
+          <p:cNvPr id="9" name="그림 8"/>
+          <p:cNvPicPr>
+            <a:picLocks noChangeAspect="1"/>
+          </p:cNvPicPr>
+          <p:nvPr/>
+        </p:nvPicPr>
+        <p:blipFill>
+          <a:blip r:embed="rId3"/>
+          <a:stretch>
+            <a:fillRect/>
+          </a:stretch>
+        </p:blipFill>
+        <p:spPr>
+          <a:xfrm>
+            <a:off x="7608278" y="1367623"/>
+            <a:ext cx="3357562" cy="5175439"/>
+          </a:xfrm>
+          <a:prstGeom prst="rect">
+            <a:avLst/>
+          </a:prstGeom>
+        </p:spPr>
+      </p:pic>
+      <p:sp>
+        <p:nvSpPr>
+          <p:cNvPr id="10" name="TextBox 9"/>
+          <p:cNvSpPr txBox="1"/>
+          <p:nvPr/>
+        </p:nvSpPr>
+        <p:spPr>
+          <a:xfrm>
+            <a:off x="769620" y="2394162"/>
+            <a:ext cx="5197426" cy="1938992"/>
+          </a:xfrm>
+          <a:prstGeom prst="rect">
+            <a:avLst/>
+          </a:prstGeom>
+          <a:noFill/>
+        </p:spPr>
+        <p:txBody>
+          <a:bodyPr wrap="square" rtlCol="0">
+            <a:spAutoFit/>
+          </a:bodyPr>
+          <a:lstStyle/>
+          <a:p>
+            <a:r>
+              <a:rPr lang="ko-KR" altLang="en-US" sz="2000" dirty="0" err="1" smtClean="0">
+                <a:solidFill>
+                  <a:schemeClr val="bg1"/>
+                </a:solidFill>
+              </a:rPr>
+              <a:t>파이썬의</a:t>
+            </a:r>
+            <a:r>
+              <a:rPr lang="ko-KR" altLang="en-US" sz="2000" dirty="0" smtClean="0">
+                <a:solidFill>
+                  <a:schemeClr val="bg1"/>
+                </a:solidFill>
+              </a:rPr>
+              <a:t> </a:t>
+            </a:r>
+            <a:r>
+              <a:rPr lang="en-US" altLang="ko-KR" sz="2000" dirty="0" smtClean="0">
+                <a:solidFill>
+                  <a:schemeClr val="bg1"/>
+                </a:solidFill>
+              </a:rPr>
+              <a:t>Queue </a:t>
+            </a:r>
+            <a:r>
+              <a:rPr lang="ko-KR" altLang="en-US" sz="2000" dirty="0" smtClean="0">
+                <a:solidFill>
+                  <a:schemeClr val="bg1"/>
+                </a:solidFill>
+              </a:rPr>
+              <a:t>모듈에서는 </a:t>
+            </a:r>
+            <a:endParaRPr lang="en-US" altLang="ko-KR" sz="2000" dirty="0" smtClean="0">
+              <a:solidFill>
+                <a:schemeClr val="bg1"/>
+              </a:solidFill>
+            </a:endParaRPr>
+          </a:p>
+          <a:p>
+            <a:r>
+              <a:rPr lang="ko-KR" altLang="en-US" sz="2000" dirty="0" smtClean="0">
+                <a:solidFill>
+                  <a:schemeClr val="bg1"/>
+                </a:solidFill>
+                <a:effectLst>
+                  <a:outerShdw blurRad="38100" dist="38100" dir="2700000" algn="tl">
+                    <a:srgbClr val="000000">
+                      <a:alpha val="43137"/>
+                    </a:srgbClr>
+                  </a:outerShdw>
+                </a:effectLst>
+              </a:rPr>
+              <a:t>큐</a:t>
+            </a:r>
+            <a:r>
+              <a:rPr lang="en-US" altLang="ko-KR" sz="2000" dirty="0" smtClean="0">
+                <a:solidFill>
+                  <a:schemeClr val="bg1"/>
+                </a:solidFill>
+                <a:effectLst>
+                  <a:outerShdw blurRad="38100" dist="38100" dir="2700000" algn="tl">
+                    <a:srgbClr val="000000">
+                      <a:alpha val="43137"/>
+                    </a:srgbClr>
+                  </a:outerShdw>
+                </a:effectLst>
+              </a:rPr>
+              <a:t>, </a:t>
+            </a:r>
+            <a:r>
+              <a:rPr lang="ko-KR" altLang="en-US" sz="2000" dirty="0" smtClean="0">
+                <a:solidFill>
+                  <a:schemeClr val="bg1"/>
+                </a:solidFill>
+                <a:effectLst>
+                  <a:outerShdw blurRad="38100" dist="38100" dir="2700000" algn="tl">
+                    <a:srgbClr val="000000">
+                      <a:alpha val="43137"/>
+                    </a:srgbClr>
+                  </a:outerShdw>
+                </a:effectLst>
+              </a:rPr>
+              <a:t>우선 </a:t>
+            </a:r>
+            <a:r>
+              <a:rPr lang="ko-KR" altLang="en-US" sz="2000" dirty="0" err="1" smtClean="0">
+                <a:solidFill>
+                  <a:schemeClr val="bg1"/>
+                </a:solidFill>
+                <a:effectLst>
+                  <a:outerShdw blurRad="38100" dist="38100" dir="2700000" algn="tl">
+                    <a:srgbClr val="000000">
+                      <a:alpha val="43137"/>
+                    </a:srgbClr>
+                  </a:outerShdw>
+                </a:effectLst>
+              </a:rPr>
+              <a:t>순위큐</a:t>
+            </a:r>
+            <a:r>
+              <a:rPr lang="en-US" altLang="ko-KR" sz="2000" dirty="0" smtClean="0">
+                <a:solidFill>
+                  <a:schemeClr val="bg1"/>
+                </a:solidFill>
+                <a:effectLst>
+                  <a:outerShdw blurRad="38100" dist="38100" dir="2700000" algn="tl">
+                    <a:srgbClr val="000000">
+                      <a:alpha val="43137"/>
+                    </a:srgbClr>
+                  </a:outerShdw>
+                </a:effectLst>
+              </a:rPr>
+              <a:t>(Priority Queue), </a:t>
+            </a:r>
+            <a:r>
+              <a:rPr lang="ko-KR" altLang="en-US" sz="2000" dirty="0" err="1" smtClean="0">
+                <a:solidFill>
+                  <a:schemeClr val="bg1"/>
+                </a:solidFill>
+                <a:effectLst>
+                  <a:outerShdw blurRad="38100" dist="38100" dir="2700000" algn="tl">
+                    <a:srgbClr val="000000">
+                      <a:alpha val="43137"/>
+                    </a:srgbClr>
+                  </a:outerShdw>
+                </a:effectLst>
+              </a:rPr>
+              <a:t>스택</a:t>
+            </a:r>
+            <a:r>
+              <a:rPr lang="en-US" altLang="ko-KR" sz="2000" dirty="0" smtClean="0">
+                <a:solidFill>
+                  <a:schemeClr val="bg1"/>
+                </a:solidFill>
+                <a:effectLst>
+                  <a:outerShdw blurRad="38100" dist="38100" dir="2700000" algn="tl">
+                    <a:srgbClr val="000000">
+                      <a:alpha val="43137"/>
+                    </a:srgbClr>
+                  </a:outerShdw>
+                </a:effectLst>
+              </a:rPr>
+              <a:t>(</a:t>
+            </a:r>
+            <a:r>
+              <a:rPr lang="en-US" altLang="ko-KR" sz="2000" dirty="0" err="1" smtClean="0">
+                <a:solidFill>
+                  <a:schemeClr val="bg1"/>
+                </a:solidFill>
+                <a:effectLst>
+                  <a:outerShdw blurRad="38100" dist="38100" dir="2700000" algn="tl">
+                    <a:srgbClr val="000000">
+                      <a:alpha val="43137"/>
+                    </a:srgbClr>
+                  </a:outerShdw>
+                </a:effectLst>
+              </a:rPr>
+              <a:t>LifoQueue</a:t>
+            </a:r>
+            <a:r>
+              <a:rPr lang="en-US" altLang="ko-KR" sz="2000" dirty="0" smtClean="0">
+                <a:solidFill>
+                  <a:schemeClr val="bg1"/>
+                </a:solidFill>
+                <a:effectLst>
+                  <a:outerShdw blurRad="38100" dist="38100" dir="2700000" algn="tl">
+                    <a:srgbClr val="000000">
+                      <a:alpha val="43137"/>
+                    </a:srgbClr>
+                  </a:outerShdw>
+                </a:effectLst>
+              </a:rPr>
+              <a:t>)</a:t>
+            </a:r>
+            <a:r>
+              <a:rPr lang="en-US" altLang="ko-KR" sz="2000" dirty="0" smtClean="0">
+                <a:solidFill>
+                  <a:schemeClr val="bg1"/>
+                </a:solidFill>
+              </a:rPr>
+              <a:t> </a:t>
+            </a:r>
+            <a:r>
+              <a:rPr lang="ko-KR" altLang="en-US" sz="2000" dirty="0" smtClean="0">
+                <a:solidFill>
+                  <a:schemeClr val="bg1"/>
+                </a:solidFill>
+              </a:rPr>
+              <a:t>을</a:t>
+            </a:r>
+            <a:endParaRPr lang="en-US" altLang="ko-KR" sz="2000" dirty="0" smtClean="0">
+              <a:solidFill>
+                <a:schemeClr val="bg1"/>
+              </a:solidFill>
+            </a:endParaRPr>
+          </a:p>
+          <a:p>
+            <a:r>
+              <a:rPr lang="ko-KR" altLang="en-US" sz="2000" dirty="0" smtClean="0">
+                <a:solidFill>
+                  <a:schemeClr val="bg1"/>
+                </a:solidFill>
+              </a:rPr>
+              <a:t>제공하고 있다</a:t>
+            </a:r>
+            <a:r>
+              <a:rPr lang="en-US" altLang="ko-KR" sz="2000" dirty="0" smtClean="0">
+                <a:solidFill>
+                  <a:schemeClr val="bg1"/>
+                </a:solidFill>
+              </a:rPr>
+              <a:t>.  </a:t>
+            </a:r>
+          </a:p>
+          <a:p>
+            <a:endParaRPr lang="en-US" altLang="ko-KR" sz="2000" dirty="0">
+              <a:solidFill>
+                <a:schemeClr val="bg1"/>
+              </a:solidFill>
+            </a:endParaRPr>
+          </a:p>
+          <a:p>
+            <a:r>
+              <a:rPr lang="ko-KR" altLang="en-US" sz="2000" dirty="0" smtClean="0">
+                <a:solidFill>
+                  <a:schemeClr val="bg1"/>
+                </a:solidFill>
+              </a:rPr>
+              <a:t>상기 객체에 대해 여러 </a:t>
+            </a:r>
+            <a:r>
+              <a:rPr lang="ko-KR" altLang="en-US" sz="2000" dirty="0" err="1" smtClean="0">
+                <a:solidFill>
+                  <a:schemeClr val="bg1"/>
+                </a:solidFill>
+              </a:rPr>
+              <a:t>스레드가</a:t>
+            </a:r>
+            <a:r>
+              <a:rPr lang="ko-KR" altLang="en-US" sz="2000" dirty="0" smtClean="0">
+                <a:solidFill>
+                  <a:schemeClr val="bg1"/>
+                </a:solidFill>
+              </a:rPr>
+              <a:t> 동시에 접근하여</a:t>
+            </a:r>
+            <a:endParaRPr lang="en-US" altLang="ko-KR" sz="2000" dirty="0" smtClean="0">
+              <a:solidFill>
+                <a:schemeClr val="bg1"/>
+              </a:solidFill>
+            </a:endParaRPr>
+          </a:p>
+          <a:p>
+            <a:r>
+              <a:rPr lang="ko-KR" altLang="en-US" sz="2000" dirty="0" smtClean="0">
+                <a:solidFill>
+                  <a:schemeClr val="bg1"/>
+                </a:solidFill>
+              </a:rPr>
+              <a:t>작업을 수행하여도 가장 정상적인 동작을 보장한다</a:t>
+            </a:r>
+            <a:r>
+              <a:rPr lang="en-US" altLang="ko-KR" sz="2000" dirty="0" smtClean="0">
+                <a:solidFill>
+                  <a:schemeClr val="bg1"/>
+                </a:solidFill>
+              </a:rPr>
+              <a:t>. </a:t>
+            </a:r>
+            <a:r>
+              <a:rPr lang="ko-KR" altLang="en-US" sz="2000" dirty="0" smtClean="0">
+                <a:solidFill>
+                  <a:schemeClr val="bg1"/>
+                </a:solidFill>
+              </a:rPr>
+              <a:t> </a:t>
+            </a:r>
+            <a:endParaRPr lang="en-US" altLang="ko-KR" sz="2000" dirty="0">
+              <a:solidFill>
+                <a:schemeClr val="bg1"/>
+              </a:solidFill>
+            </a:endParaRPr>
+          </a:p>
+        </p:txBody>
+      </p:sp>
+    </p:spTree>
+    <p:extLst>
+      <p:ext uri="{BB962C8B-B14F-4D97-AF65-F5344CB8AC3E}">
+        <p14:creationId xmlns:p14="http://schemas.microsoft.com/office/powerpoint/2010/main" val="444466890"/>
+      </p:ext>
+    </p:extLst>
+  </p:cSld>
+  <p:clrMapOvr>
+    <a:masterClrMapping/>
+  </p:clrMapOvr>
+  <p:timing>
+    <p:tnLst>
+      <p:par>
+        <p:cTn id="1" dur="indefinite" restart="never" nodeType="tmRoot"/>
+      </p:par>
+    </p:tnLst>
+  </p:timing>
+</p:sld>
+</file>
+
+<file path=ppt/slides/slide23.xml><?xml version="1.0" encoding="utf-8"?>
+<p:sld xmlns:a="http://schemas.openxmlformats.org/drawingml/2006/main" xmlns:r="http://schemas.openxmlformats.org/officeDocument/2006/relationships" xmlns:p="http://schemas.openxmlformats.org/presentationml/2006/main">
+  <p:cSld>
+    <p:spTree>
+      <p:nvGrpSpPr>
+        <p:cNvPr id="1" name=""/>
+        <p:cNvGrpSpPr/>
+        <p:nvPr/>
+      </p:nvGrpSpPr>
+      <p:grpSpPr>
+        <a:xfrm>
+          <a:off x="0" y="0"/>
+          <a:ext cx="0" cy="0"/>
+          <a:chOff x="0" y="0"/>
+          <a:chExt cx="0" cy="0"/>
+        </a:xfrm>
+      </p:grpSpPr>
+      <p:sp>
+        <p:nvSpPr>
+          <p:cNvPr id="2" name="제목 1">
+            <a:extLst>
+              <a:ext uri="{FF2B5EF4-FFF2-40B4-BE49-F238E27FC236}">
+                <a16:creationId xmlns:a16="http://schemas.microsoft.com/office/drawing/2014/main" xmlns="" id="{46EF07D7-2C4E-4DE1-B52F-9ACD386C79CB}"/>
+              </a:ext>
+            </a:extLst>
+          </p:cNvPr>
+          <p:cNvSpPr>
+            <a:spLocks noGrp="1"/>
+          </p:cNvSpPr>
+          <p:nvPr>
+            <p:ph type="title"/>
+          </p:nvPr>
+        </p:nvSpPr>
+        <p:spPr>
+          <a:xfrm>
+            <a:off x="769620" y="189946"/>
+            <a:ext cx="4486656" cy="513440"/>
+          </a:xfrm>
+        </p:spPr>
+        <p:txBody>
+          <a:bodyPr>
+            <a:normAutofit fontScale="90000"/>
+          </a:bodyPr>
+          <a:lstStyle/>
+          <a:p>
+            <a:r>
+              <a:rPr lang="en-US" altLang="ko-KR" dirty="0"/>
+              <a:t>2</a:t>
+            </a:r>
+            <a:r>
+              <a:rPr lang="en-US" altLang="ko-KR" dirty="0" smtClean="0"/>
+              <a:t>. </a:t>
+            </a:r>
+            <a:r>
+              <a:rPr lang="ko-KR" altLang="en-US" dirty="0" smtClean="0"/>
+              <a:t>예제 풀어보기 </a:t>
+            </a:r>
+            <a:endParaRPr lang="ko-KR" altLang="en-US" dirty="0"/>
+          </a:p>
+        </p:txBody>
+      </p:sp>
+      <p:sp>
+        <p:nvSpPr>
+          <p:cNvPr id="5" name="TextBox 4">
+            <a:extLst>
+              <a:ext uri="{FF2B5EF4-FFF2-40B4-BE49-F238E27FC236}">
+                <a16:creationId xmlns:a16="http://schemas.microsoft.com/office/drawing/2014/main" xmlns="" id="{F83BAFA1-C11B-4672-B510-037979FA2D38}"/>
+              </a:ext>
+            </a:extLst>
+          </p:cNvPr>
+          <p:cNvSpPr txBox="1"/>
+          <p:nvPr/>
+        </p:nvSpPr>
+        <p:spPr>
+          <a:xfrm>
+            <a:off x="6479184" y="153865"/>
+            <a:ext cx="4486656" cy="461665"/>
+          </a:xfrm>
+          <a:prstGeom prst="rect">
+            <a:avLst/>
+          </a:prstGeom>
+          <a:noFill/>
+        </p:spPr>
+        <p:txBody>
+          <a:bodyPr wrap="square" rtlCol="0">
+            <a:spAutoFit/>
+          </a:bodyPr>
+          <a:lstStyle/>
+          <a:p>
+            <a:r>
+              <a:rPr lang="en-US" altLang="ko-KR" sz="2400" dirty="0" smtClean="0"/>
+              <a:t>[</a:t>
+            </a:r>
+            <a:r>
+              <a:rPr lang="ko-KR" altLang="en-US" sz="2400" dirty="0" smtClean="0"/>
+              <a:t> </a:t>
+            </a:r>
+            <a:r>
+              <a:rPr lang="en-US" altLang="ko-KR" sz="2400" dirty="0" smtClean="0"/>
+              <a:t>Stack</a:t>
+            </a:r>
+            <a:r>
+              <a:rPr lang="en-US" altLang="ko-KR" sz="2400" dirty="0" smtClean="0"/>
+              <a:t> </a:t>
+            </a:r>
+            <a:r>
+              <a:rPr lang="ko-KR" altLang="en-US" sz="2400" dirty="0" smtClean="0"/>
+              <a:t>알고리즘 예제 </a:t>
+            </a:r>
+            <a:r>
+              <a:rPr lang="en-US" altLang="ko-KR" sz="2400" dirty="0" smtClean="0"/>
+              <a:t>]</a:t>
+            </a:r>
+            <a:endParaRPr lang="ko-KR" altLang="en-US" sz="2400" dirty="0"/>
+          </a:p>
+        </p:txBody>
+      </p:sp>
+      <p:sp>
+        <p:nvSpPr>
+          <p:cNvPr id="15" name="TextBox 14">
+            <a:extLst>
+              <a:ext uri="{FF2B5EF4-FFF2-40B4-BE49-F238E27FC236}">
+                <a16:creationId xmlns:a16="http://schemas.microsoft.com/office/drawing/2014/main" xmlns="" id="{F83BAFA1-C11B-4672-B510-037979FA2D38}"/>
+              </a:ext>
+            </a:extLst>
+          </p:cNvPr>
+          <p:cNvSpPr txBox="1"/>
+          <p:nvPr/>
+        </p:nvSpPr>
+        <p:spPr>
+          <a:xfrm>
+            <a:off x="769620" y="933872"/>
+            <a:ext cx="4486656" cy="615553"/>
+          </a:xfrm>
+          <a:prstGeom prst="rect">
+            <a:avLst/>
+          </a:prstGeom>
+          <a:noFill/>
+        </p:spPr>
+        <p:txBody>
+          <a:bodyPr wrap="square" rtlCol="0">
+            <a:spAutoFit/>
+          </a:bodyPr>
+          <a:lstStyle/>
+          <a:p>
+            <a:r>
+              <a:rPr lang="en-US" altLang="ko-KR" sz="2000" dirty="0" smtClean="0">
+                <a:solidFill>
+                  <a:schemeClr val="bg1"/>
+                </a:solidFill>
+              </a:rPr>
+              <a:t>From : </a:t>
+            </a:r>
+            <a:r>
+              <a:rPr lang="ko-KR" altLang="en-US" sz="2000" dirty="0" smtClean="0">
+                <a:solidFill>
+                  <a:schemeClr val="bg1"/>
+                </a:solidFill>
+              </a:rPr>
+              <a:t>백준 알고리즘 </a:t>
+            </a:r>
+            <a:r>
+              <a:rPr lang="en-US" altLang="ko-KR" sz="2000" dirty="0" smtClean="0">
+                <a:solidFill>
+                  <a:schemeClr val="bg1"/>
+                </a:solidFill>
+              </a:rPr>
+              <a:t>10828</a:t>
+            </a:r>
+            <a:r>
+              <a:rPr lang="ko-KR" altLang="en-US" sz="2000" dirty="0" smtClean="0">
+                <a:solidFill>
+                  <a:schemeClr val="bg1"/>
+                </a:solidFill>
+              </a:rPr>
+              <a:t>번 </a:t>
+            </a:r>
+            <a:r>
+              <a:rPr lang="en-US" altLang="ko-KR" sz="2000" dirty="0" smtClean="0">
+                <a:solidFill>
+                  <a:schemeClr val="bg1"/>
+                </a:solidFill>
+              </a:rPr>
+              <a:t>– </a:t>
+            </a:r>
+            <a:r>
+              <a:rPr lang="ko-KR" altLang="en-US" sz="2000" dirty="0" err="1" smtClean="0">
+                <a:solidFill>
+                  <a:schemeClr val="bg1"/>
+                </a:solidFill>
+              </a:rPr>
+              <a:t>스택</a:t>
+            </a:r>
+            <a:endParaRPr lang="en-US" altLang="ko-KR" sz="2000" dirty="0" smtClean="0">
+              <a:solidFill>
+                <a:schemeClr val="bg1"/>
+              </a:solidFill>
+            </a:endParaRPr>
+          </a:p>
+          <a:p>
+            <a:r>
+              <a:rPr lang="en-US" altLang="ko-KR" sz="1400" dirty="0" smtClean="0">
+                <a:solidFill>
+                  <a:schemeClr val="bg1"/>
+                </a:solidFill>
+              </a:rPr>
+              <a:t>( </a:t>
+            </a:r>
+            <a:r>
+              <a:rPr lang="en-US" altLang="ko-KR" sz="1400" dirty="0" smtClean="0">
+                <a:solidFill>
+                  <a:schemeClr val="bg1"/>
+                </a:solidFill>
+                <a:hlinkClick r:id="rId3"/>
+              </a:rPr>
+              <a:t>https</a:t>
+            </a:r>
+            <a:r>
+              <a:rPr lang="en-US" altLang="ko-KR" sz="1400" dirty="0">
+                <a:solidFill>
+                  <a:schemeClr val="bg1"/>
+                </a:solidFill>
+                <a:hlinkClick r:id="rId3"/>
+              </a:rPr>
+              <a:t>://www.acmicpc.net/problem/10828</a:t>
+            </a:r>
+            <a:r>
+              <a:rPr lang="en-US" altLang="ko-KR" sz="1400" dirty="0" smtClean="0">
+                <a:solidFill>
+                  <a:schemeClr val="bg1"/>
+                </a:solidFill>
+              </a:rPr>
+              <a:t> )</a:t>
+            </a:r>
+            <a:r>
+              <a:rPr lang="ko-KR" altLang="en-US" sz="1400" dirty="0" smtClean="0">
+                <a:solidFill>
+                  <a:schemeClr val="bg1"/>
+                </a:solidFill>
+              </a:rPr>
+              <a:t> </a:t>
+            </a:r>
+            <a:endParaRPr lang="en-US" altLang="ko-KR" sz="1400" dirty="0" smtClean="0">
+              <a:solidFill>
+                <a:schemeClr val="bg1"/>
+              </a:solidFill>
+            </a:endParaRPr>
+          </a:p>
+        </p:txBody>
+      </p:sp>
+      <p:sp>
+        <p:nvSpPr>
+          <p:cNvPr id="10" name="TextBox 9"/>
+          <p:cNvSpPr txBox="1"/>
+          <p:nvPr/>
+        </p:nvSpPr>
+        <p:spPr>
+          <a:xfrm>
+            <a:off x="769620" y="1749397"/>
+            <a:ext cx="5197426" cy="1015663"/>
+          </a:xfrm>
+          <a:prstGeom prst="rect">
+            <a:avLst/>
+          </a:prstGeom>
+          <a:noFill/>
+        </p:spPr>
+        <p:txBody>
+          <a:bodyPr wrap="square" rtlCol="0">
+            <a:spAutoFit/>
+          </a:bodyPr>
+          <a:lstStyle/>
+          <a:p>
+            <a:r>
+              <a:rPr lang="en-US" altLang="ko-KR" sz="2000" dirty="0" smtClean="0">
+                <a:solidFill>
+                  <a:schemeClr val="bg1"/>
+                </a:solidFill>
+              </a:rPr>
+              <a:t>Q. </a:t>
+            </a:r>
+            <a:r>
+              <a:rPr lang="ko-KR" altLang="en-US" sz="2000" dirty="0" smtClean="0">
+                <a:solidFill>
+                  <a:schemeClr val="bg1"/>
+                </a:solidFill>
+              </a:rPr>
+              <a:t>정수를 저장하는 </a:t>
+            </a:r>
+            <a:r>
+              <a:rPr lang="ko-KR" altLang="en-US" sz="2000" dirty="0" err="1" smtClean="0">
+                <a:solidFill>
+                  <a:schemeClr val="bg1"/>
+                </a:solidFill>
+              </a:rPr>
+              <a:t>스택을</a:t>
+            </a:r>
+            <a:r>
+              <a:rPr lang="ko-KR" altLang="en-US" sz="2000" dirty="0" smtClean="0">
+                <a:solidFill>
+                  <a:schemeClr val="bg1"/>
+                </a:solidFill>
+              </a:rPr>
+              <a:t> 구현한 다음</a:t>
+            </a:r>
+            <a:r>
+              <a:rPr lang="en-US" altLang="ko-KR" sz="2000" dirty="0" smtClean="0">
+                <a:solidFill>
+                  <a:schemeClr val="bg1"/>
+                </a:solidFill>
+              </a:rPr>
+              <a:t>, </a:t>
+            </a:r>
+          </a:p>
+          <a:p>
+            <a:r>
+              <a:rPr lang="en-US" altLang="ko-KR" sz="2000" dirty="0">
+                <a:solidFill>
+                  <a:schemeClr val="bg1"/>
+                </a:solidFill>
+              </a:rPr>
+              <a:t> </a:t>
+            </a:r>
+            <a:r>
+              <a:rPr lang="en-US" altLang="ko-KR" sz="2000" dirty="0" smtClean="0">
+                <a:solidFill>
+                  <a:schemeClr val="bg1"/>
+                </a:solidFill>
+              </a:rPr>
+              <a:t>    </a:t>
+            </a:r>
+            <a:r>
+              <a:rPr lang="ko-KR" altLang="en-US" sz="2000" dirty="0" smtClean="0">
+                <a:solidFill>
+                  <a:schemeClr val="bg1"/>
+                </a:solidFill>
+              </a:rPr>
+              <a:t>입력으로 주어지는 명령을 처리하는 프로그램을 </a:t>
+            </a:r>
+            <a:endParaRPr lang="en-US" altLang="ko-KR" sz="2000" dirty="0" smtClean="0">
+              <a:solidFill>
+                <a:schemeClr val="bg1"/>
+              </a:solidFill>
+            </a:endParaRPr>
+          </a:p>
+          <a:p>
+            <a:r>
+              <a:rPr lang="en-US" altLang="ko-KR" sz="2000" dirty="0">
+                <a:solidFill>
+                  <a:schemeClr val="bg1"/>
+                </a:solidFill>
+              </a:rPr>
+              <a:t> </a:t>
+            </a:r>
+            <a:r>
+              <a:rPr lang="en-US" altLang="ko-KR" sz="2000" dirty="0" smtClean="0">
+                <a:solidFill>
+                  <a:schemeClr val="bg1"/>
+                </a:solidFill>
+              </a:rPr>
+              <a:t>    </a:t>
+            </a:r>
+            <a:r>
+              <a:rPr lang="ko-KR" altLang="en-US" sz="2000" dirty="0" smtClean="0">
+                <a:solidFill>
+                  <a:schemeClr val="bg1"/>
+                </a:solidFill>
+              </a:rPr>
+              <a:t>작성하시오</a:t>
+            </a:r>
+            <a:r>
+              <a:rPr lang="en-US" altLang="ko-KR" sz="2000" dirty="0" smtClean="0">
+                <a:solidFill>
+                  <a:schemeClr val="bg1"/>
+                </a:solidFill>
+              </a:rPr>
+              <a:t>.  (</a:t>
+            </a:r>
+            <a:r>
+              <a:rPr lang="ko-KR" altLang="en-US" sz="2000" dirty="0">
+                <a:solidFill>
+                  <a:schemeClr val="bg1"/>
+                </a:solidFill>
+              </a:rPr>
+              <a:t>명령을 총 </a:t>
+            </a:r>
+            <a:r>
+              <a:rPr lang="en-US" altLang="ko-KR" sz="2000" dirty="0">
+                <a:solidFill>
+                  <a:schemeClr val="bg1"/>
+                </a:solidFill>
+              </a:rPr>
+              <a:t>5</a:t>
+            </a:r>
+            <a:r>
+              <a:rPr lang="ko-KR" altLang="en-US" sz="2000" dirty="0">
+                <a:solidFill>
+                  <a:schemeClr val="bg1"/>
+                </a:solidFill>
+              </a:rPr>
+              <a:t>가지이다</a:t>
+            </a:r>
+            <a:r>
+              <a:rPr lang="en-US" altLang="ko-KR" sz="2000" dirty="0">
+                <a:solidFill>
+                  <a:schemeClr val="bg1"/>
+                </a:solidFill>
+              </a:rPr>
+              <a:t>. </a:t>
+            </a:r>
+            <a:r>
+              <a:rPr lang="en-US" altLang="ko-KR" sz="2000" dirty="0" smtClean="0">
+                <a:solidFill>
+                  <a:schemeClr val="bg1"/>
+                </a:solidFill>
+              </a:rPr>
+              <a:t>)</a:t>
+            </a:r>
+            <a:endParaRPr lang="en-US" altLang="ko-KR" sz="2000" dirty="0">
+              <a:solidFill>
+                <a:schemeClr val="bg1"/>
+              </a:solidFill>
+            </a:endParaRPr>
+          </a:p>
+        </p:txBody>
+      </p:sp>
+      <p:sp>
+        <p:nvSpPr>
+          <p:cNvPr id="8" name="TextBox 7"/>
+          <p:cNvSpPr txBox="1"/>
+          <p:nvPr/>
+        </p:nvSpPr>
+        <p:spPr>
+          <a:xfrm>
+            <a:off x="769620" y="2847802"/>
+            <a:ext cx="4318195" cy="3539430"/>
+          </a:xfrm>
+          <a:prstGeom prst="rect">
+            <a:avLst/>
+          </a:prstGeom>
+          <a:noFill/>
+        </p:spPr>
+        <p:txBody>
+          <a:bodyPr wrap="square" rtlCol="0">
+            <a:spAutoFit/>
+          </a:bodyPr>
+          <a:lstStyle/>
+          <a:p>
+            <a:r>
+              <a:rPr lang="en-US" altLang="ko-KR" sz="1600" dirty="0" smtClean="0">
+                <a:solidFill>
+                  <a:schemeClr val="bg1"/>
+                </a:solidFill>
+                <a:effectLst>
+                  <a:outerShdw blurRad="38100" dist="38100" dir="2700000" algn="tl">
+                    <a:srgbClr val="000000">
+                      <a:alpha val="43137"/>
+                    </a:srgbClr>
+                  </a:outerShdw>
+                </a:effectLst>
+              </a:rPr>
+              <a:t>push </a:t>
+            </a:r>
+            <a:r>
+              <a:rPr lang="en-US" altLang="ko-KR" sz="1600" dirty="0">
+                <a:solidFill>
+                  <a:schemeClr val="bg1"/>
+                </a:solidFill>
+                <a:effectLst>
+                  <a:outerShdw blurRad="38100" dist="38100" dir="2700000" algn="tl">
+                    <a:srgbClr val="000000">
+                      <a:alpha val="43137"/>
+                    </a:srgbClr>
+                  </a:outerShdw>
+                </a:effectLst>
+              </a:rPr>
+              <a:t>X</a:t>
+            </a:r>
+            <a:r>
+              <a:rPr lang="en-US" altLang="ko-KR" sz="1600" dirty="0" smtClean="0">
+                <a:solidFill>
+                  <a:schemeClr val="bg1"/>
+                </a:solidFill>
+              </a:rPr>
+              <a:t>:  </a:t>
+            </a:r>
+            <a:r>
+              <a:rPr lang="ko-KR" altLang="en-US" sz="1600" dirty="0" smtClean="0">
+                <a:solidFill>
+                  <a:schemeClr val="bg1"/>
+                </a:solidFill>
+              </a:rPr>
+              <a:t>정수 </a:t>
+            </a:r>
+            <a:r>
+              <a:rPr lang="en-US" altLang="ko-KR" sz="1600" dirty="0">
+                <a:solidFill>
+                  <a:schemeClr val="bg1"/>
+                </a:solidFill>
+              </a:rPr>
+              <a:t>X</a:t>
+            </a:r>
+            <a:r>
+              <a:rPr lang="ko-KR" altLang="en-US" sz="1600" dirty="0">
+                <a:solidFill>
+                  <a:schemeClr val="bg1"/>
+                </a:solidFill>
+              </a:rPr>
+              <a:t>를 </a:t>
+            </a:r>
+            <a:r>
+              <a:rPr lang="ko-KR" altLang="en-US" sz="1600" dirty="0" err="1">
+                <a:solidFill>
+                  <a:schemeClr val="bg1"/>
+                </a:solidFill>
+              </a:rPr>
+              <a:t>스택에</a:t>
+            </a:r>
+            <a:r>
+              <a:rPr lang="ko-KR" altLang="en-US" sz="1600" dirty="0">
+                <a:solidFill>
+                  <a:schemeClr val="bg1"/>
+                </a:solidFill>
+              </a:rPr>
+              <a:t> 넣는 연산이다</a:t>
+            </a:r>
+            <a:r>
+              <a:rPr lang="en-US" altLang="ko-KR" sz="1600" dirty="0" smtClean="0">
+                <a:solidFill>
+                  <a:schemeClr val="bg1"/>
+                </a:solidFill>
+              </a:rPr>
+              <a:t>.</a:t>
+            </a:r>
+          </a:p>
+          <a:p>
+            <a:endParaRPr lang="en-US" altLang="ko-KR" sz="1600" dirty="0">
+              <a:solidFill>
+                <a:schemeClr val="bg1"/>
+              </a:solidFill>
+            </a:endParaRPr>
+          </a:p>
+          <a:p>
+            <a:r>
+              <a:rPr lang="en-US" altLang="ko-KR" sz="1600" dirty="0">
+                <a:solidFill>
+                  <a:schemeClr val="bg1"/>
+                </a:solidFill>
+                <a:effectLst>
+                  <a:outerShdw blurRad="38100" dist="38100" dir="2700000" algn="tl">
+                    <a:srgbClr val="000000">
+                      <a:alpha val="43137"/>
+                    </a:srgbClr>
+                  </a:outerShdw>
+                </a:effectLst>
+              </a:rPr>
+              <a:t>pop</a:t>
+            </a:r>
+            <a:r>
+              <a:rPr lang="en-US" altLang="ko-KR" sz="1600" dirty="0">
+                <a:solidFill>
+                  <a:schemeClr val="bg1"/>
+                </a:solidFill>
+              </a:rPr>
+              <a:t>: </a:t>
+            </a:r>
+            <a:r>
+              <a:rPr lang="en-US" altLang="ko-KR" sz="1600" dirty="0" smtClean="0">
+                <a:solidFill>
+                  <a:schemeClr val="bg1"/>
+                </a:solidFill>
+              </a:rPr>
+              <a:t> </a:t>
+            </a:r>
+            <a:r>
+              <a:rPr lang="ko-KR" altLang="en-US" sz="1600" dirty="0" err="1" smtClean="0">
+                <a:solidFill>
+                  <a:schemeClr val="bg1"/>
+                </a:solidFill>
+              </a:rPr>
+              <a:t>스택에서</a:t>
+            </a:r>
+            <a:r>
+              <a:rPr lang="ko-KR" altLang="en-US" sz="1600" dirty="0" smtClean="0">
+                <a:solidFill>
+                  <a:schemeClr val="bg1"/>
+                </a:solidFill>
+              </a:rPr>
+              <a:t> </a:t>
+            </a:r>
+            <a:r>
+              <a:rPr lang="ko-KR" altLang="en-US" sz="1600" dirty="0">
+                <a:solidFill>
+                  <a:schemeClr val="bg1"/>
+                </a:solidFill>
+              </a:rPr>
+              <a:t>가장 위에 있는 정수를 빼고</a:t>
+            </a:r>
+            <a:r>
+              <a:rPr lang="en-US" altLang="ko-KR" sz="1600" dirty="0">
+                <a:solidFill>
+                  <a:schemeClr val="bg1"/>
+                </a:solidFill>
+              </a:rPr>
+              <a:t>, </a:t>
+            </a:r>
+            <a:endParaRPr lang="en-US" altLang="ko-KR" sz="1600" dirty="0" smtClean="0">
+              <a:solidFill>
+                <a:schemeClr val="bg1"/>
+              </a:solidFill>
+            </a:endParaRPr>
+          </a:p>
+          <a:p>
+            <a:r>
+              <a:rPr lang="en-US" altLang="ko-KR" sz="1600" dirty="0">
+                <a:solidFill>
+                  <a:schemeClr val="bg1"/>
+                </a:solidFill>
+              </a:rPr>
+              <a:t> </a:t>
+            </a:r>
+            <a:r>
+              <a:rPr lang="en-US" altLang="ko-KR" sz="1600" dirty="0" smtClean="0">
+                <a:solidFill>
+                  <a:schemeClr val="bg1"/>
+                </a:solidFill>
+              </a:rPr>
+              <a:t>       </a:t>
+            </a:r>
+            <a:r>
+              <a:rPr lang="ko-KR" altLang="en-US" sz="1600" dirty="0" smtClean="0">
+                <a:solidFill>
+                  <a:schemeClr val="bg1"/>
+                </a:solidFill>
+              </a:rPr>
+              <a:t>그 </a:t>
+            </a:r>
+            <a:r>
+              <a:rPr lang="ko-KR" altLang="en-US" sz="1600" dirty="0">
+                <a:solidFill>
+                  <a:schemeClr val="bg1"/>
+                </a:solidFill>
+              </a:rPr>
+              <a:t>수를 출력한다</a:t>
+            </a:r>
+            <a:r>
+              <a:rPr lang="en-US" altLang="ko-KR" sz="1600" dirty="0">
+                <a:solidFill>
+                  <a:schemeClr val="bg1"/>
+                </a:solidFill>
+              </a:rPr>
+              <a:t>. </a:t>
+            </a:r>
+            <a:endParaRPr lang="en-US" altLang="ko-KR" sz="1600" dirty="0" smtClean="0">
+              <a:solidFill>
+                <a:schemeClr val="bg1"/>
+              </a:solidFill>
+            </a:endParaRPr>
+          </a:p>
+          <a:p>
+            <a:r>
+              <a:rPr lang="en-US" altLang="ko-KR" sz="1600" dirty="0">
+                <a:solidFill>
+                  <a:schemeClr val="bg1"/>
+                </a:solidFill>
+              </a:rPr>
+              <a:t> </a:t>
+            </a:r>
+            <a:r>
+              <a:rPr lang="en-US" altLang="ko-KR" sz="1600" dirty="0" smtClean="0">
+                <a:solidFill>
+                  <a:schemeClr val="bg1"/>
+                </a:solidFill>
+              </a:rPr>
+              <a:t>       </a:t>
+            </a:r>
+            <a:r>
+              <a:rPr lang="ko-KR" altLang="en-US" sz="1600" dirty="0" smtClean="0">
+                <a:solidFill>
+                  <a:schemeClr val="bg1"/>
+                </a:solidFill>
+              </a:rPr>
+              <a:t>만약 </a:t>
+            </a:r>
+            <a:r>
+              <a:rPr lang="ko-KR" altLang="en-US" sz="1600" dirty="0" err="1">
+                <a:solidFill>
+                  <a:schemeClr val="bg1"/>
+                </a:solidFill>
+              </a:rPr>
+              <a:t>스택에</a:t>
+            </a:r>
+            <a:r>
+              <a:rPr lang="ko-KR" altLang="en-US" sz="1600" dirty="0">
+                <a:solidFill>
+                  <a:schemeClr val="bg1"/>
+                </a:solidFill>
+              </a:rPr>
+              <a:t> 들어있는 정수가 없는 경우에는 </a:t>
+            </a:r>
+            <a:endParaRPr lang="en-US" altLang="ko-KR" sz="1600" dirty="0" smtClean="0">
+              <a:solidFill>
+                <a:schemeClr val="bg1"/>
+              </a:solidFill>
+            </a:endParaRPr>
+          </a:p>
+          <a:p>
+            <a:r>
+              <a:rPr lang="en-US" altLang="ko-KR" sz="1600" dirty="0">
+                <a:solidFill>
+                  <a:schemeClr val="bg1"/>
+                </a:solidFill>
+              </a:rPr>
+              <a:t> </a:t>
+            </a:r>
+            <a:r>
+              <a:rPr lang="en-US" altLang="ko-KR" sz="1600" dirty="0" smtClean="0">
+                <a:solidFill>
+                  <a:schemeClr val="bg1"/>
+                </a:solidFill>
+              </a:rPr>
+              <a:t>       -</a:t>
+            </a:r>
+            <a:r>
+              <a:rPr lang="en-US" altLang="ko-KR" sz="1600" dirty="0">
+                <a:solidFill>
+                  <a:schemeClr val="bg1"/>
+                </a:solidFill>
+              </a:rPr>
+              <a:t>1</a:t>
+            </a:r>
+            <a:r>
+              <a:rPr lang="ko-KR" altLang="en-US" sz="1600" dirty="0">
+                <a:solidFill>
+                  <a:schemeClr val="bg1"/>
+                </a:solidFill>
+              </a:rPr>
+              <a:t>을 출력한다</a:t>
+            </a:r>
+            <a:r>
+              <a:rPr lang="en-US" altLang="ko-KR" sz="1600" dirty="0" smtClean="0">
+                <a:solidFill>
+                  <a:schemeClr val="bg1"/>
+                </a:solidFill>
+              </a:rPr>
+              <a:t>.</a:t>
+            </a:r>
+          </a:p>
+          <a:p>
+            <a:endParaRPr lang="en-US" altLang="ko-KR" sz="1600" dirty="0">
+              <a:solidFill>
+                <a:schemeClr val="bg1"/>
+              </a:solidFill>
+            </a:endParaRPr>
+          </a:p>
+          <a:p>
+            <a:r>
+              <a:rPr lang="en-US" altLang="ko-KR" sz="1600" dirty="0">
+                <a:solidFill>
+                  <a:schemeClr val="bg1"/>
+                </a:solidFill>
+                <a:effectLst>
+                  <a:outerShdw blurRad="38100" dist="38100" dir="2700000" algn="tl">
+                    <a:srgbClr val="000000">
+                      <a:alpha val="43137"/>
+                    </a:srgbClr>
+                  </a:outerShdw>
+                </a:effectLst>
+              </a:rPr>
+              <a:t>size</a:t>
+            </a:r>
+            <a:r>
+              <a:rPr lang="en-US" altLang="ko-KR" sz="1600" dirty="0">
+                <a:solidFill>
+                  <a:schemeClr val="bg1"/>
+                </a:solidFill>
+              </a:rPr>
+              <a:t>: </a:t>
+            </a:r>
+            <a:r>
+              <a:rPr lang="en-US" altLang="ko-KR" sz="1600" dirty="0" smtClean="0">
+                <a:solidFill>
+                  <a:schemeClr val="bg1"/>
+                </a:solidFill>
+              </a:rPr>
+              <a:t> </a:t>
+            </a:r>
+            <a:r>
+              <a:rPr lang="ko-KR" altLang="en-US" sz="1600" dirty="0" err="1" smtClean="0">
+                <a:solidFill>
+                  <a:schemeClr val="bg1"/>
+                </a:solidFill>
+              </a:rPr>
+              <a:t>스택에</a:t>
+            </a:r>
+            <a:r>
+              <a:rPr lang="ko-KR" altLang="en-US" sz="1600" dirty="0" smtClean="0">
+                <a:solidFill>
+                  <a:schemeClr val="bg1"/>
+                </a:solidFill>
+              </a:rPr>
+              <a:t> </a:t>
+            </a:r>
+            <a:r>
+              <a:rPr lang="ko-KR" altLang="en-US" sz="1600" dirty="0">
+                <a:solidFill>
+                  <a:schemeClr val="bg1"/>
+                </a:solidFill>
+              </a:rPr>
+              <a:t>들어있는 정수의 개수를 출력한다</a:t>
+            </a:r>
+            <a:r>
+              <a:rPr lang="en-US" altLang="ko-KR" sz="1600" dirty="0">
+                <a:solidFill>
+                  <a:schemeClr val="bg1"/>
+                </a:solidFill>
+              </a:rPr>
+              <a:t>.</a:t>
+            </a:r>
+          </a:p>
+          <a:p>
+            <a:endParaRPr lang="en-US" altLang="ko-KR" sz="1600" dirty="0" smtClean="0">
+              <a:solidFill>
+                <a:schemeClr val="bg1"/>
+              </a:solidFill>
+            </a:endParaRPr>
+          </a:p>
+          <a:p>
+            <a:r>
+              <a:rPr lang="en-US" altLang="ko-KR" sz="1600" dirty="0" smtClean="0">
+                <a:solidFill>
+                  <a:schemeClr val="bg1"/>
+                </a:solidFill>
+                <a:effectLst>
+                  <a:outerShdw blurRad="38100" dist="38100" dir="2700000" algn="tl">
+                    <a:srgbClr val="000000">
+                      <a:alpha val="43137"/>
+                    </a:srgbClr>
+                  </a:outerShdw>
+                </a:effectLst>
+              </a:rPr>
+              <a:t>empty</a:t>
+            </a:r>
+            <a:r>
+              <a:rPr lang="en-US" altLang="ko-KR" sz="1600" dirty="0">
+                <a:solidFill>
+                  <a:schemeClr val="bg1"/>
+                </a:solidFill>
+              </a:rPr>
+              <a:t>: </a:t>
+            </a:r>
+            <a:r>
+              <a:rPr lang="en-US" altLang="ko-KR" sz="1600" dirty="0" smtClean="0">
+                <a:solidFill>
+                  <a:schemeClr val="bg1"/>
+                </a:solidFill>
+              </a:rPr>
+              <a:t> </a:t>
+            </a:r>
+            <a:r>
+              <a:rPr lang="ko-KR" altLang="en-US" sz="1600" dirty="0" err="1" smtClean="0">
+                <a:solidFill>
+                  <a:schemeClr val="bg1"/>
+                </a:solidFill>
+              </a:rPr>
+              <a:t>스택이</a:t>
+            </a:r>
+            <a:r>
+              <a:rPr lang="ko-KR" altLang="en-US" sz="1600" dirty="0" smtClean="0">
+                <a:solidFill>
+                  <a:schemeClr val="bg1"/>
+                </a:solidFill>
+              </a:rPr>
+              <a:t> </a:t>
+            </a:r>
+            <a:r>
+              <a:rPr lang="ko-KR" altLang="en-US" sz="1600" dirty="0">
+                <a:solidFill>
+                  <a:schemeClr val="bg1"/>
+                </a:solidFill>
+              </a:rPr>
+              <a:t>비어있으면 </a:t>
+            </a:r>
+            <a:r>
+              <a:rPr lang="en-US" altLang="ko-KR" sz="1600" dirty="0">
+                <a:solidFill>
+                  <a:schemeClr val="bg1"/>
+                </a:solidFill>
+              </a:rPr>
+              <a:t>1, </a:t>
+            </a:r>
+            <a:r>
+              <a:rPr lang="ko-KR" altLang="en-US" sz="1600" dirty="0">
+                <a:solidFill>
+                  <a:schemeClr val="bg1"/>
+                </a:solidFill>
+              </a:rPr>
+              <a:t>아니면 </a:t>
+            </a:r>
+            <a:r>
+              <a:rPr lang="en-US" altLang="ko-KR" sz="1600" dirty="0">
+                <a:solidFill>
+                  <a:schemeClr val="bg1"/>
+                </a:solidFill>
+              </a:rPr>
+              <a:t>0</a:t>
+            </a:r>
+            <a:r>
+              <a:rPr lang="ko-KR" altLang="en-US" sz="1600" dirty="0">
+                <a:solidFill>
+                  <a:schemeClr val="bg1"/>
+                </a:solidFill>
+              </a:rPr>
+              <a:t>을 출력한다</a:t>
+            </a:r>
+            <a:r>
+              <a:rPr lang="en-US" altLang="ko-KR" sz="1600" dirty="0">
+                <a:solidFill>
+                  <a:schemeClr val="bg1"/>
+                </a:solidFill>
+              </a:rPr>
+              <a:t>.</a:t>
+            </a:r>
+          </a:p>
+          <a:p>
+            <a:endParaRPr lang="en-US" altLang="ko-KR" sz="1600" dirty="0" smtClean="0">
+              <a:solidFill>
+                <a:schemeClr val="bg1"/>
+              </a:solidFill>
+            </a:endParaRPr>
+          </a:p>
+          <a:p>
+            <a:r>
+              <a:rPr lang="en-US" altLang="ko-KR" sz="1600" dirty="0" smtClean="0">
+                <a:solidFill>
+                  <a:schemeClr val="bg1"/>
+                </a:solidFill>
+                <a:effectLst>
+                  <a:outerShdw blurRad="38100" dist="38100" dir="2700000" algn="tl">
+                    <a:srgbClr val="000000">
+                      <a:alpha val="43137"/>
+                    </a:srgbClr>
+                  </a:outerShdw>
+                </a:effectLst>
+              </a:rPr>
+              <a:t>top</a:t>
+            </a:r>
+            <a:r>
+              <a:rPr lang="en-US" altLang="ko-KR" sz="1600" dirty="0">
+                <a:solidFill>
+                  <a:schemeClr val="bg1"/>
+                </a:solidFill>
+              </a:rPr>
+              <a:t>: </a:t>
+            </a:r>
+            <a:r>
+              <a:rPr lang="en-US" altLang="ko-KR" sz="1600" dirty="0" smtClean="0">
+                <a:solidFill>
+                  <a:schemeClr val="bg1"/>
+                </a:solidFill>
+              </a:rPr>
+              <a:t> </a:t>
+            </a:r>
+            <a:r>
+              <a:rPr lang="ko-KR" altLang="en-US" sz="1600" dirty="0" err="1" smtClean="0">
+                <a:solidFill>
+                  <a:schemeClr val="bg1"/>
+                </a:solidFill>
+              </a:rPr>
+              <a:t>스택의</a:t>
+            </a:r>
+            <a:r>
+              <a:rPr lang="ko-KR" altLang="en-US" sz="1600" dirty="0" smtClean="0">
+                <a:solidFill>
+                  <a:schemeClr val="bg1"/>
+                </a:solidFill>
+              </a:rPr>
+              <a:t> </a:t>
+            </a:r>
+            <a:r>
+              <a:rPr lang="ko-KR" altLang="en-US" sz="1600" dirty="0">
+                <a:solidFill>
+                  <a:schemeClr val="bg1"/>
+                </a:solidFill>
+              </a:rPr>
+              <a:t>가장 위에 있는 정수를 출력한다</a:t>
+            </a:r>
+            <a:r>
+              <a:rPr lang="en-US" altLang="ko-KR" sz="1600" dirty="0">
+                <a:solidFill>
+                  <a:schemeClr val="bg1"/>
+                </a:solidFill>
+              </a:rPr>
+              <a:t>. </a:t>
+            </a:r>
+            <a:endParaRPr lang="en-US" altLang="ko-KR" sz="1600" dirty="0" smtClean="0">
+              <a:solidFill>
+                <a:schemeClr val="bg1"/>
+              </a:solidFill>
+            </a:endParaRPr>
+          </a:p>
+          <a:p>
+            <a:r>
+              <a:rPr lang="en-US" altLang="ko-KR" sz="1600" dirty="0">
+                <a:solidFill>
+                  <a:schemeClr val="bg1"/>
+                </a:solidFill>
+              </a:rPr>
+              <a:t>	</a:t>
+            </a:r>
+            <a:r>
+              <a:rPr lang="en-US" altLang="ko-KR" sz="1600" dirty="0" smtClean="0">
+                <a:solidFill>
+                  <a:schemeClr val="bg1"/>
+                </a:solidFill>
+              </a:rPr>
+              <a:t> </a:t>
+            </a:r>
+            <a:r>
+              <a:rPr lang="ko-KR" altLang="en-US" sz="1600" dirty="0" smtClean="0">
+                <a:solidFill>
+                  <a:schemeClr val="bg1"/>
+                </a:solidFill>
+              </a:rPr>
+              <a:t>만약 </a:t>
+            </a:r>
+            <a:r>
+              <a:rPr lang="ko-KR" altLang="en-US" sz="1600" dirty="0" err="1">
+                <a:solidFill>
+                  <a:schemeClr val="bg1"/>
+                </a:solidFill>
+              </a:rPr>
+              <a:t>스택에</a:t>
+            </a:r>
+            <a:r>
+              <a:rPr lang="ko-KR" altLang="en-US" sz="1600" dirty="0">
+                <a:solidFill>
+                  <a:schemeClr val="bg1"/>
+                </a:solidFill>
+              </a:rPr>
+              <a:t> 들어있는 정수가 없는 경우에는 </a:t>
+            </a:r>
+            <a:r>
+              <a:rPr lang="en-US" altLang="ko-KR" sz="1600" dirty="0">
+                <a:solidFill>
+                  <a:schemeClr val="bg1"/>
+                </a:solidFill>
+              </a:rPr>
+              <a:t>-1</a:t>
+            </a:r>
+            <a:r>
+              <a:rPr lang="ko-KR" altLang="en-US" sz="1600" dirty="0">
+                <a:solidFill>
+                  <a:schemeClr val="bg1"/>
+                </a:solidFill>
+              </a:rPr>
+              <a:t>을 </a:t>
+            </a:r>
+            <a:r>
+              <a:rPr lang="ko-KR" altLang="en-US" sz="1600" dirty="0" smtClean="0">
+                <a:solidFill>
+                  <a:schemeClr val="bg1"/>
+                </a:solidFill>
+              </a:rPr>
+              <a:t>   </a:t>
+            </a:r>
+            <a:endParaRPr lang="en-US" altLang="ko-KR" sz="1600" dirty="0" smtClean="0">
+              <a:solidFill>
+                <a:schemeClr val="bg1"/>
+              </a:solidFill>
+            </a:endParaRPr>
+          </a:p>
+          <a:p>
+            <a:r>
+              <a:rPr lang="en-US" altLang="ko-KR" sz="1600" dirty="0">
+                <a:solidFill>
+                  <a:schemeClr val="bg1"/>
+                </a:solidFill>
+              </a:rPr>
+              <a:t> </a:t>
+            </a:r>
+            <a:r>
+              <a:rPr lang="en-US" altLang="ko-KR" sz="1600" dirty="0" smtClean="0">
+                <a:solidFill>
+                  <a:schemeClr val="bg1"/>
+                </a:solidFill>
+              </a:rPr>
+              <a:t>       </a:t>
+            </a:r>
+            <a:r>
+              <a:rPr lang="ko-KR" altLang="en-US" sz="1600" dirty="0" smtClean="0">
+                <a:solidFill>
+                  <a:schemeClr val="bg1"/>
+                </a:solidFill>
+              </a:rPr>
+              <a:t>출력한다</a:t>
+            </a:r>
+            <a:r>
+              <a:rPr lang="en-US" altLang="ko-KR" sz="1600" dirty="0">
+                <a:solidFill>
+                  <a:schemeClr val="bg1"/>
+                </a:solidFill>
+              </a:rPr>
+              <a:t>.</a:t>
+            </a:r>
+          </a:p>
+        </p:txBody>
+      </p:sp>
+      <p:sp>
+        <p:nvSpPr>
+          <p:cNvPr id="4" name="직사각형 3"/>
+          <p:cNvSpPr/>
+          <p:nvPr/>
+        </p:nvSpPr>
+        <p:spPr>
+          <a:xfrm flipH="1">
+            <a:off x="6437142" y="898703"/>
+            <a:ext cx="45719" cy="238435"/>
+          </a:xfrm>
+          <a:prstGeom prst="rect">
+            <a:avLst/>
+          </a:prstGeom>
+          <a:solidFill>
+            <a:schemeClr val="tx1"/>
+          </a:solidFill>
+          <a:ln>
+            <a:noFill/>
+          </a:ln>
+        </p:spPr>
+        <p:style>
+          <a:lnRef idx="2">
+            <a:schemeClr val="accent1">
+              <a:shade val="50000"/>
+            </a:schemeClr>
+          </a:lnRef>
+          <a:fillRef idx="1">
+            <a:schemeClr val="accent1"/>
+          </a:fillRef>
+          <a:effectRef idx="0">
+            <a:schemeClr val="accent1"/>
+          </a:effectRef>
+          <a:fontRef idx="minor">
+            <a:schemeClr val="lt1"/>
+          </a:fontRef>
+        </p:style>
+        <p:txBody>
+          <a:bodyPr rtlCol="0" anchor="ctr"/>
+          <a:lstStyle/>
+          <a:p>
+            <a:pPr algn="ctr"/>
+            <a:endParaRPr lang="ko-KR" altLang="en-US"/>
+          </a:p>
+        </p:txBody>
+      </p:sp>
+      <p:sp>
+        <p:nvSpPr>
+          <p:cNvPr id="7" name="TextBox 6"/>
+          <p:cNvSpPr txBox="1"/>
+          <p:nvPr/>
+        </p:nvSpPr>
+        <p:spPr>
+          <a:xfrm>
+            <a:off x="6479184" y="840088"/>
+            <a:ext cx="5337678" cy="1384995"/>
+          </a:xfrm>
+          <a:prstGeom prst="rect">
+            <a:avLst/>
+          </a:prstGeom>
+          <a:noFill/>
+        </p:spPr>
+        <p:txBody>
+          <a:bodyPr wrap="square" rtlCol="0">
+            <a:spAutoFit/>
+          </a:bodyPr>
+          <a:lstStyle/>
+          <a:p>
+            <a:r>
+              <a:rPr lang="ko-KR" altLang="en-US" dirty="0" smtClean="0"/>
+              <a:t>입력</a:t>
+            </a:r>
+            <a:endParaRPr lang="en-US" altLang="ko-KR" dirty="0" smtClean="0"/>
+          </a:p>
+          <a:p>
+            <a:r>
+              <a:rPr lang="ko-KR" altLang="en-US" sz="1600" dirty="0" smtClean="0"/>
+              <a:t>첫째 줄에</a:t>
+            </a:r>
+            <a:r>
+              <a:rPr lang="en-US" altLang="ko-KR" sz="1600" dirty="0" smtClean="0"/>
+              <a:t> </a:t>
+            </a:r>
+            <a:r>
+              <a:rPr lang="ko-KR" altLang="en-US" sz="1600" dirty="0" smtClean="0"/>
+              <a:t>주어지는 명령의 </a:t>
+            </a:r>
+            <a:r>
+              <a:rPr lang="ko-KR" altLang="en-US" sz="1600" dirty="0"/>
+              <a:t>수  </a:t>
+            </a:r>
+            <a:r>
+              <a:rPr lang="en-US" altLang="ko-KR" sz="1600" dirty="0"/>
+              <a:t>N (1 ≤ N ≤ 10,000)</a:t>
+            </a:r>
+            <a:r>
+              <a:rPr lang="ko-KR" altLang="en-US" sz="1600" dirty="0"/>
+              <a:t>이 주어진다</a:t>
+            </a:r>
+            <a:r>
+              <a:rPr lang="en-US" altLang="ko-KR" sz="1600" dirty="0"/>
+              <a:t>. </a:t>
+            </a:r>
+            <a:r>
+              <a:rPr lang="ko-KR" altLang="en-US" sz="1600" dirty="0"/>
+              <a:t>둘째 줄부터 </a:t>
+            </a:r>
+            <a:r>
+              <a:rPr lang="en-US" altLang="ko-KR" sz="1600" dirty="0"/>
+              <a:t>N</a:t>
+            </a:r>
+            <a:r>
+              <a:rPr lang="ko-KR" altLang="en-US" sz="1600" dirty="0"/>
+              <a:t>개의 줄에는 명령이 하나씩 주어진다</a:t>
+            </a:r>
+            <a:r>
+              <a:rPr lang="en-US" altLang="ko-KR" sz="1600" dirty="0"/>
+              <a:t>. </a:t>
+            </a:r>
+            <a:r>
+              <a:rPr lang="ko-KR" altLang="en-US" sz="1600" dirty="0"/>
+              <a:t>주어지는 정수는 </a:t>
+            </a:r>
+            <a:r>
+              <a:rPr lang="en-US" altLang="ko-KR" sz="1600" dirty="0"/>
+              <a:t>1</a:t>
+            </a:r>
+            <a:r>
+              <a:rPr lang="ko-KR" altLang="en-US" sz="1600" dirty="0"/>
+              <a:t>보다 크거나 같고</a:t>
+            </a:r>
+            <a:r>
+              <a:rPr lang="en-US" altLang="ko-KR" sz="1600" dirty="0"/>
+              <a:t>, 100,000</a:t>
+            </a:r>
+            <a:r>
+              <a:rPr lang="ko-KR" altLang="en-US" sz="1600" dirty="0"/>
+              <a:t>보다 작거나 같다</a:t>
+            </a:r>
+            <a:r>
+              <a:rPr lang="en-US" altLang="ko-KR" sz="1600" dirty="0"/>
+              <a:t>. </a:t>
+            </a:r>
+            <a:r>
+              <a:rPr lang="ko-KR" altLang="en-US" sz="1600" dirty="0"/>
+              <a:t>문제에 나와있지 않은 명령이 주어지는 경우는 없다</a:t>
+            </a:r>
+            <a:r>
+              <a:rPr lang="en-US" altLang="ko-KR" sz="1600" dirty="0"/>
+              <a:t>.</a:t>
+            </a:r>
+            <a:r>
+              <a:rPr lang="ko-KR" altLang="en-US" sz="1600" dirty="0" smtClean="0"/>
+              <a:t> </a:t>
+            </a:r>
+            <a:r>
+              <a:rPr lang="ko-KR" altLang="en-US" dirty="0" smtClean="0"/>
+              <a:t> </a:t>
+            </a:r>
+            <a:endParaRPr lang="ko-KR" altLang="en-US" dirty="0"/>
+          </a:p>
+        </p:txBody>
+      </p:sp>
+      <p:sp>
+        <p:nvSpPr>
+          <p:cNvPr id="13" name="직사각형 12"/>
+          <p:cNvSpPr/>
+          <p:nvPr/>
+        </p:nvSpPr>
+        <p:spPr>
+          <a:xfrm flipH="1">
+            <a:off x="6437142" y="2906417"/>
+            <a:ext cx="45719" cy="238435"/>
+          </a:xfrm>
+          <a:prstGeom prst="rect">
+            <a:avLst/>
+          </a:prstGeom>
+          <a:solidFill>
+            <a:schemeClr val="tx1"/>
+          </a:solidFill>
+          <a:ln>
+            <a:noFill/>
+          </a:ln>
+        </p:spPr>
+        <p:style>
+          <a:lnRef idx="2">
+            <a:schemeClr val="accent1">
+              <a:shade val="50000"/>
+            </a:schemeClr>
+          </a:lnRef>
+          <a:fillRef idx="1">
+            <a:schemeClr val="accent1"/>
+          </a:fillRef>
+          <a:effectRef idx="0">
+            <a:schemeClr val="accent1"/>
+          </a:effectRef>
+          <a:fontRef idx="minor">
+            <a:schemeClr val="lt1"/>
+          </a:fontRef>
+        </p:style>
+        <p:txBody>
+          <a:bodyPr rtlCol="0" anchor="ctr"/>
+          <a:lstStyle/>
+          <a:p>
+            <a:pPr algn="ctr"/>
+            <a:endParaRPr lang="ko-KR" altLang="en-US"/>
+          </a:p>
+        </p:txBody>
+      </p:sp>
+      <p:sp>
+        <p:nvSpPr>
+          <p:cNvPr id="14" name="TextBox 13"/>
+          <p:cNvSpPr txBox="1"/>
+          <p:nvPr/>
+        </p:nvSpPr>
+        <p:spPr>
+          <a:xfrm>
+            <a:off x="6479184" y="2847802"/>
+            <a:ext cx="5337678" cy="646331"/>
+          </a:xfrm>
+          <a:prstGeom prst="rect">
+            <a:avLst/>
+          </a:prstGeom>
+          <a:noFill/>
+        </p:spPr>
+        <p:txBody>
+          <a:bodyPr wrap="square" rtlCol="0">
+            <a:spAutoFit/>
+          </a:bodyPr>
+          <a:lstStyle/>
+          <a:p>
+            <a:r>
+              <a:rPr lang="ko-KR" altLang="en-US" dirty="0" smtClean="0"/>
+              <a:t>출력 </a:t>
+            </a:r>
+            <a:endParaRPr lang="en-US" altLang="ko-KR" dirty="0" smtClean="0"/>
+          </a:p>
+          <a:p>
+            <a:r>
+              <a:rPr lang="ko-KR" altLang="en-US" sz="1600" dirty="0" err="1"/>
+              <a:t>출력해야하는</a:t>
+            </a:r>
+            <a:r>
+              <a:rPr lang="ko-KR" altLang="en-US" sz="1600" dirty="0"/>
+              <a:t> 명령이 주어질 때마다</a:t>
+            </a:r>
+            <a:r>
+              <a:rPr lang="en-US" altLang="ko-KR" sz="1600" dirty="0"/>
+              <a:t>, </a:t>
+            </a:r>
+            <a:r>
+              <a:rPr lang="ko-KR" altLang="en-US" sz="1600" dirty="0"/>
+              <a:t>한 줄에 하나씩 </a:t>
+            </a:r>
+            <a:r>
+              <a:rPr lang="ko-KR" altLang="en-US" sz="1600" dirty="0" smtClean="0"/>
+              <a:t>출력한다</a:t>
+            </a:r>
+            <a:r>
+              <a:rPr lang="en-US" altLang="ko-KR" sz="1600" dirty="0" smtClean="0"/>
+              <a:t>.</a:t>
+            </a:r>
+            <a:r>
+              <a:rPr lang="ko-KR" altLang="en-US" sz="1600" dirty="0" smtClean="0"/>
+              <a:t> </a:t>
+            </a:r>
+            <a:r>
+              <a:rPr lang="ko-KR" altLang="en-US" dirty="0" smtClean="0"/>
+              <a:t> </a:t>
+            </a:r>
+            <a:endParaRPr lang="ko-KR" altLang="en-US" dirty="0"/>
+          </a:p>
+        </p:txBody>
+      </p:sp>
+      <p:pic>
+        <p:nvPicPr>
+          <p:cNvPr id="12" name="그림 11"/>
+          <p:cNvPicPr>
+            <a:picLocks noChangeAspect="1"/>
+          </p:cNvPicPr>
+          <p:nvPr/>
+        </p:nvPicPr>
+        <p:blipFill>
+          <a:blip r:embed="rId4"/>
+          <a:stretch>
+            <a:fillRect/>
+          </a:stretch>
+        </p:blipFill>
+        <p:spPr>
+          <a:xfrm>
+            <a:off x="6793400" y="3465513"/>
+            <a:ext cx="1670662" cy="3379057"/>
+          </a:xfrm>
+          <a:prstGeom prst="rect">
+            <a:avLst/>
+          </a:prstGeom>
+        </p:spPr>
+      </p:pic>
+      <p:pic>
+        <p:nvPicPr>
+          <p:cNvPr id="19" name="그림 18"/>
+          <p:cNvPicPr>
+            <a:picLocks noChangeAspect="1"/>
+          </p:cNvPicPr>
+          <p:nvPr/>
+        </p:nvPicPr>
+        <p:blipFill>
+          <a:blip r:embed="rId5"/>
+          <a:stretch>
+            <a:fillRect/>
+          </a:stretch>
+        </p:blipFill>
+        <p:spPr>
+          <a:xfrm>
+            <a:off x="9538394" y="3453429"/>
+            <a:ext cx="2162409" cy="3270082"/>
+          </a:xfrm>
+          <a:prstGeom prst="rect">
+            <a:avLst/>
+          </a:prstGeom>
+        </p:spPr>
+      </p:pic>
+      <p:sp>
+        <p:nvSpPr>
+          <p:cNvPr id="20" name="오른쪽 화살표 19"/>
+          <p:cNvSpPr/>
+          <p:nvPr/>
+        </p:nvSpPr>
+        <p:spPr>
+          <a:xfrm>
+            <a:off x="8707940" y="4865076"/>
+            <a:ext cx="498698" cy="386861"/>
+          </a:xfrm>
+          <a:prstGeom prst="rightArrow">
+            <a:avLst/>
+          </a:prstGeom>
+          <a:solidFill>
+            <a:srgbClr val="9BAFB5"/>
+          </a:solidFill>
+          <a:ln>
+            <a:noFill/>
+          </a:ln>
+        </p:spPr>
+        <p:style>
+          <a:lnRef idx="2">
+            <a:schemeClr val="accent1">
+              <a:shade val="50000"/>
+            </a:schemeClr>
+          </a:lnRef>
+          <a:fillRef idx="1">
+            <a:schemeClr val="accent1"/>
+          </a:fillRef>
+          <a:effectRef idx="0">
+            <a:schemeClr val="accent1"/>
+          </a:effectRef>
+          <a:fontRef idx="minor">
+            <a:schemeClr val="lt1"/>
+          </a:fontRef>
+        </p:style>
+        <p:txBody>
+          <a:bodyPr rtlCol="0" anchor="ctr"/>
+          <a:lstStyle/>
+          <a:p>
+            <a:pPr algn="ctr"/>
+            <a:endParaRPr lang="ko-KR" altLang="en-US"/>
+          </a:p>
+        </p:txBody>
+      </p:sp>
+    </p:spTree>
+    <p:extLst>
+      <p:ext uri="{BB962C8B-B14F-4D97-AF65-F5344CB8AC3E}">
+        <p14:creationId xmlns:p14="http://schemas.microsoft.com/office/powerpoint/2010/main" val="702645013"/>
+      </p:ext>
+    </p:extLst>
+  </p:cSld>
+  <p:clrMapOvr>
+    <a:masterClrMapping/>
+  </p:clrMapOvr>
+  <p:timing>
+    <p:tnLst>
+      <p:par>
+        <p:cTn id="1" dur="indefinite" restart="never" nodeType="tmRoot"/>
+      </p:par>
+    </p:tnLst>
+  </p:timing>
+</p:sld>
+</file>
+
+<file path=ppt/slides/slide24.xml><?xml version="1.0" encoding="utf-8"?>
+<p:sld xmlns:a="http://schemas.openxmlformats.org/drawingml/2006/main" xmlns:r="http://schemas.openxmlformats.org/officeDocument/2006/relationships" xmlns:p="http://schemas.openxmlformats.org/presentationml/2006/main">
+  <p:cSld>
+    <p:spTree>
+      <p:nvGrpSpPr>
+        <p:cNvPr id="1" name=""/>
+        <p:cNvGrpSpPr/>
+        <p:nvPr/>
+      </p:nvGrpSpPr>
+      <p:grpSpPr>
+        <a:xfrm>
+          <a:off x="0" y="0"/>
+          <a:ext cx="0" cy="0"/>
+          <a:chOff x="0" y="0"/>
+          <a:chExt cx="0" cy="0"/>
+        </a:xfrm>
+      </p:grpSpPr>
+      <p:sp>
+        <p:nvSpPr>
+          <p:cNvPr id="2" name="제목 1">
+            <a:extLst>
+              <a:ext uri="{FF2B5EF4-FFF2-40B4-BE49-F238E27FC236}">
+                <a16:creationId xmlns:a16="http://schemas.microsoft.com/office/drawing/2014/main" xmlns="" id="{46EF07D7-2C4E-4DE1-B52F-9ACD386C79CB}"/>
+              </a:ext>
+            </a:extLst>
+          </p:cNvPr>
+          <p:cNvSpPr>
+            <a:spLocks noGrp="1"/>
+          </p:cNvSpPr>
+          <p:nvPr>
+            <p:ph type="title"/>
+          </p:nvPr>
+        </p:nvSpPr>
+        <p:spPr>
+          <a:xfrm>
+            <a:off x="769620" y="189946"/>
+            <a:ext cx="4486656" cy="513440"/>
+          </a:xfrm>
+        </p:spPr>
+        <p:txBody>
+          <a:bodyPr>
+            <a:normAutofit fontScale="90000"/>
+          </a:bodyPr>
+          <a:lstStyle/>
+          <a:p>
+            <a:r>
+              <a:rPr lang="en-US" altLang="ko-KR" dirty="0"/>
+              <a:t>2</a:t>
+            </a:r>
+            <a:r>
+              <a:rPr lang="en-US" altLang="ko-KR" dirty="0" smtClean="0"/>
+              <a:t>. </a:t>
+            </a:r>
+            <a:r>
+              <a:rPr lang="ko-KR" altLang="en-US" dirty="0" smtClean="0"/>
+              <a:t>예제 풀어보기 </a:t>
+            </a:r>
+            <a:endParaRPr lang="ko-KR" altLang="en-US" dirty="0"/>
+          </a:p>
+        </p:txBody>
+      </p:sp>
+      <p:sp>
+        <p:nvSpPr>
+          <p:cNvPr id="5" name="TextBox 4">
+            <a:extLst>
+              <a:ext uri="{FF2B5EF4-FFF2-40B4-BE49-F238E27FC236}">
+                <a16:creationId xmlns:a16="http://schemas.microsoft.com/office/drawing/2014/main" xmlns="" id="{F83BAFA1-C11B-4672-B510-037979FA2D38}"/>
+              </a:ext>
+            </a:extLst>
+          </p:cNvPr>
+          <p:cNvSpPr txBox="1"/>
+          <p:nvPr/>
+        </p:nvSpPr>
+        <p:spPr>
+          <a:xfrm>
+            <a:off x="6479184" y="153865"/>
+            <a:ext cx="4486656" cy="461665"/>
+          </a:xfrm>
+          <a:prstGeom prst="rect">
+            <a:avLst/>
+          </a:prstGeom>
+          <a:noFill/>
+        </p:spPr>
+        <p:txBody>
+          <a:bodyPr wrap="square" rtlCol="0">
+            <a:spAutoFit/>
+          </a:bodyPr>
+          <a:lstStyle/>
+          <a:p>
+            <a:r>
+              <a:rPr lang="en-US" altLang="ko-KR" sz="2400" dirty="0" smtClean="0"/>
+              <a:t>[</a:t>
+            </a:r>
+            <a:r>
+              <a:rPr lang="ko-KR" altLang="en-US" sz="2400" dirty="0" smtClean="0"/>
+              <a:t> </a:t>
+            </a:r>
+            <a:r>
+              <a:rPr lang="en-US" altLang="ko-KR" sz="2400" dirty="0" smtClean="0"/>
+              <a:t>Stack</a:t>
+            </a:r>
+            <a:r>
+              <a:rPr lang="en-US" altLang="ko-KR" sz="2400" dirty="0" smtClean="0"/>
+              <a:t> </a:t>
+            </a:r>
+            <a:r>
+              <a:rPr lang="ko-KR" altLang="en-US" sz="2400" dirty="0" smtClean="0"/>
+              <a:t>알고리즘 예제 </a:t>
+            </a:r>
+            <a:r>
+              <a:rPr lang="en-US" altLang="ko-KR" sz="2400" dirty="0" smtClean="0"/>
+              <a:t>]</a:t>
+            </a:r>
+            <a:endParaRPr lang="ko-KR" altLang="en-US" sz="2400" dirty="0"/>
+          </a:p>
+        </p:txBody>
+      </p:sp>
+      <p:sp>
+        <p:nvSpPr>
+          <p:cNvPr id="15" name="TextBox 14">
+            <a:extLst>
+              <a:ext uri="{FF2B5EF4-FFF2-40B4-BE49-F238E27FC236}">
+                <a16:creationId xmlns:a16="http://schemas.microsoft.com/office/drawing/2014/main" xmlns="" id="{F83BAFA1-C11B-4672-B510-037979FA2D38}"/>
+              </a:ext>
+            </a:extLst>
+          </p:cNvPr>
+          <p:cNvSpPr txBox="1"/>
+          <p:nvPr/>
+        </p:nvSpPr>
+        <p:spPr>
+          <a:xfrm>
+            <a:off x="769620" y="933872"/>
+            <a:ext cx="4486656" cy="615553"/>
+          </a:xfrm>
+          <a:prstGeom prst="rect">
+            <a:avLst/>
+          </a:prstGeom>
+          <a:noFill/>
+        </p:spPr>
+        <p:txBody>
+          <a:bodyPr wrap="square" rtlCol="0">
+            <a:spAutoFit/>
+          </a:bodyPr>
+          <a:lstStyle/>
+          <a:p>
+            <a:r>
+              <a:rPr lang="en-US" altLang="ko-KR" sz="2000" dirty="0" smtClean="0">
+                <a:solidFill>
+                  <a:schemeClr val="bg1"/>
+                </a:solidFill>
+              </a:rPr>
+              <a:t>From : </a:t>
+            </a:r>
+            <a:r>
+              <a:rPr lang="ko-KR" altLang="en-US" sz="2000" dirty="0" smtClean="0">
+                <a:solidFill>
+                  <a:schemeClr val="bg1"/>
+                </a:solidFill>
+              </a:rPr>
+              <a:t>백준 알고리즘 </a:t>
+            </a:r>
+            <a:r>
+              <a:rPr lang="en-US" altLang="ko-KR" sz="2000" dirty="0" smtClean="0">
+                <a:solidFill>
+                  <a:schemeClr val="bg1"/>
+                </a:solidFill>
+              </a:rPr>
+              <a:t>10828</a:t>
+            </a:r>
+            <a:r>
+              <a:rPr lang="ko-KR" altLang="en-US" sz="2000" dirty="0" smtClean="0">
+                <a:solidFill>
+                  <a:schemeClr val="bg1"/>
+                </a:solidFill>
+              </a:rPr>
+              <a:t>번 </a:t>
+            </a:r>
+            <a:r>
+              <a:rPr lang="en-US" altLang="ko-KR" sz="2000" dirty="0" smtClean="0">
+                <a:solidFill>
+                  <a:schemeClr val="bg1"/>
+                </a:solidFill>
+              </a:rPr>
+              <a:t>– </a:t>
+            </a:r>
+            <a:r>
+              <a:rPr lang="ko-KR" altLang="en-US" sz="2000" dirty="0" err="1" smtClean="0">
+                <a:solidFill>
+                  <a:schemeClr val="bg1"/>
+                </a:solidFill>
+              </a:rPr>
+              <a:t>스택</a:t>
+            </a:r>
+            <a:endParaRPr lang="en-US" altLang="ko-KR" sz="2000" dirty="0" smtClean="0">
+              <a:solidFill>
+                <a:schemeClr val="bg1"/>
+              </a:solidFill>
+            </a:endParaRPr>
+          </a:p>
+          <a:p>
+            <a:r>
+              <a:rPr lang="en-US" altLang="ko-KR" sz="1400" dirty="0" smtClean="0">
+                <a:solidFill>
+                  <a:schemeClr val="bg1"/>
+                </a:solidFill>
+              </a:rPr>
+              <a:t>( </a:t>
+            </a:r>
+            <a:r>
+              <a:rPr lang="en-US" altLang="ko-KR" sz="1400" dirty="0" smtClean="0">
+                <a:solidFill>
+                  <a:schemeClr val="bg1"/>
+                </a:solidFill>
+                <a:hlinkClick r:id="rId3"/>
+              </a:rPr>
+              <a:t>https</a:t>
+            </a:r>
+            <a:r>
+              <a:rPr lang="en-US" altLang="ko-KR" sz="1400" dirty="0">
+                <a:solidFill>
+                  <a:schemeClr val="bg1"/>
+                </a:solidFill>
+                <a:hlinkClick r:id="rId3"/>
+              </a:rPr>
+              <a:t>://www.acmicpc.net/problem/10828</a:t>
+            </a:r>
+            <a:r>
+              <a:rPr lang="en-US" altLang="ko-KR" sz="1400" dirty="0" smtClean="0">
+                <a:solidFill>
+                  <a:schemeClr val="bg1"/>
+                </a:solidFill>
+              </a:rPr>
+              <a:t> )</a:t>
+            </a:r>
+            <a:r>
+              <a:rPr lang="ko-KR" altLang="en-US" sz="1400" dirty="0" smtClean="0">
+                <a:solidFill>
+                  <a:schemeClr val="bg1"/>
+                </a:solidFill>
+              </a:rPr>
+              <a:t> </a:t>
+            </a:r>
+            <a:endParaRPr lang="en-US" altLang="ko-KR" sz="1400" dirty="0" smtClean="0">
+              <a:solidFill>
+                <a:schemeClr val="bg1"/>
+              </a:solidFill>
+            </a:endParaRPr>
+          </a:p>
+        </p:txBody>
+      </p:sp>
+      <p:sp>
+        <p:nvSpPr>
+          <p:cNvPr id="10" name="TextBox 9"/>
+          <p:cNvSpPr txBox="1"/>
+          <p:nvPr/>
+        </p:nvSpPr>
+        <p:spPr>
+          <a:xfrm>
+            <a:off x="769620" y="1749397"/>
+            <a:ext cx="5197426" cy="1015663"/>
+          </a:xfrm>
+          <a:prstGeom prst="rect">
+            <a:avLst/>
+          </a:prstGeom>
+          <a:noFill/>
+        </p:spPr>
+        <p:txBody>
+          <a:bodyPr wrap="square" rtlCol="0">
+            <a:spAutoFit/>
+          </a:bodyPr>
+          <a:lstStyle/>
+          <a:p>
+            <a:r>
+              <a:rPr lang="ko-KR" altLang="en-US" sz="2000" dirty="0" smtClean="0">
+                <a:solidFill>
+                  <a:schemeClr val="bg1"/>
+                </a:solidFill>
+              </a:rPr>
+              <a:t>풀이</a:t>
+            </a:r>
+            <a:r>
+              <a:rPr lang="en-US" altLang="ko-KR" sz="2000" dirty="0" smtClean="0">
+                <a:solidFill>
+                  <a:schemeClr val="bg1"/>
+                </a:solidFill>
+              </a:rPr>
+              <a:t> : </a:t>
+            </a:r>
+          </a:p>
+          <a:p>
+            <a:r>
+              <a:rPr lang="ko-KR" altLang="en-US" sz="2000" dirty="0" smtClean="0">
+                <a:solidFill>
+                  <a:schemeClr val="bg1"/>
+                </a:solidFill>
+              </a:rPr>
+              <a:t>내장 함수 및 모듈 미사용 구현 </a:t>
+            </a:r>
+            <a:r>
+              <a:rPr lang="en-US" altLang="ko-KR" sz="2000" dirty="0" smtClean="0">
+                <a:solidFill>
+                  <a:schemeClr val="bg1"/>
+                </a:solidFill>
+              </a:rPr>
+              <a:t>(Stack </a:t>
+            </a:r>
+            <a:r>
+              <a:rPr lang="ko-KR" altLang="en-US" sz="2000" dirty="0" smtClean="0">
+                <a:solidFill>
+                  <a:schemeClr val="bg1"/>
+                </a:solidFill>
+              </a:rPr>
+              <a:t>클래스 정의</a:t>
+            </a:r>
+            <a:r>
+              <a:rPr lang="en-US" altLang="ko-KR" sz="2000" dirty="0" smtClean="0">
+                <a:solidFill>
+                  <a:schemeClr val="bg1"/>
+                </a:solidFill>
+              </a:rPr>
+              <a:t>)</a:t>
+            </a:r>
+          </a:p>
+          <a:p>
+            <a:pPr marL="342900" indent="-342900">
+              <a:buFontTx/>
+              <a:buChar char="-"/>
+            </a:pPr>
+            <a:endParaRPr lang="en-US" altLang="ko-KR" sz="2000" dirty="0" smtClean="0">
+              <a:solidFill>
+                <a:schemeClr val="bg1"/>
+              </a:solidFill>
+            </a:endParaRPr>
+          </a:p>
+        </p:txBody>
+      </p:sp>
+      <p:sp>
+        <p:nvSpPr>
+          <p:cNvPr id="8" name="TextBox 7"/>
+          <p:cNvSpPr txBox="1"/>
+          <p:nvPr/>
+        </p:nvSpPr>
+        <p:spPr>
+          <a:xfrm>
+            <a:off x="769620" y="2847802"/>
+            <a:ext cx="4318195" cy="338554"/>
+          </a:xfrm>
+          <a:prstGeom prst="rect">
+            <a:avLst/>
+          </a:prstGeom>
+          <a:noFill/>
+        </p:spPr>
+        <p:txBody>
+          <a:bodyPr wrap="square" rtlCol="0">
+            <a:spAutoFit/>
+          </a:bodyPr>
+          <a:lstStyle/>
+          <a:p>
+            <a:r>
+              <a:rPr lang="en-US" altLang="ko-KR" sz="1600" dirty="0" smtClean="0">
+                <a:solidFill>
+                  <a:schemeClr val="bg1"/>
+                </a:solidFill>
+              </a:rPr>
+              <a:t>5</a:t>
+            </a:r>
+            <a:r>
+              <a:rPr lang="ko-KR" altLang="en-US" sz="1600" smtClean="0">
+                <a:solidFill>
+                  <a:schemeClr val="bg1"/>
+                </a:solidFill>
+              </a:rPr>
+              <a:t>개 명령 이외 입력 시 </a:t>
+            </a:r>
+            <a:endParaRPr lang="en-US" altLang="ko-KR" sz="1600" dirty="0">
+              <a:solidFill>
+                <a:schemeClr val="bg1"/>
+              </a:solidFill>
+            </a:endParaRPr>
+          </a:p>
+        </p:txBody>
+      </p:sp>
+      <p:sp>
+        <p:nvSpPr>
+          <p:cNvPr id="16" name="직사각형 15"/>
+          <p:cNvSpPr/>
+          <p:nvPr/>
+        </p:nvSpPr>
+        <p:spPr>
+          <a:xfrm flipH="1">
+            <a:off x="6437142" y="898703"/>
+            <a:ext cx="45719" cy="238435"/>
+          </a:xfrm>
+          <a:prstGeom prst="rect">
+            <a:avLst/>
+          </a:prstGeom>
+          <a:solidFill>
+            <a:schemeClr val="tx1"/>
+          </a:solidFill>
+          <a:ln>
+            <a:noFill/>
+          </a:ln>
+        </p:spPr>
+        <p:style>
+          <a:lnRef idx="2">
+            <a:schemeClr val="accent1">
+              <a:shade val="50000"/>
+            </a:schemeClr>
+          </a:lnRef>
+          <a:fillRef idx="1">
+            <a:schemeClr val="accent1"/>
+          </a:fillRef>
+          <a:effectRef idx="0">
+            <a:schemeClr val="accent1"/>
+          </a:effectRef>
+          <a:fontRef idx="minor">
+            <a:schemeClr val="lt1"/>
+          </a:fontRef>
+        </p:style>
+        <p:txBody>
+          <a:bodyPr rtlCol="0" anchor="ctr"/>
+          <a:lstStyle/>
+          <a:p>
+            <a:pPr algn="ctr"/>
+            <a:endParaRPr lang="ko-KR" altLang="en-US"/>
+          </a:p>
+        </p:txBody>
+      </p:sp>
+      <p:sp>
+        <p:nvSpPr>
+          <p:cNvPr id="17" name="TextBox 16"/>
+          <p:cNvSpPr txBox="1"/>
+          <p:nvPr/>
+        </p:nvSpPr>
+        <p:spPr>
+          <a:xfrm>
+            <a:off x="6479184" y="840088"/>
+            <a:ext cx="5337678" cy="369332"/>
+          </a:xfrm>
+          <a:prstGeom prst="rect">
+            <a:avLst/>
+          </a:prstGeom>
+          <a:noFill/>
+        </p:spPr>
+        <p:txBody>
+          <a:bodyPr wrap="square" rtlCol="0">
+            <a:spAutoFit/>
+          </a:bodyPr>
+          <a:lstStyle/>
+          <a:p>
+            <a:r>
+              <a:rPr lang="ko-KR" altLang="en-US" dirty="0" smtClean="0"/>
+              <a:t>예시 코드</a:t>
+            </a:r>
+            <a:endParaRPr lang="ko-KR" altLang="en-US" dirty="0"/>
+          </a:p>
+        </p:txBody>
+      </p:sp>
+      <p:pic>
+        <p:nvPicPr>
+          <p:cNvPr id="3" name="그림 2"/>
+          <p:cNvPicPr>
+            <a:picLocks noChangeAspect="1"/>
+          </p:cNvPicPr>
+          <p:nvPr/>
+        </p:nvPicPr>
+        <p:blipFill>
+          <a:blip r:embed="rId4"/>
+          <a:stretch>
+            <a:fillRect/>
+          </a:stretch>
+        </p:blipFill>
+        <p:spPr>
+          <a:xfrm>
+            <a:off x="6479184" y="1241648"/>
+            <a:ext cx="5337678" cy="5616352"/>
+          </a:xfrm>
+          <a:prstGeom prst="rect">
+            <a:avLst/>
+          </a:prstGeom>
+          <a:ln>
+            <a:noFill/>
+          </a:ln>
+          <a:effectLst>
+            <a:outerShdw blurRad="292100" dist="139700" dir="2700000" algn="tl" rotWithShape="0">
+              <a:srgbClr val="333333">
+                <a:alpha val="65000"/>
+              </a:srgbClr>
+            </a:outerShdw>
+          </a:effectLst>
+        </p:spPr>
+      </p:pic>
+    </p:spTree>
+    <p:extLst>
+      <p:ext uri="{BB962C8B-B14F-4D97-AF65-F5344CB8AC3E}">
+        <p14:creationId xmlns:p14="http://schemas.microsoft.com/office/powerpoint/2010/main" val="3205079773"/>
+      </p:ext>
+    </p:extLst>
+  </p:cSld>
+  <p:clrMapOvr>
+    <a:masterClrMapping/>
+  </p:clrMapOvr>
+  <p:timing>
+    <p:tnLst>
+      <p:par>
+        <p:cTn id="1" dur="indefinite" restart="never" nodeType="tmRoot"/>
+      </p:par>
+    </p:tnLst>
+  </p:timing>
+</p:sld>
+</file>
+
 <file path=ppt/slides/slide3.xml><?xml version="1.0" encoding="utf-8"?>
 <p:sld xmlns:a="http://schemas.openxmlformats.org/drawingml/2006/main" xmlns:r="http://schemas.openxmlformats.org/officeDocument/2006/relationships" xmlns:p="http://schemas.openxmlformats.org/presentationml/2006/main">
   <p:cSld>
@@ -9038,7 +15767,7 @@
           <p:cNvPr id="2" name="제목 1">
             <a:extLst>
               <a:ext uri="{FF2B5EF4-FFF2-40B4-BE49-F238E27FC236}">
-                <a16:creationId xmlns="" xmlns:a16="http://schemas.microsoft.com/office/drawing/2014/main" id="{46EF07D7-2C4E-4DE1-B52F-9ACD386C79CB}"/>
+                <a16:creationId xmlns:a16="http://schemas.microsoft.com/office/drawing/2014/main" xmlns="" id="{46EF07D7-2C4E-4DE1-B52F-9ACD386C79CB}"/>
               </a:ext>
             </a:extLst>
           </p:cNvPr>
@@ -9077,7 +15806,7 @@
           <p:cNvPr id="6" name="내용 개체 틀 5">
             <a:extLst>
               <a:ext uri="{FF2B5EF4-FFF2-40B4-BE49-F238E27FC236}">
-                <a16:creationId xmlns="" xmlns:a16="http://schemas.microsoft.com/office/drawing/2014/main" id="{4179E265-0B3A-4C89-B17D-B3A67D65D0E2}"/>
+                <a16:creationId xmlns:a16="http://schemas.microsoft.com/office/drawing/2014/main" xmlns="" id="{4179E265-0B3A-4C89-B17D-B3A67D65D0E2}"/>
               </a:ext>
             </a:extLst>
           </p:cNvPr>
@@ -9119,7 +15848,7 @@
           <p:cNvPr id="7" name="그림 6">
             <a:extLst>
               <a:ext uri="{FF2B5EF4-FFF2-40B4-BE49-F238E27FC236}">
-                <a16:creationId xmlns="" xmlns:a16="http://schemas.microsoft.com/office/drawing/2014/main" id="{2429276B-95CA-40CE-BE87-006D4D0CBFE1}"/>
+                <a16:creationId xmlns:a16="http://schemas.microsoft.com/office/drawing/2014/main" xmlns="" id="{2429276B-95CA-40CE-BE87-006D4D0CBFE1}"/>
               </a:ext>
             </a:extLst>
           </p:cNvPr>
@@ -9149,7 +15878,7 @@
           <p:cNvPr id="4" name="텍스트 개체 틀 3">
             <a:extLst>
               <a:ext uri="{FF2B5EF4-FFF2-40B4-BE49-F238E27FC236}">
-                <a16:creationId xmlns="" xmlns:a16="http://schemas.microsoft.com/office/drawing/2014/main" id="{584AD485-73E2-47F1-BBF6-9F0058534214}"/>
+                <a16:creationId xmlns:a16="http://schemas.microsoft.com/office/drawing/2014/main" xmlns="" id="{584AD485-73E2-47F1-BBF6-9F0058534214}"/>
               </a:ext>
             </a:extLst>
           </p:cNvPr>
@@ -9190,7 +15919,7 @@
           <p:cNvPr id="5" name="TextBox 4">
             <a:extLst>
               <a:ext uri="{FF2B5EF4-FFF2-40B4-BE49-F238E27FC236}">
-                <a16:creationId xmlns="" xmlns:a16="http://schemas.microsoft.com/office/drawing/2014/main" id="{F83BAFA1-C11B-4672-B510-037979FA2D38}"/>
+                <a16:creationId xmlns:a16="http://schemas.microsoft.com/office/drawing/2014/main" xmlns="" id="{F83BAFA1-C11B-4672-B510-037979FA2D38}"/>
               </a:ext>
             </a:extLst>
           </p:cNvPr>
@@ -9266,7 +15995,7 @@
           <p:cNvPr id="8" name="TextBox 7">
             <a:extLst>
               <a:ext uri="{FF2B5EF4-FFF2-40B4-BE49-F238E27FC236}">
-                <a16:creationId xmlns="" xmlns:a16="http://schemas.microsoft.com/office/drawing/2014/main" id="{CF2F0064-E6D2-4F8F-B3AC-9DC0B8893011}"/>
+                <a16:creationId xmlns:a16="http://schemas.microsoft.com/office/drawing/2014/main" xmlns="" id="{CF2F0064-E6D2-4F8F-B3AC-9DC0B8893011}"/>
               </a:ext>
             </a:extLst>
           </p:cNvPr>
@@ -9420,6 +16149,13 @@
                 <a:solidFill>
                   <a:schemeClr val="bg1"/>
                 </a:solidFill>
+                <a:effectLst>
+                  <a:outerShdw blurRad="38100" dist="38100" dir="2700000" algn="tl">
+                    <a:srgbClr val="000000">
+                      <a:alpha val="43137"/>
+                    </a:srgbClr>
+                  </a:outerShdw>
+                </a:effectLst>
               </a:rPr>
               <a:t>선입후출</a:t>
             </a:r>
@@ -9452,6 +16188,13 @@
                 <a:solidFill>
                   <a:schemeClr val="bg1"/>
                 </a:solidFill>
+                <a:effectLst>
+                  <a:outerShdw blurRad="38100" dist="38100" dir="2700000" algn="tl">
+                    <a:srgbClr val="000000">
+                      <a:alpha val="43137"/>
+                    </a:srgbClr>
+                  </a:outerShdw>
+                </a:effectLst>
               </a:rPr>
               <a:t>후입선출</a:t>
             </a:r>
@@ -9478,6 +16221,13 @@
                 <a:solidFill>
                   <a:schemeClr val="bg1"/>
                 </a:solidFill>
+                <a:effectLst>
+                  <a:outerShdw blurRad="38100" dist="38100" dir="2700000" algn="tl">
+                    <a:srgbClr val="000000">
+                      <a:alpha val="43137"/>
+                    </a:srgbClr>
+                  </a:outerShdw>
+                </a:effectLst>
               </a:rPr>
               <a:t>‘LIFO(Last</a:t>
             </a:r>
@@ -9486,6 +16236,13 @@
                 <a:solidFill>
                   <a:schemeClr val="bg1"/>
                 </a:solidFill>
+                <a:effectLst>
+                  <a:outerShdw blurRad="38100" dist="38100" dir="2700000" algn="tl">
+                    <a:srgbClr val="000000">
+                      <a:alpha val="43137"/>
+                    </a:srgbClr>
+                  </a:outerShdw>
+                </a:effectLst>
               </a:rPr>
               <a:t> </a:t>
             </a:r>
@@ -9494,6 +16251,13 @@
                 <a:solidFill>
                   <a:schemeClr val="bg1"/>
                 </a:solidFill>
+                <a:effectLst>
+                  <a:outerShdw blurRad="38100" dist="38100" dir="2700000" algn="tl">
+                    <a:srgbClr val="000000">
+                      <a:alpha val="43137"/>
+                    </a:srgbClr>
+                  </a:outerShdw>
+                </a:effectLst>
               </a:rPr>
               <a:t>In</a:t>
             </a:r>
@@ -9502,6 +16266,13 @@
                 <a:solidFill>
                   <a:schemeClr val="bg1"/>
                 </a:solidFill>
+                <a:effectLst>
+                  <a:outerShdw blurRad="38100" dist="38100" dir="2700000" algn="tl">
+                    <a:srgbClr val="000000">
+                      <a:alpha val="43137"/>
+                    </a:srgbClr>
+                  </a:outerShdw>
+                </a:effectLst>
               </a:rPr>
               <a:t> </a:t>
             </a:r>
@@ -9510,6 +16281,13 @@
                 <a:solidFill>
                   <a:schemeClr val="bg1"/>
                 </a:solidFill>
+                <a:effectLst>
+                  <a:outerShdw blurRad="38100" dist="38100" dir="2700000" algn="tl">
+                    <a:srgbClr val="000000">
+                      <a:alpha val="43137"/>
+                    </a:srgbClr>
+                  </a:outerShdw>
+                </a:effectLst>
               </a:rPr>
               <a:t>First</a:t>
             </a:r>
@@ -9518,6 +16296,13 @@
                 <a:solidFill>
                   <a:schemeClr val="bg1"/>
                 </a:solidFill>
+                <a:effectLst>
+                  <a:outerShdw blurRad="38100" dist="38100" dir="2700000" algn="tl">
+                    <a:srgbClr val="000000">
+                      <a:alpha val="43137"/>
+                    </a:srgbClr>
+                  </a:outerShdw>
+                </a:effectLst>
               </a:rPr>
               <a:t> </a:t>
             </a:r>
@@ -9526,8 +16311,23 @@
                 <a:solidFill>
                   <a:schemeClr val="bg1"/>
                 </a:solidFill>
-              </a:rPr>
-              <a:t>Out)’ </a:t>
+                <a:effectLst>
+                  <a:outerShdw blurRad="38100" dist="38100" dir="2700000" algn="tl">
+                    <a:srgbClr val="000000">
+                      <a:alpha val="43137"/>
+                    </a:srgbClr>
+                  </a:outerShdw>
+                </a:effectLst>
+              </a:rPr>
+              <a:t>Out)</a:t>
+            </a:r>
+            <a:r>
+              <a:rPr lang="en-US" altLang="ko-KR" dirty="0">
+                <a:solidFill>
+                  <a:schemeClr val="bg1"/>
+                </a:solidFill>
+              </a:rPr>
+              <a:t>’ </a:t>
             </a:r>
             <a:r>
               <a:rPr lang="ko-KR" altLang="en-US" dirty="0">
@@ -9553,7 +16353,7 @@
           <p:cNvPr id="1026" name="Picture 2">
             <a:extLst>
               <a:ext uri="{FF2B5EF4-FFF2-40B4-BE49-F238E27FC236}">
-                <a16:creationId xmlns="" xmlns:a16="http://schemas.microsoft.com/office/drawing/2014/main" id="{69E265D3-7E66-4F90-8FF4-E6BE7159E743}"/>
+                <a16:creationId xmlns:a16="http://schemas.microsoft.com/office/drawing/2014/main" xmlns="" id="{69E265D3-7E66-4F90-8FF4-E6BE7159E743}"/>
               </a:ext>
             </a:extLst>
           </p:cNvPr>
@@ -9609,7 +16409,7 @@
           <p:cNvPr id="1028" name="Picture 4" descr="관련 이미지">
             <a:extLst>
               <a:ext uri="{FF2B5EF4-FFF2-40B4-BE49-F238E27FC236}">
-                <a16:creationId xmlns="" xmlns:a16="http://schemas.microsoft.com/office/drawing/2014/main" id="{A0DD6E44-A036-4F30-A995-9148E666DF94}"/>
+                <a16:creationId xmlns:a16="http://schemas.microsoft.com/office/drawing/2014/main" xmlns="" id="{A0DD6E44-A036-4F30-A995-9148E666DF94}"/>
               </a:ext>
             </a:extLst>
           </p:cNvPr>
@@ -9656,7 +16456,7 @@
           <p:cNvPr id="11" name="Picture 4" descr="관련 이미지">
             <a:extLst>
               <a:ext uri="{FF2B5EF4-FFF2-40B4-BE49-F238E27FC236}">
-                <a16:creationId xmlns="" xmlns:a16="http://schemas.microsoft.com/office/drawing/2014/main" id="{A816B32A-58B0-4D7F-8538-40309F35F850}"/>
+                <a16:creationId xmlns:a16="http://schemas.microsoft.com/office/drawing/2014/main" xmlns="" id="{A816B32A-58B0-4D7F-8538-40309F35F850}"/>
               </a:ext>
             </a:extLst>
           </p:cNvPr>
@@ -9703,7 +16503,7 @@
           <p:cNvPr id="12" name="Picture 4" descr="관련 이미지">
             <a:extLst>
               <a:ext uri="{FF2B5EF4-FFF2-40B4-BE49-F238E27FC236}">
-                <a16:creationId xmlns="" xmlns:a16="http://schemas.microsoft.com/office/drawing/2014/main" id="{C4257397-964D-47F3-B407-AE9C2A70AAA3}"/>
+                <a16:creationId xmlns:a16="http://schemas.microsoft.com/office/drawing/2014/main" xmlns="" id="{C4257397-964D-47F3-B407-AE9C2A70AAA3}"/>
               </a:ext>
             </a:extLst>
           </p:cNvPr>
@@ -9750,7 +16550,7 @@
           <p:cNvPr id="13" name="Picture 4" descr="관련 이미지">
             <a:extLst>
               <a:ext uri="{FF2B5EF4-FFF2-40B4-BE49-F238E27FC236}">
-                <a16:creationId xmlns="" xmlns:a16="http://schemas.microsoft.com/office/drawing/2014/main" id="{78802474-46F1-47E7-899B-974D43F820AA}"/>
+                <a16:creationId xmlns:a16="http://schemas.microsoft.com/office/drawing/2014/main" xmlns="" id="{78802474-46F1-47E7-899B-974D43F820AA}"/>
               </a:ext>
             </a:extLst>
           </p:cNvPr>
@@ -9834,7 +16634,7 @@
           <p:cNvPr id="2" name="제목 1">
             <a:extLst>
               <a:ext uri="{FF2B5EF4-FFF2-40B4-BE49-F238E27FC236}">
-                <a16:creationId xmlns="" xmlns:a16="http://schemas.microsoft.com/office/drawing/2014/main" id="{46EF07D7-2C4E-4DE1-B52F-9ACD386C79CB}"/>
+                <a16:creationId xmlns:a16="http://schemas.microsoft.com/office/drawing/2014/main" xmlns="" id="{46EF07D7-2C4E-4DE1-B52F-9ACD386C79CB}"/>
               </a:ext>
             </a:extLst>
           </p:cNvPr>
@@ -9874,7 +16674,7 @@
           <p:cNvPr id="5" name="TextBox 4">
             <a:extLst>
               <a:ext uri="{FF2B5EF4-FFF2-40B4-BE49-F238E27FC236}">
-                <a16:creationId xmlns="" xmlns:a16="http://schemas.microsoft.com/office/drawing/2014/main" id="{F83BAFA1-C11B-4672-B510-037979FA2D38}"/>
+                <a16:creationId xmlns:a16="http://schemas.microsoft.com/office/drawing/2014/main" xmlns="" id="{F83BAFA1-C11B-4672-B510-037979FA2D38}"/>
               </a:ext>
             </a:extLst>
           </p:cNvPr>
@@ -9919,18 +16719,18 @@
                   <a:schemeClr val="bg1"/>
                 </a:solidFill>
               </a:rPr>
-              <a:t> 알고리즘이란</a:t>
-            </a:r>
-            <a:r>
-              <a:rPr lang="en-US" altLang="ko-KR" sz="2400" dirty="0">
-                <a:solidFill>
-                  <a:schemeClr val="bg1"/>
-                </a:solidFill>
-              </a:rPr>
-              <a:t>?</a:t>
-            </a:r>
-            <a:r>
-              <a:rPr lang="en-US" altLang="ko-KR" dirty="0">
+              <a:t> </a:t>
+            </a:r>
+            <a:r>
+              <a:rPr lang="ko-KR" altLang="en-US" sz="2400" dirty="0" smtClean="0">
+                <a:solidFill>
+                  <a:schemeClr val="bg1"/>
+                </a:solidFill>
+              </a:rPr>
+              <a:t>의 작동원리  </a:t>
+            </a:r>
+            <a:r>
+              <a:rPr lang="en-US" altLang="ko-KR" dirty="0" smtClean="0">
                 <a:solidFill>
                   <a:schemeClr val="bg1"/>
                 </a:solidFill>
@@ -10060,7 +16860,7 @@
         </p:nvSpPr>
         <p:spPr>
           <a:xfrm>
-            <a:off x="1492758" y="1304199"/>
+            <a:off x="1481035" y="1315922"/>
             <a:ext cx="1722882" cy="5539978"/>
           </a:xfrm>
           <a:prstGeom prst="rect">
@@ -10259,7 +17059,7 @@
         </p:nvGrpSpPr>
         <p:grpSpPr>
           <a:xfrm>
-            <a:off x="3215640" y="2316480"/>
+            <a:off x="3203917" y="2328203"/>
             <a:ext cx="617354" cy="381000"/>
             <a:chOff x="3394642" y="2194560"/>
             <a:chExt cx="617354" cy="381000"/>
@@ -10568,7 +17368,7 @@
           <p:cNvPr id="2" name="제목 1">
             <a:extLst>
               <a:ext uri="{FF2B5EF4-FFF2-40B4-BE49-F238E27FC236}">
-                <a16:creationId xmlns="" xmlns:a16="http://schemas.microsoft.com/office/drawing/2014/main" id="{46EF07D7-2C4E-4DE1-B52F-9ACD386C79CB}"/>
+                <a16:creationId xmlns:a16="http://schemas.microsoft.com/office/drawing/2014/main" xmlns="" id="{46EF07D7-2C4E-4DE1-B52F-9ACD386C79CB}"/>
               </a:ext>
             </a:extLst>
           </p:cNvPr>
@@ -10608,7 +17408,7 @@
           <p:cNvPr id="5" name="TextBox 4">
             <a:extLst>
               <a:ext uri="{FF2B5EF4-FFF2-40B4-BE49-F238E27FC236}">
-                <a16:creationId xmlns="" xmlns:a16="http://schemas.microsoft.com/office/drawing/2014/main" id="{F83BAFA1-C11B-4672-B510-037979FA2D38}"/>
+                <a16:creationId xmlns:a16="http://schemas.microsoft.com/office/drawing/2014/main" xmlns="" id="{F83BAFA1-C11B-4672-B510-037979FA2D38}"/>
               </a:ext>
             </a:extLst>
           </p:cNvPr>
@@ -10653,25 +17453,9 @@
                   <a:schemeClr val="bg1"/>
                 </a:solidFill>
               </a:rPr>
-              <a:t> 알고리즘이란</a:t>
-            </a:r>
-            <a:r>
-              <a:rPr lang="en-US" altLang="ko-KR" sz="2400" dirty="0">
-                <a:solidFill>
-                  <a:schemeClr val="bg1"/>
-                </a:solidFill>
-              </a:rPr>
-              <a:t>?</a:t>
-            </a:r>
-            <a:r>
-              <a:rPr lang="en-US" altLang="ko-KR" dirty="0">
-                <a:solidFill>
-                  <a:schemeClr val="bg1"/>
-                </a:solidFill>
-              </a:rPr>
-              <a:t> </a:t>
-            </a:r>
-            <a:endParaRPr lang="ko-KR" altLang="en-US" dirty="0">
+              <a:t> 의 작동원리 </a:t>
+            </a:r>
+            <a:endParaRPr lang="ko-KR" altLang="en-US" sz="2400" dirty="0">
               <a:solidFill>
                 <a:schemeClr val="bg1"/>
               </a:solidFill>
@@ -11266,7 +18050,7 @@
           <p:cNvPr id="2" name="제목 1">
             <a:extLst>
               <a:ext uri="{FF2B5EF4-FFF2-40B4-BE49-F238E27FC236}">
-                <a16:creationId xmlns="" xmlns:a16="http://schemas.microsoft.com/office/drawing/2014/main" id="{46EF07D7-2C4E-4DE1-B52F-9ACD386C79CB}"/>
+                <a16:creationId xmlns:a16="http://schemas.microsoft.com/office/drawing/2014/main" xmlns="" id="{46EF07D7-2C4E-4DE1-B52F-9ACD386C79CB}"/>
               </a:ext>
             </a:extLst>
           </p:cNvPr>
@@ -11306,7 +18090,7 @@
           <p:cNvPr id="5" name="TextBox 4">
             <a:extLst>
               <a:ext uri="{FF2B5EF4-FFF2-40B4-BE49-F238E27FC236}">
-                <a16:creationId xmlns="" xmlns:a16="http://schemas.microsoft.com/office/drawing/2014/main" id="{F83BAFA1-C11B-4672-B510-037979FA2D38}"/>
+                <a16:creationId xmlns:a16="http://schemas.microsoft.com/office/drawing/2014/main" xmlns="" id="{F83BAFA1-C11B-4672-B510-037979FA2D38}"/>
               </a:ext>
             </a:extLst>
           </p:cNvPr>
@@ -11351,23 +18135,7 @@
                   <a:schemeClr val="bg1"/>
                 </a:solidFill>
               </a:rPr>
-              <a:t> 알고리즘이란</a:t>
-            </a:r>
-            <a:r>
-              <a:rPr lang="en-US" altLang="ko-KR" sz="2400" dirty="0">
-                <a:solidFill>
-                  <a:schemeClr val="bg1"/>
-                </a:solidFill>
-              </a:rPr>
-              <a:t>?</a:t>
-            </a:r>
-            <a:r>
-              <a:rPr lang="en-US" altLang="ko-KR" dirty="0">
-                <a:solidFill>
-                  <a:schemeClr val="bg1"/>
-                </a:solidFill>
-              </a:rPr>
-              <a:t> </a:t>
+              <a:t> 의 작동원리 </a:t>
             </a:r>
             <a:endParaRPr lang="ko-KR" altLang="en-US" dirty="0">
               <a:solidFill>
@@ -11554,7 +18322,7 @@
         </p:nvSpPr>
         <p:spPr>
           <a:xfrm>
-            <a:off x="1492758" y="1304199"/>
+            <a:off x="1481035" y="1315922"/>
             <a:ext cx="1722882" cy="5539978"/>
           </a:xfrm>
           <a:prstGeom prst="rect">
@@ -11877,7 +18645,7 @@
         </p:nvGrpSpPr>
         <p:grpSpPr>
           <a:xfrm>
-            <a:off x="3211763" y="3746206"/>
+            <a:off x="3200040" y="3757929"/>
             <a:ext cx="617354" cy="381000"/>
             <a:chOff x="3394642" y="2194560"/>
             <a:chExt cx="617354" cy="381000"/>
@@ -12026,7 +18794,7 @@
           <p:cNvPr id="2" name="제목 1">
             <a:extLst>
               <a:ext uri="{FF2B5EF4-FFF2-40B4-BE49-F238E27FC236}">
-                <a16:creationId xmlns="" xmlns:a16="http://schemas.microsoft.com/office/drawing/2014/main" id="{46EF07D7-2C4E-4DE1-B52F-9ACD386C79CB}"/>
+                <a16:creationId xmlns:a16="http://schemas.microsoft.com/office/drawing/2014/main" xmlns="" id="{46EF07D7-2C4E-4DE1-B52F-9ACD386C79CB}"/>
               </a:ext>
             </a:extLst>
           </p:cNvPr>
@@ -12066,7 +18834,7 @@
           <p:cNvPr id="5" name="TextBox 4">
             <a:extLst>
               <a:ext uri="{FF2B5EF4-FFF2-40B4-BE49-F238E27FC236}">
-                <a16:creationId xmlns="" xmlns:a16="http://schemas.microsoft.com/office/drawing/2014/main" id="{F83BAFA1-C11B-4672-B510-037979FA2D38}"/>
+                <a16:creationId xmlns:a16="http://schemas.microsoft.com/office/drawing/2014/main" xmlns="" id="{F83BAFA1-C11B-4672-B510-037979FA2D38}"/>
               </a:ext>
             </a:extLst>
           </p:cNvPr>
@@ -12111,23 +18879,7 @@
                   <a:schemeClr val="bg1"/>
                 </a:solidFill>
               </a:rPr>
-              <a:t> 알고리즘이란</a:t>
-            </a:r>
-            <a:r>
-              <a:rPr lang="en-US" altLang="ko-KR" sz="2400" dirty="0">
-                <a:solidFill>
-                  <a:schemeClr val="bg1"/>
-                </a:solidFill>
-              </a:rPr>
-              <a:t>?</a:t>
-            </a:r>
-            <a:r>
-              <a:rPr lang="en-US" altLang="ko-KR" dirty="0">
-                <a:solidFill>
-                  <a:schemeClr val="bg1"/>
-                </a:solidFill>
-              </a:rPr>
-              <a:t> </a:t>
+              <a:t> 의 작동원리 </a:t>
             </a:r>
             <a:endParaRPr lang="ko-KR" altLang="en-US" dirty="0">
               <a:solidFill>
@@ -12252,7 +19004,7 @@
         </p:nvSpPr>
         <p:spPr>
           <a:xfrm>
-            <a:off x="1492758" y="1304199"/>
+            <a:off x="1481035" y="1315922"/>
             <a:ext cx="1722882" cy="5539978"/>
           </a:xfrm>
           <a:prstGeom prst="rect">
@@ -12575,7 +19327,7 @@
         </p:nvGrpSpPr>
         <p:grpSpPr>
           <a:xfrm>
-            <a:off x="3211763" y="4462486"/>
+            <a:off x="3200040" y="4474209"/>
             <a:ext cx="617354" cy="381000"/>
             <a:chOff x="3394642" y="2194560"/>
             <a:chExt cx="617354" cy="381000"/>
@@ -12724,7 +19476,7 @@
           <p:cNvPr id="2" name="제목 1">
             <a:extLst>
               <a:ext uri="{FF2B5EF4-FFF2-40B4-BE49-F238E27FC236}">
-                <a16:creationId xmlns="" xmlns:a16="http://schemas.microsoft.com/office/drawing/2014/main" id="{46EF07D7-2C4E-4DE1-B52F-9ACD386C79CB}"/>
+                <a16:creationId xmlns:a16="http://schemas.microsoft.com/office/drawing/2014/main" xmlns="" id="{46EF07D7-2C4E-4DE1-B52F-9ACD386C79CB}"/>
               </a:ext>
             </a:extLst>
           </p:cNvPr>
@@ -12764,7 +19516,7 @@
           <p:cNvPr id="5" name="TextBox 4">
             <a:extLst>
               <a:ext uri="{FF2B5EF4-FFF2-40B4-BE49-F238E27FC236}">
-                <a16:creationId xmlns="" xmlns:a16="http://schemas.microsoft.com/office/drawing/2014/main" id="{F83BAFA1-C11B-4672-B510-037979FA2D38}"/>
+                <a16:creationId xmlns:a16="http://schemas.microsoft.com/office/drawing/2014/main" xmlns="" id="{F83BAFA1-C11B-4672-B510-037979FA2D38}"/>
               </a:ext>
             </a:extLst>
           </p:cNvPr>
@@ -12809,23 +19561,7 @@
                   <a:schemeClr val="bg1"/>
                 </a:solidFill>
               </a:rPr>
-              <a:t> 알고리즘이란</a:t>
-            </a:r>
-            <a:r>
-              <a:rPr lang="en-US" altLang="ko-KR" sz="2400" dirty="0">
-                <a:solidFill>
-                  <a:schemeClr val="bg1"/>
-                </a:solidFill>
-              </a:rPr>
-              <a:t>?</a:t>
-            </a:r>
-            <a:r>
-              <a:rPr lang="en-US" altLang="ko-KR" dirty="0">
-                <a:solidFill>
-                  <a:schemeClr val="bg1"/>
-                </a:solidFill>
-              </a:rPr>
-              <a:t> </a:t>
+              <a:t> 의 작동원리 </a:t>
             </a:r>
             <a:endParaRPr lang="ko-KR" altLang="en-US" dirty="0">
               <a:solidFill>
@@ -13012,7 +19748,7 @@
         </p:nvSpPr>
         <p:spPr>
           <a:xfrm>
-            <a:off x="1492758" y="1304199"/>
+            <a:off x="1481035" y="1315922"/>
             <a:ext cx="1722882" cy="5539978"/>
           </a:xfrm>
           <a:prstGeom prst="rect">
@@ -13335,7 +20071,7 @@
         </p:nvGrpSpPr>
         <p:grpSpPr>
           <a:xfrm>
-            <a:off x="3211763" y="5196131"/>
+            <a:off x="3200040" y="5207854"/>
             <a:ext cx="617354" cy="381000"/>
             <a:chOff x="3394642" y="2194560"/>
             <a:chExt cx="617354" cy="381000"/>
@@ -13484,7 +20220,7 @@
           <p:cNvPr id="2" name="제목 1">
             <a:extLst>
               <a:ext uri="{FF2B5EF4-FFF2-40B4-BE49-F238E27FC236}">
-                <a16:creationId xmlns="" xmlns:a16="http://schemas.microsoft.com/office/drawing/2014/main" id="{46EF07D7-2C4E-4DE1-B52F-9ACD386C79CB}"/>
+                <a16:creationId xmlns:a16="http://schemas.microsoft.com/office/drawing/2014/main" xmlns="" id="{46EF07D7-2C4E-4DE1-B52F-9ACD386C79CB}"/>
               </a:ext>
             </a:extLst>
           </p:cNvPr>
@@ -13524,7 +20260,7 @@
           <p:cNvPr id="5" name="TextBox 4">
             <a:extLst>
               <a:ext uri="{FF2B5EF4-FFF2-40B4-BE49-F238E27FC236}">
-                <a16:creationId xmlns="" xmlns:a16="http://schemas.microsoft.com/office/drawing/2014/main" id="{F83BAFA1-C11B-4672-B510-037979FA2D38}"/>
+                <a16:creationId xmlns:a16="http://schemas.microsoft.com/office/drawing/2014/main" xmlns="" id="{F83BAFA1-C11B-4672-B510-037979FA2D38}"/>
               </a:ext>
             </a:extLst>
           </p:cNvPr>
@@ -13569,23 +20305,7 @@
                   <a:schemeClr val="bg1"/>
                 </a:solidFill>
               </a:rPr>
-              <a:t> 알고리즘이란</a:t>
-            </a:r>
-            <a:r>
-              <a:rPr lang="en-US" altLang="ko-KR" sz="2400" dirty="0">
-                <a:solidFill>
-                  <a:schemeClr val="bg1"/>
-                </a:solidFill>
-              </a:rPr>
-              <a:t>?</a:t>
-            </a:r>
-            <a:r>
-              <a:rPr lang="en-US" altLang="ko-KR" dirty="0">
-                <a:solidFill>
-                  <a:schemeClr val="bg1"/>
-                </a:solidFill>
-              </a:rPr>
-              <a:t> </a:t>
+              <a:t> 의 작동원리 </a:t>
             </a:r>
             <a:endParaRPr lang="ko-KR" altLang="en-US" dirty="0">
               <a:solidFill>
@@ -13710,7 +20430,7 @@
         </p:nvSpPr>
         <p:spPr>
           <a:xfrm>
-            <a:off x="1492758" y="1304199"/>
+            <a:off x="1481035" y="1315922"/>
             <a:ext cx="1722882" cy="5539978"/>
           </a:xfrm>
           <a:prstGeom prst="rect">
@@ -14033,7 +20753,7 @@
         </p:nvGrpSpPr>
         <p:grpSpPr>
           <a:xfrm>
-            <a:off x="3211763" y="5910286"/>
+            <a:off x="3200040" y="5922009"/>
             <a:ext cx="617354" cy="381000"/>
             <a:chOff x="3394642" y="2194560"/>
             <a:chExt cx="617354" cy="381000"/>
@@ -14418,4 +21138,265 @@
     </a:ext>
   </a:extLst>
 </a:theme>
+</file>
+
+<file path=ppt/theme/theme2.xml><?xml version="1.0" encoding="utf-8"?>
+<a:theme xmlns:a="http://schemas.openxmlformats.org/drawingml/2006/main" name="Office 테마">
+  <a:themeElements>
+    <a:clrScheme name="Office">
+      <a:dk1>
+        <a:sysClr val="windowText" lastClr="000000"/>
+      </a:dk1>
+      <a:lt1>
+        <a:sysClr val="window" lastClr="FFFFFF"/>
+      </a:lt1>
+      <a:dk2>
+        <a:srgbClr val="44546A"/>
+      </a:dk2>
+      <a:lt2>
+        <a:srgbClr val="E7E6E6"/>
+      </a:lt2>
+      <a:accent1>
+        <a:srgbClr val="5B9BD5"/>
+      </a:accent1>
+      <a:accent2>
+        <a:srgbClr val="ED7D31"/>
+      </a:accent2>
+      <a:accent3>
+        <a:srgbClr val="A5A5A5"/>
+      </a:accent3>
+      <a:accent4>
+        <a:srgbClr val="FFC000"/>
+      </a:accent4>
+      <a:accent5>
+        <a:srgbClr val="4472C4"/>
+      </a:accent5>
+      <a:accent6>
+        <a:srgbClr val="70AD47"/>
+      </a:accent6>
+      <a:hlink>
+        <a:srgbClr val="0563C1"/>
+      </a:hlink>
+      <a:folHlink>
+        <a:srgbClr val="954F72"/>
+      </a:folHlink>
+    </a:clrScheme>
+    <a:fontScheme name="Office">
+      <a:majorFont>
+        <a:latin typeface="맑은 고딕" panose="020F0302020204030204"/>
+        <a:ea typeface=""/>
+        <a:cs typeface=""/>
+        <a:font script="Jpan" typeface="ＭＳ Ｐゴシック"/>
+        <a:font script="Hang" typeface="맑은 고딕"/>
+        <a:font script="Hans" typeface="宋体"/>
+        <a:font script="Hant" typeface="新細明體"/>
+        <a:font script="Arab" typeface="Times New Roman"/>
+        <a:font script="Hebr" typeface="Times New Roman"/>
+        <a:font script="Thai" typeface="Angsana New"/>
+        <a:font script="Ethi" typeface="Nyala"/>
+        <a:font script="Beng" typeface="Vrinda"/>
+        <a:font script="Gujr" typeface="Shruti"/>
+        <a:font script="Khmr" typeface="MoolBoran"/>
+        <a:font script="Knda" typeface="Tunga"/>
+        <a:font script="Guru" typeface="Raavi"/>
+        <a:font script="Cans" typeface="Euphemia"/>
+        <a:font script="Cher" typeface="Plantagenet Cherokee"/>
+        <a:font script="Yiii" typeface="Microsoft Yi Baiti"/>
+        <a:font script="Tibt" typeface="Microsoft Himalaya"/>
+        <a:font script="Thaa" typeface="MV Boli"/>
+        <a:font script="Deva" typeface="Mangal"/>
+        <a:font script="Telu" typeface="Gautami"/>
+        <a:font script="Taml" typeface="Latha"/>
+        <a:font script="Syrc" typeface="Estrangelo Edessa"/>
+        <a:font script="Orya" typeface="Kalinga"/>
+        <a:font script="Mlym" typeface="Kartika"/>
+        <a:font script="Laoo" typeface="DokChampa"/>
+        <a:font script="Sinh" typeface="Iskoola Pota"/>
+        <a:font script="Mong" typeface="Mongolian Baiti"/>
+        <a:font script="Viet" typeface="Times New Roman"/>
+        <a:font script="Uigh" typeface="Microsoft Uighur"/>
+        <a:font script="Geor" typeface="Sylfaen"/>
+      </a:majorFont>
+      <a:minorFont>
+        <a:latin typeface="맑은 고딕" panose="020F0502020204030204"/>
+        <a:ea typeface=""/>
+        <a:cs typeface=""/>
+        <a:font script="Jpan" typeface="ＭＳ Ｐゴシック"/>
+        <a:font script="Hang" typeface="맑은 고딕"/>
+        <a:font script="Hans" typeface="宋体"/>
+        <a:font script="Hant" typeface="新細明體"/>
+        <a:font script="Arab" typeface="Arial"/>
+        <a:font script="Hebr" typeface="Arial"/>
+        <a:font script="Thai" typeface="Cordia New"/>
+        <a:font script="Ethi" typeface="Nyala"/>
+        <a:font script="Beng" typeface="Vrinda"/>
+        <a:font script="Gujr" typeface="Shruti"/>
+        <a:font script="Khmr" typeface="DaunPenh"/>
+        <a:font script="Knda" typeface="Tunga"/>
+        <a:font script="Guru" typeface="Raavi"/>
+        <a:font script="Cans" typeface="Euphemia"/>
+        <a:font script="Cher" typeface="Plantagenet Cherokee"/>
+        <a:font script="Yiii" typeface="Microsoft Yi Baiti"/>
+        <a:font script="Tibt" typeface="Microsoft Himalaya"/>
+        <a:font script="Thaa" typeface="MV Boli"/>
+        <a:font script="Deva" typeface="Mangal"/>
+        <a:font script="Telu" typeface="Gautami"/>
+        <a:font script="Taml" typeface="Latha"/>
+        <a:font script="Syrc" typeface="Estrangelo Edessa"/>
+        <a:font script="Orya" typeface="Kalinga"/>
+        <a:font script="Mlym" typeface="Kartika"/>
+        <a:font script="Laoo" typeface="DokChampa"/>
+        <a:font script="Sinh" typeface="Iskoola Pota"/>
+        <a:font script="Mong" typeface="Mongolian Baiti"/>
+        <a:font script="Viet" typeface="Arial"/>
+        <a:font script="Uigh" typeface="Microsoft Uighur"/>
+        <a:font script="Geor" typeface="Sylfaen"/>
+      </a:minorFont>
+    </a:fontScheme>
+    <a:fmtScheme name="Office">
+      <a:fillStyleLst>
+        <a:solidFill>
+          <a:schemeClr val="phClr"/>
+        </a:solidFill>
+        <a:gradFill rotWithShape="1">
+          <a:gsLst>
+            <a:gs pos="0">
+              <a:schemeClr val="phClr">
+                <a:lumMod val="110000"/>
+                <a:satMod val="105000"/>
+                <a:tint val="67000"/>
+              </a:schemeClr>
+            </a:gs>
+            <a:gs pos="50000">
+              <a:schemeClr val="phClr">
+                <a:lumMod val="105000"/>
+                <a:satMod val="103000"/>
+                <a:tint val="73000"/>
+              </a:schemeClr>
+            </a:gs>
+            <a:gs pos="100000">
+              <a:schemeClr val="phClr">
+                <a:lumMod val="105000"/>
+                <a:satMod val="109000"/>
+                <a:tint val="81000"/>
+              </a:schemeClr>
+            </a:gs>
+          </a:gsLst>
+          <a:lin ang="5400000" scaled="0"/>
+        </a:gradFill>
+        <a:gradFill rotWithShape="1">
+          <a:gsLst>
+            <a:gs pos="0">
+              <a:schemeClr val="phClr">
+                <a:satMod val="103000"/>
+                <a:lumMod val="102000"/>
+                <a:tint val="94000"/>
+              </a:schemeClr>
+            </a:gs>
+            <a:gs pos="50000">
+              <a:schemeClr val="phClr">
+                <a:satMod val="110000"/>
+                <a:lumMod val="100000"/>
+                <a:shade val="100000"/>
+              </a:schemeClr>
+            </a:gs>
+            <a:gs pos="100000">
+              <a:schemeClr val="phClr">
+                <a:lumMod val="99000"/>
+                <a:satMod val="120000"/>
+                <a:shade val="78000"/>
+              </a:schemeClr>
+            </a:gs>
+          </a:gsLst>
+          <a:lin ang="5400000" scaled="0"/>
+        </a:gradFill>
+      </a:fillStyleLst>
+      <a:lnStyleLst>
+        <a:ln w="6350" cap="flat" cmpd="sng" algn="ctr">
+          <a:solidFill>
+            <a:schemeClr val="phClr"/>
+          </a:solidFill>
+          <a:prstDash val="solid"/>
+          <a:miter lim="800000"/>
+        </a:ln>
+        <a:ln w="12700" cap="flat" cmpd="sng" algn="ctr">
+          <a:solidFill>
+            <a:schemeClr val="phClr"/>
+          </a:solidFill>
+          <a:prstDash val="solid"/>
+          <a:miter lim="800000"/>
+        </a:ln>
+        <a:ln w="19050" cap="flat" cmpd="sng" algn="ctr">
+          <a:solidFill>
+            <a:schemeClr val="phClr"/>
+          </a:solidFill>
+          <a:prstDash val="solid"/>
+          <a:miter lim="800000"/>
+        </a:ln>
+      </a:lnStyleLst>
+      <a:effectStyleLst>
+        <a:effectStyle>
+          <a:effectLst/>
+        </a:effectStyle>
+        <a:effectStyle>
+          <a:effectLst/>
+        </a:effectStyle>
+        <a:effectStyle>
+          <a:effectLst>
+            <a:outerShdw blurRad="57150" dist="19050" dir="5400000" algn="ctr" rotWithShape="0">
+              <a:srgbClr val="000000">
+                <a:alpha val="63000"/>
+              </a:srgbClr>
+            </a:outerShdw>
+          </a:effectLst>
+        </a:effectStyle>
+      </a:effectStyleLst>
+      <a:bgFillStyleLst>
+        <a:solidFill>
+          <a:schemeClr val="phClr"/>
+        </a:solidFill>
+        <a:solidFill>
+          <a:schemeClr val="phClr">
+            <a:tint val="95000"/>
+            <a:satMod val="170000"/>
+          </a:schemeClr>
+        </a:solidFill>
+        <a:gradFill rotWithShape="1">
+          <a:gsLst>
+            <a:gs pos="0">
+              <a:schemeClr val="phClr">
+                <a:tint val="93000"/>
+                <a:satMod val="150000"/>
+                <a:shade val="98000"/>
+                <a:lumMod val="102000"/>
+              </a:schemeClr>
+            </a:gs>
+            <a:gs pos="50000">
+              <a:schemeClr val="phClr">
+                <a:tint val="98000"/>
+                <a:satMod val="130000"/>
+                <a:shade val="90000"/>
+                <a:lumMod val="103000"/>
+              </a:schemeClr>
+            </a:gs>
+            <a:gs pos="100000">
+              <a:schemeClr val="phClr">
+                <a:shade val="63000"/>
+                <a:satMod val="120000"/>
+              </a:schemeClr>
+            </a:gs>
+          </a:gsLst>
+          <a:lin ang="5400000" scaled="0"/>
+        </a:gradFill>
+      </a:bgFillStyleLst>
+    </a:fmtScheme>
+  </a:themeElements>
+  <a:objectDefaults/>
+  <a:extraClrSchemeLst/>
+  <a:extLst>
+    <a:ext uri="{05A4C25C-085E-4340-85A3-A5531E510DB2}">
+      <thm15:themeFamily xmlns:thm15="http://schemas.microsoft.com/office/thememl/2012/main" name="Office Theme" id="{62F939B6-93AF-4DB8-9C6B-D6C7DFDC589F}" vid="{4A3C46E8-61CC-4603-A589-7422A47A8E4A}"/>
+    </a:ext>
+  </a:extLst>
+</a:theme>
 </file>
--- a/1. Stack & Queue.pptx
+++ b/1. Stack & Queue.pptx
@@ -15577,8 +15577,8 @@
         </p:nvSpPr>
         <p:spPr>
           <a:xfrm>
-            <a:off x="769620" y="2847802"/>
-            <a:ext cx="4318195" cy="338554"/>
+            <a:off x="2518518" y="5846623"/>
+            <a:ext cx="1869816" cy="584775"/>
           </a:xfrm>
           <a:prstGeom prst="rect">
             <a:avLst/>
@@ -15600,12 +15600,27 @@
               <a:t>5</a:t>
             </a:r>
             <a:r>
-              <a:rPr lang="ko-KR" altLang="en-US" sz="1600" smtClean="0">
-                <a:solidFill>
-                  <a:schemeClr val="bg1"/>
-                </a:solidFill>
-              </a:rPr>
-              <a:t>개 명령 이외 입력 시 </a:t>
+              <a:rPr lang="ko-KR" altLang="en-US" sz="1600" dirty="0" smtClean="0">
+                <a:solidFill>
+                  <a:schemeClr val="bg1"/>
+                </a:solidFill>
+              </a:rPr>
+              <a:t>개 명령 이외 입력 시</a:t>
+            </a:r>
+            <a:endParaRPr lang="en-US" altLang="ko-KR" sz="1600" dirty="0" smtClean="0">
+              <a:solidFill>
+                <a:schemeClr val="bg1"/>
+              </a:solidFill>
+            </a:endParaRPr>
+          </a:p>
+          <a:p>
+            <a:r>
+              <a:rPr lang="ko-KR" altLang="en-US" sz="1600" dirty="0" smtClean="0">
+                <a:solidFill>
+                  <a:schemeClr val="bg1"/>
+                </a:solidFill>
+              </a:rPr>
+              <a:t>예외 반납 </a:t>
             </a:r>
             <a:endParaRPr lang="en-US" altLang="ko-KR" sz="1600" dirty="0">
               <a:solidFill>
@@ -15725,6 +15740,204 @@
           </a:effectLst>
         </p:spPr>
       </p:pic>
+      <p:grpSp>
+        <p:nvGrpSpPr>
+          <p:cNvPr id="24" name="그룹 23"/>
+          <p:cNvGrpSpPr/>
+          <p:nvPr/>
+        </p:nvGrpSpPr>
+        <p:grpSpPr>
+          <a:xfrm>
+            <a:off x="4501662" y="5413741"/>
+            <a:ext cx="2637691" cy="1371600"/>
+            <a:chOff x="4501662" y="5413741"/>
+            <a:chExt cx="2637691" cy="1371600"/>
+          </a:xfrm>
+        </p:grpSpPr>
+        <p:sp>
+          <p:nvSpPr>
+            <p:cNvPr id="6" name="왼쪽 대괄호 5"/>
+            <p:cNvSpPr/>
+            <p:nvPr/>
+          </p:nvSpPr>
+          <p:spPr>
+            <a:xfrm>
+              <a:off x="6924448" y="5413741"/>
+              <a:ext cx="214905" cy="1371600"/>
+            </a:xfrm>
+            <a:prstGeom prst="leftBracket">
+              <a:avLst/>
+            </a:prstGeom>
+            <a:ln w="57150"/>
+          </p:spPr>
+          <p:style>
+            <a:lnRef idx="1">
+              <a:schemeClr val="accent2"/>
+            </a:lnRef>
+            <a:fillRef idx="0">
+              <a:schemeClr val="accent2"/>
+            </a:fillRef>
+            <a:effectRef idx="0">
+              <a:schemeClr val="accent2"/>
+            </a:effectRef>
+            <a:fontRef idx="minor">
+              <a:schemeClr val="tx1"/>
+            </a:fontRef>
+          </p:style>
+          <p:txBody>
+            <a:bodyPr rtlCol="0" anchor="ctr"/>
+            <a:lstStyle/>
+            <a:p>
+              <a:pPr algn="ctr"/>
+              <a:endParaRPr lang="ko-KR" altLang="en-US"/>
+            </a:p>
+          </p:txBody>
+        </p:sp>
+        <p:cxnSp>
+          <p:nvCxnSpPr>
+            <p:cNvPr id="11" name="직선 연결선 10"/>
+            <p:cNvCxnSpPr>
+              <a:stCxn id="6" idx="1"/>
+            </p:cNvCxnSpPr>
+            <p:nvPr/>
+          </p:nvCxnSpPr>
+          <p:spPr>
+            <a:xfrm flipH="1">
+              <a:off x="6096000" y="6099541"/>
+              <a:ext cx="828448" cy="0"/>
+            </a:xfrm>
+            <a:prstGeom prst="line">
+              <a:avLst/>
+            </a:prstGeom>
+            <a:ln w="57150"/>
+          </p:spPr>
+          <p:style>
+            <a:lnRef idx="1">
+              <a:schemeClr val="accent2"/>
+            </a:lnRef>
+            <a:fillRef idx="0">
+              <a:schemeClr val="accent2"/>
+            </a:fillRef>
+            <a:effectRef idx="0">
+              <a:schemeClr val="accent2"/>
+            </a:effectRef>
+            <a:fontRef idx="minor">
+              <a:schemeClr val="tx1"/>
+            </a:fontRef>
+          </p:style>
+        </p:cxnSp>
+        <p:cxnSp>
+          <p:nvCxnSpPr>
+            <p:cNvPr id="22" name="직선 연결선 21"/>
+            <p:cNvCxnSpPr/>
+            <p:nvPr/>
+          </p:nvCxnSpPr>
+          <p:spPr>
+            <a:xfrm flipH="1">
+              <a:off x="4501662" y="6099541"/>
+              <a:ext cx="1594338" cy="0"/>
+            </a:xfrm>
+            <a:prstGeom prst="line">
+              <a:avLst/>
+            </a:prstGeom>
+            <a:ln w="57150">
+              <a:solidFill>
+                <a:schemeClr val="bg1"/>
+              </a:solidFill>
+            </a:ln>
+          </p:spPr>
+          <p:style>
+            <a:lnRef idx="1">
+              <a:schemeClr val="accent1"/>
+            </a:lnRef>
+            <a:fillRef idx="0">
+              <a:schemeClr val="accent1"/>
+            </a:fillRef>
+            <a:effectRef idx="0">
+              <a:schemeClr val="accent1"/>
+            </a:effectRef>
+            <a:fontRef idx="minor">
+              <a:schemeClr val="tx1"/>
+            </a:fontRef>
+          </p:style>
+        </p:cxnSp>
+      </p:grpSp>
+      <p:sp>
+        <p:nvSpPr>
+          <p:cNvPr id="25" name="TextBox 24"/>
+          <p:cNvSpPr txBox="1"/>
+          <p:nvPr/>
+        </p:nvSpPr>
+        <p:spPr>
+          <a:xfrm>
+            <a:off x="2246939" y="5653775"/>
+            <a:ext cx="347727" cy="646331"/>
+          </a:xfrm>
+          <a:prstGeom prst="rect">
+            <a:avLst/>
+          </a:prstGeom>
+          <a:noFill/>
+        </p:spPr>
+        <p:txBody>
+          <a:bodyPr wrap="square" rtlCol="0">
+            <a:spAutoFit/>
+          </a:bodyPr>
+          <a:lstStyle/>
+          <a:p>
+            <a:r>
+              <a:rPr lang="en-US" altLang="ko-KR" sz="3600" dirty="0" smtClean="0">
+                <a:solidFill>
+                  <a:schemeClr val="bg1"/>
+                </a:solidFill>
+              </a:rPr>
+              <a:t>“</a:t>
+            </a:r>
+            <a:endParaRPr lang="ko-KR" altLang="en-US" dirty="0">
+              <a:solidFill>
+                <a:schemeClr val="bg1"/>
+              </a:solidFill>
+            </a:endParaRPr>
+          </a:p>
+        </p:txBody>
+      </p:sp>
+      <p:sp>
+        <p:nvSpPr>
+          <p:cNvPr id="26" name="TextBox 25"/>
+          <p:cNvSpPr txBox="1"/>
+          <p:nvPr/>
+        </p:nvSpPr>
+        <p:spPr>
+          <a:xfrm>
+            <a:off x="4167546" y="6139010"/>
+            <a:ext cx="433753" cy="646331"/>
+          </a:xfrm>
+          <a:prstGeom prst="rect">
+            <a:avLst/>
+          </a:prstGeom>
+          <a:noFill/>
+        </p:spPr>
+        <p:txBody>
+          <a:bodyPr wrap="square" rtlCol="0">
+            <a:spAutoFit/>
+          </a:bodyPr>
+          <a:lstStyle/>
+          <a:p>
+            <a:r>
+              <a:rPr lang="en-US" altLang="ko-KR" sz="3600" dirty="0" smtClean="0">
+                <a:solidFill>
+                  <a:schemeClr val="bg1"/>
+                </a:solidFill>
+              </a:rPr>
+              <a:t>”</a:t>
+            </a:r>
+            <a:endParaRPr lang="ko-KR" altLang="en-US" sz="3600" dirty="0">
+              <a:solidFill>
+                <a:schemeClr val="bg1"/>
+              </a:solidFill>
+            </a:endParaRPr>
+          </a:p>
+        </p:txBody>
+      </p:sp>
     </p:spTree>
     <p:extLst>
       <p:ext uri="{BB962C8B-B14F-4D97-AF65-F5344CB8AC3E}">

--- a/1. Stack & Queue.pptx
+++ b/1. Stack & Queue.pptx
@@ -17822,7 +17822,7 @@
                   <a:schemeClr val="bg1"/>
                 </a:solidFill>
               </a:rPr>
-              <a:t>5</a:t>
+              <a:t>6</a:t>
             </a:r>
             <a:r>
               <a:rPr lang="ko-KR" altLang="en-US" sz="1600" dirty="0">
@@ -18112,23 +18112,7 @@
                   <a:schemeClr val="bg1"/>
                 </a:solidFill>
               </a:rPr>
-              <a:t>input(=</a:t>
-            </a:r>
-            <a:r>
-              <a:rPr lang="en-US" altLang="ko-KR" sz="1600" dirty="0" err="1">
-                <a:solidFill>
-                  <a:schemeClr val="bg1"/>
-                </a:solidFill>
-              </a:rPr>
-              <a:t>input_split</a:t>
-            </a:r>
-            <a:r>
-              <a:rPr lang="en-US" altLang="ko-KR" sz="1600" dirty="0">
-                <a:solidFill>
-                  <a:schemeClr val="bg1"/>
-                </a:solidFill>
-              </a:rPr>
-              <a:t>) </a:t>
+              <a:t>input(=tokens) </a:t>
             </a:r>
           </a:p>
           <a:p>

--- a/1. Stack & Queue.pptx
+++ b/1. Stack & Queue.pptx
@@ -5,7 +5,7 @@
     <p:sldMasterId id="2147483696" r:id="rId1"/>
   </p:sldMasterIdLst>
   <p:notesMasterIdLst>
-    <p:notesMasterId r:id="rId28"/>
+    <p:notesMasterId r:id="rId34"/>
   </p:notesMasterIdLst>
   <p:sldIdLst>
     <p:sldId id="256" r:id="rId2"/>
@@ -34,6 +34,12 @@
     <p:sldId id="282" r:id="rId25"/>
     <p:sldId id="283" r:id="rId26"/>
     <p:sldId id="284" r:id="rId27"/>
+    <p:sldId id="286" r:id="rId28"/>
+    <p:sldId id="292" r:id="rId29"/>
+    <p:sldId id="290" r:id="rId30"/>
+    <p:sldId id="288" r:id="rId31"/>
+    <p:sldId id="289" r:id="rId32"/>
+    <p:sldId id="287" r:id="rId33"/>
   </p:sldIdLst>
   <p:sldSz cx="12192000" cy="6858000"/>
   <p:notesSz cx="6858000" cy="9144000"/>
@@ -233,7 +239,7 @@
           <a:p>
             <a:fld id="{EF22644F-726A-4EF6-887D-42F44A279A80}" type="datetimeFigureOut">
               <a:rPr lang="ko-KR" altLang="en-US" smtClean="0"/>
-              <a:t>2020-02-03</a:t>
+              <a:t>2020-02-04</a:t>
             </a:fld>
             <a:endParaRPr lang="ko-KR" altLang="en-US"/>
           </a:p>
@@ -814,6 +820,528 @@
 </p:notes>
 </file>
 
+<file path=ppt/notesSlides/notesSlide12.xml><?xml version="1.0" encoding="utf-8"?>
+<p:notes xmlns:a="http://schemas.openxmlformats.org/drawingml/2006/main" xmlns:r="http://schemas.openxmlformats.org/officeDocument/2006/relationships" xmlns:p="http://schemas.openxmlformats.org/presentationml/2006/main">
+  <p:cSld>
+    <p:spTree>
+      <p:nvGrpSpPr>
+        <p:cNvPr id="1" name=""/>
+        <p:cNvGrpSpPr/>
+        <p:nvPr/>
+      </p:nvGrpSpPr>
+      <p:grpSpPr>
+        <a:xfrm>
+          <a:off x="0" y="0"/>
+          <a:ext cx="0" cy="0"/>
+          <a:chOff x="0" y="0"/>
+          <a:chExt cx="0" cy="0"/>
+        </a:xfrm>
+      </p:grpSpPr>
+      <p:sp>
+        <p:nvSpPr>
+          <p:cNvPr id="2" name="슬라이드 이미지 개체 틀 1"/>
+          <p:cNvSpPr>
+            <a:spLocks noGrp="1" noRot="1" noChangeAspect="1"/>
+          </p:cNvSpPr>
+          <p:nvPr>
+            <p:ph type="sldImg"/>
+          </p:nvPr>
+        </p:nvSpPr>
+        <p:spPr/>
+      </p:sp>
+      <p:sp>
+        <p:nvSpPr>
+          <p:cNvPr id="3" name="슬라이드 노트 개체 틀 2"/>
+          <p:cNvSpPr>
+            <a:spLocks noGrp="1"/>
+          </p:cNvSpPr>
+          <p:nvPr>
+            <p:ph type="body" idx="1"/>
+          </p:nvPr>
+        </p:nvSpPr>
+        <p:spPr/>
+        <p:txBody>
+          <a:bodyPr/>
+          <a:lstStyle/>
+          <a:p>
+            <a:r>
+              <a:rPr lang="ko-KR" altLang="en-US" sz="1400" dirty="0" smtClean="0">
+                <a:solidFill>
+                  <a:schemeClr val="bg1"/>
+                </a:solidFill>
+              </a:rPr>
+              <a:t>출처 </a:t>
+            </a:r>
+            <a:endParaRPr lang="en-US" altLang="ko-KR" sz="1400" dirty="0" smtClean="0">
+              <a:solidFill>
+                <a:schemeClr val="bg1"/>
+              </a:solidFill>
+            </a:endParaRPr>
+          </a:p>
+          <a:p>
+            <a:pPr marL="285750" indent="-285750">
+              <a:buFontTx/>
+              <a:buChar char="-"/>
+            </a:pPr>
+            <a:r>
+              <a:rPr lang="en-US" altLang="ko-KR" sz="1200" dirty="0" smtClean="0">
+                <a:solidFill>
+                  <a:schemeClr val="bg1"/>
+                </a:solidFill>
+              </a:rPr>
+              <a:t>https://programmers.co.kr/learn/courses/30/lessons/42583</a:t>
+            </a:r>
+          </a:p>
+          <a:p>
+            <a:pPr marL="285750" indent="-285750">
+              <a:buFontTx/>
+              <a:buChar char="-"/>
+            </a:pPr>
+            <a:r>
+              <a:rPr lang="en-US" altLang="ko-KR" sz="1200" dirty="0" smtClean="0">
+                <a:solidFill>
+                  <a:schemeClr val="bg1"/>
+                </a:solidFill>
+              </a:rPr>
+              <a:t>https://smecsm.tistory.com/91</a:t>
+            </a:r>
+            <a:endParaRPr lang="en-US" altLang="ko-KR" sz="1200" dirty="0" smtClean="0">
+              <a:solidFill>
+                <a:schemeClr val="bg1"/>
+              </a:solidFill>
+            </a:endParaRPr>
+          </a:p>
+        </p:txBody>
+      </p:sp>
+      <p:sp>
+        <p:nvSpPr>
+          <p:cNvPr id="4" name="슬라이드 번호 개체 틀 3"/>
+          <p:cNvSpPr>
+            <a:spLocks noGrp="1"/>
+          </p:cNvSpPr>
+          <p:nvPr>
+            <p:ph type="sldNum" sz="quarter" idx="10"/>
+          </p:nvPr>
+        </p:nvSpPr>
+        <p:spPr/>
+        <p:txBody>
+          <a:bodyPr/>
+          <a:lstStyle/>
+          <a:p>
+            <a:fld id="{363DE918-169C-4652-A68E-DF6F6714EEFF}" type="slidenum">
+              <a:rPr lang="ko-KR" altLang="en-US" smtClean="0"/>
+              <a:t>27</a:t>
+            </a:fld>
+            <a:endParaRPr lang="ko-KR" altLang="en-US"/>
+          </a:p>
+        </p:txBody>
+      </p:sp>
+    </p:spTree>
+    <p:extLst>
+      <p:ext uri="{BB962C8B-B14F-4D97-AF65-F5344CB8AC3E}">
+        <p14:creationId xmlns:p14="http://schemas.microsoft.com/office/powerpoint/2010/main" val="849657075"/>
+      </p:ext>
+    </p:extLst>
+  </p:cSld>
+  <p:clrMapOvr>
+    <a:masterClrMapping/>
+  </p:clrMapOvr>
+</p:notes>
+</file>
+
+<file path=ppt/notesSlides/notesSlide13.xml><?xml version="1.0" encoding="utf-8"?>
+<p:notes xmlns:a="http://schemas.openxmlformats.org/drawingml/2006/main" xmlns:r="http://schemas.openxmlformats.org/officeDocument/2006/relationships" xmlns:p="http://schemas.openxmlformats.org/presentationml/2006/main">
+  <p:cSld>
+    <p:spTree>
+      <p:nvGrpSpPr>
+        <p:cNvPr id="1" name=""/>
+        <p:cNvGrpSpPr/>
+        <p:nvPr/>
+      </p:nvGrpSpPr>
+      <p:grpSpPr>
+        <a:xfrm>
+          <a:off x="0" y="0"/>
+          <a:ext cx="0" cy="0"/>
+          <a:chOff x="0" y="0"/>
+          <a:chExt cx="0" cy="0"/>
+        </a:xfrm>
+      </p:grpSpPr>
+      <p:sp>
+        <p:nvSpPr>
+          <p:cNvPr id="2" name="슬라이드 이미지 개체 틀 1"/>
+          <p:cNvSpPr>
+            <a:spLocks noGrp="1" noRot="1" noChangeAspect="1"/>
+          </p:cNvSpPr>
+          <p:nvPr>
+            <p:ph type="sldImg"/>
+          </p:nvPr>
+        </p:nvSpPr>
+        <p:spPr/>
+      </p:sp>
+      <p:sp>
+        <p:nvSpPr>
+          <p:cNvPr id="3" name="슬라이드 노트 개체 틀 2"/>
+          <p:cNvSpPr>
+            <a:spLocks noGrp="1"/>
+          </p:cNvSpPr>
+          <p:nvPr>
+            <p:ph type="body" idx="1"/>
+          </p:nvPr>
+        </p:nvSpPr>
+        <p:spPr/>
+        <p:txBody>
+          <a:bodyPr/>
+          <a:lstStyle/>
+          <a:p>
+            <a:r>
+              <a:rPr lang="ko-KR" altLang="en-US" sz="1200" dirty="0" smtClean="0">
+                <a:solidFill>
+                  <a:schemeClr val="bg1"/>
+                </a:solidFill>
+              </a:rPr>
+              <a:t>출처</a:t>
+            </a:r>
+            <a:endParaRPr lang="en-US" altLang="ko-KR" sz="1200" dirty="0" smtClean="0">
+              <a:solidFill>
+                <a:schemeClr val="bg1"/>
+              </a:solidFill>
+            </a:endParaRPr>
+          </a:p>
+          <a:p>
+            <a:r>
+              <a:rPr lang="en-US" altLang="ko-KR" sz="1200" dirty="0" smtClean="0">
+                <a:solidFill>
+                  <a:schemeClr val="bg1"/>
+                </a:solidFill>
+              </a:rPr>
+              <a:t>https://www.hackerrank.com/</a:t>
+            </a:r>
+          </a:p>
+          <a:p>
+            <a:r>
+              <a:rPr lang="en-US" altLang="ko-KR" sz="1200" dirty="0" smtClean="0">
+                <a:solidFill>
+                  <a:schemeClr val="bg1"/>
+                </a:solidFill>
+              </a:rPr>
+              <a:t>https://pcmc.tistory.com/88</a:t>
+            </a:r>
+          </a:p>
+          <a:p>
+            <a:r>
+              <a:rPr lang="en-US" altLang="ko-KR" sz="1200" dirty="0" smtClean="0">
+                <a:solidFill>
+                  <a:schemeClr val="bg1"/>
+                </a:solidFill>
+              </a:rPr>
+              <a:t>https://smlee729.github.io/python/data%20structure/2015/03/04/1-heap.html</a:t>
+            </a:r>
+            <a:endParaRPr lang="en-US" altLang="ko-KR" sz="1200" dirty="0" smtClean="0">
+              <a:solidFill>
+                <a:schemeClr val="bg1"/>
+              </a:solidFill>
+            </a:endParaRPr>
+          </a:p>
+        </p:txBody>
+      </p:sp>
+      <p:sp>
+        <p:nvSpPr>
+          <p:cNvPr id="4" name="슬라이드 번호 개체 틀 3"/>
+          <p:cNvSpPr>
+            <a:spLocks noGrp="1"/>
+          </p:cNvSpPr>
+          <p:nvPr>
+            <p:ph type="sldNum" sz="quarter" idx="10"/>
+          </p:nvPr>
+        </p:nvSpPr>
+        <p:spPr/>
+        <p:txBody>
+          <a:bodyPr/>
+          <a:lstStyle/>
+          <a:p>
+            <a:fld id="{363DE918-169C-4652-A68E-DF6F6714EEFF}" type="slidenum">
+              <a:rPr lang="ko-KR" altLang="en-US" smtClean="0"/>
+              <a:t>29</a:t>
+            </a:fld>
+            <a:endParaRPr lang="ko-KR" altLang="en-US"/>
+          </a:p>
+        </p:txBody>
+      </p:sp>
+    </p:spTree>
+    <p:extLst>
+      <p:ext uri="{BB962C8B-B14F-4D97-AF65-F5344CB8AC3E}">
+        <p14:creationId xmlns:p14="http://schemas.microsoft.com/office/powerpoint/2010/main" val="857575573"/>
+      </p:ext>
+    </p:extLst>
+  </p:cSld>
+  <p:clrMapOvr>
+    <a:masterClrMapping/>
+  </p:clrMapOvr>
+</p:notes>
+</file>
+
+<file path=ppt/notesSlides/notesSlide14.xml><?xml version="1.0" encoding="utf-8"?>
+<p:notes xmlns:a="http://schemas.openxmlformats.org/drawingml/2006/main" xmlns:r="http://schemas.openxmlformats.org/officeDocument/2006/relationships" xmlns:p="http://schemas.openxmlformats.org/presentationml/2006/main">
+  <p:cSld>
+    <p:spTree>
+      <p:nvGrpSpPr>
+        <p:cNvPr id="1" name=""/>
+        <p:cNvGrpSpPr/>
+        <p:nvPr/>
+      </p:nvGrpSpPr>
+      <p:grpSpPr>
+        <a:xfrm>
+          <a:off x="0" y="0"/>
+          <a:ext cx="0" cy="0"/>
+          <a:chOff x="0" y="0"/>
+          <a:chExt cx="0" cy="0"/>
+        </a:xfrm>
+      </p:grpSpPr>
+      <p:sp>
+        <p:nvSpPr>
+          <p:cNvPr id="2" name="슬라이드 이미지 개체 틀 1"/>
+          <p:cNvSpPr>
+            <a:spLocks noGrp="1" noRot="1" noChangeAspect="1"/>
+          </p:cNvSpPr>
+          <p:nvPr>
+            <p:ph type="sldImg"/>
+          </p:nvPr>
+        </p:nvSpPr>
+        <p:spPr/>
+      </p:sp>
+      <p:sp>
+        <p:nvSpPr>
+          <p:cNvPr id="3" name="슬라이드 노트 개체 틀 2"/>
+          <p:cNvSpPr>
+            <a:spLocks noGrp="1"/>
+          </p:cNvSpPr>
+          <p:nvPr>
+            <p:ph type="body" idx="1"/>
+          </p:nvPr>
+        </p:nvSpPr>
+        <p:spPr/>
+        <p:txBody>
+          <a:bodyPr/>
+          <a:lstStyle/>
+          <a:p>
+            <a:r>
+              <a:rPr lang="ko-KR" altLang="en-US" sz="1200" dirty="0" smtClean="0">
+                <a:solidFill>
+                  <a:schemeClr val="bg1"/>
+                </a:solidFill>
+              </a:rPr>
+              <a:t>출처</a:t>
+            </a:r>
+            <a:endParaRPr lang="en-US" altLang="ko-KR" sz="1200" dirty="0" smtClean="0">
+              <a:solidFill>
+                <a:schemeClr val="bg1"/>
+              </a:solidFill>
+            </a:endParaRPr>
+          </a:p>
+          <a:p>
+            <a:r>
+              <a:rPr lang="en-US" altLang="ko-KR" sz="1200" dirty="0" smtClean="0">
+                <a:solidFill>
+                  <a:schemeClr val="bg1"/>
+                </a:solidFill>
+              </a:rPr>
+              <a:t>https://www.hackerrank.com/</a:t>
+            </a:r>
+          </a:p>
+          <a:p>
+            <a:r>
+              <a:rPr lang="en-US" altLang="ko-KR" sz="1200" dirty="0" smtClean="0">
+                <a:solidFill>
+                  <a:schemeClr val="bg1"/>
+                </a:solidFill>
+              </a:rPr>
+              <a:t>https://pcmc.tistory.com/88</a:t>
+            </a:r>
+          </a:p>
+          <a:p>
+            <a:r>
+              <a:rPr lang="en-US" altLang="ko-KR" sz="1200" dirty="0" smtClean="0">
+                <a:solidFill>
+                  <a:schemeClr val="bg1"/>
+                </a:solidFill>
+              </a:rPr>
+              <a:t>https://smlee729.github.io/python/data%20structure/2015/03/04/1-heap.html</a:t>
+            </a:r>
+            <a:endParaRPr lang="en-US" altLang="ko-KR" sz="1200" dirty="0" smtClean="0">
+              <a:solidFill>
+                <a:schemeClr val="bg1"/>
+              </a:solidFill>
+            </a:endParaRPr>
+          </a:p>
+        </p:txBody>
+      </p:sp>
+      <p:sp>
+        <p:nvSpPr>
+          <p:cNvPr id="4" name="슬라이드 번호 개체 틀 3"/>
+          <p:cNvSpPr>
+            <a:spLocks noGrp="1"/>
+          </p:cNvSpPr>
+          <p:nvPr>
+            <p:ph type="sldNum" sz="quarter" idx="10"/>
+          </p:nvPr>
+        </p:nvSpPr>
+        <p:spPr/>
+        <p:txBody>
+          <a:bodyPr/>
+          <a:lstStyle/>
+          <a:p>
+            <a:fld id="{363DE918-169C-4652-A68E-DF6F6714EEFF}" type="slidenum">
+              <a:rPr lang="ko-KR" altLang="en-US" smtClean="0"/>
+              <a:t>30</a:t>
+            </a:fld>
+            <a:endParaRPr lang="ko-KR" altLang="en-US"/>
+          </a:p>
+        </p:txBody>
+      </p:sp>
+    </p:spTree>
+    <p:extLst>
+      <p:ext uri="{BB962C8B-B14F-4D97-AF65-F5344CB8AC3E}">
+        <p14:creationId xmlns:p14="http://schemas.microsoft.com/office/powerpoint/2010/main" val="766687846"/>
+      </p:ext>
+    </p:extLst>
+  </p:cSld>
+  <p:clrMapOvr>
+    <a:masterClrMapping/>
+  </p:clrMapOvr>
+</p:notes>
+</file>
+
+<file path=ppt/notesSlides/notesSlide15.xml><?xml version="1.0" encoding="utf-8"?>
+<p:notes xmlns:a="http://schemas.openxmlformats.org/drawingml/2006/main" xmlns:r="http://schemas.openxmlformats.org/officeDocument/2006/relationships" xmlns:p="http://schemas.openxmlformats.org/presentationml/2006/main">
+  <p:cSld>
+    <p:spTree>
+      <p:nvGrpSpPr>
+        <p:cNvPr id="1" name=""/>
+        <p:cNvGrpSpPr/>
+        <p:nvPr/>
+      </p:nvGrpSpPr>
+      <p:grpSpPr>
+        <a:xfrm>
+          <a:off x="0" y="0"/>
+          <a:ext cx="0" cy="0"/>
+          <a:chOff x="0" y="0"/>
+          <a:chExt cx="0" cy="0"/>
+        </a:xfrm>
+      </p:grpSpPr>
+      <p:sp>
+        <p:nvSpPr>
+          <p:cNvPr id="2" name="슬라이드 이미지 개체 틀 1"/>
+          <p:cNvSpPr>
+            <a:spLocks noGrp="1" noRot="1" noChangeAspect="1"/>
+          </p:cNvSpPr>
+          <p:nvPr>
+            <p:ph type="sldImg"/>
+          </p:nvPr>
+        </p:nvSpPr>
+        <p:spPr/>
+      </p:sp>
+      <p:sp>
+        <p:nvSpPr>
+          <p:cNvPr id="3" name="슬라이드 노트 개체 틀 2"/>
+          <p:cNvSpPr>
+            <a:spLocks noGrp="1"/>
+          </p:cNvSpPr>
+          <p:nvPr>
+            <p:ph type="body" idx="1"/>
+          </p:nvPr>
+        </p:nvSpPr>
+        <p:spPr/>
+        <p:txBody>
+          <a:bodyPr/>
+          <a:lstStyle/>
+          <a:p>
+            <a:r>
+              <a:rPr lang="ko-KR" altLang="en-US" sz="1200" dirty="0" smtClean="0">
+                <a:solidFill>
+                  <a:schemeClr val="bg1"/>
+                </a:solidFill>
+              </a:rPr>
+              <a:t>출처</a:t>
+            </a:r>
+            <a:endParaRPr lang="en-US" altLang="ko-KR" sz="1200" dirty="0" smtClean="0">
+              <a:solidFill>
+                <a:schemeClr val="bg1"/>
+              </a:solidFill>
+            </a:endParaRPr>
+          </a:p>
+          <a:p>
+            <a:r>
+              <a:rPr lang="en-US" altLang="ko-KR" sz="1200" dirty="0" smtClean="0">
+                <a:solidFill>
+                  <a:schemeClr val="bg1"/>
+                </a:solidFill>
+              </a:rPr>
+              <a:t>https://www.hackerrank.com/</a:t>
+            </a:r>
+          </a:p>
+          <a:p>
+            <a:r>
+              <a:rPr lang="en-US" altLang="ko-KR" sz="1200" dirty="0" smtClean="0">
+                <a:solidFill>
+                  <a:schemeClr val="bg1"/>
+                </a:solidFill>
+              </a:rPr>
+              <a:t>https://pcmc.tistory.com/88</a:t>
+            </a:r>
+          </a:p>
+          <a:p>
+            <a:r>
+              <a:rPr lang="en-US" altLang="ko-KR" sz="1200" dirty="0" smtClean="0">
+                <a:solidFill>
+                  <a:schemeClr val="bg1"/>
+                </a:solidFill>
+              </a:rPr>
+              <a:t>https://smlee729.github.io/python/data%20structure/2015/03/04/1-heap.html</a:t>
+            </a:r>
+            <a:endParaRPr lang="en-US" altLang="ko-KR" sz="1200" dirty="0" smtClean="0">
+              <a:solidFill>
+                <a:schemeClr val="bg1"/>
+              </a:solidFill>
+            </a:endParaRPr>
+          </a:p>
+        </p:txBody>
+      </p:sp>
+      <p:sp>
+        <p:nvSpPr>
+          <p:cNvPr id="4" name="슬라이드 번호 개체 틀 3"/>
+          <p:cNvSpPr>
+            <a:spLocks noGrp="1"/>
+          </p:cNvSpPr>
+          <p:nvPr>
+            <p:ph type="sldNum" sz="quarter" idx="10"/>
+          </p:nvPr>
+        </p:nvSpPr>
+        <p:spPr/>
+        <p:txBody>
+          <a:bodyPr/>
+          <a:lstStyle/>
+          <a:p>
+            <a:fld id="{363DE918-169C-4652-A68E-DF6F6714EEFF}" type="slidenum">
+              <a:rPr lang="ko-KR" altLang="en-US" smtClean="0"/>
+              <a:t>31</a:t>
+            </a:fld>
+            <a:endParaRPr lang="ko-KR" altLang="en-US"/>
+          </a:p>
+        </p:txBody>
+      </p:sp>
+    </p:spTree>
+    <p:extLst>
+      <p:ext uri="{BB962C8B-B14F-4D97-AF65-F5344CB8AC3E}">
+        <p14:creationId xmlns:p14="http://schemas.microsoft.com/office/powerpoint/2010/main" val="2591959264"/>
+      </p:ext>
+    </p:extLst>
+  </p:cSld>
+  <p:clrMapOvr>
+    <a:masterClrMapping/>
+  </p:clrMapOvr>
+</p:notes>
+</file>
+
 <file path=ppt/notesSlides/notesSlide2.xml><?xml version="1.0" encoding="utf-8"?>
 <p:notes xmlns:a="http://schemas.openxmlformats.org/drawingml/2006/main" xmlns:r="http://schemas.openxmlformats.org/officeDocument/2006/relationships" xmlns:p="http://schemas.openxmlformats.org/presentationml/2006/main">
   <p:cSld>
@@ -1860,7 +2388,7 @@
           <a:p>
             <a:fld id="{1160EA64-D806-43AC-9DF2-F8C432F32B4C}" type="datetimeFigureOut">
               <a:rPr lang="en-US" dirty="0"/>
-              <a:t>2/3/2020</a:t>
+              <a:t>2/4/2020</a:t>
             </a:fld>
             <a:endParaRPr lang="en-US" dirty="0"/>
           </a:p>
@@ -2026,7 +2554,7 @@
           <a:p>
             <a:fld id="{E9F9C37B-1D36-470B-8223-D6C91242EC14}" type="datetimeFigureOut">
               <a:rPr lang="en-US" dirty="0"/>
-              <a:t>2/3/2020</a:t>
+              <a:t>2/4/2020</a:t>
             </a:fld>
             <a:endParaRPr lang="en-US" dirty="0"/>
           </a:p>
@@ -2201,7 +2729,7 @@
           <a:p>
             <a:fld id="{67C6F52A-A82B-47A2-A83A-8C4C91F2D59F}" type="datetimeFigureOut">
               <a:rPr lang="en-US" dirty="0"/>
-              <a:t>2/3/2020</a:t>
+              <a:t>2/4/2020</a:t>
             </a:fld>
             <a:endParaRPr lang="en-US" dirty="0"/>
           </a:p>
@@ -2366,7 +2894,7 @@
           <a:p>
             <a:fld id="{F070A7B3-6521-4DCA-87E5-044747A908C1}" type="datetimeFigureOut">
               <a:rPr lang="en-US" dirty="0"/>
-              <a:t>2/3/2020</a:t>
+              <a:t>2/4/2020</a:t>
             </a:fld>
             <a:endParaRPr lang="en-US" dirty="0"/>
           </a:p>
@@ -2630,7 +3158,7 @@
           <a:p>
             <a:fld id="{1160EA64-D806-43AC-9DF2-F8C432F32B4C}" type="datetimeFigureOut">
               <a:rPr lang="en-US" dirty="0"/>
-              <a:t>2/3/2020</a:t>
+              <a:t>2/4/2020</a:t>
             </a:fld>
             <a:endParaRPr lang="en-US" dirty="0"/>
           </a:p>
@@ -2858,7 +3386,7 @@
           <a:p>
             <a:fld id="{AB134690-1557-4C89-A502-4959FE7FAD70}" type="datetimeFigureOut">
               <a:rPr lang="en-US" dirty="0"/>
-              <a:t>2/3/2020</a:t>
+              <a:t>2/4/2020</a:t>
             </a:fld>
             <a:endParaRPr lang="en-US" dirty="0"/>
           </a:p>
@@ -3212,7 +3740,7 @@
           <a:p>
             <a:fld id="{4F7D4976-E339-4826-83B7-FBD03F55ECF8}" type="datetimeFigureOut">
               <a:rPr lang="en-US" dirty="0"/>
-              <a:t>2/3/2020</a:t>
+              <a:t>2/4/2020</a:t>
             </a:fld>
             <a:endParaRPr lang="en-US" dirty="0"/>
           </a:p>
@@ -3348,7 +3876,7 @@
           <a:p>
             <a:fld id="{E1037C31-9E7A-4F99-8774-A0E530DE1A42}" type="datetimeFigureOut">
               <a:rPr lang="en-US" dirty="0"/>
-              <a:t>2/3/2020</a:t>
+              <a:t>2/4/2020</a:t>
             </a:fld>
             <a:endParaRPr lang="en-US" dirty="0"/>
           </a:p>
@@ -3438,7 +3966,7 @@
           <a:p>
             <a:fld id="{C278504F-A551-4DE0-9316-4DCD1D8CC752}" type="datetimeFigureOut">
               <a:rPr lang="en-US" dirty="0"/>
-              <a:t>2/3/2020</a:t>
+              <a:t>2/4/2020</a:t>
             </a:fld>
             <a:endParaRPr lang="en-US" dirty="0"/>
           </a:p>
@@ -3790,7 +4318,7 @@
           <a:p>
             <a:fld id="{D1BE4249-C0D0-4B06-8692-E8BB871AF643}" type="datetimeFigureOut">
               <a:rPr lang="en-US" dirty="0"/>
-              <a:t>2/3/2020</a:t>
+              <a:t>2/4/2020</a:t>
             </a:fld>
             <a:endParaRPr lang="en-US" dirty="0"/>
           </a:p>
@@ -4142,7 +4670,7 @@
           <a:p>
             <a:fld id="{042B0DB6-F5C7-45FB-8CF3-31B45F9C2DAC}" type="datetimeFigureOut">
               <a:rPr lang="en-US" dirty="0"/>
-              <a:t>2/3/2020</a:t>
+              <a:t>2/4/2020</a:t>
             </a:fld>
             <a:endParaRPr lang="en-US" dirty="0"/>
           </a:p>
@@ -4379,7 +4907,7 @@
           <a:p>
             <a:fld id="{1160EA64-D806-43AC-9DF2-F8C432F32B4C}" type="datetimeFigureOut">
               <a:rPr lang="en-US" dirty="0"/>
-              <a:t>2/3/2020</a:t>
+              <a:t>2/4/2020</a:t>
             </a:fld>
             <a:endParaRPr lang="en-US" dirty="0"/>
           </a:p>
@@ -4833,7 +5361,7 @@
           <p:cNvPr id="2" name="제목 1">
             <a:extLst>
               <a:ext uri="{FF2B5EF4-FFF2-40B4-BE49-F238E27FC236}">
-                <a16:creationId xmlns:a16="http://schemas.microsoft.com/office/drawing/2014/main" id="{49C45785-968F-42C6-8AD3-90F65A4457CF}"/>
+                <a16:creationId xmlns:a16="http://schemas.microsoft.com/office/drawing/2014/main" xmlns="" id="{49C45785-968F-42C6-8AD3-90F65A4457CF}"/>
               </a:ext>
             </a:extLst>
           </p:cNvPr>
@@ -4866,7 +5394,7 @@
           <p:cNvPr id="3" name="부제목 2">
             <a:extLst>
               <a:ext uri="{FF2B5EF4-FFF2-40B4-BE49-F238E27FC236}">
-                <a16:creationId xmlns:a16="http://schemas.microsoft.com/office/drawing/2014/main" id="{3AA3096E-25E2-435C-8CE7-2141EDB8FEA7}"/>
+                <a16:creationId xmlns:a16="http://schemas.microsoft.com/office/drawing/2014/main" xmlns="" id="{3AA3096E-25E2-435C-8CE7-2141EDB8FEA7}"/>
               </a:ext>
             </a:extLst>
           </p:cNvPr>
@@ -4899,6 +5427,13 @@
   <p:clrMapOvr>
     <a:masterClrMapping/>
   </p:clrMapOvr>
+  <p:timing>
+    <p:tnLst>
+      <p:par>
+        <p:cTn id="1" dur="indefinite" restart="never" nodeType="tmRoot"/>
+      </p:par>
+    </p:tnLst>
+  </p:timing>
 </p:sld>
 </file>
 
@@ -4924,7 +5459,7 @@
           <p:cNvPr id="2" name="제목 1">
             <a:extLst>
               <a:ext uri="{FF2B5EF4-FFF2-40B4-BE49-F238E27FC236}">
-                <a16:creationId xmlns:a16="http://schemas.microsoft.com/office/drawing/2014/main" id="{46EF07D7-2C4E-4DE1-B52F-9ACD386C79CB}"/>
+                <a16:creationId xmlns:a16="http://schemas.microsoft.com/office/drawing/2014/main" xmlns="" id="{46EF07D7-2C4E-4DE1-B52F-9ACD386C79CB}"/>
               </a:ext>
             </a:extLst>
           </p:cNvPr>
@@ -4963,7 +5498,7 @@
           <p:cNvPr id="5" name="TextBox 4">
             <a:extLst>
               <a:ext uri="{FF2B5EF4-FFF2-40B4-BE49-F238E27FC236}">
-                <a16:creationId xmlns:a16="http://schemas.microsoft.com/office/drawing/2014/main" id="{F83BAFA1-C11B-4672-B510-037979FA2D38}"/>
+                <a16:creationId xmlns:a16="http://schemas.microsoft.com/office/drawing/2014/main" xmlns="" id="{F83BAFA1-C11B-4672-B510-037979FA2D38}"/>
               </a:ext>
             </a:extLst>
           </p:cNvPr>
@@ -5018,7 +5553,7 @@
           <p:cNvPr id="15" name="TextBox 14">
             <a:extLst>
               <a:ext uri="{FF2B5EF4-FFF2-40B4-BE49-F238E27FC236}">
-                <a16:creationId xmlns:a16="http://schemas.microsoft.com/office/drawing/2014/main" id="{F83BAFA1-C11B-4672-B510-037979FA2D38}"/>
+                <a16:creationId xmlns:a16="http://schemas.microsoft.com/office/drawing/2014/main" xmlns="" id="{F83BAFA1-C11B-4672-B510-037979FA2D38}"/>
               </a:ext>
             </a:extLst>
           </p:cNvPr>
@@ -5489,6 +6024,13 @@
   <p:clrMapOvr>
     <a:masterClrMapping/>
   </p:clrMapOvr>
+  <p:timing>
+    <p:tnLst>
+      <p:par>
+        <p:cTn id="1" dur="indefinite" restart="never" nodeType="tmRoot"/>
+      </p:par>
+    </p:tnLst>
+  </p:timing>
 </p:sld>
 </file>
 
@@ -5514,7 +6056,7 @@
           <p:cNvPr id="2" name="제목 1">
             <a:extLst>
               <a:ext uri="{FF2B5EF4-FFF2-40B4-BE49-F238E27FC236}">
-                <a16:creationId xmlns:a16="http://schemas.microsoft.com/office/drawing/2014/main" id="{46EF07D7-2C4E-4DE1-B52F-9ACD386C79CB}"/>
+                <a16:creationId xmlns:a16="http://schemas.microsoft.com/office/drawing/2014/main" xmlns="" id="{46EF07D7-2C4E-4DE1-B52F-9ACD386C79CB}"/>
               </a:ext>
             </a:extLst>
           </p:cNvPr>
@@ -5553,7 +6095,7 @@
           <p:cNvPr id="5" name="TextBox 4">
             <a:extLst>
               <a:ext uri="{FF2B5EF4-FFF2-40B4-BE49-F238E27FC236}">
-                <a16:creationId xmlns:a16="http://schemas.microsoft.com/office/drawing/2014/main" id="{F83BAFA1-C11B-4672-B510-037979FA2D38}"/>
+                <a16:creationId xmlns:a16="http://schemas.microsoft.com/office/drawing/2014/main" xmlns="" id="{F83BAFA1-C11B-4672-B510-037979FA2D38}"/>
               </a:ext>
             </a:extLst>
           </p:cNvPr>
@@ -5997,7 +6539,7 @@
           <p:cNvPr id="17" name="TextBox 16">
             <a:extLst>
               <a:ext uri="{FF2B5EF4-FFF2-40B4-BE49-F238E27FC236}">
-                <a16:creationId xmlns:a16="http://schemas.microsoft.com/office/drawing/2014/main" id="{F83BAFA1-C11B-4672-B510-037979FA2D38}"/>
+                <a16:creationId xmlns:a16="http://schemas.microsoft.com/office/drawing/2014/main" xmlns="" id="{F83BAFA1-C11B-4672-B510-037979FA2D38}"/>
               </a:ext>
             </a:extLst>
           </p:cNvPr>
@@ -6094,6 +6636,13 @@
   <p:clrMapOvr>
     <a:masterClrMapping/>
   </p:clrMapOvr>
+  <p:timing>
+    <p:tnLst>
+      <p:par>
+        <p:cTn id="1" dur="indefinite" restart="never" nodeType="tmRoot"/>
+      </p:par>
+    </p:tnLst>
+  </p:timing>
 </p:sld>
 </file>
 
@@ -6169,7 +6718,7 @@
           <p:cNvPr id="2" name="제목 1">
             <a:extLst>
               <a:ext uri="{FF2B5EF4-FFF2-40B4-BE49-F238E27FC236}">
-                <a16:creationId xmlns:a16="http://schemas.microsoft.com/office/drawing/2014/main" id="{46EF07D7-2C4E-4DE1-B52F-9ACD386C79CB}"/>
+                <a16:creationId xmlns:a16="http://schemas.microsoft.com/office/drawing/2014/main" xmlns="" id="{46EF07D7-2C4E-4DE1-B52F-9ACD386C79CB}"/>
               </a:ext>
             </a:extLst>
           </p:cNvPr>
@@ -6208,7 +6757,7 @@
           <p:cNvPr id="5" name="TextBox 4">
             <a:extLst>
               <a:ext uri="{FF2B5EF4-FFF2-40B4-BE49-F238E27FC236}">
-                <a16:creationId xmlns:a16="http://schemas.microsoft.com/office/drawing/2014/main" id="{F83BAFA1-C11B-4672-B510-037979FA2D38}"/>
+                <a16:creationId xmlns:a16="http://schemas.microsoft.com/office/drawing/2014/main" xmlns="" id="{F83BAFA1-C11B-4672-B510-037979FA2D38}"/>
               </a:ext>
             </a:extLst>
           </p:cNvPr>
@@ -6284,7 +6833,7 @@
           <p:cNvPr id="8" name="TextBox 7">
             <a:extLst>
               <a:ext uri="{FF2B5EF4-FFF2-40B4-BE49-F238E27FC236}">
-                <a16:creationId xmlns:a16="http://schemas.microsoft.com/office/drawing/2014/main" id="{CF2F0064-E6D2-4F8F-B3AC-9DC0B8893011}"/>
+                <a16:creationId xmlns:a16="http://schemas.microsoft.com/office/drawing/2014/main" xmlns="" id="{CF2F0064-E6D2-4F8F-B3AC-9DC0B8893011}"/>
               </a:ext>
             </a:extLst>
           </p:cNvPr>
@@ -6543,7 +7092,7 @@
           <p:cNvPr id="1028" name="Picture 4" descr="관련 이미지">
             <a:extLst>
               <a:ext uri="{FF2B5EF4-FFF2-40B4-BE49-F238E27FC236}">
-                <a16:creationId xmlns:a16="http://schemas.microsoft.com/office/drawing/2014/main" id="{A0DD6E44-A036-4F30-A995-9148E666DF94}"/>
+                <a16:creationId xmlns:a16="http://schemas.microsoft.com/office/drawing/2014/main" xmlns="" id="{A0DD6E44-A036-4F30-A995-9148E666DF94}"/>
               </a:ext>
             </a:extLst>
           </p:cNvPr>
@@ -6590,7 +7139,7 @@
           <p:cNvPr id="11" name="Picture 4" descr="관련 이미지">
             <a:extLst>
               <a:ext uri="{FF2B5EF4-FFF2-40B4-BE49-F238E27FC236}">
-                <a16:creationId xmlns:a16="http://schemas.microsoft.com/office/drawing/2014/main" id="{A816B32A-58B0-4D7F-8538-40309F35F850}"/>
+                <a16:creationId xmlns:a16="http://schemas.microsoft.com/office/drawing/2014/main" xmlns="" id="{A816B32A-58B0-4D7F-8538-40309F35F850}"/>
               </a:ext>
             </a:extLst>
           </p:cNvPr>
@@ -6886,6 +7435,13 @@
   <p:clrMapOvr>
     <a:masterClrMapping/>
   </p:clrMapOvr>
+  <p:timing>
+    <p:tnLst>
+      <p:par>
+        <p:cTn id="1" dur="indefinite" restart="never" nodeType="tmRoot"/>
+      </p:par>
+    </p:tnLst>
+  </p:timing>
 </p:sld>
 </file>
 
@@ -6911,7 +7467,7 @@
           <p:cNvPr id="2" name="제목 1">
             <a:extLst>
               <a:ext uri="{FF2B5EF4-FFF2-40B4-BE49-F238E27FC236}">
-                <a16:creationId xmlns:a16="http://schemas.microsoft.com/office/drawing/2014/main" id="{46EF07D7-2C4E-4DE1-B52F-9ACD386C79CB}"/>
+                <a16:creationId xmlns:a16="http://schemas.microsoft.com/office/drawing/2014/main" xmlns="" id="{46EF07D7-2C4E-4DE1-B52F-9ACD386C79CB}"/>
               </a:ext>
             </a:extLst>
           </p:cNvPr>
@@ -6951,7 +7507,7 @@
           <p:cNvPr id="5" name="TextBox 4">
             <a:extLst>
               <a:ext uri="{FF2B5EF4-FFF2-40B4-BE49-F238E27FC236}">
-                <a16:creationId xmlns:a16="http://schemas.microsoft.com/office/drawing/2014/main" id="{F83BAFA1-C11B-4672-B510-037979FA2D38}"/>
+                <a16:creationId xmlns:a16="http://schemas.microsoft.com/office/drawing/2014/main" xmlns="" id="{F83BAFA1-C11B-4672-B510-037979FA2D38}"/>
               </a:ext>
             </a:extLst>
           </p:cNvPr>
@@ -7624,7 +8180,7 @@
           <p:cNvPr id="2" name="제목 1">
             <a:extLst>
               <a:ext uri="{FF2B5EF4-FFF2-40B4-BE49-F238E27FC236}">
-                <a16:creationId xmlns:a16="http://schemas.microsoft.com/office/drawing/2014/main" id="{46EF07D7-2C4E-4DE1-B52F-9ACD386C79CB}"/>
+                <a16:creationId xmlns:a16="http://schemas.microsoft.com/office/drawing/2014/main" xmlns="" id="{46EF07D7-2C4E-4DE1-B52F-9ACD386C79CB}"/>
               </a:ext>
             </a:extLst>
           </p:cNvPr>
@@ -7664,7 +8220,7 @@
           <p:cNvPr id="5" name="TextBox 4">
             <a:extLst>
               <a:ext uri="{FF2B5EF4-FFF2-40B4-BE49-F238E27FC236}">
-                <a16:creationId xmlns:a16="http://schemas.microsoft.com/office/drawing/2014/main" id="{F83BAFA1-C11B-4672-B510-037979FA2D38}"/>
+                <a16:creationId xmlns:a16="http://schemas.microsoft.com/office/drawing/2014/main" xmlns="" id="{F83BAFA1-C11B-4672-B510-037979FA2D38}"/>
               </a:ext>
             </a:extLst>
           </p:cNvPr>
@@ -8261,6 +8817,13 @@
   <p:clrMapOvr>
     <a:masterClrMapping/>
   </p:clrMapOvr>
+  <p:timing>
+    <p:tnLst>
+      <p:par>
+        <p:cTn id="1" dur="indefinite" restart="never" nodeType="tmRoot"/>
+      </p:par>
+    </p:tnLst>
+  </p:timing>
 </p:sld>
 </file>
 
@@ -8286,7 +8849,7 @@
           <p:cNvPr id="2" name="제목 1">
             <a:extLst>
               <a:ext uri="{FF2B5EF4-FFF2-40B4-BE49-F238E27FC236}">
-                <a16:creationId xmlns:a16="http://schemas.microsoft.com/office/drawing/2014/main" id="{46EF07D7-2C4E-4DE1-B52F-9ACD386C79CB}"/>
+                <a16:creationId xmlns:a16="http://schemas.microsoft.com/office/drawing/2014/main" xmlns="" id="{46EF07D7-2C4E-4DE1-B52F-9ACD386C79CB}"/>
               </a:ext>
             </a:extLst>
           </p:cNvPr>
@@ -8326,7 +8889,7 @@
           <p:cNvPr id="5" name="TextBox 4">
             <a:extLst>
               <a:ext uri="{FF2B5EF4-FFF2-40B4-BE49-F238E27FC236}">
-                <a16:creationId xmlns:a16="http://schemas.microsoft.com/office/drawing/2014/main" id="{F83BAFA1-C11B-4672-B510-037979FA2D38}"/>
+                <a16:creationId xmlns:a16="http://schemas.microsoft.com/office/drawing/2014/main" xmlns="" id="{F83BAFA1-C11B-4672-B510-037979FA2D38}"/>
               </a:ext>
             </a:extLst>
           </p:cNvPr>
@@ -8985,6 +9548,13 @@
   <p:clrMapOvr>
     <a:masterClrMapping/>
   </p:clrMapOvr>
+  <p:timing>
+    <p:tnLst>
+      <p:par>
+        <p:cTn id="1" dur="indefinite" restart="never" nodeType="tmRoot"/>
+      </p:par>
+    </p:tnLst>
+  </p:timing>
 </p:sld>
 </file>
 
@@ -9010,7 +9580,7 @@
           <p:cNvPr id="2" name="제목 1">
             <a:extLst>
               <a:ext uri="{FF2B5EF4-FFF2-40B4-BE49-F238E27FC236}">
-                <a16:creationId xmlns:a16="http://schemas.microsoft.com/office/drawing/2014/main" id="{46EF07D7-2C4E-4DE1-B52F-9ACD386C79CB}"/>
+                <a16:creationId xmlns:a16="http://schemas.microsoft.com/office/drawing/2014/main" xmlns="" id="{46EF07D7-2C4E-4DE1-B52F-9ACD386C79CB}"/>
               </a:ext>
             </a:extLst>
           </p:cNvPr>
@@ -9050,7 +9620,7 @@
           <p:cNvPr id="5" name="TextBox 4">
             <a:extLst>
               <a:ext uri="{FF2B5EF4-FFF2-40B4-BE49-F238E27FC236}">
-                <a16:creationId xmlns:a16="http://schemas.microsoft.com/office/drawing/2014/main" id="{F83BAFA1-C11B-4672-B510-037979FA2D38}"/>
+                <a16:creationId xmlns:a16="http://schemas.microsoft.com/office/drawing/2014/main" xmlns="" id="{F83BAFA1-C11B-4672-B510-037979FA2D38}"/>
               </a:ext>
             </a:extLst>
           </p:cNvPr>
@@ -9647,6 +10217,13 @@
   <p:clrMapOvr>
     <a:masterClrMapping/>
   </p:clrMapOvr>
+  <p:timing>
+    <p:tnLst>
+      <p:par>
+        <p:cTn id="1" dur="indefinite" restart="never" nodeType="tmRoot"/>
+      </p:par>
+    </p:tnLst>
+  </p:timing>
 </p:sld>
 </file>
 
@@ -9672,7 +10249,7 @@
           <p:cNvPr id="2" name="제목 1">
             <a:extLst>
               <a:ext uri="{FF2B5EF4-FFF2-40B4-BE49-F238E27FC236}">
-                <a16:creationId xmlns:a16="http://schemas.microsoft.com/office/drawing/2014/main" id="{46EF07D7-2C4E-4DE1-B52F-9ACD386C79CB}"/>
+                <a16:creationId xmlns:a16="http://schemas.microsoft.com/office/drawing/2014/main" xmlns="" id="{46EF07D7-2C4E-4DE1-B52F-9ACD386C79CB}"/>
               </a:ext>
             </a:extLst>
           </p:cNvPr>
@@ -9712,7 +10289,7 @@
           <p:cNvPr id="5" name="TextBox 4">
             <a:extLst>
               <a:ext uri="{FF2B5EF4-FFF2-40B4-BE49-F238E27FC236}">
-                <a16:creationId xmlns:a16="http://schemas.microsoft.com/office/drawing/2014/main" id="{F83BAFA1-C11B-4672-B510-037979FA2D38}"/>
+                <a16:creationId xmlns:a16="http://schemas.microsoft.com/office/drawing/2014/main" xmlns="" id="{F83BAFA1-C11B-4672-B510-037979FA2D38}"/>
               </a:ext>
             </a:extLst>
           </p:cNvPr>
@@ -10371,6 +10948,13 @@
   <p:clrMapOvr>
     <a:masterClrMapping/>
   </p:clrMapOvr>
+  <p:timing>
+    <p:tnLst>
+      <p:par>
+        <p:cTn id="1" dur="indefinite" restart="never" nodeType="tmRoot"/>
+      </p:par>
+    </p:tnLst>
+  </p:timing>
 </p:sld>
 </file>
 
@@ -10396,7 +10980,7 @@
           <p:cNvPr id="2" name="제목 1">
             <a:extLst>
               <a:ext uri="{FF2B5EF4-FFF2-40B4-BE49-F238E27FC236}">
-                <a16:creationId xmlns:a16="http://schemas.microsoft.com/office/drawing/2014/main" id="{46EF07D7-2C4E-4DE1-B52F-9ACD386C79CB}"/>
+                <a16:creationId xmlns:a16="http://schemas.microsoft.com/office/drawing/2014/main" xmlns="" id="{46EF07D7-2C4E-4DE1-B52F-9ACD386C79CB}"/>
               </a:ext>
             </a:extLst>
           </p:cNvPr>
@@ -10436,7 +11020,7 @@
           <p:cNvPr id="5" name="TextBox 4">
             <a:extLst>
               <a:ext uri="{FF2B5EF4-FFF2-40B4-BE49-F238E27FC236}">
-                <a16:creationId xmlns:a16="http://schemas.microsoft.com/office/drawing/2014/main" id="{F83BAFA1-C11B-4672-B510-037979FA2D38}"/>
+                <a16:creationId xmlns:a16="http://schemas.microsoft.com/office/drawing/2014/main" xmlns="" id="{F83BAFA1-C11B-4672-B510-037979FA2D38}"/>
               </a:ext>
             </a:extLst>
           </p:cNvPr>
@@ -11033,6 +11617,13 @@
   <p:clrMapOvr>
     <a:masterClrMapping/>
   </p:clrMapOvr>
+  <p:timing>
+    <p:tnLst>
+      <p:par>
+        <p:cTn id="1" dur="indefinite" restart="never" nodeType="tmRoot"/>
+      </p:par>
+    </p:tnLst>
+  </p:timing>
 </p:sld>
 </file>
 
@@ -11058,7 +11649,7 @@
           <p:cNvPr id="2" name="제목 1">
             <a:extLst>
               <a:ext uri="{FF2B5EF4-FFF2-40B4-BE49-F238E27FC236}">
-                <a16:creationId xmlns:a16="http://schemas.microsoft.com/office/drawing/2014/main" id="{46EF07D7-2C4E-4DE1-B52F-9ACD386C79CB}"/>
+                <a16:creationId xmlns:a16="http://schemas.microsoft.com/office/drawing/2014/main" xmlns="" id="{46EF07D7-2C4E-4DE1-B52F-9ACD386C79CB}"/>
               </a:ext>
             </a:extLst>
           </p:cNvPr>
@@ -11097,7 +11688,7 @@
           <p:cNvPr id="5" name="TextBox 4">
             <a:extLst>
               <a:ext uri="{FF2B5EF4-FFF2-40B4-BE49-F238E27FC236}">
-                <a16:creationId xmlns:a16="http://schemas.microsoft.com/office/drawing/2014/main" id="{F83BAFA1-C11B-4672-B510-037979FA2D38}"/>
+                <a16:creationId xmlns:a16="http://schemas.microsoft.com/office/drawing/2014/main" xmlns="" id="{F83BAFA1-C11B-4672-B510-037979FA2D38}"/>
               </a:ext>
             </a:extLst>
           </p:cNvPr>
@@ -11152,7 +11743,7 @@
           <p:cNvPr id="15" name="TextBox 14">
             <a:extLst>
               <a:ext uri="{FF2B5EF4-FFF2-40B4-BE49-F238E27FC236}">
-                <a16:creationId xmlns:a16="http://schemas.microsoft.com/office/drawing/2014/main" id="{F83BAFA1-C11B-4672-B510-037979FA2D38}"/>
+                <a16:creationId xmlns:a16="http://schemas.microsoft.com/office/drawing/2014/main" xmlns="" id="{F83BAFA1-C11B-4672-B510-037979FA2D38}"/>
               </a:ext>
             </a:extLst>
           </p:cNvPr>
@@ -11649,6 +12240,13 @@
   <p:clrMapOvr>
     <a:masterClrMapping/>
   </p:clrMapOvr>
+  <p:timing>
+    <p:tnLst>
+      <p:par>
+        <p:cTn id="1" dur="indefinite" restart="never" nodeType="tmRoot"/>
+      </p:par>
+    </p:tnLst>
+  </p:timing>
 </p:sld>
 </file>
 
@@ -11674,7 +12272,7 @@
           <p:cNvPr id="2" name="제목 1">
             <a:extLst>
               <a:ext uri="{FF2B5EF4-FFF2-40B4-BE49-F238E27FC236}">
-                <a16:creationId xmlns:a16="http://schemas.microsoft.com/office/drawing/2014/main" id="{A0CFF523-35FA-4713-96AD-9F580039853D}"/>
+                <a16:creationId xmlns:a16="http://schemas.microsoft.com/office/drawing/2014/main" xmlns="" id="{A0CFF523-35FA-4713-96AD-9F580039853D}"/>
               </a:ext>
             </a:extLst>
           </p:cNvPr>
@@ -11702,7 +12300,7 @@
           <p:cNvPr id="3" name="내용 개체 틀 2">
             <a:extLst>
               <a:ext uri="{FF2B5EF4-FFF2-40B4-BE49-F238E27FC236}">
-                <a16:creationId xmlns:a16="http://schemas.microsoft.com/office/drawing/2014/main" id="{456DAF33-C273-4D96-95B2-A8C4CD2719C0}"/>
+                <a16:creationId xmlns:a16="http://schemas.microsoft.com/office/drawing/2014/main" xmlns="" id="{456DAF33-C273-4D96-95B2-A8C4CD2719C0}"/>
               </a:ext>
             </a:extLst>
           </p:cNvPr>
@@ -11815,7 +12413,7 @@
           <p:cNvPr id="4" name="내용 개체 틀 2">
             <a:extLst>
               <a:ext uri="{FF2B5EF4-FFF2-40B4-BE49-F238E27FC236}">
-                <a16:creationId xmlns:a16="http://schemas.microsoft.com/office/drawing/2014/main" id="{50C38EEE-EAF8-439E-AB53-D3944AEACFC4}"/>
+                <a16:creationId xmlns:a16="http://schemas.microsoft.com/office/drawing/2014/main" xmlns="" id="{50C38EEE-EAF8-439E-AB53-D3944AEACFC4}"/>
               </a:ext>
             </a:extLst>
           </p:cNvPr>
@@ -12158,7 +12756,7 @@
           <p:cNvPr id="6" name="직선 연결선 5">
             <a:extLst>
               <a:ext uri="{FF2B5EF4-FFF2-40B4-BE49-F238E27FC236}">
-                <a16:creationId xmlns:a16="http://schemas.microsoft.com/office/drawing/2014/main" id="{DE03CD5E-5F5E-4491-8CBD-4B9882227DF5}"/>
+                <a16:creationId xmlns:a16="http://schemas.microsoft.com/office/drawing/2014/main" xmlns="" id="{DE03CD5E-5F5E-4491-8CBD-4B9882227DF5}"/>
               </a:ext>
             </a:extLst>
           </p:cNvPr>
@@ -12205,6 +12803,13 @@
   <p:clrMapOvr>
     <a:masterClrMapping/>
   </p:clrMapOvr>
+  <p:timing>
+    <p:tnLst>
+      <p:par>
+        <p:cTn id="1" dur="indefinite" restart="never" nodeType="tmRoot"/>
+      </p:par>
+    </p:tnLst>
+  </p:timing>
 </p:sld>
 </file>
 
@@ -12230,7 +12835,7 @@
           <p:cNvPr id="2" name="제목 1">
             <a:extLst>
               <a:ext uri="{FF2B5EF4-FFF2-40B4-BE49-F238E27FC236}">
-                <a16:creationId xmlns:a16="http://schemas.microsoft.com/office/drawing/2014/main" id="{46EF07D7-2C4E-4DE1-B52F-9ACD386C79CB}"/>
+                <a16:creationId xmlns:a16="http://schemas.microsoft.com/office/drawing/2014/main" xmlns="" id="{46EF07D7-2C4E-4DE1-B52F-9ACD386C79CB}"/>
               </a:ext>
             </a:extLst>
           </p:cNvPr>
@@ -12269,7 +12874,7 @@
           <p:cNvPr id="5" name="TextBox 4">
             <a:extLst>
               <a:ext uri="{FF2B5EF4-FFF2-40B4-BE49-F238E27FC236}">
-                <a16:creationId xmlns:a16="http://schemas.microsoft.com/office/drawing/2014/main" id="{F83BAFA1-C11B-4672-B510-037979FA2D38}"/>
+                <a16:creationId xmlns:a16="http://schemas.microsoft.com/office/drawing/2014/main" xmlns="" id="{F83BAFA1-C11B-4672-B510-037979FA2D38}"/>
               </a:ext>
             </a:extLst>
           </p:cNvPr>
@@ -12324,7 +12929,7 @@
           <p:cNvPr id="15" name="TextBox 14">
             <a:extLst>
               <a:ext uri="{FF2B5EF4-FFF2-40B4-BE49-F238E27FC236}">
-                <a16:creationId xmlns:a16="http://schemas.microsoft.com/office/drawing/2014/main" id="{F83BAFA1-C11B-4672-B510-037979FA2D38}"/>
+                <a16:creationId xmlns:a16="http://schemas.microsoft.com/office/drawing/2014/main" xmlns="" id="{F83BAFA1-C11B-4672-B510-037979FA2D38}"/>
               </a:ext>
             </a:extLst>
           </p:cNvPr>
@@ -12550,6 +13155,13 @@
   <p:clrMapOvr>
     <a:masterClrMapping/>
   </p:clrMapOvr>
+  <p:timing>
+    <p:tnLst>
+      <p:par>
+        <p:cTn id="1" dur="indefinite" restart="never" nodeType="tmRoot"/>
+      </p:par>
+    </p:tnLst>
+  </p:timing>
 </p:sld>
 </file>
 
@@ -12575,7 +13187,7 @@
           <p:cNvPr id="2" name="제목 1">
             <a:extLst>
               <a:ext uri="{FF2B5EF4-FFF2-40B4-BE49-F238E27FC236}">
-                <a16:creationId xmlns:a16="http://schemas.microsoft.com/office/drawing/2014/main" id="{46EF07D7-2C4E-4DE1-B52F-9ACD386C79CB}"/>
+                <a16:creationId xmlns:a16="http://schemas.microsoft.com/office/drawing/2014/main" xmlns="" id="{46EF07D7-2C4E-4DE1-B52F-9ACD386C79CB}"/>
               </a:ext>
             </a:extLst>
           </p:cNvPr>
@@ -12614,7 +13226,7 @@
           <p:cNvPr id="5" name="TextBox 4">
             <a:extLst>
               <a:ext uri="{FF2B5EF4-FFF2-40B4-BE49-F238E27FC236}">
-                <a16:creationId xmlns:a16="http://schemas.microsoft.com/office/drawing/2014/main" id="{F83BAFA1-C11B-4672-B510-037979FA2D38}"/>
+                <a16:creationId xmlns:a16="http://schemas.microsoft.com/office/drawing/2014/main" xmlns="" id="{F83BAFA1-C11B-4672-B510-037979FA2D38}"/>
               </a:ext>
             </a:extLst>
           </p:cNvPr>
@@ -12669,7 +13281,7 @@
           <p:cNvPr id="15" name="TextBox 14">
             <a:extLst>
               <a:ext uri="{FF2B5EF4-FFF2-40B4-BE49-F238E27FC236}">
-                <a16:creationId xmlns:a16="http://schemas.microsoft.com/office/drawing/2014/main" id="{F83BAFA1-C11B-4672-B510-037979FA2D38}"/>
+                <a16:creationId xmlns:a16="http://schemas.microsoft.com/office/drawing/2014/main" xmlns="" id="{F83BAFA1-C11B-4672-B510-037979FA2D38}"/>
               </a:ext>
             </a:extLst>
           </p:cNvPr>
@@ -13008,6 +13620,13 @@
   <p:clrMapOvr>
     <a:masterClrMapping/>
   </p:clrMapOvr>
+  <p:timing>
+    <p:tnLst>
+      <p:par>
+        <p:cTn id="1" dur="indefinite" restart="never" nodeType="tmRoot"/>
+      </p:par>
+    </p:tnLst>
+  </p:timing>
 </p:sld>
 </file>
 
@@ -13033,7 +13652,7 @@
           <p:cNvPr id="2" name="제목 1">
             <a:extLst>
               <a:ext uri="{FF2B5EF4-FFF2-40B4-BE49-F238E27FC236}">
-                <a16:creationId xmlns:a16="http://schemas.microsoft.com/office/drawing/2014/main" id="{46EF07D7-2C4E-4DE1-B52F-9ACD386C79CB}"/>
+                <a16:creationId xmlns:a16="http://schemas.microsoft.com/office/drawing/2014/main" xmlns="" id="{46EF07D7-2C4E-4DE1-B52F-9ACD386C79CB}"/>
               </a:ext>
             </a:extLst>
           </p:cNvPr>
@@ -13072,7 +13691,7 @@
           <p:cNvPr id="5" name="TextBox 4">
             <a:extLst>
               <a:ext uri="{FF2B5EF4-FFF2-40B4-BE49-F238E27FC236}">
-                <a16:creationId xmlns:a16="http://schemas.microsoft.com/office/drawing/2014/main" id="{F83BAFA1-C11B-4672-B510-037979FA2D38}"/>
+                <a16:creationId xmlns:a16="http://schemas.microsoft.com/office/drawing/2014/main" xmlns="" id="{F83BAFA1-C11B-4672-B510-037979FA2D38}"/>
               </a:ext>
             </a:extLst>
           </p:cNvPr>
@@ -13127,7 +13746,7 @@
           <p:cNvPr id="15" name="TextBox 14">
             <a:extLst>
               <a:ext uri="{FF2B5EF4-FFF2-40B4-BE49-F238E27FC236}">
-                <a16:creationId xmlns:a16="http://schemas.microsoft.com/office/drawing/2014/main" id="{F83BAFA1-C11B-4672-B510-037979FA2D38}"/>
+                <a16:creationId xmlns:a16="http://schemas.microsoft.com/office/drawing/2014/main" xmlns="" id="{F83BAFA1-C11B-4672-B510-037979FA2D38}"/>
               </a:ext>
             </a:extLst>
           </p:cNvPr>
@@ -13577,6 +14196,13 @@
   <p:clrMapOvr>
     <a:masterClrMapping/>
   </p:clrMapOvr>
+  <p:timing>
+    <p:tnLst>
+      <p:par>
+        <p:cTn id="1" dur="indefinite" restart="never" nodeType="tmRoot"/>
+      </p:par>
+    </p:tnLst>
+  </p:timing>
 </p:sld>
 </file>
 
@@ -13602,7 +14228,7 @@
           <p:cNvPr id="2" name="제목 1">
             <a:extLst>
               <a:ext uri="{FF2B5EF4-FFF2-40B4-BE49-F238E27FC236}">
-                <a16:creationId xmlns:a16="http://schemas.microsoft.com/office/drawing/2014/main" id="{46EF07D7-2C4E-4DE1-B52F-9ACD386C79CB}"/>
+                <a16:creationId xmlns:a16="http://schemas.microsoft.com/office/drawing/2014/main" xmlns="" id="{46EF07D7-2C4E-4DE1-B52F-9ACD386C79CB}"/>
               </a:ext>
             </a:extLst>
           </p:cNvPr>
@@ -13641,7 +14267,7 @@
           <p:cNvPr id="5" name="TextBox 4">
             <a:extLst>
               <a:ext uri="{FF2B5EF4-FFF2-40B4-BE49-F238E27FC236}">
-                <a16:creationId xmlns:a16="http://schemas.microsoft.com/office/drawing/2014/main" id="{F83BAFA1-C11B-4672-B510-037979FA2D38}"/>
+                <a16:creationId xmlns:a16="http://schemas.microsoft.com/office/drawing/2014/main" xmlns="" id="{F83BAFA1-C11B-4672-B510-037979FA2D38}"/>
               </a:ext>
             </a:extLst>
           </p:cNvPr>
@@ -13693,7 +14319,7 @@
           <p:cNvPr id="15" name="TextBox 14">
             <a:extLst>
               <a:ext uri="{FF2B5EF4-FFF2-40B4-BE49-F238E27FC236}">
-                <a16:creationId xmlns:a16="http://schemas.microsoft.com/office/drawing/2014/main" id="{F83BAFA1-C11B-4672-B510-037979FA2D38}"/>
+                <a16:creationId xmlns:a16="http://schemas.microsoft.com/office/drawing/2014/main" xmlns="" id="{F83BAFA1-C11B-4672-B510-037979FA2D38}"/>
               </a:ext>
             </a:extLst>
           </p:cNvPr>
@@ -13777,27 +14403,10 @@
                   <a:schemeClr val="bg1"/>
                 </a:solidFill>
               </a:rPr>
-              <a:t>( </a:t>
-            </a:r>
-            <a:r>
-              <a:rPr lang="en-US" altLang="ko-KR" sz="1400" dirty="0">
-                <a:solidFill>
-                  <a:schemeClr val="bg1"/>
-                </a:solidFill>
-                <a:hlinkClick r:id="rId3"/>
-              </a:rPr>
-              <a:t>https://www.acmicpc.net/problem/10828</a:t>
-            </a:r>
-            <a:r>
-              <a:rPr lang="en-US" altLang="ko-KR" sz="1400" dirty="0">
-                <a:solidFill>
-                  <a:schemeClr val="bg1"/>
-                </a:solidFill>
-              </a:rPr>
-              <a:t> )</a:t>
-            </a:r>
-            <a:r>
-              <a:rPr lang="ko-KR" altLang="en-US" sz="1400" dirty="0">
+              <a:t>(https://www.acmicpc.net/problem/10828 )</a:t>
+            </a:r>
+            <a:r>
+              <a:rPr lang="ko-KR" altLang="en-US" sz="1400" dirty="0" smtClean="0">
                 <a:solidFill>
                   <a:schemeClr val="bg1"/>
                 </a:solidFill>
@@ -14755,7 +15364,7 @@
           <p:nvPr/>
         </p:nvPicPr>
         <p:blipFill>
-          <a:blip r:embed="rId4"/>
+          <a:blip r:embed="rId3"/>
           <a:stretch>
             <a:fillRect/>
           </a:stretch>
@@ -14779,7 +15388,7 @@
           <p:nvPr/>
         </p:nvPicPr>
         <p:blipFill>
-          <a:blip r:embed="rId5"/>
+          <a:blip r:embed="rId4"/>
           <a:stretch>
             <a:fillRect/>
           </a:stretch>
@@ -14850,6 +15459,13 @@
   <p:clrMapOvr>
     <a:masterClrMapping/>
   </p:clrMapOvr>
+  <p:timing>
+    <p:tnLst>
+      <p:par>
+        <p:cTn id="1" dur="indefinite" restart="never" nodeType="tmRoot"/>
+      </p:par>
+    </p:tnLst>
+  </p:timing>
 </p:sld>
 </file>
 
@@ -14875,7 +15491,7 @@
           <p:cNvPr id="2" name="제목 1">
             <a:extLst>
               <a:ext uri="{FF2B5EF4-FFF2-40B4-BE49-F238E27FC236}">
-                <a16:creationId xmlns:a16="http://schemas.microsoft.com/office/drawing/2014/main" id="{46EF07D7-2C4E-4DE1-B52F-9ACD386C79CB}"/>
+                <a16:creationId xmlns:a16="http://schemas.microsoft.com/office/drawing/2014/main" xmlns="" id="{46EF07D7-2C4E-4DE1-B52F-9ACD386C79CB}"/>
               </a:ext>
             </a:extLst>
           </p:cNvPr>
@@ -14914,7 +15530,7 @@
           <p:cNvPr id="5" name="TextBox 4">
             <a:extLst>
               <a:ext uri="{FF2B5EF4-FFF2-40B4-BE49-F238E27FC236}">
-                <a16:creationId xmlns:a16="http://schemas.microsoft.com/office/drawing/2014/main" id="{F83BAFA1-C11B-4672-B510-037979FA2D38}"/>
+                <a16:creationId xmlns:a16="http://schemas.microsoft.com/office/drawing/2014/main" xmlns="" id="{F83BAFA1-C11B-4672-B510-037979FA2D38}"/>
               </a:ext>
             </a:extLst>
           </p:cNvPr>
@@ -14966,7 +15582,7 @@
           <p:cNvPr id="15" name="TextBox 14">
             <a:extLst>
               <a:ext uri="{FF2B5EF4-FFF2-40B4-BE49-F238E27FC236}">
-                <a16:creationId xmlns:a16="http://schemas.microsoft.com/office/drawing/2014/main" id="{F83BAFA1-C11B-4672-B510-037979FA2D38}"/>
+                <a16:creationId xmlns:a16="http://schemas.microsoft.com/office/drawing/2014/main" xmlns="" id="{F83BAFA1-C11B-4672-B510-037979FA2D38}"/>
               </a:ext>
             </a:extLst>
           </p:cNvPr>
@@ -15527,7 +16143,7 @@
           <p:cNvPr id="19" name="TextBox 18">
             <a:extLst>
               <a:ext uri="{FF2B5EF4-FFF2-40B4-BE49-F238E27FC236}">
-                <a16:creationId xmlns:a16="http://schemas.microsoft.com/office/drawing/2014/main" id="{8986025C-33B5-420E-8571-30E9B694F9D6}"/>
+                <a16:creationId xmlns:a16="http://schemas.microsoft.com/office/drawing/2014/main" xmlns="" id="{8986025C-33B5-420E-8571-30E9B694F9D6}"/>
               </a:ext>
             </a:extLst>
           </p:cNvPr>
@@ -15661,7 +16277,7 @@
           <p:cNvPr id="20" name="TextBox 19">
             <a:extLst>
               <a:ext uri="{FF2B5EF4-FFF2-40B4-BE49-F238E27FC236}">
-                <a16:creationId xmlns:a16="http://schemas.microsoft.com/office/drawing/2014/main" id="{A755E989-C399-4C3E-8C3C-99D86A6DD7A6}"/>
+                <a16:creationId xmlns:a16="http://schemas.microsoft.com/office/drawing/2014/main" xmlns="" id="{A755E989-C399-4C3E-8C3C-99D86A6DD7A6}"/>
               </a:ext>
             </a:extLst>
           </p:cNvPr>
@@ -15705,7 +16321,7 @@
           <p:cNvPr id="21" name="TextBox 20">
             <a:extLst>
               <a:ext uri="{FF2B5EF4-FFF2-40B4-BE49-F238E27FC236}">
-                <a16:creationId xmlns:a16="http://schemas.microsoft.com/office/drawing/2014/main" id="{0B7BD798-8506-4E9B-9F2C-2D0C106B44B7}"/>
+                <a16:creationId xmlns:a16="http://schemas.microsoft.com/office/drawing/2014/main" xmlns="" id="{0B7BD798-8506-4E9B-9F2C-2D0C106B44B7}"/>
               </a:ext>
             </a:extLst>
           </p:cNvPr>
@@ -15749,7 +16365,7 @@
           <p:cNvPr id="23" name="그룹 22">
             <a:extLst>
               <a:ext uri="{FF2B5EF4-FFF2-40B4-BE49-F238E27FC236}">
-                <a16:creationId xmlns:a16="http://schemas.microsoft.com/office/drawing/2014/main" id="{45DFA76C-B8B8-41ED-A698-F678D2E473F6}"/>
+                <a16:creationId xmlns:a16="http://schemas.microsoft.com/office/drawing/2014/main" xmlns="" id="{45DFA76C-B8B8-41ED-A698-F678D2E473F6}"/>
               </a:ext>
             </a:extLst>
           </p:cNvPr>
@@ -15769,7 +16385,7 @@
             <p:cNvPr id="27" name="왼쪽 대괄호 26">
               <a:extLst>
                 <a:ext uri="{FF2B5EF4-FFF2-40B4-BE49-F238E27FC236}">
-                  <a16:creationId xmlns:a16="http://schemas.microsoft.com/office/drawing/2014/main" id="{D86EB302-5797-4F6B-8A3E-FEF8994EAB1E}"/>
+                  <a16:creationId xmlns:a16="http://schemas.microsoft.com/office/drawing/2014/main" xmlns="" id="{D86EB302-5797-4F6B-8A3E-FEF8994EAB1E}"/>
                 </a:ext>
               </a:extLst>
             </p:cNvPr>
@@ -15814,7 +16430,7 @@
             <p:cNvPr id="28" name="직선 연결선 27">
               <a:extLst>
                 <a:ext uri="{FF2B5EF4-FFF2-40B4-BE49-F238E27FC236}">
-                  <a16:creationId xmlns:a16="http://schemas.microsoft.com/office/drawing/2014/main" id="{1E1F59BA-4705-4FD9-A233-41E5AACB6E37}"/>
+                  <a16:creationId xmlns:a16="http://schemas.microsoft.com/office/drawing/2014/main" xmlns="" id="{1E1F59BA-4705-4FD9-A233-41E5AACB6E37}"/>
                 </a:ext>
               </a:extLst>
             </p:cNvPr>
@@ -15854,7 +16470,7 @@
             <p:cNvPr id="29" name="직선 연결선 28">
               <a:extLst>
                 <a:ext uri="{FF2B5EF4-FFF2-40B4-BE49-F238E27FC236}">
-                  <a16:creationId xmlns:a16="http://schemas.microsoft.com/office/drawing/2014/main" id="{A10B7DDA-1933-484D-8115-5BA4163052E6}"/>
+                  <a16:creationId xmlns:a16="http://schemas.microsoft.com/office/drawing/2014/main" xmlns="" id="{A10B7DDA-1933-484D-8115-5BA4163052E6}"/>
                 </a:ext>
               </a:extLst>
             </p:cNvPr>
@@ -15896,7 +16512,7 @@
           <p:cNvPr id="30" name="그룹 29">
             <a:extLst>
               <a:ext uri="{FF2B5EF4-FFF2-40B4-BE49-F238E27FC236}">
-                <a16:creationId xmlns:a16="http://schemas.microsoft.com/office/drawing/2014/main" id="{48FEC500-5FF1-493C-BDF4-C865E2EC7A09}"/>
+                <a16:creationId xmlns:a16="http://schemas.microsoft.com/office/drawing/2014/main" xmlns="" id="{48FEC500-5FF1-493C-BDF4-C865E2EC7A09}"/>
               </a:ext>
             </a:extLst>
           </p:cNvPr>
@@ -15916,7 +16532,7 @@
             <p:cNvPr id="31" name="왼쪽 대괄호 30">
               <a:extLst>
                 <a:ext uri="{FF2B5EF4-FFF2-40B4-BE49-F238E27FC236}">
-                  <a16:creationId xmlns:a16="http://schemas.microsoft.com/office/drawing/2014/main" id="{01063EAE-E38F-4EC9-9475-66916B3B3123}"/>
+                  <a16:creationId xmlns:a16="http://schemas.microsoft.com/office/drawing/2014/main" xmlns="" id="{01063EAE-E38F-4EC9-9475-66916B3B3123}"/>
                 </a:ext>
               </a:extLst>
             </p:cNvPr>
@@ -15961,7 +16577,7 @@
             <p:cNvPr id="32" name="직선 연결선 31">
               <a:extLst>
                 <a:ext uri="{FF2B5EF4-FFF2-40B4-BE49-F238E27FC236}">
-                  <a16:creationId xmlns:a16="http://schemas.microsoft.com/office/drawing/2014/main" id="{54F49087-ABAD-401E-B117-F7F487048058}"/>
+                  <a16:creationId xmlns:a16="http://schemas.microsoft.com/office/drawing/2014/main" xmlns="" id="{54F49087-ABAD-401E-B117-F7F487048058}"/>
                 </a:ext>
               </a:extLst>
             </p:cNvPr>
@@ -16001,7 +16617,7 @@
             <p:cNvPr id="33" name="직선 연결선 32">
               <a:extLst>
                 <a:ext uri="{FF2B5EF4-FFF2-40B4-BE49-F238E27FC236}">
-                  <a16:creationId xmlns:a16="http://schemas.microsoft.com/office/drawing/2014/main" id="{858290EC-D6A0-475B-8DD0-F6E83B419BCF}"/>
+                  <a16:creationId xmlns:a16="http://schemas.microsoft.com/office/drawing/2014/main" xmlns="" id="{858290EC-D6A0-475B-8DD0-F6E83B419BCF}"/>
                 </a:ext>
               </a:extLst>
             </p:cNvPr>
@@ -16043,7 +16659,7 @@
           <p:cNvPr id="34" name="TextBox 33">
             <a:extLst>
               <a:ext uri="{FF2B5EF4-FFF2-40B4-BE49-F238E27FC236}">
-                <a16:creationId xmlns:a16="http://schemas.microsoft.com/office/drawing/2014/main" id="{0CA6E725-AACC-4602-A0D0-8D6F7A15E58C}"/>
+                <a16:creationId xmlns:a16="http://schemas.microsoft.com/office/drawing/2014/main" xmlns="" id="{0CA6E725-AACC-4602-A0D0-8D6F7A15E58C}"/>
               </a:ext>
             </a:extLst>
           </p:cNvPr>
@@ -16118,7 +16734,7 @@
           <p:cNvPr id="35" name="TextBox 34">
             <a:extLst>
               <a:ext uri="{FF2B5EF4-FFF2-40B4-BE49-F238E27FC236}">
-                <a16:creationId xmlns:a16="http://schemas.microsoft.com/office/drawing/2014/main" id="{591A70DD-FF4F-4EF4-A722-C5D09D4E97AE}"/>
+                <a16:creationId xmlns:a16="http://schemas.microsoft.com/office/drawing/2014/main" xmlns="" id="{591A70DD-FF4F-4EF4-A722-C5D09D4E97AE}"/>
               </a:ext>
             </a:extLst>
           </p:cNvPr>
@@ -16162,7 +16778,7 @@
           <p:cNvPr id="36" name="TextBox 35">
             <a:extLst>
               <a:ext uri="{FF2B5EF4-FFF2-40B4-BE49-F238E27FC236}">
-                <a16:creationId xmlns:a16="http://schemas.microsoft.com/office/drawing/2014/main" id="{13C29E25-1F8B-4525-80A4-9EAEE3797165}"/>
+                <a16:creationId xmlns:a16="http://schemas.microsoft.com/office/drawing/2014/main" xmlns="" id="{13C29E25-1F8B-4525-80A4-9EAEE3797165}"/>
               </a:ext>
             </a:extLst>
           </p:cNvPr>
@@ -16211,6 +16827,13 @@
   <p:clrMapOvr>
     <a:masterClrMapping/>
   </p:clrMapOvr>
+  <p:timing>
+    <p:tnLst>
+      <p:par>
+        <p:cTn id="1" dur="indefinite" restart="never" nodeType="tmRoot"/>
+      </p:par>
+    </p:tnLst>
+  </p:timing>
 </p:sld>
 </file>
 
@@ -16236,7 +16859,7 @@
           <p:cNvPr id="2" name="제목 1">
             <a:extLst>
               <a:ext uri="{FF2B5EF4-FFF2-40B4-BE49-F238E27FC236}">
-                <a16:creationId xmlns:a16="http://schemas.microsoft.com/office/drawing/2014/main" id="{46EF07D7-2C4E-4DE1-B52F-9ACD386C79CB}"/>
+                <a16:creationId xmlns:a16="http://schemas.microsoft.com/office/drawing/2014/main" xmlns="" id="{46EF07D7-2C4E-4DE1-B52F-9ACD386C79CB}"/>
               </a:ext>
             </a:extLst>
           </p:cNvPr>
@@ -16275,7 +16898,7 @@
           <p:cNvPr id="5" name="TextBox 4">
             <a:extLst>
               <a:ext uri="{FF2B5EF4-FFF2-40B4-BE49-F238E27FC236}">
-                <a16:creationId xmlns:a16="http://schemas.microsoft.com/office/drawing/2014/main" id="{F83BAFA1-C11B-4672-B510-037979FA2D38}"/>
+                <a16:creationId xmlns:a16="http://schemas.microsoft.com/office/drawing/2014/main" xmlns="" id="{F83BAFA1-C11B-4672-B510-037979FA2D38}"/>
               </a:ext>
             </a:extLst>
           </p:cNvPr>
@@ -16327,7 +16950,7 @@
           <p:cNvPr id="15" name="TextBox 14">
             <a:extLst>
               <a:ext uri="{FF2B5EF4-FFF2-40B4-BE49-F238E27FC236}">
-                <a16:creationId xmlns:a16="http://schemas.microsoft.com/office/drawing/2014/main" id="{F83BAFA1-C11B-4672-B510-037979FA2D38}"/>
+                <a16:creationId xmlns:a16="http://schemas.microsoft.com/office/drawing/2014/main" xmlns="" id="{F83BAFA1-C11B-4672-B510-037979FA2D38}"/>
               </a:ext>
             </a:extLst>
           </p:cNvPr>
@@ -17425,7 +18048,7 @@
           <p:cNvPr id="6" name="그림 5">
             <a:extLst>
               <a:ext uri="{FF2B5EF4-FFF2-40B4-BE49-F238E27FC236}">
-                <a16:creationId xmlns:a16="http://schemas.microsoft.com/office/drawing/2014/main" id="{A7C6FE3B-9BB4-4683-B450-2D239A982C68}"/>
+                <a16:creationId xmlns:a16="http://schemas.microsoft.com/office/drawing/2014/main" xmlns="" id="{A7C6FE3B-9BB4-4683-B450-2D239A982C68}"/>
               </a:ext>
             </a:extLst>
           </p:cNvPr>
@@ -17455,7 +18078,7 @@
           <p:cNvPr id="9" name="그림 8">
             <a:extLst>
               <a:ext uri="{FF2B5EF4-FFF2-40B4-BE49-F238E27FC236}">
-                <a16:creationId xmlns:a16="http://schemas.microsoft.com/office/drawing/2014/main" id="{EC34B117-4DC8-40F9-81DD-5E9FB5E82B73}"/>
+                <a16:creationId xmlns:a16="http://schemas.microsoft.com/office/drawing/2014/main" xmlns="" id="{EC34B117-4DC8-40F9-81DD-5E9FB5E82B73}"/>
               </a:ext>
             </a:extLst>
           </p:cNvPr>
@@ -17490,6 +18113,13 @@
   <p:clrMapOvr>
     <a:masterClrMapping/>
   </p:clrMapOvr>
+  <p:timing>
+    <p:tnLst>
+      <p:par>
+        <p:cTn id="1" dur="indefinite" restart="never" nodeType="tmRoot"/>
+      </p:par>
+    </p:tnLst>
+  </p:timing>
 </p:sld>
 </file>
 
@@ -17515,7 +18145,7 @@
           <p:cNvPr id="2" name="제목 1">
             <a:extLst>
               <a:ext uri="{FF2B5EF4-FFF2-40B4-BE49-F238E27FC236}">
-                <a16:creationId xmlns:a16="http://schemas.microsoft.com/office/drawing/2014/main" id="{46EF07D7-2C4E-4DE1-B52F-9ACD386C79CB}"/>
+                <a16:creationId xmlns:a16="http://schemas.microsoft.com/office/drawing/2014/main" xmlns="" id="{46EF07D7-2C4E-4DE1-B52F-9ACD386C79CB}"/>
               </a:ext>
             </a:extLst>
           </p:cNvPr>
@@ -17554,7 +18184,7 @@
           <p:cNvPr id="5" name="TextBox 4">
             <a:extLst>
               <a:ext uri="{FF2B5EF4-FFF2-40B4-BE49-F238E27FC236}">
-                <a16:creationId xmlns:a16="http://schemas.microsoft.com/office/drawing/2014/main" id="{F83BAFA1-C11B-4672-B510-037979FA2D38}"/>
+                <a16:creationId xmlns:a16="http://schemas.microsoft.com/office/drawing/2014/main" xmlns="" id="{F83BAFA1-C11B-4672-B510-037979FA2D38}"/>
               </a:ext>
             </a:extLst>
           </p:cNvPr>
@@ -17586,8 +18216,12 @@
               <a:t> </a:t>
             </a:r>
             <a:r>
-              <a:rPr lang="en-US" altLang="ko-KR" sz="2400" dirty="0"/>
-              <a:t>Stack </a:t>
+              <a:rPr lang="en-US" altLang="ko-KR" sz="2400" dirty="0" smtClean="0"/>
+              <a:t>Queue</a:t>
+            </a:r>
+            <a:r>
+              <a:rPr lang="en-US" altLang="ko-KR" sz="2400" dirty="0" smtClean="0"/>
+              <a:t> </a:t>
             </a:r>
             <a:r>
               <a:rPr lang="ko-KR" altLang="en-US" sz="2400" dirty="0"/>
@@ -17598,113 +18232,6 @@
               <a:t>]</a:t>
             </a:r>
             <a:endParaRPr lang="ko-KR" altLang="en-US" sz="2400" dirty="0"/>
-          </a:p>
-        </p:txBody>
-      </p:sp>
-      <p:sp>
-        <p:nvSpPr>
-          <p:cNvPr id="15" name="TextBox 14">
-            <a:extLst>
-              <a:ext uri="{FF2B5EF4-FFF2-40B4-BE49-F238E27FC236}">
-                <a16:creationId xmlns:a16="http://schemas.microsoft.com/office/drawing/2014/main" id="{F83BAFA1-C11B-4672-B510-037979FA2D38}"/>
-              </a:ext>
-            </a:extLst>
-          </p:cNvPr>
-          <p:cNvSpPr txBox="1"/>
-          <p:nvPr/>
-        </p:nvSpPr>
-        <p:spPr>
-          <a:xfrm>
-            <a:off x="769620" y="933872"/>
-            <a:ext cx="4486656" cy="615553"/>
-          </a:xfrm>
-          <a:prstGeom prst="rect">
-            <a:avLst/>
-          </a:prstGeom>
-          <a:noFill/>
-        </p:spPr>
-        <p:txBody>
-          <a:bodyPr wrap="square" rtlCol="0">
-            <a:spAutoFit/>
-          </a:bodyPr>
-          <a:lstStyle/>
-          <a:p>
-            <a:r>
-              <a:rPr lang="en-US" altLang="ko-KR" sz="2000" dirty="0">
-                <a:solidFill>
-                  <a:schemeClr val="bg1"/>
-                </a:solidFill>
-              </a:rPr>
-              <a:t>From : </a:t>
-            </a:r>
-            <a:r>
-              <a:rPr lang="ko-KR" altLang="en-US" sz="2000" dirty="0">
-                <a:solidFill>
-                  <a:schemeClr val="bg1"/>
-                </a:solidFill>
-              </a:rPr>
-              <a:t>백준 알고리즘 </a:t>
-            </a:r>
-            <a:r>
-              <a:rPr lang="en-US" altLang="ko-KR" sz="2000" dirty="0">
-                <a:solidFill>
-                  <a:schemeClr val="bg1"/>
-                </a:solidFill>
-              </a:rPr>
-              <a:t>10828</a:t>
-            </a:r>
-            <a:r>
-              <a:rPr lang="ko-KR" altLang="en-US" sz="2000" dirty="0">
-                <a:solidFill>
-                  <a:schemeClr val="bg1"/>
-                </a:solidFill>
-              </a:rPr>
-              <a:t>번 </a:t>
-            </a:r>
-            <a:r>
-              <a:rPr lang="en-US" altLang="ko-KR" sz="2000" dirty="0">
-                <a:solidFill>
-                  <a:schemeClr val="bg1"/>
-                </a:solidFill>
-              </a:rPr>
-              <a:t>– </a:t>
-            </a:r>
-            <a:r>
-              <a:rPr lang="ko-KR" altLang="en-US" sz="2000" dirty="0" err="1">
-                <a:solidFill>
-                  <a:schemeClr val="bg1"/>
-                </a:solidFill>
-              </a:rPr>
-              <a:t>스택</a:t>
-            </a:r>
-            <a:endParaRPr lang="en-US" altLang="ko-KR" sz="2000" dirty="0">
-              <a:solidFill>
-                <a:schemeClr val="bg1"/>
-              </a:solidFill>
-            </a:endParaRPr>
-          </a:p>
-          <a:p>
-            <a:r>
-              <a:rPr lang="en-US" altLang="ko-KR" sz="1400" dirty="0">
-                <a:solidFill>
-                  <a:schemeClr val="bg1"/>
-                </a:solidFill>
-              </a:rPr>
-              <a:t>(https://www.acmicpc.net/problem/10845 )</a:t>
-            </a:r>
-            <a:r>
-              <a:rPr lang="ko-KR" altLang="en-US" sz="1400" dirty="0">
-                <a:solidFill>
-                  <a:schemeClr val="bg1"/>
-                </a:solidFill>
-              </a:rPr>
-              <a:t> </a:t>
-            </a:r>
-            <a:endParaRPr lang="en-US" altLang="ko-KR" sz="1400" dirty="0">
-              <a:solidFill>
-                <a:schemeClr val="bg1"/>
-              </a:solidFill>
-            </a:endParaRPr>
           </a:p>
         </p:txBody>
       </p:sp>
@@ -18011,7 +18538,7 @@
           <p:cNvPr id="19" name="TextBox 18">
             <a:extLst>
               <a:ext uri="{FF2B5EF4-FFF2-40B4-BE49-F238E27FC236}">
-                <a16:creationId xmlns:a16="http://schemas.microsoft.com/office/drawing/2014/main" id="{8986025C-33B5-420E-8571-30E9B694F9D6}"/>
+                <a16:creationId xmlns:a16="http://schemas.microsoft.com/office/drawing/2014/main" xmlns="" id="{8986025C-33B5-420E-8571-30E9B694F9D6}"/>
               </a:ext>
             </a:extLst>
           </p:cNvPr>
@@ -18129,7 +18656,7 @@
           <p:cNvPr id="20" name="TextBox 19">
             <a:extLst>
               <a:ext uri="{FF2B5EF4-FFF2-40B4-BE49-F238E27FC236}">
-                <a16:creationId xmlns:a16="http://schemas.microsoft.com/office/drawing/2014/main" id="{A755E989-C399-4C3E-8C3C-99D86A6DD7A6}"/>
+                <a16:creationId xmlns:a16="http://schemas.microsoft.com/office/drawing/2014/main" xmlns="" id="{A755E989-C399-4C3E-8C3C-99D86A6DD7A6}"/>
               </a:ext>
             </a:extLst>
           </p:cNvPr>
@@ -18173,7 +18700,7 @@
           <p:cNvPr id="21" name="TextBox 20">
             <a:extLst>
               <a:ext uri="{FF2B5EF4-FFF2-40B4-BE49-F238E27FC236}">
-                <a16:creationId xmlns:a16="http://schemas.microsoft.com/office/drawing/2014/main" id="{0B7BD798-8506-4E9B-9F2C-2D0C106B44B7}"/>
+                <a16:creationId xmlns:a16="http://schemas.microsoft.com/office/drawing/2014/main" xmlns="" id="{0B7BD798-8506-4E9B-9F2C-2D0C106B44B7}"/>
               </a:ext>
             </a:extLst>
           </p:cNvPr>
@@ -18217,7 +18744,7 @@
           <p:cNvPr id="34" name="TextBox 33">
             <a:extLst>
               <a:ext uri="{FF2B5EF4-FFF2-40B4-BE49-F238E27FC236}">
-                <a16:creationId xmlns:a16="http://schemas.microsoft.com/office/drawing/2014/main" id="{0CA6E725-AACC-4602-A0D0-8D6F7A15E58C}"/>
+                <a16:creationId xmlns:a16="http://schemas.microsoft.com/office/drawing/2014/main" xmlns="" id="{0CA6E725-AACC-4602-A0D0-8D6F7A15E58C}"/>
               </a:ext>
             </a:extLst>
           </p:cNvPr>
@@ -18292,7 +18819,7 @@
           <p:cNvPr id="35" name="TextBox 34">
             <a:extLst>
               <a:ext uri="{FF2B5EF4-FFF2-40B4-BE49-F238E27FC236}">
-                <a16:creationId xmlns:a16="http://schemas.microsoft.com/office/drawing/2014/main" id="{591A70DD-FF4F-4EF4-A722-C5D09D4E97AE}"/>
+                <a16:creationId xmlns:a16="http://schemas.microsoft.com/office/drawing/2014/main" xmlns="" id="{591A70DD-FF4F-4EF4-A722-C5D09D4E97AE}"/>
               </a:ext>
             </a:extLst>
           </p:cNvPr>
@@ -18336,7 +18863,7 @@
           <p:cNvPr id="36" name="TextBox 35">
             <a:extLst>
               <a:ext uri="{FF2B5EF4-FFF2-40B4-BE49-F238E27FC236}">
-                <a16:creationId xmlns:a16="http://schemas.microsoft.com/office/drawing/2014/main" id="{13C29E25-1F8B-4525-80A4-9EAEE3797165}"/>
+                <a16:creationId xmlns:a16="http://schemas.microsoft.com/office/drawing/2014/main" xmlns="" id="{13C29E25-1F8B-4525-80A4-9EAEE3797165}"/>
               </a:ext>
             </a:extLst>
           </p:cNvPr>
@@ -18380,7 +18907,7 @@
           <p:cNvPr id="4" name="그림 3">
             <a:extLst>
               <a:ext uri="{FF2B5EF4-FFF2-40B4-BE49-F238E27FC236}">
-                <a16:creationId xmlns:a16="http://schemas.microsoft.com/office/drawing/2014/main" id="{704334B2-F34D-4087-909D-1B67D089F96E}"/>
+                <a16:creationId xmlns:a16="http://schemas.microsoft.com/office/drawing/2014/main" xmlns="" id="{704334B2-F34D-4087-909D-1B67D089F96E}"/>
               </a:ext>
             </a:extLst>
           </p:cNvPr>
@@ -18410,7 +18937,7 @@
           <p:cNvPr id="7" name="그림 6">
             <a:extLst>
               <a:ext uri="{FF2B5EF4-FFF2-40B4-BE49-F238E27FC236}">
-                <a16:creationId xmlns:a16="http://schemas.microsoft.com/office/drawing/2014/main" id="{8E2E71F8-1BF6-472D-B3E4-020AFF2A5ECD}"/>
+                <a16:creationId xmlns:a16="http://schemas.microsoft.com/office/drawing/2014/main" xmlns="" id="{8E2E71F8-1BF6-472D-B3E4-020AFF2A5ECD}"/>
               </a:ext>
             </a:extLst>
           </p:cNvPr>
@@ -18565,7 +19092,7 @@
           <p:cNvPr id="23" name="그룹 22">
             <a:extLst>
               <a:ext uri="{FF2B5EF4-FFF2-40B4-BE49-F238E27FC236}">
-                <a16:creationId xmlns:a16="http://schemas.microsoft.com/office/drawing/2014/main" id="{45DFA76C-B8B8-41ED-A698-F678D2E473F6}"/>
+                <a16:creationId xmlns:a16="http://schemas.microsoft.com/office/drawing/2014/main" xmlns="" id="{45DFA76C-B8B8-41ED-A698-F678D2E473F6}"/>
               </a:ext>
             </a:extLst>
           </p:cNvPr>
@@ -18585,7 +19112,7 @@
             <p:cNvPr id="27" name="왼쪽 대괄호 26">
               <a:extLst>
                 <a:ext uri="{FF2B5EF4-FFF2-40B4-BE49-F238E27FC236}">
-                  <a16:creationId xmlns:a16="http://schemas.microsoft.com/office/drawing/2014/main" id="{D86EB302-5797-4F6B-8A3E-FEF8994EAB1E}"/>
+                  <a16:creationId xmlns:a16="http://schemas.microsoft.com/office/drawing/2014/main" xmlns="" id="{D86EB302-5797-4F6B-8A3E-FEF8994EAB1E}"/>
                 </a:ext>
               </a:extLst>
             </p:cNvPr>
@@ -18630,7 +19157,7 @@
             <p:cNvPr id="28" name="직선 연결선 27">
               <a:extLst>
                 <a:ext uri="{FF2B5EF4-FFF2-40B4-BE49-F238E27FC236}">
-                  <a16:creationId xmlns:a16="http://schemas.microsoft.com/office/drawing/2014/main" id="{1E1F59BA-4705-4FD9-A233-41E5AACB6E37}"/>
+                  <a16:creationId xmlns:a16="http://schemas.microsoft.com/office/drawing/2014/main" xmlns="" id="{1E1F59BA-4705-4FD9-A233-41E5AACB6E37}"/>
                 </a:ext>
               </a:extLst>
             </p:cNvPr>
@@ -18670,7 +19197,7 @@
             <p:cNvPr id="29" name="직선 연결선 28">
               <a:extLst>
                 <a:ext uri="{FF2B5EF4-FFF2-40B4-BE49-F238E27FC236}">
-                  <a16:creationId xmlns:a16="http://schemas.microsoft.com/office/drawing/2014/main" id="{A10B7DDA-1933-484D-8115-5BA4163052E6}"/>
+                  <a16:creationId xmlns:a16="http://schemas.microsoft.com/office/drawing/2014/main" xmlns="" id="{A10B7DDA-1933-484D-8115-5BA4163052E6}"/>
                 </a:ext>
               </a:extLst>
             </p:cNvPr>
@@ -18714,7 +19241,7 @@
           <p:cNvPr id="30" name="그룹 29">
             <a:extLst>
               <a:ext uri="{FF2B5EF4-FFF2-40B4-BE49-F238E27FC236}">
-                <a16:creationId xmlns:a16="http://schemas.microsoft.com/office/drawing/2014/main" id="{48FEC500-5FF1-493C-BDF4-C865E2EC7A09}"/>
+                <a16:creationId xmlns:a16="http://schemas.microsoft.com/office/drawing/2014/main" xmlns="" id="{48FEC500-5FF1-493C-BDF4-C865E2EC7A09}"/>
               </a:ext>
             </a:extLst>
           </p:cNvPr>
@@ -18734,7 +19261,7 @@
             <p:cNvPr id="31" name="왼쪽 대괄호 30">
               <a:extLst>
                 <a:ext uri="{FF2B5EF4-FFF2-40B4-BE49-F238E27FC236}">
-                  <a16:creationId xmlns:a16="http://schemas.microsoft.com/office/drawing/2014/main" id="{01063EAE-E38F-4EC9-9475-66916B3B3123}"/>
+                  <a16:creationId xmlns:a16="http://schemas.microsoft.com/office/drawing/2014/main" xmlns="" id="{01063EAE-E38F-4EC9-9475-66916B3B3123}"/>
                 </a:ext>
               </a:extLst>
             </p:cNvPr>
@@ -18779,7 +19306,7 @@
             <p:cNvPr id="32" name="직선 연결선 31">
               <a:extLst>
                 <a:ext uri="{FF2B5EF4-FFF2-40B4-BE49-F238E27FC236}">
-                  <a16:creationId xmlns:a16="http://schemas.microsoft.com/office/drawing/2014/main" id="{54F49087-ABAD-401E-B117-F7F487048058}"/>
+                  <a16:creationId xmlns:a16="http://schemas.microsoft.com/office/drawing/2014/main" xmlns="" id="{54F49087-ABAD-401E-B117-F7F487048058}"/>
                 </a:ext>
               </a:extLst>
             </p:cNvPr>
@@ -18819,7 +19346,7 @@
             <p:cNvPr id="33" name="직선 연결선 32">
               <a:extLst>
                 <a:ext uri="{FF2B5EF4-FFF2-40B4-BE49-F238E27FC236}">
-                  <a16:creationId xmlns:a16="http://schemas.microsoft.com/office/drawing/2014/main" id="{858290EC-D6A0-475B-8DD0-F6E83B419BCF}"/>
+                  <a16:creationId xmlns:a16="http://schemas.microsoft.com/office/drawing/2014/main" xmlns="" id="{858290EC-D6A0-475B-8DD0-F6E83B419BCF}"/>
                 </a:ext>
               </a:extLst>
             </p:cNvPr>
@@ -18858,6 +19385,113 @@
           </p:style>
         </p:cxnSp>
       </p:grpSp>
+      <p:sp>
+        <p:nvSpPr>
+          <p:cNvPr id="37" name="TextBox 36">
+            <a:extLst>
+              <a:ext uri="{FF2B5EF4-FFF2-40B4-BE49-F238E27FC236}">
+                <a16:creationId xmlns:a16="http://schemas.microsoft.com/office/drawing/2014/main" xmlns="" id="{F83BAFA1-C11B-4672-B510-037979FA2D38}"/>
+              </a:ext>
+            </a:extLst>
+          </p:cNvPr>
+          <p:cNvSpPr txBox="1"/>
+          <p:nvPr/>
+        </p:nvSpPr>
+        <p:spPr>
+          <a:xfrm>
+            <a:off x="769620" y="933872"/>
+            <a:ext cx="4486656" cy="615553"/>
+          </a:xfrm>
+          <a:prstGeom prst="rect">
+            <a:avLst/>
+          </a:prstGeom>
+          <a:noFill/>
+        </p:spPr>
+        <p:txBody>
+          <a:bodyPr wrap="square" rtlCol="0">
+            <a:spAutoFit/>
+          </a:bodyPr>
+          <a:lstStyle/>
+          <a:p>
+            <a:r>
+              <a:rPr lang="en-US" altLang="ko-KR" sz="2000" dirty="0">
+                <a:solidFill>
+                  <a:schemeClr val="bg1"/>
+                </a:solidFill>
+              </a:rPr>
+              <a:t>From : </a:t>
+            </a:r>
+            <a:r>
+              <a:rPr lang="ko-KR" altLang="en-US" sz="2000" dirty="0">
+                <a:solidFill>
+                  <a:schemeClr val="bg1"/>
+                </a:solidFill>
+              </a:rPr>
+              <a:t>백준 알고리즘 </a:t>
+            </a:r>
+            <a:r>
+              <a:rPr lang="en-US" altLang="ko-KR" sz="2000" dirty="0">
+                <a:solidFill>
+                  <a:schemeClr val="bg1"/>
+                </a:solidFill>
+              </a:rPr>
+              <a:t>10845</a:t>
+            </a:r>
+            <a:r>
+              <a:rPr lang="ko-KR" altLang="en-US" sz="2000" dirty="0">
+                <a:solidFill>
+                  <a:schemeClr val="bg1"/>
+                </a:solidFill>
+              </a:rPr>
+              <a:t>번 </a:t>
+            </a:r>
+            <a:r>
+              <a:rPr lang="en-US" altLang="ko-KR" sz="2000" dirty="0">
+                <a:solidFill>
+                  <a:schemeClr val="bg1"/>
+                </a:solidFill>
+              </a:rPr>
+              <a:t>– </a:t>
+            </a:r>
+            <a:r>
+              <a:rPr lang="ko-KR" altLang="en-US" sz="2000" dirty="0">
+                <a:solidFill>
+                  <a:schemeClr val="bg1"/>
+                </a:solidFill>
+              </a:rPr>
+              <a:t>큐</a:t>
+            </a:r>
+            <a:endParaRPr lang="en-US" altLang="ko-KR" sz="2000" dirty="0">
+              <a:solidFill>
+                <a:schemeClr val="bg1"/>
+              </a:solidFill>
+            </a:endParaRPr>
+          </a:p>
+          <a:p>
+            <a:r>
+              <a:rPr lang="en-US" altLang="ko-KR" sz="1400" dirty="0">
+                <a:solidFill>
+                  <a:schemeClr val="bg1"/>
+                </a:solidFill>
+              </a:rPr>
+              <a:t>(https://www.acmicpc.net/problem/10845)</a:t>
+            </a:r>
+            <a:r>
+              <a:rPr lang="ko-KR" altLang="en-US" sz="1400" dirty="0">
+                <a:solidFill>
+                  <a:schemeClr val="bg1"/>
+                </a:solidFill>
+              </a:rPr>
+              <a:t> </a:t>
+            </a:r>
+            <a:endParaRPr lang="en-US" altLang="ko-KR" sz="1400" dirty="0">
+              <a:solidFill>
+                <a:schemeClr val="bg1"/>
+              </a:solidFill>
+            </a:endParaRPr>
+          </a:p>
+        </p:txBody>
+      </p:sp>
     </p:spTree>
     <p:extLst>
       <p:ext uri="{BB962C8B-B14F-4D97-AF65-F5344CB8AC3E}">
@@ -18868,6 +19502,2284 @@
   <p:clrMapOvr>
     <a:masterClrMapping/>
   </p:clrMapOvr>
+  <p:timing>
+    <p:tnLst>
+      <p:par>
+        <p:cTn id="1" dur="indefinite" restart="never" nodeType="tmRoot"/>
+      </p:par>
+    </p:tnLst>
+  </p:timing>
+</p:sld>
+</file>
+
+<file path=ppt/slides/slide27.xml><?xml version="1.0" encoding="utf-8"?>
+<p:sld xmlns:a="http://schemas.openxmlformats.org/drawingml/2006/main" xmlns:r="http://schemas.openxmlformats.org/officeDocument/2006/relationships" xmlns:p="http://schemas.openxmlformats.org/presentationml/2006/main">
+  <p:cSld>
+    <p:spTree>
+      <p:nvGrpSpPr>
+        <p:cNvPr id="1" name=""/>
+        <p:cNvGrpSpPr/>
+        <p:nvPr/>
+      </p:nvGrpSpPr>
+      <p:grpSpPr>
+        <a:xfrm>
+          <a:off x="0" y="0"/>
+          <a:ext cx="0" cy="0"/>
+          <a:chOff x="0" y="0"/>
+          <a:chExt cx="0" cy="0"/>
+        </a:xfrm>
+      </p:grpSpPr>
+      <p:sp>
+        <p:nvSpPr>
+          <p:cNvPr id="2" name="제목 1">
+            <a:extLst>
+              <a:ext uri="{FF2B5EF4-FFF2-40B4-BE49-F238E27FC236}">
+                <a16:creationId xmlns:a16="http://schemas.microsoft.com/office/drawing/2014/main" xmlns="" id="{46EF07D7-2C4E-4DE1-B52F-9ACD386C79CB}"/>
+              </a:ext>
+            </a:extLst>
+          </p:cNvPr>
+          <p:cNvSpPr>
+            <a:spLocks noGrp="1"/>
+          </p:cNvSpPr>
+          <p:nvPr>
+            <p:ph type="title"/>
+          </p:nvPr>
+        </p:nvSpPr>
+        <p:spPr>
+          <a:xfrm>
+            <a:off x="769620" y="189946"/>
+            <a:ext cx="4486656" cy="513440"/>
+          </a:xfrm>
+        </p:spPr>
+        <p:txBody>
+          <a:bodyPr>
+            <a:normAutofit fontScale="90000"/>
+          </a:bodyPr>
+          <a:lstStyle/>
+          <a:p>
+            <a:r>
+              <a:rPr lang="en-US" altLang="ko-KR" dirty="0"/>
+              <a:t>3</a:t>
+            </a:r>
+            <a:r>
+              <a:rPr lang="en-US" altLang="ko-KR" dirty="0" smtClean="0"/>
+              <a:t>. </a:t>
+            </a:r>
+            <a:r>
+              <a:rPr lang="ko-KR" altLang="en-US" dirty="0" smtClean="0"/>
+              <a:t>기출문제 풀어보기 </a:t>
+            </a:r>
+            <a:endParaRPr lang="ko-KR" altLang="en-US" dirty="0"/>
+          </a:p>
+        </p:txBody>
+      </p:sp>
+      <p:sp>
+        <p:nvSpPr>
+          <p:cNvPr id="10" name="TextBox 9"/>
+          <p:cNvSpPr txBox="1"/>
+          <p:nvPr/>
+        </p:nvSpPr>
+        <p:spPr>
+          <a:xfrm>
+            <a:off x="414235" y="1078523"/>
+            <a:ext cx="5197426" cy="523220"/>
+          </a:xfrm>
+          <a:prstGeom prst="rect">
+            <a:avLst/>
+          </a:prstGeom>
+          <a:noFill/>
+        </p:spPr>
+        <p:txBody>
+          <a:bodyPr wrap="square" rtlCol="0">
+            <a:spAutoFit/>
+          </a:bodyPr>
+          <a:lstStyle/>
+          <a:p>
+            <a:pPr algn="ctr"/>
+            <a:r>
+              <a:rPr lang="ko-KR" altLang="en-US" sz="2800" dirty="0" smtClean="0">
+                <a:solidFill>
+                  <a:schemeClr val="bg1"/>
+                </a:solidFill>
+              </a:rPr>
+              <a:t>다리를 지나는 트럭 </a:t>
+            </a:r>
+            <a:endParaRPr lang="en-US" altLang="ko-KR" sz="2800" dirty="0">
+              <a:solidFill>
+                <a:schemeClr val="bg1"/>
+              </a:solidFill>
+            </a:endParaRPr>
+          </a:p>
+        </p:txBody>
+      </p:sp>
+      <p:sp>
+        <p:nvSpPr>
+          <p:cNvPr id="37" name="TextBox 36">
+            <a:extLst>
+              <a:ext uri="{FF2B5EF4-FFF2-40B4-BE49-F238E27FC236}">
+                <a16:creationId xmlns:a16="http://schemas.microsoft.com/office/drawing/2014/main" xmlns="" id="{F83BAFA1-C11B-4672-B510-037979FA2D38}"/>
+              </a:ext>
+            </a:extLst>
+          </p:cNvPr>
+          <p:cNvSpPr txBox="1"/>
+          <p:nvPr/>
+        </p:nvSpPr>
+        <p:spPr>
+          <a:xfrm>
+            <a:off x="0" y="5856549"/>
+            <a:ext cx="6488138" cy="769441"/>
+          </a:xfrm>
+          <a:prstGeom prst="rect">
+            <a:avLst/>
+          </a:prstGeom>
+          <a:noFill/>
+        </p:spPr>
+        <p:txBody>
+          <a:bodyPr wrap="square" rtlCol="0">
+            <a:spAutoFit/>
+          </a:bodyPr>
+          <a:lstStyle/>
+          <a:p>
+            <a:r>
+              <a:rPr lang="ko-KR" altLang="en-US" sz="1600" dirty="0" smtClean="0">
+                <a:solidFill>
+                  <a:schemeClr val="bg1"/>
+                </a:solidFill>
+              </a:rPr>
+              <a:t>출처 </a:t>
+            </a:r>
+            <a:endParaRPr lang="en-US" altLang="ko-KR" sz="1600" dirty="0">
+              <a:solidFill>
+                <a:schemeClr val="bg1"/>
+              </a:solidFill>
+            </a:endParaRPr>
+          </a:p>
+          <a:p>
+            <a:pPr marL="285750" indent="-285750">
+              <a:buFontTx/>
+              <a:buChar char="-"/>
+            </a:pPr>
+            <a:r>
+              <a:rPr lang="en-US" altLang="ko-KR" sz="1400" dirty="0">
+                <a:solidFill>
+                  <a:schemeClr val="bg1"/>
+                </a:solidFill>
+              </a:rPr>
+              <a:t>https://programmers.co.kr/learn/courses/30/lessons/42583</a:t>
+            </a:r>
+          </a:p>
+          <a:p>
+            <a:pPr marL="285750" indent="-285750">
+              <a:buFontTx/>
+              <a:buChar char="-"/>
+            </a:pPr>
+            <a:r>
+              <a:rPr lang="en-US" altLang="ko-KR" sz="1400" dirty="0" smtClean="0">
+                <a:solidFill>
+                  <a:schemeClr val="bg1"/>
+                </a:solidFill>
+              </a:rPr>
+              <a:t>https</a:t>
+            </a:r>
+            <a:r>
+              <a:rPr lang="en-US" altLang="ko-KR" sz="1400" dirty="0">
+                <a:solidFill>
+                  <a:schemeClr val="bg1"/>
+                </a:solidFill>
+              </a:rPr>
+              <a:t>://smecsm.tistory.com/91</a:t>
+            </a:r>
+            <a:endParaRPr lang="en-US" altLang="ko-KR" sz="1400" dirty="0" smtClean="0">
+              <a:solidFill>
+                <a:schemeClr val="bg1"/>
+              </a:solidFill>
+            </a:endParaRPr>
+          </a:p>
+        </p:txBody>
+      </p:sp>
+      <p:sp>
+        <p:nvSpPr>
+          <p:cNvPr id="6" name="직사각형 5"/>
+          <p:cNvSpPr/>
+          <p:nvPr/>
+        </p:nvSpPr>
+        <p:spPr>
+          <a:xfrm>
+            <a:off x="196069" y="1725986"/>
+            <a:ext cx="6096000" cy="3785652"/>
+          </a:xfrm>
+          <a:prstGeom prst="rect">
+            <a:avLst/>
+          </a:prstGeom>
+        </p:spPr>
+        <p:txBody>
+          <a:bodyPr>
+            <a:spAutoFit/>
+          </a:bodyPr>
+          <a:lstStyle/>
+          <a:p>
+            <a:r>
+              <a:rPr lang="ko-KR" altLang="en-US" dirty="0">
+                <a:solidFill>
+                  <a:schemeClr val="bg1"/>
+                </a:solidFill>
+              </a:rPr>
+              <a:t>문제 </a:t>
+            </a:r>
+            <a:r>
+              <a:rPr lang="ko-KR" altLang="en-US" dirty="0" smtClean="0">
+                <a:solidFill>
+                  <a:schemeClr val="bg1"/>
+                </a:solidFill>
+              </a:rPr>
+              <a:t>설명</a:t>
+            </a:r>
+            <a:endParaRPr lang="en-US" altLang="ko-KR" dirty="0" smtClean="0">
+              <a:solidFill>
+                <a:schemeClr val="bg1"/>
+              </a:solidFill>
+            </a:endParaRPr>
+          </a:p>
+          <a:p>
+            <a:endParaRPr lang="en-US" altLang="ko-KR" dirty="0" smtClean="0">
+              <a:solidFill>
+                <a:schemeClr val="bg1"/>
+              </a:solidFill>
+            </a:endParaRPr>
+          </a:p>
+          <a:p>
+            <a:r>
+              <a:rPr lang="ko-KR" altLang="en-US" sz="1700" dirty="0" smtClean="0">
+                <a:solidFill>
+                  <a:schemeClr val="bg1"/>
+                </a:solidFill>
+              </a:rPr>
+              <a:t>트럭 </a:t>
+            </a:r>
+            <a:r>
+              <a:rPr lang="ko-KR" altLang="en-US" sz="1700" dirty="0">
+                <a:solidFill>
+                  <a:schemeClr val="bg1"/>
+                </a:solidFill>
+              </a:rPr>
+              <a:t>여러 대가 강을 가로지르는 일 차선 다리를 정해진 순으로 건너려 합니다</a:t>
+            </a:r>
+            <a:r>
+              <a:rPr lang="en-US" altLang="ko-KR" sz="1700" dirty="0">
+                <a:solidFill>
+                  <a:schemeClr val="bg1"/>
+                </a:solidFill>
+              </a:rPr>
+              <a:t>. </a:t>
+            </a:r>
+            <a:r>
+              <a:rPr lang="ko-KR" altLang="en-US" sz="1700" dirty="0">
+                <a:solidFill>
+                  <a:schemeClr val="bg1"/>
+                </a:solidFill>
+              </a:rPr>
+              <a:t>모든 트럭이 다리를 건너려면 최소 몇 초가 걸리는지 알아내야 합니다</a:t>
+            </a:r>
+            <a:r>
+              <a:rPr lang="en-US" altLang="ko-KR" sz="1700" dirty="0">
+                <a:solidFill>
+                  <a:schemeClr val="bg1"/>
+                </a:solidFill>
+              </a:rPr>
+              <a:t>. </a:t>
+            </a:r>
+            <a:r>
+              <a:rPr lang="ko-KR" altLang="en-US" sz="1700" dirty="0">
+                <a:solidFill>
+                  <a:schemeClr val="bg1"/>
+                </a:solidFill>
+              </a:rPr>
+              <a:t>트럭은 </a:t>
+            </a:r>
+            <a:r>
+              <a:rPr lang="en-US" altLang="ko-KR" sz="1700" dirty="0">
+                <a:solidFill>
+                  <a:schemeClr val="bg1"/>
+                </a:solidFill>
+              </a:rPr>
+              <a:t>1</a:t>
+            </a:r>
+            <a:r>
+              <a:rPr lang="ko-KR" altLang="en-US" sz="1700" dirty="0">
+                <a:solidFill>
+                  <a:schemeClr val="bg1"/>
+                </a:solidFill>
+              </a:rPr>
+              <a:t>초에 </a:t>
+            </a:r>
+            <a:r>
+              <a:rPr lang="en-US" altLang="ko-KR" sz="1700" dirty="0">
+                <a:solidFill>
+                  <a:schemeClr val="bg1"/>
+                </a:solidFill>
+              </a:rPr>
+              <a:t>1</a:t>
+            </a:r>
+            <a:r>
+              <a:rPr lang="ko-KR" altLang="en-US" sz="1700" dirty="0">
+                <a:solidFill>
+                  <a:schemeClr val="bg1"/>
+                </a:solidFill>
+              </a:rPr>
+              <a:t>만큼 움직이며</a:t>
+            </a:r>
+            <a:r>
+              <a:rPr lang="en-US" altLang="ko-KR" sz="1700" dirty="0">
+                <a:solidFill>
+                  <a:schemeClr val="bg1"/>
+                </a:solidFill>
+              </a:rPr>
+              <a:t>, </a:t>
+            </a:r>
+            <a:r>
+              <a:rPr lang="ko-KR" altLang="en-US" sz="1700" dirty="0">
+                <a:solidFill>
+                  <a:schemeClr val="bg1"/>
+                </a:solidFill>
+              </a:rPr>
+              <a:t>다리 길이는 </a:t>
+            </a:r>
+            <a:r>
+              <a:rPr lang="en-US" altLang="ko-KR" sz="1700" dirty="0" err="1">
+                <a:solidFill>
+                  <a:schemeClr val="bg1"/>
+                </a:solidFill>
+              </a:rPr>
+              <a:t>bridge_length</a:t>
+            </a:r>
+            <a:r>
+              <a:rPr lang="ko-KR" altLang="en-US" sz="1700" dirty="0">
+                <a:solidFill>
+                  <a:schemeClr val="bg1"/>
+                </a:solidFill>
+              </a:rPr>
+              <a:t>이고 다리는 무게 </a:t>
+            </a:r>
+            <a:r>
+              <a:rPr lang="en-US" altLang="ko-KR" sz="1700" dirty="0">
+                <a:solidFill>
+                  <a:schemeClr val="bg1"/>
+                </a:solidFill>
+              </a:rPr>
+              <a:t>weight</a:t>
+            </a:r>
+            <a:r>
+              <a:rPr lang="ko-KR" altLang="en-US" sz="1700" dirty="0">
+                <a:solidFill>
+                  <a:schemeClr val="bg1"/>
+                </a:solidFill>
+              </a:rPr>
+              <a:t>까지 견딥니다</a:t>
+            </a:r>
+            <a:r>
+              <a:rPr lang="en-US" altLang="ko-KR" sz="1700" dirty="0">
+                <a:solidFill>
+                  <a:schemeClr val="bg1"/>
+                </a:solidFill>
+              </a:rPr>
+              <a:t>.</a:t>
+            </a:r>
+          </a:p>
+          <a:p>
+            <a:endParaRPr lang="en-US" altLang="ko-KR" sz="1700" dirty="0">
+              <a:solidFill>
+                <a:schemeClr val="bg1"/>
+              </a:solidFill>
+            </a:endParaRPr>
+          </a:p>
+          <a:p>
+            <a:endParaRPr lang="en-US" altLang="ko-KR" sz="1700" dirty="0">
+              <a:solidFill>
+                <a:schemeClr val="bg1"/>
+              </a:solidFill>
+            </a:endParaRPr>
+          </a:p>
+          <a:p>
+            <a:r>
+              <a:rPr lang="en-US" altLang="ko-KR" sz="1700" dirty="0">
+                <a:solidFill>
+                  <a:schemeClr val="bg1"/>
+                </a:solidFill>
+              </a:rPr>
+              <a:t>※ </a:t>
+            </a:r>
+            <a:r>
+              <a:rPr lang="ko-KR" altLang="en-US" sz="1700" dirty="0">
+                <a:solidFill>
+                  <a:schemeClr val="bg1"/>
+                </a:solidFill>
+              </a:rPr>
+              <a:t>트럭이 다리에 완전히 오르지 않은 경우</a:t>
+            </a:r>
+            <a:r>
+              <a:rPr lang="en-US" altLang="ko-KR" sz="1700" dirty="0">
+                <a:solidFill>
+                  <a:schemeClr val="bg1"/>
+                </a:solidFill>
+              </a:rPr>
+              <a:t>, </a:t>
+            </a:r>
+            <a:r>
+              <a:rPr lang="ko-KR" altLang="en-US" sz="1700" dirty="0">
+                <a:solidFill>
+                  <a:schemeClr val="bg1"/>
+                </a:solidFill>
+              </a:rPr>
+              <a:t>이 트럭의 무게는 고려하지 않습니다</a:t>
+            </a:r>
+            <a:r>
+              <a:rPr lang="en-US" altLang="ko-KR" sz="1700" dirty="0">
+                <a:solidFill>
+                  <a:schemeClr val="bg1"/>
+                </a:solidFill>
+              </a:rPr>
+              <a:t>.</a:t>
+            </a:r>
+          </a:p>
+          <a:p>
+            <a:endParaRPr lang="en-US" altLang="ko-KR" sz="1700" dirty="0">
+              <a:solidFill>
+                <a:schemeClr val="bg1"/>
+              </a:solidFill>
+            </a:endParaRPr>
+          </a:p>
+          <a:p>
+            <a:r>
+              <a:rPr lang="ko-KR" altLang="en-US" sz="1700" dirty="0">
+                <a:solidFill>
+                  <a:schemeClr val="bg1"/>
+                </a:solidFill>
+              </a:rPr>
+              <a:t>예를 들어</a:t>
+            </a:r>
+            <a:r>
+              <a:rPr lang="en-US" altLang="ko-KR" sz="1700" dirty="0">
+                <a:solidFill>
+                  <a:schemeClr val="bg1"/>
+                </a:solidFill>
+              </a:rPr>
+              <a:t>, </a:t>
+            </a:r>
+            <a:r>
+              <a:rPr lang="ko-KR" altLang="en-US" sz="1700" dirty="0">
+                <a:solidFill>
+                  <a:schemeClr val="bg1"/>
+                </a:solidFill>
+              </a:rPr>
+              <a:t>길이가 </a:t>
+            </a:r>
+            <a:r>
+              <a:rPr lang="en-US" altLang="ko-KR" sz="1700" dirty="0">
+                <a:solidFill>
+                  <a:schemeClr val="bg1"/>
+                </a:solidFill>
+              </a:rPr>
+              <a:t>2</a:t>
+            </a:r>
+            <a:r>
+              <a:rPr lang="ko-KR" altLang="en-US" sz="1700" dirty="0">
+                <a:solidFill>
+                  <a:schemeClr val="bg1"/>
+                </a:solidFill>
+              </a:rPr>
+              <a:t>이고 </a:t>
+            </a:r>
+            <a:r>
+              <a:rPr lang="en-US" altLang="ko-KR" sz="1700" dirty="0">
+                <a:solidFill>
+                  <a:schemeClr val="bg1"/>
+                </a:solidFill>
+              </a:rPr>
+              <a:t>10kg </a:t>
+            </a:r>
+            <a:r>
+              <a:rPr lang="ko-KR" altLang="en-US" sz="1700" dirty="0">
+                <a:solidFill>
+                  <a:schemeClr val="bg1"/>
+                </a:solidFill>
+              </a:rPr>
+              <a:t>무게를 견디는 다리가 있습니다</a:t>
+            </a:r>
+            <a:r>
+              <a:rPr lang="en-US" altLang="ko-KR" sz="1700" dirty="0">
+                <a:solidFill>
+                  <a:schemeClr val="bg1"/>
+                </a:solidFill>
+              </a:rPr>
+              <a:t>. </a:t>
+            </a:r>
+            <a:endParaRPr lang="en-US" altLang="ko-KR" sz="1700" dirty="0" smtClean="0">
+              <a:solidFill>
+                <a:schemeClr val="bg1"/>
+              </a:solidFill>
+            </a:endParaRPr>
+          </a:p>
+          <a:p>
+            <a:r>
+              <a:rPr lang="ko-KR" altLang="en-US" sz="1700" dirty="0" smtClean="0">
+                <a:solidFill>
+                  <a:schemeClr val="bg1"/>
+                </a:solidFill>
+              </a:rPr>
+              <a:t>무게가 </a:t>
+            </a:r>
+            <a:r>
+              <a:rPr lang="en-US" altLang="ko-KR" sz="1700" dirty="0">
+                <a:solidFill>
+                  <a:schemeClr val="bg1"/>
+                </a:solidFill>
+              </a:rPr>
+              <a:t>[7, 4, 5, 6]kg</a:t>
+            </a:r>
+            <a:r>
+              <a:rPr lang="ko-KR" altLang="en-US" sz="1700" dirty="0">
+                <a:solidFill>
+                  <a:schemeClr val="bg1"/>
+                </a:solidFill>
+              </a:rPr>
+              <a:t>인 트럭이 순서대로 최단 시간 안에 다리를 건너려면 다음과 같이 건너야 합니다</a:t>
+            </a:r>
+            <a:r>
+              <a:rPr lang="en-US" altLang="ko-KR" sz="1700" dirty="0">
+                <a:solidFill>
+                  <a:schemeClr val="bg1"/>
+                </a:solidFill>
+              </a:rPr>
+              <a:t>.</a:t>
+            </a:r>
+            <a:endParaRPr lang="ko-KR" altLang="en-US" sz="1700" dirty="0">
+              <a:solidFill>
+                <a:schemeClr val="bg1"/>
+              </a:solidFill>
+            </a:endParaRPr>
+          </a:p>
+        </p:txBody>
+      </p:sp>
+      <p:graphicFrame>
+        <p:nvGraphicFramePr>
+          <p:cNvPr id="7" name="표 6"/>
+          <p:cNvGraphicFramePr>
+            <a:graphicFrameLocks noGrp="1"/>
+          </p:cNvGraphicFramePr>
+          <p:nvPr>
+            <p:extLst>
+              <p:ext uri="{D42A27DB-BD31-4B8C-83A1-F6EECF244321}">
+                <p14:modId xmlns:p14="http://schemas.microsoft.com/office/powerpoint/2010/main" val="805816255"/>
+              </p:ext>
+            </p:extLst>
+          </p:nvPr>
+        </p:nvGraphicFramePr>
+        <p:xfrm>
+          <a:off x="6822831" y="534552"/>
+          <a:ext cx="4708280" cy="3359223"/>
+        </p:xfrm>
+        <a:graphic>
+          <a:graphicData uri="http://schemas.openxmlformats.org/drawingml/2006/table">
+            <a:tbl>
+              <a:tblPr>
+                <a:tableStyleId>{85BE263C-DBD7-4A20-BB59-AAB30ACAA65A}</a:tableStyleId>
+              </a:tblPr>
+              <a:tblGrid>
+                <a:gridCol w="1177070"/>
+                <a:gridCol w="1177070"/>
+                <a:gridCol w="1177070"/>
+                <a:gridCol w="1177070"/>
+              </a:tblGrid>
+              <a:tr h="387747">
+                <a:tc>
+                  <a:txBody>
+                    <a:bodyPr/>
+                    <a:lstStyle/>
+                    <a:p>
+                      <a:r>
+                        <a:rPr lang="ko-KR" altLang="en-US" sz="1700" dirty="0">
+                          <a:effectLst/>
+                        </a:rPr>
+                        <a:t>경과 시간</a:t>
+                      </a:r>
+                    </a:p>
+                  </a:txBody>
+                  <a:tcPr marL="63417" marR="63417" marT="63417" marB="63417" anchor="ctr"/>
+                </a:tc>
+                <a:tc>
+                  <a:txBody>
+                    <a:bodyPr/>
+                    <a:lstStyle/>
+                    <a:p>
+                      <a:r>
+                        <a:rPr lang="ko-KR" altLang="en-US" sz="1700">
+                          <a:effectLst/>
+                        </a:rPr>
+                        <a:t>다리를 지난 트럭</a:t>
+                      </a:r>
+                    </a:p>
+                  </a:txBody>
+                  <a:tcPr marL="63417" marR="63417" marT="63417" marB="63417" anchor="ctr"/>
+                </a:tc>
+                <a:tc>
+                  <a:txBody>
+                    <a:bodyPr/>
+                    <a:lstStyle/>
+                    <a:p>
+                      <a:r>
+                        <a:rPr lang="ko-KR" altLang="en-US" sz="1700">
+                          <a:effectLst/>
+                        </a:rPr>
+                        <a:t>다리를 건너는 트럭</a:t>
+                      </a:r>
+                    </a:p>
+                  </a:txBody>
+                  <a:tcPr marL="63417" marR="63417" marT="63417" marB="63417" anchor="ctr"/>
+                </a:tc>
+                <a:tc>
+                  <a:txBody>
+                    <a:bodyPr/>
+                    <a:lstStyle/>
+                    <a:p>
+                      <a:r>
+                        <a:rPr lang="ko-KR" altLang="en-US" sz="1700">
+                          <a:effectLst/>
+                        </a:rPr>
+                        <a:t>대기 트럭</a:t>
+                      </a:r>
+                    </a:p>
+                  </a:txBody>
+                  <a:tcPr marL="63417" marR="63417" marT="63417" marB="63417" anchor="ctr"/>
+                </a:tc>
+              </a:tr>
+              <a:tr h="387747">
+                <a:tc>
+                  <a:txBody>
+                    <a:bodyPr/>
+                    <a:lstStyle/>
+                    <a:p>
+                      <a:r>
+                        <a:rPr lang="en-US" altLang="ko-KR" sz="1700">
+                          <a:effectLst/>
+                        </a:rPr>
+                        <a:t>0</a:t>
+                      </a:r>
+                    </a:p>
+                  </a:txBody>
+                  <a:tcPr marL="63417" marR="63417" marT="63417" marB="63417" anchor="ctr"/>
+                </a:tc>
+                <a:tc>
+                  <a:txBody>
+                    <a:bodyPr/>
+                    <a:lstStyle/>
+                    <a:p>
+                      <a:r>
+                        <a:rPr lang="en-US" altLang="ko-KR" sz="1700" dirty="0">
+                          <a:effectLst/>
+                        </a:rPr>
+                        <a:t>[]</a:t>
+                      </a:r>
+                    </a:p>
+                  </a:txBody>
+                  <a:tcPr marL="63417" marR="63417" marT="63417" marB="63417" anchor="ctr"/>
+                </a:tc>
+                <a:tc>
+                  <a:txBody>
+                    <a:bodyPr/>
+                    <a:lstStyle/>
+                    <a:p>
+                      <a:r>
+                        <a:rPr lang="en-US" altLang="ko-KR" sz="1700">
+                          <a:effectLst/>
+                        </a:rPr>
+                        <a:t>[]</a:t>
+                      </a:r>
+                    </a:p>
+                  </a:txBody>
+                  <a:tcPr marL="63417" marR="63417" marT="63417" marB="63417" anchor="ctr"/>
+                </a:tc>
+                <a:tc>
+                  <a:txBody>
+                    <a:bodyPr/>
+                    <a:lstStyle/>
+                    <a:p>
+                      <a:r>
+                        <a:rPr lang="en-US" altLang="ko-KR" sz="1700">
+                          <a:effectLst/>
+                        </a:rPr>
+                        <a:t>[7,4,5,6]</a:t>
+                      </a:r>
+                    </a:p>
+                  </a:txBody>
+                  <a:tcPr marL="63417" marR="63417" marT="63417" marB="63417" anchor="ctr"/>
+                </a:tc>
+              </a:tr>
+              <a:tr h="387747">
+                <a:tc>
+                  <a:txBody>
+                    <a:bodyPr/>
+                    <a:lstStyle/>
+                    <a:p>
+                      <a:r>
+                        <a:rPr lang="en-US" altLang="ko-KR" sz="1700">
+                          <a:effectLst/>
+                        </a:rPr>
+                        <a:t>1~2</a:t>
+                      </a:r>
+                    </a:p>
+                  </a:txBody>
+                  <a:tcPr marL="63417" marR="63417" marT="63417" marB="63417" anchor="ctr"/>
+                </a:tc>
+                <a:tc>
+                  <a:txBody>
+                    <a:bodyPr/>
+                    <a:lstStyle/>
+                    <a:p>
+                      <a:r>
+                        <a:rPr lang="en-US" altLang="ko-KR" sz="1700">
+                          <a:effectLst/>
+                        </a:rPr>
+                        <a:t>[]</a:t>
+                      </a:r>
+                    </a:p>
+                  </a:txBody>
+                  <a:tcPr marL="63417" marR="63417" marT="63417" marB="63417" anchor="ctr"/>
+                </a:tc>
+                <a:tc>
+                  <a:txBody>
+                    <a:bodyPr/>
+                    <a:lstStyle/>
+                    <a:p>
+                      <a:r>
+                        <a:rPr lang="en-US" altLang="ko-KR" sz="1700">
+                          <a:effectLst/>
+                        </a:rPr>
+                        <a:t>[7]</a:t>
+                      </a:r>
+                    </a:p>
+                  </a:txBody>
+                  <a:tcPr marL="63417" marR="63417" marT="63417" marB="63417" anchor="ctr"/>
+                </a:tc>
+                <a:tc>
+                  <a:txBody>
+                    <a:bodyPr/>
+                    <a:lstStyle/>
+                    <a:p>
+                      <a:r>
+                        <a:rPr lang="en-US" altLang="ko-KR" sz="1700">
+                          <a:effectLst/>
+                        </a:rPr>
+                        <a:t>[4,5,6]</a:t>
+                      </a:r>
+                    </a:p>
+                  </a:txBody>
+                  <a:tcPr marL="63417" marR="63417" marT="63417" marB="63417" anchor="ctr"/>
+                </a:tc>
+              </a:tr>
+              <a:tr h="387747">
+                <a:tc>
+                  <a:txBody>
+                    <a:bodyPr/>
+                    <a:lstStyle/>
+                    <a:p>
+                      <a:r>
+                        <a:rPr lang="en-US" altLang="ko-KR" sz="1700">
+                          <a:effectLst/>
+                        </a:rPr>
+                        <a:t>3</a:t>
+                      </a:r>
+                    </a:p>
+                  </a:txBody>
+                  <a:tcPr marL="63417" marR="63417" marT="63417" marB="63417" anchor="ctr"/>
+                </a:tc>
+                <a:tc>
+                  <a:txBody>
+                    <a:bodyPr/>
+                    <a:lstStyle/>
+                    <a:p>
+                      <a:r>
+                        <a:rPr lang="en-US" altLang="ko-KR" sz="1700">
+                          <a:effectLst/>
+                        </a:rPr>
+                        <a:t>[7]</a:t>
+                      </a:r>
+                    </a:p>
+                  </a:txBody>
+                  <a:tcPr marL="63417" marR="63417" marT="63417" marB="63417" anchor="ctr"/>
+                </a:tc>
+                <a:tc>
+                  <a:txBody>
+                    <a:bodyPr/>
+                    <a:lstStyle/>
+                    <a:p>
+                      <a:r>
+                        <a:rPr lang="en-US" altLang="ko-KR" sz="1700">
+                          <a:effectLst/>
+                        </a:rPr>
+                        <a:t>[4]</a:t>
+                      </a:r>
+                    </a:p>
+                  </a:txBody>
+                  <a:tcPr marL="63417" marR="63417" marT="63417" marB="63417" anchor="ctr"/>
+                </a:tc>
+                <a:tc>
+                  <a:txBody>
+                    <a:bodyPr/>
+                    <a:lstStyle/>
+                    <a:p>
+                      <a:r>
+                        <a:rPr lang="en-US" altLang="ko-KR" sz="1700">
+                          <a:effectLst/>
+                        </a:rPr>
+                        <a:t>[5,6]</a:t>
+                      </a:r>
+                    </a:p>
+                  </a:txBody>
+                  <a:tcPr marL="63417" marR="63417" marT="63417" marB="63417" anchor="ctr"/>
+                </a:tc>
+              </a:tr>
+              <a:tr h="387747">
+                <a:tc>
+                  <a:txBody>
+                    <a:bodyPr/>
+                    <a:lstStyle/>
+                    <a:p>
+                      <a:r>
+                        <a:rPr lang="en-US" altLang="ko-KR" sz="1700">
+                          <a:effectLst/>
+                        </a:rPr>
+                        <a:t>4</a:t>
+                      </a:r>
+                    </a:p>
+                  </a:txBody>
+                  <a:tcPr marL="63417" marR="63417" marT="63417" marB="63417" anchor="ctr"/>
+                </a:tc>
+                <a:tc>
+                  <a:txBody>
+                    <a:bodyPr/>
+                    <a:lstStyle/>
+                    <a:p>
+                      <a:r>
+                        <a:rPr lang="en-US" altLang="ko-KR" sz="1700">
+                          <a:effectLst/>
+                        </a:rPr>
+                        <a:t>[7]</a:t>
+                      </a:r>
+                    </a:p>
+                  </a:txBody>
+                  <a:tcPr marL="63417" marR="63417" marT="63417" marB="63417" anchor="ctr"/>
+                </a:tc>
+                <a:tc>
+                  <a:txBody>
+                    <a:bodyPr/>
+                    <a:lstStyle/>
+                    <a:p>
+                      <a:r>
+                        <a:rPr lang="en-US" altLang="ko-KR" sz="1700">
+                          <a:effectLst/>
+                        </a:rPr>
+                        <a:t>[4,5]</a:t>
+                      </a:r>
+                    </a:p>
+                  </a:txBody>
+                  <a:tcPr marL="63417" marR="63417" marT="63417" marB="63417" anchor="ctr"/>
+                </a:tc>
+                <a:tc>
+                  <a:txBody>
+                    <a:bodyPr/>
+                    <a:lstStyle/>
+                    <a:p>
+                      <a:r>
+                        <a:rPr lang="en-US" altLang="ko-KR" sz="1700">
+                          <a:effectLst/>
+                        </a:rPr>
+                        <a:t>[6]</a:t>
+                      </a:r>
+                    </a:p>
+                  </a:txBody>
+                  <a:tcPr marL="63417" marR="63417" marT="63417" marB="63417" anchor="ctr"/>
+                </a:tc>
+              </a:tr>
+              <a:tr h="387747">
+                <a:tc>
+                  <a:txBody>
+                    <a:bodyPr/>
+                    <a:lstStyle/>
+                    <a:p>
+                      <a:r>
+                        <a:rPr lang="en-US" altLang="ko-KR" sz="1700">
+                          <a:effectLst/>
+                        </a:rPr>
+                        <a:t>5</a:t>
+                      </a:r>
+                    </a:p>
+                  </a:txBody>
+                  <a:tcPr marL="63417" marR="63417" marT="63417" marB="63417" anchor="ctr"/>
+                </a:tc>
+                <a:tc>
+                  <a:txBody>
+                    <a:bodyPr/>
+                    <a:lstStyle/>
+                    <a:p>
+                      <a:r>
+                        <a:rPr lang="en-US" altLang="ko-KR" sz="1700">
+                          <a:effectLst/>
+                        </a:rPr>
+                        <a:t>[7,4]</a:t>
+                      </a:r>
+                    </a:p>
+                  </a:txBody>
+                  <a:tcPr marL="63417" marR="63417" marT="63417" marB="63417" anchor="ctr"/>
+                </a:tc>
+                <a:tc>
+                  <a:txBody>
+                    <a:bodyPr/>
+                    <a:lstStyle/>
+                    <a:p>
+                      <a:r>
+                        <a:rPr lang="en-US" altLang="ko-KR" sz="1700">
+                          <a:effectLst/>
+                        </a:rPr>
+                        <a:t>[5]</a:t>
+                      </a:r>
+                    </a:p>
+                  </a:txBody>
+                  <a:tcPr marL="63417" marR="63417" marT="63417" marB="63417" anchor="ctr"/>
+                </a:tc>
+                <a:tc>
+                  <a:txBody>
+                    <a:bodyPr/>
+                    <a:lstStyle/>
+                    <a:p>
+                      <a:r>
+                        <a:rPr lang="en-US" altLang="ko-KR" sz="1700">
+                          <a:effectLst/>
+                        </a:rPr>
+                        <a:t>[6]</a:t>
+                      </a:r>
+                    </a:p>
+                  </a:txBody>
+                  <a:tcPr marL="63417" marR="63417" marT="63417" marB="63417" anchor="ctr"/>
+                </a:tc>
+              </a:tr>
+              <a:tr h="387747">
+                <a:tc>
+                  <a:txBody>
+                    <a:bodyPr/>
+                    <a:lstStyle/>
+                    <a:p>
+                      <a:r>
+                        <a:rPr lang="en-US" altLang="ko-KR" sz="1700">
+                          <a:effectLst/>
+                        </a:rPr>
+                        <a:t>6~7</a:t>
+                      </a:r>
+                    </a:p>
+                  </a:txBody>
+                  <a:tcPr marL="63417" marR="63417" marT="63417" marB="63417" anchor="ctr"/>
+                </a:tc>
+                <a:tc>
+                  <a:txBody>
+                    <a:bodyPr/>
+                    <a:lstStyle/>
+                    <a:p>
+                      <a:r>
+                        <a:rPr lang="en-US" altLang="ko-KR" sz="1700">
+                          <a:effectLst/>
+                        </a:rPr>
+                        <a:t>[7,4,5]</a:t>
+                      </a:r>
+                    </a:p>
+                  </a:txBody>
+                  <a:tcPr marL="63417" marR="63417" marT="63417" marB="63417" anchor="ctr"/>
+                </a:tc>
+                <a:tc>
+                  <a:txBody>
+                    <a:bodyPr/>
+                    <a:lstStyle/>
+                    <a:p>
+                      <a:r>
+                        <a:rPr lang="en-US" altLang="ko-KR" sz="1700">
+                          <a:effectLst/>
+                        </a:rPr>
+                        <a:t>[6]</a:t>
+                      </a:r>
+                    </a:p>
+                  </a:txBody>
+                  <a:tcPr marL="63417" marR="63417" marT="63417" marB="63417" anchor="ctr"/>
+                </a:tc>
+                <a:tc>
+                  <a:txBody>
+                    <a:bodyPr/>
+                    <a:lstStyle/>
+                    <a:p>
+                      <a:r>
+                        <a:rPr lang="en-US" altLang="ko-KR" sz="1700">
+                          <a:effectLst/>
+                        </a:rPr>
+                        <a:t>[]</a:t>
+                      </a:r>
+                    </a:p>
+                  </a:txBody>
+                  <a:tcPr marL="63417" marR="63417" marT="63417" marB="63417" anchor="ctr"/>
+                </a:tc>
+              </a:tr>
+              <a:tr h="387747">
+                <a:tc>
+                  <a:txBody>
+                    <a:bodyPr/>
+                    <a:lstStyle/>
+                    <a:p>
+                      <a:r>
+                        <a:rPr lang="en-US" altLang="ko-KR" sz="1700">
+                          <a:effectLst/>
+                        </a:rPr>
+                        <a:t>8</a:t>
+                      </a:r>
+                    </a:p>
+                  </a:txBody>
+                  <a:tcPr marL="63417" marR="63417" marT="63417" marB="63417" anchor="ctr"/>
+                </a:tc>
+                <a:tc>
+                  <a:txBody>
+                    <a:bodyPr/>
+                    <a:lstStyle/>
+                    <a:p>
+                      <a:r>
+                        <a:rPr lang="en-US" altLang="ko-KR" sz="1700">
+                          <a:effectLst/>
+                        </a:rPr>
+                        <a:t>[7,4,5,6]</a:t>
+                      </a:r>
+                    </a:p>
+                  </a:txBody>
+                  <a:tcPr marL="63417" marR="63417" marT="63417" marB="63417" anchor="ctr"/>
+                </a:tc>
+                <a:tc>
+                  <a:txBody>
+                    <a:bodyPr/>
+                    <a:lstStyle/>
+                    <a:p>
+                      <a:r>
+                        <a:rPr lang="en-US" altLang="ko-KR" sz="1700" dirty="0">
+                          <a:effectLst/>
+                        </a:rPr>
+                        <a:t>[]</a:t>
+                      </a:r>
+                    </a:p>
+                  </a:txBody>
+                  <a:tcPr marL="63417" marR="63417" marT="63417" marB="63417" anchor="ctr"/>
+                </a:tc>
+                <a:tc>
+                  <a:txBody>
+                    <a:bodyPr/>
+                    <a:lstStyle/>
+                    <a:p>
+                      <a:r>
+                        <a:rPr lang="en-US" altLang="ko-KR" sz="1700" dirty="0">
+                          <a:effectLst/>
+                        </a:rPr>
+                        <a:t>[]</a:t>
+                      </a:r>
+                    </a:p>
+                  </a:txBody>
+                  <a:tcPr marL="63417" marR="63417" marT="63417" marB="63417" anchor="ctr"/>
+                </a:tc>
+              </a:tr>
+            </a:tbl>
+          </a:graphicData>
+        </a:graphic>
+      </p:graphicFrame>
+      <p:sp>
+        <p:nvSpPr>
+          <p:cNvPr id="21" name="TextBox 20"/>
+          <p:cNvSpPr txBox="1"/>
+          <p:nvPr/>
+        </p:nvSpPr>
+        <p:spPr>
+          <a:xfrm>
+            <a:off x="6799385" y="4314092"/>
+            <a:ext cx="5392615" cy="2462213"/>
+          </a:xfrm>
+          <a:prstGeom prst="rect">
+            <a:avLst/>
+          </a:prstGeom>
+          <a:noFill/>
+        </p:spPr>
+        <p:txBody>
+          <a:bodyPr wrap="square" rtlCol="0">
+            <a:spAutoFit/>
+          </a:bodyPr>
+          <a:lstStyle/>
+          <a:p>
+            <a:r>
+              <a:rPr lang="ko-KR" altLang="en-US" sz="1700" dirty="0"/>
+              <a:t>따라서</a:t>
+            </a:r>
+            <a:r>
+              <a:rPr lang="en-US" altLang="ko-KR" sz="1700" dirty="0"/>
+              <a:t>, </a:t>
+            </a:r>
+            <a:r>
+              <a:rPr lang="ko-KR" altLang="en-US" sz="1700" dirty="0"/>
+              <a:t>모든 트럭이 다리를 지나려면 최소 </a:t>
+            </a:r>
+            <a:r>
+              <a:rPr lang="en-US" altLang="ko-KR" sz="1700" dirty="0"/>
+              <a:t>8</a:t>
+            </a:r>
+            <a:r>
+              <a:rPr lang="ko-KR" altLang="en-US" sz="1700" dirty="0"/>
+              <a:t>초가 걸립니다</a:t>
+            </a:r>
+            <a:r>
+              <a:rPr lang="en-US" altLang="ko-KR" sz="1700" dirty="0"/>
+              <a:t>.</a:t>
+            </a:r>
+          </a:p>
+          <a:p>
+            <a:r>
+              <a:rPr lang="en-US" altLang="ko-KR" sz="1700" dirty="0"/>
+              <a:t>solution </a:t>
+            </a:r>
+            <a:r>
+              <a:rPr lang="ko-KR" altLang="en-US" sz="1700" dirty="0"/>
+              <a:t>함수의 </a:t>
+            </a:r>
+            <a:r>
+              <a:rPr lang="ko-KR" altLang="en-US" sz="1700" dirty="0" smtClean="0"/>
+              <a:t>매개변수로</a:t>
+            </a:r>
+            <a:endParaRPr lang="en-US" altLang="ko-KR" sz="1700" dirty="0" smtClean="0"/>
+          </a:p>
+          <a:p>
+            <a:endParaRPr lang="en-US" altLang="ko-KR" sz="1700" dirty="0" smtClean="0"/>
+          </a:p>
+          <a:p>
+            <a:r>
+              <a:rPr lang="en-US" altLang="ko-KR" sz="1700" dirty="0" smtClean="0"/>
+              <a:t>- </a:t>
+            </a:r>
+            <a:r>
+              <a:rPr lang="ko-KR" altLang="en-US" sz="1700" dirty="0" smtClean="0"/>
+              <a:t> </a:t>
+            </a:r>
+            <a:r>
+              <a:rPr lang="ko-KR" altLang="en-US" sz="1700" dirty="0"/>
+              <a:t>다리 길이 </a:t>
+            </a:r>
+            <a:r>
+              <a:rPr lang="en-US" altLang="ko-KR" sz="1700" dirty="0" err="1"/>
+              <a:t>bridge_length</a:t>
+            </a:r>
+            <a:r>
+              <a:rPr lang="en-US" altLang="ko-KR" sz="1700" dirty="0"/>
+              <a:t>, </a:t>
+            </a:r>
+            <a:endParaRPr lang="en-US" altLang="ko-KR" sz="1700" dirty="0" smtClean="0"/>
+          </a:p>
+          <a:p>
+            <a:r>
+              <a:rPr lang="en-US" altLang="ko-KR" sz="1700" dirty="0" smtClean="0"/>
+              <a:t>-  </a:t>
+            </a:r>
+            <a:r>
+              <a:rPr lang="ko-KR" altLang="en-US" sz="1700" dirty="0" smtClean="0"/>
+              <a:t>다리가 </a:t>
+            </a:r>
+            <a:r>
+              <a:rPr lang="ko-KR" altLang="en-US" sz="1700" dirty="0"/>
+              <a:t>견딜 수 있는 무게 </a:t>
+            </a:r>
+            <a:r>
+              <a:rPr lang="en-US" altLang="ko-KR" sz="1700" dirty="0"/>
+              <a:t>weight, </a:t>
+            </a:r>
+            <a:r>
+              <a:rPr lang="ko-KR" altLang="en-US" sz="1700" dirty="0" err="1"/>
+              <a:t>트럭별</a:t>
+            </a:r>
+            <a:r>
+              <a:rPr lang="ko-KR" altLang="en-US" sz="1700" dirty="0"/>
+              <a:t> 무게 </a:t>
+            </a:r>
+            <a:r>
+              <a:rPr lang="en-US" altLang="ko-KR" sz="1700" dirty="0" err="1" smtClean="0"/>
+              <a:t>truck_weights</a:t>
+            </a:r>
+            <a:endParaRPr lang="en-US" altLang="ko-KR" sz="1700" dirty="0" smtClean="0"/>
+          </a:p>
+          <a:p>
+            <a:endParaRPr lang="en-US" altLang="ko-KR" sz="1700" dirty="0"/>
+          </a:p>
+          <a:p>
+            <a:r>
+              <a:rPr lang="ko-KR" altLang="en-US" sz="1700" dirty="0" smtClean="0"/>
+              <a:t>가 </a:t>
+            </a:r>
+            <a:r>
+              <a:rPr lang="ko-KR" altLang="en-US" sz="1700" dirty="0"/>
+              <a:t>주어집니다</a:t>
+            </a:r>
+            <a:r>
+              <a:rPr lang="en-US" altLang="ko-KR" sz="1700" dirty="0"/>
+              <a:t>. </a:t>
+            </a:r>
+            <a:r>
+              <a:rPr lang="ko-KR" altLang="en-US" sz="1700" dirty="0"/>
+              <a:t>이때 모든 트럭이 다리를 건너려면 최소 몇 초가 걸리는지 </a:t>
+            </a:r>
+            <a:r>
+              <a:rPr lang="en-US" altLang="ko-KR" sz="1700" dirty="0"/>
+              <a:t>return </a:t>
+            </a:r>
+            <a:r>
+              <a:rPr lang="ko-KR" altLang="en-US" sz="1700" dirty="0"/>
+              <a:t>하도록 </a:t>
+            </a:r>
+            <a:r>
+              <a:rPr lang="en-US" altLang="ko-KR" sz="1700" dirty="0"/>
+              <a:t>solution </a:t>
+            </a:r>
+            <a:r>
+              <a:rPr lang="ko-KR" altLang="en-US" sz="1700" dirty="0"/>
+              <a:t>함수를 완성하세요</a:t>
+            </a:r>
+            <a:r>
+              <a:rPr lang="en-US" altLang="ko-KR" sz="1700" dirty="0"/>
+              <a:t>.</a:t>
+            </a:r>
+          </a:p>
+          <a:p>
+            <a:endParaRPr lang="ko-KR" altLang="en-US" dirty="0"/>
+          </a:p>
+        </p:txBody>
+      </p:sp>
+    </p:spTree>
+    <p:extLst>
+      <p:ext uri="{BB962C8B-B14F-4D97-AF65-F5344CB8AC3E}">
+        <p14:creationId xmlns:p14="http://schemas.microsoft.com/office/powerpoint/2010/main" val="2664724824"/>
+      </p:ext>
+    </p:extLst>
+  </p:cSld>
+  <p:clrMapOvr>
+    <a:masterClrMapping/>
+  </p:clrMapOvr>
+  <p:timing>
+    <p:tnLst>
+      <p:par>
+        <p:cTn id="1" dur="indefinite" restart="never" nodeType="tmRoot"/>
+      </p:par>
+    </p:tnLst>
+  </p:timing>
+</p:sld>
+</file>
+
+<file path=ppt/slides/slide28.xml><?xml version="1.0" encoding="utf-8"?>
+<p:sld xmlns:a="http://schemas.openxmlformats.org/drawingml/2006/main" xmlns:r="http://schemas.openxmlformats.org/officeDocument/2006/relationships" xmlns:p="http://schemas.openxmlformats.org/presentationml/2006/main">
+  <p:cSld>
+    <p:spTree>
+      <p:nvGrpSpPr>
+        <p:cNvPr id="1" name=""/>
+        <p:cNvGrpSpPr/>
+        <p:nvPr/>
+      </p:nvGrpSpPr>
+      <p:grpSpPr>
+        <a:xfrm>
+          <a:off x="0" y="0"/>
+          <a:ext cx="0" cy="0"/>
+          <a:chOff x="0" y="0"/>
+          <a:chExt cx="0" cy="0"/>
+        </a:xfrm>
+      </p:grpSpPr>
+      <p:sp>
+        <p:nvSpPr>
+          <p:cNvPr id="14" name="직사각형 13"/>
+          <p:cNvSpPr/>
+          <p:nvPr/>
+        </p:nvSpPr>
+        <p:spPr>
+          <a:xfrm flipH="1">
+            <a:off x="888831" y="354552"/>
+            <a:ext cx="45719" cy="353220"/>
+          </a:xfrm>
+          <a:prstGeom prst="rect">
+            <a:avLst/>
+          </a:prstGeom>
+          <a:solidFill>
+            <a:schemeClr val="tx1"/>
+          </a:solidFill>
+          <a:ln>
+            <a:noFill/>
+          </a:ln>
+        </p:spPr>
+        <p:style>
+          <a:lnRef idx="2">
+            <a:schemeClr val="accent1">
+              <a:shade val="50000"/>
+            </a:schemeClr>
+          </a:lnRef>
+          <a:fillRef idx="1">
+            <a:schemeClr val="accent1"/>
+          </a:fillRef>
+          <a:effectRef idx="0">
+            <a:schemeClr val="accent1"/>
+          </a:effectRef>
+          <a:fontRef idx="minor">
+            <a:schemeClr val="lt1"/>
+          </a:fontRef>
+        </p:style>
+        <p:txBody>
+          <a:bodyPr rtlCol="0" anchor="ctr"/>
+          <a:lstStyle/>
+          <a:p>
+            <a:pPr algn="ctr"/>
+            <a:endParaRPr lang="ko-KR" altLang="en-US"/>
+          </a:p>
+        </p:txBody>
+      </p:sp>
+      <p:sp>
+        <p:nvSpPr>
+          <p:cNvPr id="15" name="TextBox 14"/>
+          <p:cNvSpPr txBox="1"/>
+          <p:nvPr/>
+        </p:nvSpPr>
+        <p:spPr>
+          <a:xfrm>
+            <a:off x="911691" y="253934"/>
+            <a:ext cx="2406908" cy="523220"/>
+          </a:xfrm>
+          <a:prstGeom prst="rect">
+            <a:avLst/>
+          </a:prstGeom>
+          <a:noFill/>
+        </p:spPr>
+        <p:txBody>
+          <a:bodyPr wrap="square" rtlCol="0">
+            <a:spAutoFit/>
+          </a:bodyPr>
+          <a:lstStyle/>
+          <a:p>
+            <a:r>
+              <a:rPr lang="ko-KR" altLang="en-US" sz="2800" dirty="0" smtClean="0"/>
+              <a:t>입력 코드</a:t>
+            </a:r>
+            <a:endParaRPr lang="ko-KR" altLang="en-US" dirty="0"/>
+          </a:p>
+        </p:txBody>
+      </p:sp>
+      <p:sp>
+        <p:nvSpPr>
+          <p:cNvPr id="16" name="제목 1">
+            <a:extLst>
+              <a:ext uri="{FF2B5EF4-FFF2-40B4-BE49-F238E27FC236}">
+                <a16:creationId xmlns:a16="http://schemas.microsoft.com/office/drawing/2014/main" xmlns="" id="{A0CFF523-35FA-4713-96AD-9F580039853D}"/>
+              </a:ext>
+            </a:extLst>
+          </p:cNvPr>
+          <p:cNvSpPr>
+            <a:spLocks noGrp="1"/>
+          </p:cNvSpPr>
+          <p:nvPr>
+            <p:ph type="title"/>
+          </p:nvPr>
+        </p:nvSpPr>
+        <p:spPr>
+          <a:xfrm>
+            <a:off x="10304583" y="472185"/>
+            <a:ext cx="1461633" cy="1473708"/>
+          </a:xfrm>
+        </p:spPr>
+        <p:txBody>
+          <a:bodyPr/>
+          <a:lstStyle/>
+          <a:p>
+            <a:r>
+              <a:rPr lang="ko-KR" altLang="en-US" dirty="0" smtClean="0"/>
+              <a:t>예시 </a:t>
+            </a:r>
+            <a:r>
+              <a:rPr lang="en-US" altLang="ko-KR" dirty="0" smtClean="0"/>
+              <a:t/>
+            </a:r>
+            <a:br>
+              <a:rPr lang="en-US" altLang="ko-KR" dirty="0" smtClean="0"/>
+            </a:br>
+            <a:r>
+              <a:rPr lang="ko-KR" altLang="en-US" dirty="0" smtClean="0"/>
+              <a:t>코드</a:t>
+            </a:r>
+            <a:endParaRPr lang="ko-KR" altLang="en-US" dirty="0"/>
+          </a:p>
+        </p:txBody>
+      </p:sp>
+      <p:pic>
+        <p:nvPicPr>
+          <p:cNvPr id="2" name="그림 1"/>
+          <p:cNvPicPr>
+            <a:picLocks noChangeAspect="1"/>
+          </p:cNvPicPr>
+          <p:nvPr/>
+        </p:nvPicPr>
+        <p:blipFill>
+          <a:blip r:embed="rId2"/>
+          <a:stretch>
+            <a:fillRect/>
+          </a:stretch>
+        </p:blipFill>
+        <p:spPr>
+          <a:xfrm>
+            <a:off x="769327" y="877772"/>
+            <a:ext cx="4533900" cy="5370628"/>
+          </a:xfrm>
+          <a:prstGeom prst="rect">
+            <a:avLst/>
+          </a:prstGeom>
+        </p:spPr>
+      </p:pic>
+      <p:pic>
+        <p:nvPicPr>
+          <p:cNvPr id="3" name="그림 2"/>
+          <p:cNvPicPr>
+            <a:picLocks noChangeAspect="1"/>
+          </p:cNvPicPr>
+          <p:nvPr/>
+        </p:nvPicPr>
+        <p:blipFill>
+          <a:blip r:embed="rId3"/>
+          <a:stretch>
+            <a:fillRect/>
+          </a:stretch>
+        </p:blipFill>
+        <p:spPr>
+          <a:xfrm>
+            <a:off x="6132513" y="3120169"/>
+            <a:ext cx="5857875" cy="3128231"/>
+          </a:xfrm>
+          <a:prstGeom prst="rect">
+            <a:avLst/>
+          </a:prstGeom>
+        </p:spPr>
+      </p:pic>
+      <p:sp>
+        <p:nvSpPr>
+          <p:cNvPr id="4" name="TextBox 3"/>
+          <p:cNvSpPr txBox="1"/>
+          <p:nvPr/>
+        </p:nvSpPr>
+        <p:spPr>
+          <a:xfrm>
+            <a:off x="6132513" y="2614246"/>
+            <a:ext cx="2073641" cy="369332"/>
+          </a:xfrm>
+          <a:prstGeom prst="rect">
+            <a:avLst/>
+          </a:prstGeom>
+          <a:noFill/>
+        </p:spPr>
+        <p:txBody>
+          <a:bodyPr wrap="square" rtlCol="0">
+            <a:spAutoFit/>
+          </a:bodyPr>
+          <a:lstStyle/>
+          <a:p>
+            <a:r>
+              <a:rPr lang="en-US" altLang="ko-KR" dirty="0"/>
+              <a:t>[</a:t>
+            </a:r>
+            <a:r>
+              <a:rPr lang="ko-KR" altLang="en-US" dirty="0" smtClean="0"/>
+              <a:t>이어서</a:t>
+            </a:r>
+            <a:r>
+              <a:rPr lang="en-US" altLang="ko-KR" dirty="0"/>
+              <a:t>]</a:t>
+            </a:r>
+            <a:endParaRPr lang="ko-KR" altLang="en-US" dirty="0"/>
+          </a:p>
+        </p:txBody>
+      </p:sp>
+    </p:spTree>
+    <p:extLst>
+      <p:ext uri="{BB962C8B-B14F-4D97-AF65-F5344CB8AC3E}">
+        <p14:creationId xmlns:p14="http://schemas.microsoft.com/office/powerpoint/2010/main" val="2397822670"/>
+      </p:ext>
+    </p:extLst>
+  </p:cSld>
+  <p:clrMapOvr>
+    <a:masterClrMapping/>
+  </p:clrMapOvr>
+  <p:timing>
+    <p:tnLst>
+      <p:par>
+        <p:cTn id="1" dur="indefinite" restart="never" nodeType="tmRoot"/>
+      </p:par>
+    </p:tnLst>
+  </p:timing>
+</p:sld>
+</file>
+
+<file path=ppt/slides/slide29.xml><?xml version="1.0" encoding="utf-8"?>
+<p:sld xmlns:a="http://schemas.openxmlformats.org/drawingml/2006/main" xmlns:r="http://schemas.openxmlformats.org/officeDocument/2006/relationships" xmlns:p="http://schemas.openxmlformats.org/presentationml/2006/main">
+  <p:cSld>
+    <p:spTree>
+      <p:nvGrpSpPr>
+        <p:cNvPr id="1" name=""/>
+        <p:cNvGrpSpPr/>
+        <p:nvPr/>
+      </p:nvGrpSpPr>
+      <p:grpSpPr>
+        <a:xfrm>
+          <a:off x="0" y="0"/>
+          <a:ext cx="0" cy="0"/>
+          <a:chOff x="0" y="0"/>
+          <a:chExt cx="0" cy="0"/>
+        </a:xfrm>
+      </p:grpSpPr>
+      <p:sp>
+        <p:nvSpPr>
+          <p:cNvPr id="2" name="제목 1">
+            <a:extLst>
+              <a:ext uri="{FF2B5EF4-FFF2-40B4-BE49-F238E27FC236}">
+                <a16:creationId xmlns:a16="http://schemas.microsoft.com/office/drawing/2014/main" xmlns="" id="{46EF07D7-2C4E-4DE1-B52F-9ACD386C79CB}"/>
+              </a:ext>
+            </a:extLst>
+          </p:cNvPr>
+          <p:cNvSpPr>
+            <a:spLocks noGrp="1"/>
+          </p:cNvSpPr>
+          <p:nvPr>
+            <p:ph type="title"/>
+          </p:nvPr>
+        </p:nvSpPr>
+        <p:spPr>
+          <a:xfrm>
+            <a:off x="769620" y="189946"/>
+            <a:ext cx="4486656" cy="513440"/>
+          </a:xfrm>
+        </p:spPr>
+        <p:txBody>
+          <a:bodyPr>
+            <a:normAutofit fontScale="90000"/>
+          </a:bodyPr>
+          <a:lstStyle/>
+          <a:p>
+            <a:r>
+              <a:rPr lang="en-US" altLang="ko-KR" dirty="0"/>
+              <a:t>4</a:t>
+            </a:r>
+            <a:r>
+              <a:rPr lang="en-US" altLang="ko-KR" dirty="0" smtClean="0"/>
+              <a:t>. </a:t>
+            </a:r>
+            <a:r>
+              <a:rPr lang="ko-KR" altLang="en-US" dirty="0" smtClean="0"/>
+              <a:t>추가예제 </a:t>
+            </a:r>
+            <a:r>
+              <a:rPr lang="en-US" altLang="ko-KR" dirty="0" smtClean="0"/>
+              <a:t>- </a:t>
+            </a:r>
+            <a:r>
+              <a:rPr lang="ko-KR" altLang="en-US" dirty="0" smtClean="0"/>
+              <a:t>수행과제</a:t>
+            </a:r>
+            <a:r>
+              <a:rPr lang="en-US" altLang="ko-KR" dirty="0" smtClean="0"/>
+              <a:t> </a:t>
+            </a:r>
+            <a:r>
+              <a:rPr lang="ko-KR" altLang="en-US" dirty="0" smtClean="0"/>
+              <a:t> </a:t>
+            </a:r>
+            <a:endParaRPr lang="ko-KR" altLang="en-US" dirty="0"/>
+          </a:p>
+        </p:txBody>
+      </p:sp>
+      <p:sp>
+        <p:nvSpPr>
+          <p:cNvPr id="10" name="TextBox 9"/>
+          <p:cNvSpPr txBox="1"/>
+          <p:nvPr/>
+        </p:nvSpPr>
+        <p:spPr>
+          <a:xfrm>
+            <a:off x="414235" y="1078523"/>
+            <a:ext cx="5197426" cy="523220"/>
+          </a:xfrm>
+          <a:prstGeom prst="rect">
+            <a:avLst/>
+          </a:prstGeom>
+          <a:noFill/>
+        </p:spPr>
+        <p:txBody>
+          <a:bodyPr wrap="square" rtlCol="0">
+            <a:spAutoFit/>
+          </a:bodyPr>
+          <a:lstStyle/>
+          <a:p>
+            <a:pPr algn="ctr"/>
+            <a:r>
+              <a:rPr lang="en-US" altLang="ko-KR" sz="2800" dirty="0" smtClean="0">
+                <a:solidFill>
+                  <a:schemeClr val="bg1"/>
+                </a:solidFill>
+              </a:rPr>
+              <a:t> Team Formation  </a:t>
+            </a:r>
+            <a:endParaRPr lang="en-US" altLang="ko-KR" sz="2800" dirty="0">
+              <a:solidFill>
+                <a:schemeClr val="bg1"/>
+              </a:solidFill>
+            </a:endParaRPr>
+          </a:p>
+        </p:txBody>
+      </p:sp>
+      <p:sp>
+        <p:nvSpPr>
+          <p:cNvPr id="37" name="TextBox 36">
+            <a:extLst>
+              <a:ext uri="{FF2B5EF4-FFF2-40B4-BE49-F238E27FC236}">
+                <a16:creationId xmlns:a16="http://schemas.microsoft.com/office/drawing/2014/main" xmlns="" id="{F83BAFA1-C11B-4672-B510-037979FA2D38}"/>
+              </a:ext>
+            </a:extLst>
+          </p:cNvPr>
+          <p:cNvSpPr txBox="1"/>
+          <p:nvPr/>
+        </p:nvSpPr>
+        <p:spPr>
+          <a:xfrm>
+            <a:off x="0" y="5856549"/>
+            <a:ext cx="6488138" cy="984885"/>
+          </a:xfrm>
+          <a:prstGeom prst="rect">
+            <a:avLst/>
+          </a:prstGeom>
+          <a:noFill/>
+        </p:spPr>
+        <p:txBody>
+          <a:bodyPr wrap="square" rtlCol="0">
+            <a:spAutoFit/>
+          </a:bodyPr>
+          <a:lstStyle/>
+          <a:p>
+            <a:r>
+              <a:rPr lang="ko-KR" altLang="en-US" sz="1600" dirty="0" smtClean="0">
+                <a:solidFill>
+                  <a:schemeClr val="bg1"/>
+                </a:solidFill>
+              </a:rPr>
+              <a:t>출처 </a:t>
+            </a:r>
+            <a:endParaRPr lang="en-US" altLang="ko-KR" sz="1600" dirty="0">
+              <a:solidFill>
+                <a:schemeClr val="bg1"/>
+              </a:solidFill>
+            </a:endParaRPr>
+          </a:p>
+          <a:p>
+            <a:r>
+              <a:rPr lang="en-US" altLang="ko-KR" sz="1400" dirty="0" smtClean="0">
+                <a:solidFill>
+                  <a:schemeClr val="bg1"/>
+                </a:solidFill>
+              </a:rPr>
+              <a:t>- https</a:t>
+            </a:r>
+            <a:r>
+              <a:rPr lang="en-US" altLang="ko-KR" sz="1400" dirty="0">
+                <a:solidFill>
+                  <a:schemeClr val="bg1"/>
+                </a:solidFill>
+              </a:rPr>
+              <a:t>://www.hackerrank.com/</a:t>
+            </a:r>
+            <a:endParaRPr lang="en-US" altLang="ko-KR" sz="1400" dirty="0" smtClean="0">
+              <a:solidFill>
+                <a:schemeClr val="bg1"/>
+              </a:solidFill>
+            </a:endParaRPr>
+          </a:p>
+          <a:p>
+            <a:r>
+              <a:rPr lang="en-US" altLang="ko-KR" sz="1400" dirty="0" smtClean="0">
+                <a:solidFill>
+                  <a:schemeClr val="bg1"/>
+                </a:solidFill>
+              </a:rPr>
+              <a:t>- https</a:t>
+            </a:r>
+            <a:r>
+              <a:rPr lang="en-US" altLang="ko-KR" sz="1400" dirty="0">
+                <a:solidFill>
+                  <a:schemeClr val="bg1"/>
+                </a:solidFill>
+              </a:rPr>
+              <a:t>://</a:t>
+            </a:r>
+            <a:r>
+              <a:rPr lang="en-US" altLang="ko-KR" sz="1400" dirty="0" smtClean="0">
+                <a:solidFill>
+                  <a:schemeClr val="bg1"/>
+                </a:solidFill>
+              </a:rPr>
+              <a:t>pcmc.tistory.com/88</a:t>
+            </a:r>
+          </a:p>
+          <a:p>
+            <a:r>
+              <a:rPr lang="en-US" altLang="ko-KR" sz="1400" dirty="0" smtClean="0">
+                <a:solidFill>
+                  <a:schemeClr val="bg1"/>
+                </a:solidFill>
+              </a:rPr>
+              <a:t>- https://smlee729.github.io/python/data%20structure/2015/03/04/1-heap.html</a:t>
+            </a:r>
+          </a:p>
+        </p:txBody>
+      </p:sp>
+      <p:sp>
+        <p:nvSpPr>
+          <p:cNvPr id="3" name="TextBox 2"/>
+          <p:cNvSpPr txBox="1"/>
+          <p:nvPr/>
+        </p:nvSpPr>
+        <p:spPr>
+          <a:xfrm>
+            <a:off x="1324708" y="1512277"/>
+            <a:ext cx="3282461" cy="307777"/>
+          </a:xfrm>
+          <a:prstGeom prst="rect">
+            <a:avLst/>
+          </a:prstGeom>
+          <a:noFill/>
+        </p:spPr>
+        <p:txBody>
+          <a:bodyPr wrap="square" rtlCol="0">
+            <a:spAutoFit/>
+          </a:bodyPr>
+          <a:lstStyle/>
+          <a:p>
+            <a:pPr algn="ctr"/>
+            <a:r>
+              <a:rPr lang="en-US" altLang="ko-KR" sz="1400" dirty="0">
+                <a:solidFill>
+                  <a:schemeClr val="bg1"/>
+                </a:solidFill>
+              </a:rPr>
+              <a:t>(</a:t>
+            </a:r>
+            <a:r>
+              <a:rPr lang="ko-KR" altLang="en-US" sz="1400" dirty="0" smtClean="0">
+                <a:solidFill>
+                  <a:schemeClr val="bg1"/>
+                </a:solidFill>
+              </a:rPr>
+              <a:t>해커랭크 난이도</a:t>
+            </a:r>
+            <a:r>
+              <a:rPr lang="en-US" altLang="ko-KR" sz="1400" dirty="0" smtClean="0">
+                <a:solidFill>
+                  <a:schemeClr val="bg1"/>
+                </a:solidFill>
+              </a:rPr>
+              <a:t>:  medium)</a:t>
+            </a:r>
+            <a:endParaRPr lang="ko-KR" altLang="en-US" sz="1400" dirty="0">
+              <a:solidFill>
+                <a:schemeClr val="bg1"/>
+              </a:solidFill>
+            </a:endParaRPr>
+          </a:p>
+        </p:txBody>
+      </p:sp>
+      <p:sp>
+        <p:nvSpPr>
+          <p:cNvPr id="8" name="TextBox 7"/>
+          <p:cNvSpPr txBox="1"/>
+          <p:nvPr/>
+        </p:nvSpPr>
+        <p:spPr>
+          <a:xfrm>
+            <a:off x="6488138" y="4542142"/>
+            <a:ext cx="5337678" cy="1754326"/>
+          </a:xfrm>
+          <a:prstGeom prst="rect">
+            <a:avLst/>
+          </a:prstGeom>
+          <a:noFill/>
+        </p:spPr>
+        <p:txBody>
+          <a:bodyPr wrap="square" rtlCol="0">
+            <a:spAutoFit/>
+          </a:bodyPr>
+          <a:lstStyle/>
+          <a:p>
+            <a:r>
+              <a:rPr lang="ko-KR" altLang="en-US" dirty="0" smtClean="0"/>
+              <a:t>성능에 영향을 미치는 요소 </a:t>
+            </a:r>
+            <a:r>
+              <a:rPr lang="en-US" altLang="ko-KR" dirty="0" smtClean="0"/>
+              <a:t>2</a:t>
+            </a:r>
+            <a:r>
+              <a:rPr lang="ko-KR" altLang="en-US" dirty="0" smtClean="0"/>
+              <a:t>가지</a:t>
+            </a:r>
+            <a:endParaRPr lang="en-US" altLang="ko-KR" dirty="0" smtClean="0"/>
+          </a:p>
+          <a:p>
+            <a:endParaRPr lang="en-US" altLang="ko-KR" dirty="0"/>
+          </a:p>
+          <a:p>
+            <a:pPr marL="342900" indent="-342900">
+              <a:buAutoNum type="arabicPeriod"/>
+            </a:pPr>
+            <a:r>
+              <a:rPr lang="en-US" altLang="ko-KR" dirty="0" smtClean="0"/>
+              <a:t>Manager</a:t>
+            </a:r>
+            <a:r>
+              <a:rPr lang="ko-KR" altLang="en-US" dirty="0" smtClean="0"/>
+              <a:t>가 선택한 그룹에서 최대값을 찾는 코드 </a:t>
+            </a:r>
+            <a:endParaRPr lang="en-US" altLang="ko-KR" dirty="0" smtClean="0"/>
+          </a:p>
+          <a:p>
+            <a:pPr marL="342900" indent="-342900">
+              <a:buAutoNum type="arabicPeriod"/>
+            </a:pPr>
+            <a:endParaRPr lang="en-US" altLang="ko-KR" dirty="0"/>
+          </a:p>
+          <a:p>
+            <a:pPr marL="342900" indent="-342900">
+              <a:buAutoNum type="arabicPeriod"/>
+            </a:pPr>
+            <a:r>
+              <a:rPr lang="ko-KR" altLang="en-US" dirty="0" smtClean="0"/>
+              <a:t>선택한 두 가지 그룹에서 최댓값이 오른쪽 그룹에 있을 때</a:t>
+            </a:r>
+            <a:r>
+              <a:rPr lang="en-US" altLang="ko-KR" dirty="0" smtClean="0"/>
+              <a:t>, </a:t>
+            </a:r>
+          </a:p>
+          <a:p>
+            <a:r>
+              <a:rPr lang="en-US" altLang="ko-KR" dirty="0" smtClean="0"/>
+              <a:t>      </a:t>
+            </a:r>
+            <a:r>
+              <a:rPr lang="ko-KR" altLang="en-US" dirty="0" smtClean="0"/>
+              <a:t>이를 원래 배열에서 삭제하는 코드 </a:t>
+            </a:r>
+            <a:endParaRPr lang="ko-KR" altLang="en-US" dirty="0"/>
+          </a:p>
+        </p:txBody>
+      </p:sp>
+      <p:sp>
+        <p:nvSpPr>
+          <p:cNvPr id="9" name="직사각형 8"/>
+          <p:cNvSpPr/>
+          <p:nvPr/>
+        </p:nvSpPr>
+        <p:spPr>
+          <a:xfrm flipH="1">
+            <a:off x="6488138" y="3998541"/>
+            <a:ext cx="45719" cy="353220"/>
+          </a:xfrm>
+          <a:prstGeom prst="rect">
+            <a:avLst/>
+          </a:prstGeom>
+          <a:solidFill>
+            <a:schemeClr val="tx1"/>
+          </a:solidFill>
+          <a:ln>
+            <a:noFill/>
+          </a:ln>
+        </p:spPr>
+        <p:style>
+          <a:lnRef idx="2">
+            <a:schemeClr val="accent1">
+              <a:shade val="50000"/>
+            </a:schemeClr>
+          </a:lnRef>
+          <a:fillRef idx="1">
+            <a:schemeClr val="accent1"/>
+          </a:fillRef>
+          <a:effectRef idx="0">
+            <a:schemeClr val="accent1"/>
+          </a:effectRef>
+          <a:fontRef idx="minor">
+            <a:schemeClr val="lt1"/>
+          </a:fontRef>
+        </p:style>
+        <p:txBody>
+          <a:bodyPr rtlCol="0" anchor="ctr"/>
+          <a:lstStyle/>
+          <a:p>
+            <a:pPr algn="ctr"/>
+            <a:endParaRPr lang="ko-KR" altLang="en-US"/>
+          </a:p>
+        </p:txBody>
+      </p:sp>
+      <p:sp>
+        <p:nvSpPr>
+          <p:cNvPr id="11" name="TextBox 10"/>
+          <p:cNvSpPr txBox="1"/>
+          <p:nvPr/>
+        </p:nvSpPr>
+        <p:spPr>
+          <a:xfrm>
+            <a:off x="6510998" y="3897923"/>
+            <a:ext cx="2406908" cy="523220"/>
+          </a:xfrm>
+          <a:prstGeom prst="rect">
+            <a:avLst/>
+          </a:prstGeom>
+          <a:noFill/>
+        </p:spPr>
+        <p:txBody>
+          <a:bodyPr wrap="square" rtlCol="0">
+            <a:spAutoFit/>
+          </a:bodyPr>
+          <a:lstStyle/>
+          <a:p>
+            <a:r>
+              <a:rPr lang="en-US" altLang="ko-KR" sz="2800" dirty="0" smtClean="0"/>
+              <a:t>Hint</a:t>
+            </a:r>
+            <a:endParaRPr lang="ko-KR" altLang="en-US" dirty="0"/>
+          </a:p>
+        </p:txBody>
+      </p:sp>
+      <p:sp>
+        <p:nvSpPr>
+          <p:cNvPr id="12" name="TextBox 11"/>
+          <p:cNvSpPr txBox="1"/>
+          <p:nvPr/>
+        </p:nvSpPr>
+        <p:spPr>
+          <a:xfrm>
+            <a:off x="6488138" y="1215467"/>
+            <a:ext cx="5337678" cy="2169825"/>
+          </a:xfrm>
+          <a:prstGeom prst="rect">
+            <a:avLst/>
+          </a:prstGeom>
+          <a:noFill/>
+        </p:spPr>
+        <p:txBody>
+          <a:bodyPr wrap="square" rtlCol="0">
+            <a:spAutoFit/>
+          </a:bodyPr>
+          <a:lstStyle/>
+          <a:p>
+            <a:pPr marL="342900" indent="-342900">
+              <a:lnSpc>
+                <a:spcPct val="150000"/>
+              </a:lnSpc>
+              <a:buAutoNum type="arabicPeriod"/>
+            </a:pPr>
+            <a:r>
+              <a:rPr lang="ko-KR" altLang="en-US" dirty="0" smtClean="0"/>
+              <a:t>첫 </a:t>
+            </a:r>
+            <a:r>
+              <a:rPr lang="ko-KR" altLang="en-US" dirty="0"/>
+              <a:t>번째 줄에는 배열의 크기 </a:t>
+            </a:r>
+            <a:r>
+              <a:rPr lang="ko-KR" altLang="en-US" dirty="0" smtClean="0"/>
+              <a:t>값</a:t>
+            </a:r>
+            <a:endParaRPr lang="en-US" altLang="ko-KR" dirty="0" smtClean="0"/>
+          </a:p>
+          <a:p>
+            <a:pPr marL="342900" indent="-342900">
+              <a:lnSpc>
+                <a:spcPct val="150000"/>
+              </a:lnSpc>
+              <a:buAutoNum type="arabicPeriod"/>
+            </a:pPr>
+            <a:r>
+              <a:rPr lang="ko-KR" altLang="en-US" dirty="0"/>
+              <a:t>두 번째 줄 이후는 배열의 각 요소이다</a:t>
+            </a:r>
+            <a:r>
+              <a:rPr lang="en-US" altLang="ko-KR" dirty="0" smtClean="0"/>
+              <a:t>.</a:t>
+            </a:r>
+          </a:p>
+          <a:p>
+            <a:pPr marL="342900" indent="-342900">
+              <a:lnSpc>
+                <a:spcPct val="150000"/>
+              </a:lnSpc>
+              <a:buAutoNum type="arabicPeriod"/>
+            </a:pPr>
+            <a:r>
+              <a:rPr lang="ko-KR" altLang="en-US" dirty="0"/>
+              <a:t>마지막에서 </a:t>
+            </a:r>
+            <a:r>
+              <a:rPr lang="en-US" altLang="ko-KR" dirty="0"/>
+              <a:t>2</a:t>
+            </a:r>
+            <a:r>
+              <a:rPr lang="ko-KR" altLang="en-US" dirty="0"/>
+              <a:t>번째 줄은 </a:t>
+            </a:r>
+            <a:r>
+              <a:rPr lang="ko-KR" altLang="en-US" dirty="0" err="1"/>
+              <a:t>만들어야하는</a:t>
+            </a:r>
+            <a:r>
+              <a:rPr lang="ko-KR" altLang="en-US" dirty="0"/>
+              <a:t> 팀원의 </a:t>
+            </a:r>
+            <a:r>
+              <a:rPr lang="ko-KR" altLang="en-US" dirty="0" smtClean="0"/>
+              <a:t>수</a:t>
+            </a:r>
+            <a:endParaRPr lang="en-US" altLang="ko-KR" dirty="0" smtClean="0"/>
+          </a:p>
+          <a:p>
+            <a:pPr marL="342900" indent="-342900">
+              <a:lnSpc>
+                <a:spcPct val="150000"/>
+              </a:lnSpc>
+              <a:buAutoNum type="arabicPeriod"/>
+            </a:pPr>
+            <a:r>
+              <a:rPr lang="ko-KR" altLang="en-US" dirty="0"/>
+              <a:t>마지막 줄은 </a:t>
+            </a:r>
+            <a:r>
+              <a:rPr lang="en-US" altLang="ko-KR" dirty="0"/>
+              <a:t>Manager</a:t>
+            </a:r>
+            <a:r>
+              <a:rPr lang="ko-KR" altLang="en-US" dirty="0"/>
+              <a:t>가 팀원을 뽑기 위해서 배열에서 선택하는 그룹의 크기를 의미한다</a:t>
+            </a:r>
+            <a:r>
+              <a:rPr lang="en-US" altLang="ko-KR" dirty="0" smtClean="0"/>
+              <a:t>.</a:t>
+            </a:r>
+            <a:endParaRPr lang="ko-KR" altLang="en-US" dirty="0"/>
+          </a:p>
+        </p:txBody>
+      </p:sp>
+      <p:sp>
+        <p:nvSpPr>
+          <p:cNvPr id="13" name="직사각형 12"/>
+          <p:cNvSpPr/>
+          <p:nvPr/>
+        </p:nvSpPr>
+        <p:spPr>
+          <a:xfrm flipH="1">
+            <a:off x="6488138" y="671866"/>
+            <a:ext cx="45719" cy="353220"/>
+          </a:xfrm>
+          <a:prstGeom prst="rect">
+            <a:avLst/>
+          </a:prstGeom>
+          <a:solidFill>
+            <a:schemeClr val="tx1"/>
+          </a:solidFill>
+          <a:ln>
+            <a:noFill/>
+          </a:ln>
+        </p:spPr>
+        <p:style>
+          <a:lnRef idx="2">
+            <a:schemeClr val="accent1">
+              <a:shade val="50000"/>
+            </a:schemeClr>
+          </a:lnRef>
+          <a:fillRef idx="1">
+            <a:schemeClr val="accent1"/>
+          </a:fillRef>
+          <a:effectRef idx="0">
+            <a:schemeClr val="accent1"/>
+          </a:effectRef>
+          <a:fontRef idx="minor">
+            <a:schemeClr val="lt1"/>
+          </a:fontRef>
+        </p:style>
+        <p:txBody>
+          <a:bodyPr rtlCol="0" anchor="ctr"/>
+          <a:lstStyle/>
+          <a:p>
+            <a:pPr algn="ctr"/>
+            <a:endParaRPr lang="ko-KR" altLang="en-US"/>
+          </a:p>
+        </p:txBody>
+      </p:sp>
+      <p:sp>
+        <p:nvSpPr>
+          <p:cNvPr id="14" name="TextBox 13"/>
+          <p:cNvSpPr txBox="1"/>
+          <p:nvPr/>
+        </p:nvSpPr>
+        <p:spPr>
+          <a:xfrm>
+            <a:off x="6510998" y="571248"/>
+            <a:ext cx="2406908" cy="523220"/>
+          </a:xfrm>
+          <a:prstGeom prst="rect">
+            <a:avLst/>
+          </a:prstGeom>
+          <a:noFill/>
+        </p:spPr>
+        <p:txBody>
+          <a:bodyPr wrap="square" rtlCol="0">
+            <a:spAutoFit/>
+          </a:bodyPr>
+          <a:lstStyle/>
+          <a:p>
+            <a:r>
+              <a:rPr lang="en-US" altLang="ko-KR" sz="2800" dirty="0" smtClean="0"/>
+              <a:t>Inputs</a:t>
+            </a:r>
+            <a:endParaRPr lang="ko-KR" altLang="en-US" sz="2800" dirty="0"/>
+          </a:p>
+        </p:txBody>
+      </p:sp>
+      <p:pic>
+        <p:nvPicPr>
+          <p:cNvPr id="1026" name="Picture 2" descr="https://k.kakaocdn.net/dn/u4Z56/btqwUD03neG/5psOGADtXH3zJT29tG7yt0/img.png"/>
+          <p:cNvPicPr>
+            <a:picLocks noChangeAspect="1" noChangeArrowheads="1"/>
+          </p:cNvPicPr>
+          <p:nvPr/>
+        </p:nvPicPr>
+        <p:blipFill>
+          <a:blip r:embed="rId3">
+            <a:extLst>
+              <a:ext uri="{28A0092B-C50C-407E-A947-70E740481C1C}">
+                <a14:useLocalDpi xmlns:a14="http://schemas.microsoft.com/office/drawing/2010/main" val="0"/>
+              </a:ext>
+            </a:extLst>
+          </a:blip>
+          <a:srcRect/>
+          <a:stretch>
+            <a:fillRect/>
+          </a:stretch>
+        </p:blipFill>
+        <p:spPr bwMode="auto">
+          <a:xfrm>
+            <a:off x="458636" y="2253808"/>
+            <a:ext cx="5153025" cy="3021577"/>
+          </a:xfrm>
+          <a:prstGeom prst="rect">
+            <a:avLst/>
+          </a:prstGeom>
+          <a:ln>
+            <a:noFill/>
+          </a:ln>
+          <a:effectLst>
+            <a:outerShdw blurRad="292100" dist="139700" dir="2700000" algn="tl" rotWithShape="0">
+              <a:srgbClr val="333333">
+                <a:alpha val="65000"/>
+              </a:srgbClr>
+            </a:outerShdw>
+          </a:effectLst>
+          <a:extLst>
+            <a:ext uri="{909E8E84-426E-40DD-AFC4-6F175D3DCCD1}">
+              <a14:hiddenFill xmlns:a14="http://schemas.microsoft.com/office/drawing/2010/main">
+                <a:solidFill>
+                  <a:srgbClr val="FFFFFF"/>
+                </a:solidFill>
+              </a14:hiddenFill>
+            </a:ext>
+          </a:extLst>
+        </p:spPr>
+      </p:pic>
+      <p:sp>
+        <p:nvSpPr>
+          <p:cNvPr id="20" name="TextBox 19"/>
+          <p:cNvSpPr txBox="1"/>
+          <p:nvPr/>
+        </p:nvSpPr>
+        <p:spPr>
+          <a:xfrm>
+            <a:off x="6533857" y="6256247"/>
+            <a:ext cx="5337678" cy="369332"/>
+          </a:xfrm>
+          <a:prstGeom prst="rect">
+            <a:avLst/>
+          </a:prstGeom>
+          <a:noFill/>
+        </p:spPr>
+        <p:txBody>
+          <a:bodyPr wrap="square" rtlCol="0">
+            <a:spAutoFit/>
+          </a:bodyPr>
+          <a:lstStyle/>
+          <a:p>
+            <a:r>
+              <a:rPr lang="en-US" altLang="ko-KR" i="1" dirty="0" smtClean="0"/>
+              <a:t>※</a:t>
+            </a:r>
+            <a:r>
+              <a:rPr lang="ko-KR" altLang="en-US" i="1" dirty="0" smtClean="0"/>
+              <a:t> </a:t>
+            </a:r>
+            <a:r>
+              <a:rPr lang="en-US" altLang="ko-KR" i="1" dirty="0" err="1" smtClean="0"/>
+              <a:t>Heapify</a:t>
+            </a:r>
+            <a:r>
+              <a:rPr lang="en-US" altLang="ko-KR" i="1" dirty="0" smtClean="0"/>
+              <a:t>(</a:t>
+            </a:r>
+            <a:r>
+              <a:rPr lang="ko-KR" altLang="en-US" i="1" dirty="0" err="1" smtClean="0"/>
+              <a:t>힙</a:t>
+            </a:r>
+            <a:r>
+              <a:rPr lang="en-US" altLang="ko-KR" i="1" dirty="0"/>
+              <a:t> </a:t>
+            </a:r>
+            <a:r>
+              <a:rPr lang="ko-KR" altLang="en-US" i="1" dirty="0" smtClean="0"/>
+              <a:t>정렬</a:t>
+            </a:r>
+            <a:r>
+              <a:rPr lang="en-US" altLang="ko-KR" i="1" dirty="0" smtClean="0"/>
+              <a:t>) </a:t>
+            </a:r>
+            <a:r>
+              <a:rPr lang="ko-KR" altLang="en-US" i="1" dirty="0" smtClean="0"/>
+              <a:t>참고</a:t>
+            </a:r>
+            <a:r>
+              <a:rPr lang="en-US" altLang="ko-KR" i="1" dirty="0" smtClean="0"/>
+              <a:t>  </a:t>
+            </a:r>
+          </a:p>
+        </p:txBody>
+      </p:sp>
+    </p:spTree>
+    <p:extLst>
+      <p:ext uri="{BB962C8B-B14F-4D97-AF65-F5344CB8AC3E}">
+        <p14:creationId xmlns:p14="http://schemas.microsoft.com/office/powerpoint/2010/main" val="1154074171"/>
+      </p:ext>
+    </p:extLst>
+  </p:cSld>
+  <p:clrMapOvr>
+    <a:masterClrMapping/>
+  </p:clrMapOvr>
+  <p:timing>
+    <p:tnLst>
+      <p:par>
+        <p:cTn id="1" dur="indefinite" restart="never" nodeType="tmRoot"/>
+      </p:par>
+    </p:tnLst>
+  </p:timing>
 </p:sld>
 </file>
 
@@ -18893,7 +21805,7 @@
           <p:cNvPr id="2" name="제목 1">
             <a:extLst>
               <a:ext uri="{FF2B5EF4-FFF2-40B4-BE49-F238E27FC236}">
-                <a16:creationId xmlns:a16="http://schemas.microsoft.com/office/drawing/2014/main" id="{46EF07D7-2C4E-4DE1-B52F-9ACD386C79CB}"/>
+                <a16:creationId xmlns:a16="http://schemas.microsoft.com/office/drawing/2014/main" xmlns="" id="{46EF07D7-2C4E-4DE1-B52F-9ACD386C79CB}"/>
               </a:ext>
             </a:extLst>
           </p:cNvPr>
@@ -18932,7 +21844,7 @@
           <p:cNvPr id="6" name="내용 개체 틀 5">
             <a:extLst>
               <a:ext uri="{FF2B5EF4-FFF2-40B4-BE49-F238E27FC236}">
-                <a16:creationId xmlns:a16="http://schemas.microsoft.com/office/drawing/2014/main" id="{4179E265-0B3A-4C89-B17D-B3A67D65D0E2}"/>
+                <a16:creationId xmlns:a16="http://schemas.microsoft.com/office/drawing/2014/main" xmlns="" id="{4179E265-0B3A-4C89-B17D-B3A67D65D0E2}"/>
               </a:ext>
             </a:extLst>
           </p:cNvPr>
@@ -18969,83 +21881,12 @@
           </a:effectLst>
         </p:spPr>
       </p:pic>
-      <p:pic>
-        <p:nvPicPr>
-          <p:cNvPr id="7" name="그림 6">
-            <a:extLst>
-              <a:ext uri="{FF2B5EF4-FFF2-40B4-BE49-F238E27FC236}">
-                <a16:creationId xmlns:a16="http://schemas.microsoft.com/office/drawing/2014/main" id="{2429276B-95CA-40CE-BE87-006D4D0CBFE1}"/>
-              </a:ext>
-            </a:extLst>
-          </p:cNvPr>
-          <p:cNvPicPr>
-            <a:picLocks noChangeAspect="1"/>
-          </p:cNvPicPr>
-          <p:nvPr/>
-        </p:nvPicPr>
-        <p:blipFill>
-          <a:blip r:embed="rId3"/>
-          <a:stretch>
-            <a:fillRect/>
-          </a:stretch>
-        </p:blipFill>
-        <p:spPr>
-          <a:xfrm>
-            <a:off x="974891" y="1367623"/>
-            <a:ext cx="3371850" cy="1019175"/>
-          </a:xfrm>
-          <a:prstGeom prst="rect">
-            <a:avLst/>
-          </a:prstGeom>
-        </p:spPr>
-      </p:pic>
-      <p:sp>
-        <p:nvSpPr>
-          <p:cNvPr id="4" name="텍스트 개체 틀 3">
-            <a:extLst>
-              <a:ext uri="{FF2B5EF4-FFF2-40B4-BE49-F238E27FC236}">
-                <a16:creationId xmlns:a16="http://schemas.microsoft.com/office/drawing/2014/main" id="{584AD485-73E2-47F1-BBF6-9F0058534214}"/>
-              </a:ext>
-            </a:extLst>
-          </p:cNvPr>
-          <p:cNvSpPr>
-            <a:spLocks noGrp="1"/>
-          </p:cNvSpPr>
-          <p:nvPr>
-            <p:ph type="body" sz="half" idx="2"/>
-          </p:nvPr>
-        </p:nvSpPr>
-        <p:spPr>
-          <a:xfrm>
-            <a:off x="496590" y="2386798"/>
-            <a:ext cx="4061343" cy="276495"/>
-          </a:xfrm>
-        </p:spPr>
-        <p:txBody>
-          <a:bodyPr>
-            <a:normAutofit fontScale="92500" lnSpcReduction="20000"/>
-          </a:bodyPr>
-          <a:lstStyle/>
-          <a:p>
-            <a:pPr algn="l"/>
-            <a:r>
-              <a:rPr lang="ko-KR" altLang="en-US" dirty="0"/>
-              <a:t>출처</a:t>
-            </a:r>
-            <a:r>
-              <a:rPr lang="en-US" altLang="ko-KR" dirty="0"/>
-              <a:t>: https://monsieursongsong.tistory.com/4</a:t>
-            </a:r>
-            <a:endParaRPr lang="ko-KR" altLang="en-US" dirty="0"/>
-          </a:p>
-        </p:txBody>
-      </p:sp>
       <p:sp>
         <p:nvSpPr>
           <p:cNvPr id="5" name="TextBox 4">
             <a:extLst>
               <a:ext uri="{FF2B5EF4-FFF2-40B4-BE49-F238E27FC236}">
-                <a16:creationId xmlns:a16="http://schemas.microsoft.com/office/drawing/2014/main" id="{F83BAFA1-C11B-4672-B510-037979FA2D38}"/>
+                <a16:creationId xmlns:a16="http://schemas.microsoft.com/office/drawing/2014/main" xmlns="" id="{F83BAFA1-C11B-4672-B510-037979FA2D38}"/>
               </a:ext>
             </a:extLst>
           </p:cNvPr>
@@ -19121,7 +21962,7 @@
           <p:cNvPr id="8" name="TextBox 7">
             <a:extLst>
               <a:ext uri="{FF2B5EF4-FFF2-40B4-BE49-F238E27FC236}">
-                <a16:creationId xmlns:a16="http://schemas.microsoft.com/office/drawing/2014/main" id="{CF2F0064-E6D2-4F8F-B3AC-9DC0B8893011}"/>
+                <a16:creationId xmlns:a16="http://schemas.microsoft.com/office/drawing/2014/main" xmlns="" id="{CF2F0064-E6D2-4F8F-B3AC-9DC0B8893011}"/>
               </a:ext>
             </a:extLst>
           </p:cNvPr>
@@ -19479,7 +22320,63 @@
           <p:cNvPr id="1026" name="Picture 2">
             <a:extLst>
               <a:ext uri="{FF2B5EF4-FFF2-40B4-BE49-F238E27FC236}">
-                <a16:creationId xmlns:a16="http://schemas.microsoft.com/office/drawing/2014/main" id="{69E265D3-7E66-4F90-8FF4-E6BE7159E743}"/>
+                <a16:creationId xmlns:a16="http://schemas.microsoft.com/office/drawing/2014/main" xmlns="" id="{69E265D3-7E66-4F90-8FF4-E6BE7159E743}"/>
+              </a:ext>
+            </a:extLst>
+          </p:cNvPr>
+          <p:cNvPicPr>
+            <a:picLocks noChangeAspect="1" noChangeArrowheads="1"/>
+          </p:cNvPicPr>
+          <p:nvPr/>
+        </p:nvPicPr>
+        <p:blipFill>
+          <a:blip r:embed="rId3">
+            <a:extLst>
+              <a:ext uri="{28A0092B-C50C-407E-A947-70E740481C1C}">
+                <a14:useLocalDpi xmlns:a14="http://schemas.microsoft.com/office/drawing/2010/main" val="0"/>
+              </a:ext>
+            </a:extLst>
+          </a:blip>
+          <a:srcRect/>
+          <a:stretch>
+            <a:fillRect/>
+          </a:stretch>
+        </p:blipFill>
+        <p:spPr bwMode="auto">
+          <a:xfrm>
+            <a:off x="6886575" y="3362179"/>
+            <a:ext cx="4514850" cy="3324110"/>
+          </a:xfrm>
+          <a:prstGeom prst="rect">
+            <a:avLst/>
+          </a:prstGeom>
+          <a:ln>
+            <a:noFill/>
+          </a:ln>
+          <a:effectLst>
+            <a:outerShdw blurRad="292100" dist="139700" dir="2700000" algn="tl" rotWithShape="0">
+              <a:srgbClr val="333333">
+                <a:alpha val="65000"/>
+              </a:srgbClr>
+            </a:outerShdw>
+          </a:effectLst>
+          <a:extLst>
+            <a:ext uri="{909E8E84-426E-40DD-AFC4-6F175D3DCCD1}">
+              <a14:hiddenFill xmlns:a14="http://schemas.microsoft.com/office/drawing/2010/main">
+                <a:solidFill>
+                  <a:srgbClr val="FFFFFF"/>
+                </a:solidFill>
+              </a14:hiddenFill>
+            </a:ext>
+          </a:extLst>
+        </p:spPr>
+      </p:pic>
+      <p:pic>
+        <p:nvPicPr>
+          <p:cNvPr id="1028" name="Picture 4" descr="관련 이미지">
+            <a:extLst>
+              <a:ext uri="{FF2B5EF4-FFF2-40B4-BE49-F238E27FC236}">
+                <a16:creationId xmlns:a16="http://schemas.microsoft.com/office/drawing/2014/main" xmlns="" id="{A0DD6E44-A036-4F30-A995-9148E666DF94}"/>
               </a:ext>
             </a:extLst>
           </p:cNvPr>
@@ -19503,62 +22400,6 @@
         </p:blipFill>
         <p:spPr bwMode="auto">
           <a:xfrm>
-            <a:off x="6886575" y="3362179"/>
-            <a:ext cx="4514850" cy="3324110"/>
-          </a:xfrm>
-          <a:prstGeom prst="rect">
-            <a:avLst/>
-          </a:prstGeom>
-          <a:ln>
-            <a:noFill/>
-          </a:ln>
-          <a:effectLst>
-            <a:outerShdw blurRad="292100" dist="139700" dir="2700000" algn="tl" rotWithShape="0">
-              <a:srgbClr val="333333">
-                <a:alpha val="65000"/>
-              </a:srgbClr>
-            </a:outerShdw>
-          </a:effectLst>
-          <a:extLst>
-            <a:ext uri="{909E8E84-426E-40DD-AFC4-6F175D3DCCD1}">
-              <a14:hiddenFill xmlns:a14="http://schemas.microsoft.com/office/drawing/2010/main">
-                <a:solidFill>
-                  <a:srgbClr val="FFFFFF"/>
-                </a:solidFill>
-              </a14:hiddenFill>
-            </a:ext>
-          </a:extLst>
-        </p:spPr>
-      </p:pic>
-      <p:pic>
-        <p:nvPicPr>
-          <p:cNvPr id="1028" name="Picture 4" descr="관련 이미지">
-            <a:extLst>
-              <a:ext uri="{FF2B5EF4-FFF2-40B4-BE49-F238E27FC236}">
-                <a16:creationId xmlns:a16="http://schemas.microsoft.com/office/drawing/2014/main" id="{A0DD6E44-A036-4F30-A995-9148E666DF94}"/>
-              </a:ext>
-            </a:extLst>
-          </p:cNvPr>
-          <p:cNvPicPr>
-            <a:picLocks noChangeAspect="1" noChangeArrowheads="1"/>
-          </p:cNvPicPr>
-          <p:nvPr/>
-        </p:nvPicPr>
-        <p:blipFill>
-          <a:blip r:embed="rId5">
-            <a:extLst>
-              <a:ext uri="{28A0092B-C50C-407E-A947-70E740481C1C}">
-                <a14:useLocalDpi xmlns:a14="http://schemas.microsoft.com/office/drawing/2010/main" val="0"/>
-              </a:ext>
-            </a:extLst>
-          </a:blip>
-          <a:srcRect/>
-          <a:stretch>
-            <a:fillRect/>
-          </a:stretch>
-        </p:blipFill>
-        <p:spPr bwMode="auto">
-          <a:xfrm>
             <a:off x="10680309" y="-75885"/>
             <a:ext cx="1109601" cy="1018984"/>
           </a:xfrm>
@@ -19582,7 +22423,7 @@
           <p:cNvPr id="11" name="Picture 4" descr="관련 이미지">
             <a:extLst>
               <a:ext uri="{FF2B5EF4-FFF2-40B4-BE49-F238E27FC236}">
-                <a16:creationId xmlns:a16="http://schemas.microsoft.com/office/drawing/2014/main" id="{A816B32A-58B0-4D7F-8538-40309F35F850}"/>
+                <a16:creationId xmlns:a16="http://schemas.microsoft.com/office/drawing/2014/main" xmlns="" id="{A816B32A-58B0-4D7F-8538-40309F35F850}"/>
               </a:ext>
             </a:extLst>
           </p:cNvPr>
@@ -19592,7 +22433,7 @@
           <p:nvPr/>
         </p:nvPicPr>
         <p:blipFill>
-          <a:blip r:embed="rId5">
+          <a:blip r:embed="rId4">
             <a:extLst>
               <a:ext uri="{28A0092B-C50C-407E-A947-70E740481C1C}">
                 <a14:useLocalDpi xmlns:a14="http://schemas.microsoft.com/office/drawing/2010/main" val="0"/>
@@ -19629,7 +22470,7 @@
           <p:cNvPr id="12" name="Picture 4" descr="관련 이미지">
             <a:extLst>
               <a:ext uri="{FF2B5EF4-FFF2-40B4-BE49-F238E27FC236}">
-                <a16:creationId xmlns:a16="http://schemas.microsoft.com/office/drawing/2014/main" id="{C4257397-964D-47F3-B407-AE9C2A70AAA3}"/>
+                <a16:creationId xmlns:a16="http://schemas.microsoft.com/office/drawing/2014/main" xmlns="" id="{C4257397-964D-47F3-B407-AE9C2A70AAA3}"/>
               </a:ext>
             </a:extLst>
           </p:cNvPr>
@@ -19639,7 +22480,7 @@
           <p:nvPr/>
         </p:nvPicPr>
         <p:blipFill>
-          <a:blip r:embed="rId5">
+          <a:blip r:embed="rId4">
             <a:extLst>
               <a:ext uri="{28A0092B-C50C-407E-A947-70E740481C1C}">
                 <a14:useLocalDpi xmlns:a14="http://schemas.microsoft.com/office/drawing/2010/main" val="0"/>
@@ -19676,7 +22517,7 @@
           <p:cNvPr id="13" name="Picture 4" descr="관련 이미지">
             <a:extLst>
               <a:ext uri="{FF2B5EF4-FFF2-40B4-BE49-F238E27FC236}">
-                <a16:creationId xmlns:a16="http://schemas.microsoft.com/office/drawing/2014/main" id="{78802474-46F1-47E7-899B-974D43F820AA}"/>
+                <a16:creationId xmlns:a16="http://schemas.microsoft.com/office/drawing/2014/main" xmlns="" id="{78802474-46F1-47E7-899B-974D43F820AA}"/>
               </a:ext>
             </a:extLst>
           </p:cNvPr>
@@ -19686,7 +22527,7 @@
           <p:nvPr/>
         </p:nvPicPr>
         <p:blipFill>
-          <a:blip r:embed="rId5">
+          <a:blip r:embed="rId4">
             <a:extLst>
               <a:ext uri="{28A0092B-C50C-407E-A947-70E740481C1C}">
                 <a14:useLocalDpi xmlns:a14="http://schemas.microsoft.com/office/drawing/2010/main" val="0"/>
@@ -19718,6 +22559,49 @@
           </a:extLst>
         </p:spPr>
       </p:pic>
+      <p:pic>
+        <p:nvPicPr>
+          <p:cNvPr id="3" name="그림 2"/>
+          <p:cNvPicPr>
+            <a:picLocks noChangeAspect="1"/>
+          </p:cNvPicPr>
+          <p:nvPr/>
+        </p:nvPicPr>
+        <p:blipFill>
+          <a:blip r:embed="rId5"/>
+          <a:stretch>
+            <a:fillRect/>
+          </a:stretch>
+        </p:blipFill>
+        <p:spPr>
+          <a:xfrm>
+            <a:off x="1056458" y="1556992"/>
+            <a:ext cx="3257140" cy="1120018"/>
+          </a:xfrm>
+          <a:prstGeom prst="rect">
+            <a:avLst/>
+          </a:prstGeom>
+        </p:spPr>
+      </p:pic>
+      <p:sp>
+        <p:nvSpPr>
+          <p:cNvPr id="9" name="텍스트 개체 틀 8"/>
+          <p:cNvSpPr>
+            <a:spLocks noGrp="1"/>
+          </p:cNvSpPr>
+          <p:nvPr>
+            <p:ph type="body" sz="half" idx="2"/>
+          </p:nvPr>
+        </p:nvSpPr>
+        <p:spPr/>
+        <p:txBody>
+          <a:bodyPr/>
+          <a:lstStyle/>
+          <a:p>
+            <a:endParaRPr lang="ko-KR" altLang="en-US"/>
+          </a:p>
+        </p:txBody>
+      </p:sp>
     </p:spTree>
     <p:extLst>
       <p:ext uri="{BB962C8B-B14F-4D97-AF65-F5344CB8AC3E}">
@@ -19728,6 +22612,1860 @@
   <p:clrMapOvr>
     <a:masterClrMapping/>
   </p:clrMapOvr>
+  <p:timing>
+    <p:tnLst>
+      <p:par>
+        <p:cTn id="1" dur="indefinite" restart="never" nodeType="tmRoot"/>
+      </p:par>
+    </p:tnLst>
+  </p:timing>
+</p:sld>
+</file>
+
+<file path=ppt/slides/slide30.xml><?xml version="1.0" encoding="utf-8"?>
+<p:sld xmlns:a="http://schemas.openxmlformats.org/drawingml/2006/main" xmlns:r="http://schemas.openxmlformats.org/officeDocument/2006/relationships" xmlns:p="http://schemas.openxmlformats.org/presentationml/2006/main">
+  <p:cSld>
+    <p:spTree>
+      <p:nvGrpSpPr>
+        <p:cNvPr id="1" name=""/>
+        <p:cNvGrpSpPr/>
+        <p:nvPr/>
+      </p:nvGrpSpPr>
+      <p:grpSpPr>
+        <a:xfrm>
+          <a:off x="0" y="0"/>
+          <a:ext cx="0" cy="0"/>
+          <a:chOff x="0" y="0"/>
+          <a:chExt cx="0" cy="0"/>
+        </a:xfrm>
+      </p:grpSpPr>
+      <p:sp>
+        <p:nvSpPr>
+          <p:cNvPr id="2" name="제목 1">
+            <a:extLst>
+              <a:ext uri="{FF2B5EF4-FFF2-40B4-BE49-F238E27FC236}">
+                <a16:creationId xmlns:a16="http://schemas.microsoft.com/office/drawing/2014/main" xmlns="" id="{46EF07D7-2C4E-4DE1-B52F-9ACD386C79CB}"/>
+              </a:ext>
+            </a:extLst>
+          </p:cNvPr>
+          <p:cNvSpPr>
+            <a:spLocks noGrp="1"/>
+          </p:cNvSpPr>
+          <p:nvPr>
+            <p:ph type="title"/>
+          </p:nvPr>
+        </p:nvSpPr>
+        <p:spPr>
+          <a:xfrm>
+            <a:off x="769620" y="189946"/>
+            <a:ext cx="4486656" cy="513440"/>
+          </a:xfrm>
+        </p:spPr>
+        <p:txBody>
+          <a:bodyPr>
+            <a:normAutofit fontScale="90000"/>
+          </a:bodyPr>
+          <a:lstStyle/>
+          <a:p>
+            <a:r>
+              <a:rPr lang="en-US" altLang="ko-KR" dirty="0"/>
+              <a:t>4. </a:t>
+            </a:r>
+            <a:r>
+              <a:rPr lang="ko-KR" altLang="en-US" dirty="0"/>
+              <a:t>추가예제 </a:t>
+            </a:r>
+            <a:r>
+              <a:rPr lang="en-US" altLang="ko-KR" dirty="0"/>
+              <a:t>- </a:t>
+            </a:r>
+            <a:r>
+              <a:rPr lang="ko-KR" altLang="en-US" dirty="0"/>
+              <a:t>수행과제</a:t>
+            </a:r>
+            <a:r>
+              <a:rPr lang="en-US" altLang="ko-KR" dirty="0"/>
+              <a:t> </a:t>
+            </a:r>
+            <a:endParaRPr lang="ko-KR" altLang="en-US" dirty="0"/>
+          </a:p>
+        </p:txBody>
+      </p:sp>
+      <p:sp>
+        <p:nvSpPr>
+          <p:cNvPr id="10" name="TextBox 9"/>
+          <p:cNvSpPr txBox="1"/>
+          <p:nvPr/>
+        </p:nvSpPr>
+        <p:spPr>
+          <a:xfrm>
+            <a:off x="414235" y="1078523"/>
+            <a:ext cx="5197426" cy="523220"/>
+          </a:xfrm>
+          <a:prstGeom prst="rect">
+            <a:avLst/>
+          </a:prstGeom>
+          <a:noFill/>
+        </p:spPr>
+        <p:txBody>
+          <a:bodyPr wrap="square" rtlCol="0">
+            <a:spAutoFit/>
+          </a:bodyPr>
+          <a:lstStyle/>
+          <a:p>
+            <a:pPr algn="ctr"/>
+            <a:r>
+              <a:rPr lang="en-US" altLang="ko-KR" sz="2800" dirty="0" smtClean="0">
+                <a:solidFill>
+                  <a:schemeClr val="bg1"/>
+                </a:solidFill>
+              </a:rPr>
+              <a:t> Team Formation  </a:t>
+            </a:r>
+            <a:endParaRPr lang="en-US" altLang="ko-KR" sz="2800" dirty="0">
+              <a:solidFill>
+                <a:schemeClr val="bg1"/>
+              </a:solidFill>
+            </a:endParaRPr>
+          </a:p>
+        </p:txBody>
+      </p:sp>
+      <p:sp>
+        <p:nvSpPr>
+          <p:cNvPr id="37" name="TextBox 36">
+            <a:extLst>
+              <a:ext uri="{FF2B5EF4-FFF2-40B4-BE49-F238E27FC236}">
+                <a16:creationId xmlns:a16="http://schemas.microsoft.com/office/drawing/2014/main" xmlns="" id="{F83BAFA1-C11B-4672-B510-037979FA2D38}"/>
+              </a:ext>
+            </a:extLst>
+          </p:cNvPr>
+          <p:cNvSpPr txBox="1"/>
+          <p:nvPr/>
+        </p:nvSpPr>
+        <p:spPr>
+          <a:xfrm>
+            <a:off x="0" y="5856549"/>
+            <a:ext cx="6488138" cy="1415772"/>
+          </a:xfrm>
+          <a:prstGeom prst="rect">
+            <a:avLst/>
+          </a:prstGeom>
+          <a:noFill/>
+        </p:spPr>
+        <p:txBody>
+          <a:bodyPr wrap="square" rtlCol="0">
+            <a:spAutoFit/>
+          </a:bodyPr>
+          <a:lstStyle/>
+          <a:p>
+            <a:r>
+              <a:rPr lang="ko-KR" altLang="en-US" sz="1600" dirty="0" smtClean="0">
+                <a:solidFill>
+                  <a:schemeClr val="bg1"/>
+                </a:solidFill>
+              </a:rPr>
+              <a:t>출처 </a:t>
+            </a:r>
+            <a:endParaRPr lang="en-US" altLang="ko-KR" sz="1600" dirty="0">
+              <a:solidFill>
+                <a:schemeClr val="bg1"/>
+              </a:solidFill>
+            </a:endParaRPr>
+          </a:p>
+          <a:p>
+            <a:r>
+              <a:rPr lang="en-US" altLang="ko-KR" sz="1400" dirty="0" smtClean="0">
+                <a:solidFill>
+                  <a:schemeClr val="bg1"/>
+                </a:solidFill>
+              </a:rPr>
+              <a:t>- https</a:t>
+            </a:r>
+            <a:r>
+              <a:rPr lang="en-US" altLang="ko-KR" sz="1400" dirty="0">
+                <a:solidFill>
+                  <a:schemeClr val="bg1"/>
+                </a:solidFill>
+              </a:rPr>
+              <a:t>://www.hackerrank.com/</a:t>
+            </a:r>
+            <a:endParaRPr lang="en-US" altLang="ko-KR" sz="1400" dirty="0" smtClean="0">
+              <a:solidFill>
+                <a:schemeClr val="bg1"/>
+              </a:solidFill>
+            </a:endParaRPr>
+          </a:p>
+          <a:p>
+            <a:r>
+              <a:rPr lang="en-US" altLang="ko-KR" sz="1400" dirty="0" smtClean="0">
+                <a:solidFill>
+                  <a:schemeClr val="bg1"/>
+                </a:solidFill>
+              </a:rPr>
+              <a:t>- https</a:t>
+            </a:r>
+            <a:r>
+              <a:rPr lang="en-US" altLang="ko-KR" sz="1400" dirty="0">
+                <a:solidFill>
+                  <a:schemeClr val="bg1"/>
+                </a:solidFill>
+              </a:rPr>
+              <a:t>://</a:t>
+            </a:r>
+            <a:r>
+              <a:rPr lang="en-US" altLang="ko-KR" sz="1400" dirty="0" smtClean="0">
+                <a:solidFill>
+                  <a:schemeClr val="bg1"/>
+                </a:solidFill>
+              </a:rPr>
+              <a:t>pcmc.tistory.com/88</a:t>
+            </a:r>
+          </a:p>
+          <a:p>
+            <a:r>
+              <a:rPr lang="en-US" altLang="ko-KR" sz="1400" dirty="0" smtClean="0">
+                <a:solidFill>
+                  <a:schemeClr val="bg1"/>
+                </a:solidFill>
+              </a:rPr>
+              <a:t>- https://smlee729.github.io/python/data%20structure/2015/03/04/1-heap.html</a:t>
+            </a:r>
+          </a:p>
+          <a:p>
+            <a:endParaRPr lang="en-US" altLang="ko-KR" sz="1400" dirty="0">
+              <a:solidFill>
+                <a:schemeClr val="bg1"/>
+              </a:solidFill>
+            </a:endParaRPr>
+          </a:p>
+          <a:p>
+            <a:endParaRPr lang="en-US" altLang="ko-KR" sz="1400" dirty="0">
+              <a:solidFill>
+                <a:schemeClr val="bg1"/>
+              </a:solidFill>
+            </a:endParaRPr>
+          </a:p>
+        </p:txBody>
+      </p:sp>
+      <p:sp>
+        <p:nvSpPr>
+          <p:cNvPr id="3" name="TextBox 2"/>
+          <p:cNvSpPr txBox="1"/>
+          <p:nvPr/>
+        </p:nvSpPr>
+        <p:spPr>
+          <a:xfrm>
+            <a:off x="1324708" y="1512277"/>
+            <a:ext cx="3282461" cy="307777"/>
+          </a:xfrm>
+          <a:prstGeom prst="rect">
+            <a:avLst/>
+          </a:prstGeom>
+          <a:noFill/>
+        </p:spPr>
+        <p:txBody>
+          <a:bodyPr wrap="square" rtlCol="0">
+            <a:spAutoFit/>
+          </a:bodyPr>
+          <a:lstStyle/>
+          <a:p>
+            <a:pPr algn="ctr"/>
+            <a:r>
+              <a:rPr lang="en-US" altLang="ko-KR" sz="1400" dirty="0">
+                <a:solidFill>
+                  <a:schemeClr val="bg1"/>
+                </a:solidFill>
+              </a:rPr>
+              <a:t>(</a:t>
+            </a:r>
+            <a:r>
+              <a:rPr lang="ko-KR" altLang="en-US" sz="1400" dirty="0" smtClean="0">
+                <a:solidFill>
+                  <a:schemeClr val="bg1"/>
+                </a:solidFill>
+              </a:rPr>
+              <a:t>해커랭크 난이도</a:t>
+            </a:r>
+            <a:r>
+              <a:rPr lang="en-US" altLang="ko-KR" sz="1400" dirty="0" smtClean="0">
+                <a:solidFill>
+                  <a:schemeClr val="bg1"/>
+                </a:solidFill>
+              </a:rPr>
+              <a:t>:  medium)</a:t>
+            </a:r>
+            <a:endParaRPr lang="ko-KR" altLang="en-US" sz="1400" dirty="0">
+              <a:solidFill>
+                <a:schemeClr val="bg1"/>
+              </a:solidFill>
+            </a:endParaRPr>
+          </a:p>
+        </p:txBody>
+      </p:sp>
+      <p:sp>
+        <p:nvSpPr>
+          <p:cNvPr id="8" name="TextBox 7"/>
+          <p:cNvSpPr txBox="1"/>
+          <p:nvPr/>
+        </p:nvSpPr>
+        <p:spPr>
+          <a:xfrm>
+            <a:off x="6488138" y="4542142"/>
+            <a:ext cx="5337678" cy="1754326"/>
+          </a:xfrm>
+          <a:prstGeom prst="rect">
+            <a:avLst/>
+          </a:prstGeom>
+          <a:noFill/>
+        </p:spPr>
+        <p:txBody>
+          <a:bodyPr wrap="square" rtlCol="0">
+            <a:spAutoFit/>
+          </a:bodyPr>
+          <a:lstStyle/>
+          <a:p>
+            <a:r>
+              <a:rPr lang="ko-KR" altLang="en-US" dirty="0" smtClean="0"/>
+              <a:t>성능에 영향을 미치는 요소 </a:t>
+            </a:r>
+            <a:r>
+              <a:rPr lang="en-US" altLang="ko-KR" dirty="0" smtClean="0"/>
+              <a:t>2</a:t>
+            </a:r>
+            <a:r>
+              <a:rPr lang="ko-KR" altLang="en-US" dirty="0" smtClean="0"/>
+              <a:t>가지</a:t>
+            </a:r>
+            <a:endParaRPr lang="en-US" altLang="ko-KR" dirty="0" smtClean="0"/>
+          </a:p>
+          <a:p>
+            <a:endParaRPr lang="en-US" altLang="ko-KR" dirty="0"/>
+          </a:p>
+          <a:p>
+            <a:pPr marL="342900" indent="-342900">
+              <a:buAutoNum type="arabicPeriod"/>
+            </a:pPr>
+            <a:r>
+              <a:rPr lang="en-US" altLang="ko-KR" dirty="0" smtClean="0"/>
+              <a:t>Manager</a:t>
+            </a:r>
+            <a:r>
+              <a:rPr lang="ko-KR" altLang="en-US" dirty="0" smtClean="0"/>
+              <a:t>가 선택한 그룹에서 최대값을 찾는 코드 </a:t>
+            </a:r>
+            <a:endParaRPr lang="en-US" altLang="ko-KR" dirty="0" smtClean="0"/>
+          </a:p>
+          <a:p>
+            <a:pPr marL="342900" indent="-342900">
+              <a:buAutoNum type="arabicPeriod"/>
+            </a:pPr>
+            <a:endParaRPr lang="en-US" altLang="ko-KR" dirty="0"/>
+          </a:p>
+          <a:p>
+            <a:pPr marL="342900" indent="-342900">
+              <a:buAutoNum type="arabicPeriod"/>
+            </a:pPr>
+            <a:r>
+              <a:rPr lang="ko-KR" altLang="en-US" dirty="0" smtClean="0"/>
+              <a:t>선택한 두 가지 그룹에서 최댓값이 오른쪽 그룹에 있을 때</a:t>
+            </a:r>
+            <a:r>
+              <a:rPr lang="en-US" altLang="ko-KR" dirty="0" smtClean="0"/>
+              <a:t>, </a:t>
+            </a:r>
+          </a:p>
+          <a:p>
+            <a:r>
+              <a:rPr lang="en-US" altLang="ko-KR" dirty="0" smtClean="0"/>
+              <a:t>      </a:t>
+            </a:r>
+            <a:r>
+              <a:rPr lang="ko-KR" altLang="en-US" dirty="0" smtClean="0"/>
+              <a:t>이를 원래 배열에서 삭제하는 코드 </a:t>
+            </a:r>
+            <a:endParaRPr lang="ko-KR" altLang="en-US" dirty="0"/>
+          </a:p>
+        </p:txBody>
+      </p:sp>
+      <p:sp>
+        <p:nvSpPr>
+          <p:cNvPr id="9" name="직사각형 8"/>
+          <p:cNvSpPr/>
+          <p:nvPr/>
+        </p:nvSpPr>
+        <p:spPr>
+          <a:xfrm flipH="1">
+            <a:off x="6488138" y="3998541"/>
+            <a:ext cx="45719" cy="353220"/>
+          </a:xfrm>
+          <a:prstGeom prst="rect">
+            <a:avLst/>
+          </a:prstGeom>
+          <a:solidFill>
+            <a:schemeClr val="tx1"/>
+          </a:solidFill>
+          <a:ln>
+            <a:noFill/>
+          </a:ln>
+        </p:spPr>
+        <p:style>
+          <a:lnRef idx="2">
+            <a:schemeClr val="accent1">
+              <a:shade val="50000"/>
+            </a:schemeClr>
+          </a:lnRef>
+          <a:fillRef idx="1">
+            <a:schemeClr val="accent1"/>
+          </a:fillRef>
+          <a:effectRef idx="0">
+            <a:schemeClr val="accent1"/>
+          </a:effectRef>
+          <a:fontRef idx="minor">
+            <a:schemeClr val="lt1"/>
+          </a:fontRef>
+        </p:style>
+        <p:txBody>
+          <a:bodyPr rtlCol="0" anchor="ctr"/>
+          <a:lstStyle/>
+          <a:p>
+            <a:pPr algn="ctr"/>
+            <a:endParaRPr lang="ko-KR" altLang="en-US"/>
+          </a:p>
+        </p:txBody>
+      </p:sp>
+      <p:sp>
+        <p:nvSpPr>
+          <p:cNvPr id="11" name="TextBox 10"/>
+          <p:cNvSpPr txBox="1"/>
+          <p:nvPr/>
+        </p:nvSpPr>
+        <p:spPr>
+          <a:xfrm>
+            <a:off x="6510998" y="3897923"/>
+            <a:ext cx="2406908" cy="523220"/>
+          </a:xfrm>
+          <a:prstGeom prst="rect">
+            <a:avLst/>
+          </a:prstGeom>
+          <a:noFill/>
+        </p:spPr>
+        <p:txBody>
+          <a:bodyPr wrap="square" rtlCol="0">
+            <a:spAutoFit/>
+          </a:bodyPr>
+          <a:lstStyle/>
+          <a:p>
+            <a:r>
+              <a:rPr lang="en-US" altLang="ko-KR" sz="2800" dirty="0" smtClean="0"/>
+              <a:t>Hint</a:t>
+            </a:r>
+            <a:endParaRPr lang="ko-KR" altLang="en-US" dirty="0"/>
+          </a:p>
+        </p:txBody>
+      </p:sp>
+      <p:sp>
+        <p:nvSpPr>
+          <p:cNvPr id="12" name="TextBox 11"/>
+          <p:cNvSpPr txBox="1"/>
+          <p:nvPr/>
+        </p:nvSpPr>
+        <p:spPr>
+          <a:xfrm>
+            <a:off x="6488138" y="1215467"/>
+            <a:ext cx="5337678" cy="2169825"/>
+          </a:xfrm>
+          <a:prstGeom prst="rect">
+            <a:avLst/>
+          </a:prstGeom>
+          <a:noFill/>
+        </p:spPr>
+        <p:txBody>
+          <a:bodyPr wrap="square" rtlCol="0">
+            <a:spAutoFit/>
+          </a:bodyPr>
+          <a:lstStyle/>
+          <a:p>
+            <a:pPr marL="342900" indent="-342900">
+              <a:lnSpc>
+                <a:spcPct val="150000"/>
+              </a:lnSpc>
+              <a:buAutoNum type="arabicPeriod"/>
+            </a:pPr>
+            <a:r>
+              <a:rPr lang="ko-KR" altLang="en-US" dirty="0" smtClean="0"/>
+              <a:t>첫 </a:t>
+            </a:r>
+            <a:r>
+              <a:rPr lang="ko-KR" altLang="en-US" dirty="0"/>
+              <a:t>번째 줄에는 배열의 크기 </a:t>
+            </a:r>
+            <a:r>
+              <a:rPr lang="ko-KR" altLang="en-US" dirty="0" smtClean="0"/>
+              <a:t>값</a:t>
+            </a:r>
+            <a:endParaRPr lang="en-US" altLang="ko-KR" dirty="0" smtClean="0"/>
+          </a:p>
+          <a:p>
+            <a:pPr marL="342900" indent="-342900">
+              <a:lnSpc>
+                <a:spcPct val="150000"/>
+              </a:lnSpc>
+              <a:buAutoNum type="arabicPeriod"/>
+            </a:pPr>
+            <a:r>
+              <a:rPr lang="ko-KR" altLang="en-US" dirty="0"/>
+              <a:t>두 번째 줄 이후는 배열의 각 요소이다</a:t>
+            </a:r>
+            <a:r>
+              <a:rPr lang="en-US" altLang="ko-KR" dirty="0" smtClean="0"/>
+              <a:t>.</a:t>
+            </a:r>
+          </a:p>
+          <a:p>
+            <a:pPr marL="342900" indent="-342900">
+              <a:lnSpc>
+                <a:spcPct val="150000"/>
+              </a:lnSpc>
+              <a:buAutoNum type="arabicPeriod"/>
+            </a:pPr>
+            <a:r>
+              <a:rPr lang="ko-KR" altLang="en-US" dirty="0"/>
+              <a:t>마지막에서 </a:t>
+            </a:r>
+            <a:r>
+              <a:rPr lang="en-US" altLang="ko-KR" dirty="0"/>
+              <a:t>2</a:t>
+            </a:r>
+            <a:r>
+              <a:rPr lang="ko-KR" altLang="en-US" dirty="0"/>
+              <a:t>번째 줄은 </a:t>
+            </a:r>
+            <a:r>
+              <a:rPr lang="ko-KR" altLang="en-US" dirty="0" err="1"/>
+              <a:t>만들어야하는</a:t>
+            </a:r>
+            <a:r>
+              <a:rPr lang="ko-KR" altLang="en-US" dirty="0"/>
+              <a:t> 팀원의 </a:t>
+            </a:r>
+            <a:r>
+              <a:rPr lang="ko-KR" altLang="en-US" dirty="0" smtClean="0"/>
+              <a:t>수</a:t>
+            </a:r>
+            <a:endParaRPr lang="en-US" altLang="ko-KR" dirty="0" smtClean="0"/>
+          </a:p>
+          <a:p>
+            <a:pPr marL="342900" indent="-342900">
+              <a:lnSpc>
+                <a:spcPct val="150000"/>
+              </a:lnSpc>
+              <a:buAutoNum type="arabicPeriod"/>
+            </a:pPr>
+            <a:r>
+              <a:rPr lang="ko-KR" altLang="en-US" dirty="0"/>
+              <a:t>마지막 줄은 </a:t>
+            </a:r>
+            <a:r>
+              <a:rPr lang="en-US" altLang="ko-KR" dirty="0"/>
+              <a:t>Manager</a:t>
+            </a:r>
+            <a:r>
+              <a:rPr lang="ko-KR" altLang="en-US" dirty="0"/>
+              <a:t>가 팀원을 뽑기 위해서 배열에서 선택하는 그룹의 크기를 의미한다</a:t>
+            </a:r>
+            <a:r>
+              <a:rPr lang="en-US" altLang="ko-KR" dirty="0" smtClean="0"/>
+              <a:t>.</a:t>
+            </a:r>
+            <a:endParaRPr lang="ko-KR" altLang="en-US" dirty="0"/>
+          </a:p>
+        </p:txBody>
+      </p:sp>
+      <p:sp>
+        <p:nvSpPr>
+          <p:cNvPr id="13" name="직사각형 12"/>
+          <p:cNvSpPr/>
+          <p:nvPr/>
+        </p:nvSpPr>
+        <p:spPr>
+          <a:xfrm flipH="1">
+            <a:off x="6488138" y="671866"/>
+            <a:ext cx="45719" cy="353220"/>
+          </a:xfrm>
+          <a:prstGeom prst="rect">
+            <a:avLst/>
+          </a:prstGeom>
+          <a:solidFill>
+            <a:schemeClr val="tx1"/>
+          </a:solidFill>
+          <a:ln>
+            <a:noFill/>
+          </a:ln>
+        </p:spPr>
+        <p:style>
+          <a:lnRef idx="2">
+            <a:schemeClr val="accent1">
+              <a:shade val="50000"/>
+            </a:schemeClr>
+          </a:lnRef>
+          <a:fillRef idx="1">
+            <a:schemeClr val="accent1"/>
+          </a:fillRef>
+          <a:effectRef idx="0">
+            <a:schemeClr val="accent1"/>
+          </a:effectRef>
+          <a:fontRef idx="minor">
+            <a:schemeClr val="lt1"/>
+          </a:fontRef>
+        </p:style>
+        <p:txBody>
+          <a:bodyPr rtlCol="0" anchor="ctr"/>
+          <a:lstStyle/>
+          <a:p>
+            <a:pPr algn="ctr"/>
+            <a:endParaRPr lang="ko-KR" altLang="en-US"/>
+          </a:p>
+        </p:txBody>
+      </p:sp>
+      <p:sp>
+        <p:nvSpPr>
+          <p:cNvPr id="14" name="TextBox 13"/>
+          <p:cNvSpPr txBox="1"/>
+          <p:nvPr/>
+        </p:nvSpPr>
+        <p:spPr>
+          <a:xfrm>
+            <a:off x="6510998" y="571248"/>
+            <a:ext cx="2406908" cy="523220"/>
+          </a:xfrm>
+          <a:prstGeom prst="rect">
+            <a:avLst/>
+          </a:prstGeom>
+          <a:noFill/>
+        </p:spPr>
+        <p:txBody>
+          <a:bodyPr wrap="square" rtlCol="0">
+            <a:spAutoFit/>
+          </a:bodyPr>
+          <a:lstStyle/>
+          <a:p>
+            <a:r>
+              <a:rPr lang="en-US" altLang="ko-KR" sz="2800" dirty="0" smtClean="0"/>
+              <a:t>Inputs</a:t>
+            </a:r>
+            <a:endParaRPr lang="ko-KR" altLang="en-US" sz="2800" dirty="0"/>
+          </a:p>
+        </p:txBody>
+      </p:sp>
+      <p:sp>
+        <p:nvSpPr>
+          <p:cNvPr id="15" name="TextBox 14">
+            <a:extLst>
+              <a:ext uri="{FF2B5EF4-FFF2-40B4-BE49-F238E27FC236}">
+                <a16:creationId xmlns:a16="http://schemas.microsoft.com/office/drawing/2014/main" xmlns="" id="{8986025C-33B5-420E-8571-30E9B694F9D6}"/>
+              </a:ext>
+            </a:extLst>
+          </p:cNvPr>
+          <p:cNvSpPr txBox="1"/>
+          <p:nvPr/>
+        </p:nvSpPr>
+        <p:spPr>
+          <a:xfrm>
+            <a:off x="769620" y="2303464"/>
+            <a:ext cx="5015167" cy="3785652"/>
+          </a:xfrm>
+          <a:prstGeom prst="rect">
+            <a:avLst/>
+          </a:prstGeom>
+          <a:noFill/>
+        </p:spPr>
+        <p:txBody>
+          <a:bodyPr wrap="square" rtlCol="0">
+            <a:spAutoFit/>
+          </a:bodyPr>
+          <a:lstStyle/>
+          <a:p>
+            <a:r>
+              <a:rPr lang="ko-KR" altLang="en-US" sz="1600" dirty="0">
+                <a:solidFill>
+                  <a:schemeClr val="bg1"/>
+                </a:solidFill>
+              </a:rPr>
+              <a:t>각 선택 </a:t>
+            </a:r>
+            <a:r>
+              <a:rPr lang="ko-KR" altLang="en-US" sz="1600" dirty="0" smtClean="0">
+                <a:solidFill>
+                  <a:schemeClr val="bg1"/>
+                </a:solidFill>
+              </a:rPr>
+              <a:t>과정마다 </a:t>
+            </a:r>
+            <a:r>
+              <a:rPr lang="ko-KR" altLang="en-US" sz="1600" dirty="0">
+                <a:solidFill>
+                  <a:schemeClr val="bg1"/>
+                </a:solidFill>
+              </a:rPr>
+              <a:t>관리자는 </a:t>
+            </a:r>
+            <a:r>
+              <a:rPr lang="ko-KR" altLang="en-US" sz="1600" dirty="0" smtClean="0">
+                <a:solidFill>
+                  <a:schemeClr val="bg1"/>
+                </a:solidFill>
+              </a:rPr>
+              <a:t>선택 </a:t>
+            </a:r>
+            <a:r>
+              <a:rPr lang="ko-KR" altLang="en-US" sz="1600" dirty="0">
+                <a:solidFill>
+                  <a:schemeClr val="bg1"/>
+                </a:solidFill>
+              </a:rPr>
+              <a:t>가능한 </a:t>
+            </a:r>
+            <a:r>
+              <a:rPr lang="ko-KR" altLang="en-US" sz="1600" dirty="0" smtClean="0">
+                <a:solidFill>
+                  <a:schemeClr val="bg1"/>
+                </a:solidFill>
+              </a:rPr>
+              <a:t>리스트 내 첫 번째부터 </a:t>
+            </a:r>
+            <a:r>
+              <a:rPr lang="en-US" altLang="ko-KR" sz="1600" dirty="0">
+                <a:solidFill>
+                  <a:schemeClr val="bg1"/>
+                </a:solidFill>
+              </a:rPr>
+              <a:t>m </a:t>
+            </a:r>
+            <a:r>
+              <a:rPr lang="ko-KR" altLang="en-US" sz="1600" dirty="0">
+                <a:solidFill>
+                  <a:schemeClr val="bg1"/>
+                </a:solidFill>
+              </a:rPr>
+              <a:t>명의 </a:t>
+            </a:r>
+            <a:r>
+              <a:rPr lang="ko-KR" altLang="en-US" sz="1600" dirty="0" smtClean="0">
+                <a:solidFill>
+                  <a:schemeClr val="bg1"/>
+                </a:solidFill>
+              </a:rPr>
+              <a:t>직원</a:t>
+            </a:r>
+            <a:r>
+              <a:rPr lang="en-US" altLang="ko-KR" sz="1600" dirty="0" smtClean="0">
+                <a:solidFill>
+                  <a:schemeClr val="bg1"/>
+                </a:solidFill>
+              </a:rPr>
+              <a:t>,</a:t>
+            </a:r>
+            <a:r>
+              <a:rPr lang="ko-KR" altLang="en-US" sz="1600" dirty="0" smtClean="0">
+                <a:solidFill>
+                  <a:schemeClr val="bg1"/>
+                </a:solidFill>
+              </a:rPr>
+              <a:t> 그리고  </a:t>
+            </a:r>
+            <a:r>
+              <a:rPr lang="ko-KR" altLang="en-US" sz="1600" dirty="0">
+                <a:solidFill>
+                  <a:schemeClr val="bg1"/>
+                </a:solidFill>
+              </a:rPr>
+              <a:t>마지막 </a:t>
+            </a:r>
+            <a:r>
+              <a:rPr lang="en-US" altLang="ko-KR" sz="1600" dirty="0">
+                <a:solidFill>
+                  <a:schemeClr val="bg1"/>
+                </a:solidFill>
+              </a:rPr>
+              <a:t>m </a:t>
+            </a:r>
+            <a:r>
+              <a:rPr lang="ko-KR" altLang="en-US" sz="1600" dirty="0">
+                <a:solidFill>
+                  <a:schemeClr val="bg1"/>
+                </a:solidFill>
+              </a:rPr>
+              <a:t>명의 </a:t>
+            </a:r>
+            <a:r>
+              <a:rPr lang="ko-KR" altLang="en-US" sz="1600" dirty="0" smtClean="0">
+                <a:solidFill>
+                  <a:schemeClr val="bg1"/>
+                </a:solidFill>
+              </a:rPr>
+              <a:t>직원 중에서 </a:t>
+            </a:r>
+            <a:r>
+              <a:rPr lang="ko-KR" altLang="en-US" sz="1600" dirty="0">
+                <a:solidFill>
+                  <a:schemeClr val="bg1"/>
+                </a:solidFill>
+              </a:rPr>
+              <a:t>가장 높은 </a:t>
+            </a:r>
+            <a:r>
+              <a:rPr lang="ko-KR" altLang="en-US" sz="1600" dirty="0" smtClean="0">
+                <a:solidFill>
+                  <a:schemeClr val="bg1"/>
+                </a:solidFill>
+              </a:rPr>
+              <a:t>점수를 받은 </a:t>
+            </a:r>
+            <a:r>
+              <a:rPr lang="ko-KR" altLang="en-US" sz="1600" dirty="0">
+                <a:solidFill>
+                  <a:schemeClr val="bg1"/>
+                </a:solidFill>
+              </a:rPr>
+              <a:t>직원을 선택합니다</a:t>
+            </a:r>
+            <a:r>
+              <a:rPr lang="en-US" altLang="ko-KR" sz="1600" dirty="0" smtClean="0">
+                <a:solidFill>
+                  <a:schemeClr val="bg1"/>
+                </a:solidFill>
+              </a:rPr>
+              <a:t>.</a:t>
+            </a:r>
+          </a:p>
+          <a:p>
+            <a:endParaRPr lang="en-US" altLang="ko-KR" sz="1600" dirty="0" smtClean="0">
+              <a:solidFill>
+                <a:schemeClr val="bg1"/>
+              </a:solidFill>
+            </a:endParaRPr>
+          </a:p>
+          <a:p>
+            <a:r>
+              <a:rPr lang="ko-KR" altLang="en-US" sz="1600" dirty="0" smtClean="0">
+                <a:solidFill>
+                  <a:schemeClr val="bg1"/>
+                </a:solidFill>
+              </a:rPr>
+              <a:t>관리자는 선택한 직원들을 리스트에서 제거하고 팀에 추가합니다</a:t>
+            </a:r>
+            <a:r>
+              <a:rPr lang="en-US" altLang="ko-KR" sz="1600" dirty="0" smtClean="0">
+                <a:solidFill>
+                  <a:schemeClr val="bg1"/>
+                </a:solidFill>
+              </a:rPr>
+              <a:t>. </a:t>
+            </a:r>
+          </a:p>
+          <a:p>
+            <a:r>
+              <a:rPr lang="ko-KR" altLang="en-US" sz="1600" dirty="0" smtClean="0">
+                <a:solidFill>
+                  <a:schemeClr val="bg1"/>
+                </a:solidFill>
+              </a:rPr>
+              <a:t>선택된 직원들의 점수 역시 새로운 팀 리스트에 저장됩니다</a:t>
+            </a:r>
+            <a:r>
+              <a:rPr lang="en-US" altLang="ko-KR" sz="1600" dirty="0" smtClean="0">
+                <a:solidFill>
+                  <a:schemeClr val="bg1"/>
+                </a:solidFill>
+              </a:rPr>
+              <a:t>. </a:t>
+            </a:r>
+          </a:p>
+          <a:p>
+            <a:endParaRPr lang="en-US" altLang="ko-KR" sz="1600" dirty="0">
+              <a:solidFill>
+                <a:schemeClr val="bg1"/>
+              </a:solidFill>
+            </a:endParaRPr>
+          </a:p>
+          <a:p>
+            <a:r>
+              <a:rPr lang="ko-KR" altLang="en-US" sz="1600" dirty="0" smtClean="0">
+                <a:solidFill>
+                  <a:schemeClr val="bg1"/>
+                </a:solidFill>
+              </a:rPr>
+              <a:t>선택된 직원들 중에서 가장 높은 점수를 가진 직원이 겹친다면</a:t>
+            </a:r>
+            <a:r>
+              <a:rPr lang="en-US" altLang="ko-KR" sz="1600" dirty="0" smtClean="0">
+                <a:solidFill>
+                  <a:schemeClr val="bg1"/>
+                </a:solidFill>
+              </a:rPr>
+              <a:t>, </a:t>
+            </a:r>
+          </a:p>
+          <a:p>
+            <a:r>
+              <a:rPr lang="en-US" altLang="ko-KR" sz="1600" dirty="0" smtClean="0">
+                <a:solidFill>
+                  <a:schemeClr val="bg1"/>
+                </a:solidFill>
+              </a:rPr>
+              <a:t>(</a:t>
+            </a:r>
+            <a:r>
+              <a:rPr lang="ko-KR" altLang="en-US" sz="1600" dirty="0" smtClean="0">
+                <a:solidFill>
+                  <a:schemeClr val="bg1"/>
+                </a:solidFill>
+              </a:rPr>
+              <a:t>중복이 있다면</a:t>
+            </a:r>
+            <a:r>
+              <a:rPr lang="en-US" altLang="ko-KR" sz="1600" dirty="0" smtClean="0">
+                <a:solidFill>
+                  <a:schemeClr val="bg1"/>
+                </a:solidFill>
+              </a:rPr>
+              <a:t>), </a:t>
+            </a:r>
+            <a:r>
+              <a:rPr lang="ko-KR" altLang="en-US" sz="1600" dirty="0" smtClean="0">
+                <a:solidFill>
+                  <a:schemeClr val="bg1"/>
+                </a:solidFill>
+              </a:rPr>
+              <a:t>리스트 내 인덱스가 빠른 순서를 선택합니다</a:t>
+            </a:r>
+            <a:r>
+              <a:rPr lang="en-US" altLang="ko-KR" sz="1600" dirty="0" smtClean="0">
+                <a:solidFill>
+                  <a:schemeClr val="bg1"/>
+                </a:solidFill>
+              </a:rPr>
+              <a:t>. </a:t>
+            </a:r>
+          </a:p>
+          <a:p>
+            <a:endParaRPr lang="en-US" altLang="ko-KR" sz="1600" dirty="0">
+              <a:solidFill>
+                <a:schemeClr val="bg1"/>
+              </a:solidFill>
+            </a:endParaRPr>
+          </a:p>
+          <a:p>
+            <a:r>
+              <a:rPr lang="en-US" altLang="ko-KR" sz="1600" dirty="0" smtClean="0">
+                <a:solidFill>
+                  <a:schemeClr val="bg1"/>
+                </a:solidFill>
+              </a:rPr>
+              <a:t>(</a:t>
+            </a:r>
+            <a:r>
+              <a:rPr lang="ko-KR" altLang="en-US" sz="1600" dirty="0" smtClean="0">
+                <a:solidFill>
+                  <a:schemeClr val="bg1"/>
+                </a:solidFill>
+              </a:rPr>
+              <a:t>리스트에서</a:t>
+            </a:r>
+            <a:r>
+              <a:rPr lang="en-US" altLang="ko-KR" sz="1600" dirty="0" smtClean="0">
+                <a:solidFill>
+                  <a:schemeClr val="bg1"/>
+                </a:solidFill>
+              </a:rPr>
+              <a:t>)</a:t>
+            </a:r>
+            <a:r>
+              <a:rPr lang="ko-KR" altLang="en-US" sz="1600" dirty="0" smtClean="0">
+                <a:solidFill>
+                  <a:schemeClr val="bg1"/>
+                </a:solidFill>
+              </a:rPr>
+              <a:t>선택 가능한 직원이 </a:t>
+            </a:r>
+            <a:r>
+              <a:rPr lang="en-US" altLang="ko-KR" sz="1600" dirty="0" smtClean="0">
+                <a:solidFill>
+                  <a:schemeClr val="bg1"/>
+                </a:solidFill>
+              </a:rPr>
+              <a:t>m</a:t>
+            </a:r>
+            <a:r>
+              <a:rPr lang="ko-KR" altLang="en-US" sz="1600" dirty="0" smtClean="0">
+                <a:solidFill>
+                  <a:schemeClr val="bg1"/>
+                </a:solidFill>
+              </a:rPr>
+              <a:t>명 보다 작다면</a:t>
+            </a:r>
+            <a:r>
+              <a:rPr lang="en-US" altLang="ko-KR" sz="1600" dirty="0" smtClean="0">
+                <a:solidFill>
+                  <a:schemeClr val="bg1"/>
+                </a:solidFill>
+              </a:rPr>
+              <a:t>,</a:t>
+            </a:r>
+          </a:p>
+          <a:p>
+            <a:r>
+              <a:rPr lang="ko-KR" altLang="en-US" sz="1600" dirty="0" smtClean="0">
+                <a:solidFill>
+                  <a:schemeClr val="bg1"/>
+                </a:solidFill>
+              </a:rPr>
+              <a:t>가능한 인원 중 가장 점수가 높은 직원을  선택합니다</a:t>
+            </a:r>
+            <a:r>
+              <a:rPr lang="en-US" altLang="ko-KR" sz="1600" dirty="0" smtClean="0">
+                <a:solidFill>
+                  <a:schemeClr val="bg1"/>
+                </a:solidFill>
+              </a:rPr>
+              <a:t>. </a:t>
+            </a:r>
+          </a:p>
+          <a:p>
+            <a:r>
+              <a:rPr lang="en-US" altLang="ko-KR" sz="1600" dirty="0" smtClean="0">
+                <a:solidFill>
+                  <a:schemeClr val="bg1"/>
+                </a:solidFill>
+              </a:rPr>
+              <a:t> </a:t>
+            </a:r>
+            <a:r>
+              <a:rPr lang="ko-KR" altLang="en-US" sz="1600" dirty="0" smtClean="0">
+                <a:solidFill>
+                  <a:schemeClr val="bg1"/>
+                </a:solidFill>
+              </a:rPr>
+              <a:t> </a:t>
+            </a:r>
+            <a:r>
+              <a:rPr lang="en-US" altLang="ko-KR" sz="1600" dirty="0" smtClean="0">
+                <a:solidFill>
+                  <a:schemeClr val="bg1"/>
+                </a:solidFill>
+              </a:rPr>
+              <a:t> </a:t>
+            </a:r>
+            <a:endParaRPr lang="en-US" altLang="ko-KR" sz="1600" dirty="0" smtClean="0">
+              <a:solidFill>
+                <a:schemeClr val="bg1"/>
+              </a:solidFill>
+            </a:endParaRPr>
+          </a:p>
+          <a:p>
+            <a:endParaRPr lang="en-US" altLang="ko-KR" sz="1600" dirty="0">
+              <a:solidFill>
+                <a:schemeClr val="bg1"/>
+              </a:solidFill>
+            </a:endParaRPr>
+          </a:p>
+          <a:p>
+            <a:endParaRPr lang="en-US" altLang="ko-KR" sz="1600" dirty="0">
+              <a:solidFill>
+                <a:schemeClr val="bg1"/>
+              </a:solidFill>
+            </a:endParaRPr>
+          </a:p>
+        </p:txBody>
+      </p:sp>
+      <p:sp>
+        <p:nvSpPr>
+          <p:cNvPr id="18" name="TextBox 17">
+            <a:extLst>
+              <a:ext uri="{FF2B5EF4-FFF2-40B4-BE49-F238E27FC236}">
+                <a16:creationId xmlns:a16="http://schemas.microsoft.com/office/drawing/2014/main" xmlns="" id="{A755E989-C399-4C3E-8C3C-99D86A6DD7A6}"/>
+              </a:ext>
+            </a:extLst>
+          </p:cNvPr>
+          <p:cNvSpPr txBox="1"/>
+          <p:nvPr/>
+        </p:nvSpPr>
+        <p:spPr>
+          <a:xfrm>
+            <a:off x="595756" y="1738594"/>
+            <a:ext cx="347727" cy="646331"/>
+          </a:xfrm>
+          <a:prstGeom prst="rect">
+            <a:avLst/>
+          </a:prstGeom>
+          <a:noFill/>
+        </p:spPr>
+        <p:txBody>
+          <a:bodyPr wrap="square" rtlCol="0">
+            <a:spAutoFit/>
+          </a:bodyPr>
+          <a:lstStyle/>
+          <a:p>
+            <a:r>
+              <a:rPr lang="en-US" altLang="ko-KR" sz="3600" dirty="0">
+                <a:solidFill>
+                  <a:schemeClr val="bg1"/>
+                </a:solidFill>
+              </a:rPr>
+              <a:t>“</a:t>
+            </a:r>
+            <a:endParaRPr lang="ko-KR" altLang="en-US" dirty="0">
+              <a:solidFill>
+                <a:schemeClr val="bg1"/>
+              </a:solidFill>
+            </a:endParaRPr>
+          </a:p>
+        </p:txBody>
+      </p:sp>
+      <p:sp>
+        <p:nvSpPr>
+          <p:cNvPr id="19" name="TextBox 18">
+            <a:extLst>
+              <a:ext uri="{FF2B5EF4-FFF2-40B4-BE49-F238E27FC236}">
+                <a16:creationId xmlns:a16="http://schemas.microsoft.com/office/drawing/2014/main" xmlns="" id="{0B7BD798-8506-4E9B-9F2C-2D0C106B44B7}"/>
+              </a:ext>
+            </a:extLst>
+          </p:cNvPr>
+          <p:cNvSpPr txBox="1"/>
+          <p:nvPr/>
+        </p:nvSpPr>
+        <p:spPr>
+          <a:xfrm>
+            <a:off x="5256276" y="5096139"/>
+            <a:ext cx="433753" cy="646331"/>
+          </a:xfrm>
+          <a:prstGeom prst="rect">
+            <a:avLst/>
+          </a:prstGeom>
+          <a:noFill/>
+        </p:spPr>
+        <p:txBody>
+          <a:bodyPr wrap="square" rtlCol="0">
+            <a:spAutoFit/>
+          </a:bodyPr>
+          <a:lstStyle/>
+          <a:p>
+            <a:r>
+              <a:rPr lang="en-US" altLang="ko-KR" sz="3600" dirty="0">
+                <a:solidFill>
+                  <a:schemeClr val="bg1"/>
+                </a:solidFill>
+              </a:rPr>
+              <a:t>”</a:t>
+            </a:r>
+            <a:endParaRPr lang="ko-KR" altLang="en-US" sz="3600" dirty="0">
+              <a:solidFill>
+                <a:schemeClr val="bg1"/>
+              </a:solidFill>
+            </a:endParaRPr>
+          </a:p>
+        </p:txBody>
+      </p:sp>
+      <p:sp>
+        <p:nvSpPr>
+          <p:cNvPr id="20" name="TextBox 19"/>
+          <p:cNvSpPr txBox="1"/>
+          <p:nvPr/>
+        </p:nvSpPr>
+        <p:spPr>
+          <a:xfrm>
+            <a:off x="6533857" y="6256247"/>
+            <a:ext cx="5337678" cy="369332"/>
+          </a:xfrm>
+          <a:prstGeom prst="rect">
+            <a:avLst/>
+          </a:prstGeom>
+          <a:noFill/>
+        </p:spPr>
+        <p:txBody>
+          <a:bodyPr wrap="square" rtlCol="0">
+            <a:spAutoFit/>
+          </a:bodyPr>
+          <a:lstStyle/>
+          <a:p>
+            <a:r>
+              <a:rPr lang="en-US" altLang="ko-KR" i="1" dirty="0" smtClean="0"/>
+              <a:t>※</a:t>
+            </a:r>
+            <a:r>
+              <a:rPr lang="ko-KR" altLang="en-US" i="1" dirty="0" smtClean="0"/>
+              <a:t> </a:t>
+            </a:r>
+            <a:r>
+              <a:rPr lang="en-US" altLang="ko-KR" i="1" dirty="0" err="1" smtClean="0"/>
+              <a:t>Heapify</a:t>
+            </a:r>
+            <a:r>
+              <a:rPr lang="en-US" altLang="ko-KR" i="1" dirty="0" smtClean="0"/>
+              <a:t>(</a:t>
+            </a:r>
+            <a:r>
+              <a:rPr lang="ko-KR" altLang="en-US" i="1" dirty="0" err="1" smtClean="0"/>
+              <a:t>힙</a:t>
+            </a:r>
+            <a:r>
+              <a:rPr lang="en-US" altLang="ko-KR" i="1" dirty="0"/>
+              <a:t> </a:t>
+            </a:r>
+            <a:r>
+              <a:rPr lang="ko-KR" altLang="en-US" i="1" dirty="0" smtClean="0"/>
+              <a:t>정렬</a:t>
+            </a:r>
+            <a:r>
+              <a:rPr lang="en-US" altLang="ko-KR" i="1" dirty="0" smtClean="0"/>
+              <a:t>) </a:t>
+            </a:r>
+            <a:r>
+              <a:rPr lang="ko-KR" altLang="en-US" i="1" dirty="0" smtClean="0"/>
+              <a:t>참고</a:t>
+            </a:r>
+            <a:r>
+              <a:rPr lang="en-US" altLang="ko-KR" i="1" dirty="0" smtClean="0"/>
+              <a:t>  </a:t>
+            </a:r>
+          </a:p>
+        </p:txBody>
+      </p:sp>
+    </p:spTree>
+    <p:extLst>
+      <p:ext uri="{BB962C8B-B14F-4D97-AF65-F5344CB8AC3E}">
+        <p14:creationId xmlns:p14="http://schemas.microsoft.com/office/powerpoint/2010/main" val="282332136"/>
+      </p:ext>
+    </p:extLst>
+  </p:cSld>
+  <p:clrMapOvr>
+    <a:masterClrMapping/>
+  </p:clrMapOvr>
+  <p:timing>
+    <p:tnLst>
+      <p:par>
+        <p:cTn id="1" dur="indefinite" restart="never" nodeType="tmRoot"/>
+      </p:par>
+    </p:tnLst>
+  </p:timing>
+</p:sld>
+</file>
+
+<file path=ppt/slides/slide31.xml><?xml version="1.0" encoding="utf-8"?>
+<p:sld xmlns:a="http://schemas.openxmlformats.org/drawingml/2006/main" xmlns:r="http://schemas.openxmlformats.org/officeDocument/2006/relationships" xmlns:p="http://schemas.openxmlformats.org/presentationml/2006/main">
+  <p:cSld>
+    <p:spTree>
+      <p:nvGrpSpPr>
+        <p:cNvPr id="1" name=""/>
+        <p:cNvGrpSpPr/>
+        <p:nvPr/>
+      </p:nvGrpSpPr>
+      <p:grpSpPr>
+        <a:xfrm>
+          <a:off x="0" y="0"/>
+          <a:ext cx="0" cy="0"/>
+          <a:chOff x="0" y="0"/>
+          <a:chExt cx="0" cy="0"/>
+        </a:xfrm>
+      </p:grpSpPr>
+      <p:sp>
+        <p:nvSpPr>
+          <p:cNvPr id="2" name="제목 1">
+            <a:extLst>
+              <a:ext uri="{FF2B5EF4-FFF2-40B4-BE49-F238E27FC236}">
+                <a16:creationId xmlns:a16="http://schemas.microsoft.com/office/drawing/2014/main" xmlns="" id="{46EF07D7-2C4E-4DE1-B52F-9ACD386C79CB}"/>
+              </a:ext>
+            </a:extLst>
+          </p:cNvPr>
+          <p:cNvSpPr>
+            <a:spLocks noGrp="1"/>
+          </p:cNvSpPr>
+          <p:nvPr>
+            <p:ph type="title"/>
+          </p:nvPr>
+        </p:nvSpPr>
+        <p:spPr>
+          <a:xfrm>
+            <a:off x="769620" y="189946"/>
+            <a:ext cx="4486656" cy="513440"/>
+          </a:xfrm>
+        </p:spPr>
+        <p:txBody>
+          <a:bodyPr>
+            <a:normAutofit fontScale="90000"/>
+          </a:bodyPr>
+          <a:lstStyle/>
+          <a:p>
+            <a:r>
+              <a:rPr lang="en-US" altLang="ko-KR" dirty="0"/>
+              <a:t>4. </a:t>
+            </a:r>
+            <a:r>
+              <a:rPr lang="ko-KR" altLang="en-US" dirty="0"/>
+              <a:t>추가예제 </a:t>
+            </a:r>
+            <a:r>
+              <a:rPr lang="en-US" altLang="ko-KR" dirty="0"/>
+              <a:t>- </a:t>
+            </a:r>
+            <a:r>
+              <a:rPr lang="ko-KR" altLang="en-US" dirty="0"/>
+              <a:t>수행과제</a:t>
+            </a:r>
+            <a:r>
+              <a:rPr lang="en-US" altLang="ko-KR" dirty="0"/>
+              <a:t> </a:t>
+            </a:r>
+            <a:endParaRPr lang="ko-KR" altLang="en-US" dirty="0"/>
+          </a:p>
+        </p:txBody>
+      </p:sp>
+      <p:pic>
+        <p:nvPicPr>
+          <p:cNvPr id="3074" name="Picture 2" descr="https://k.kakaocdn.net/dn/bGZJJM/btqwWeTw4YV/A0wP0QydQSTgRrD65lELrK/img.png"/>
+          <p:cNvPicPr>
+            <a:picLocks noChangeAspect="1" noChangeArrowheads="1"/>
+          </p:cNvPicPr>
+          <p:nvPr/>
+        </p:nvPicPr>
+        <p:blipFill>
+          <a:blip r:embed="rId3">
+            <a:extLst>
+              <a:ext uri="{28A0092B-C50C-407E-A947-70E740481C1C}">
+                <a14:useLocalDpi xmlns:a14="http://schemas.microsoft.com/office/drawing/2010/main" val="0"/>
+              </a:ext>
+            </a:extLst>
+          </a:blip>
+          <a:srcRect/>
+          <a:stretch>
+            <a:fillRect/>
+          </a:stretch>
+        </p:blipFill>
+        <p:spPr bwMode="auto">
+          <a:xfrm>
+            <a:off x="455485" y="1972774"/>
+            <a:ext cx="5114925" cy="3654303"/>
+          </a:xfrm>
+          <a:prstGeom prst="rect">
+            <a:avLst/>
+          </a:prstGeom>
+          <a:noFill/>
+          <a:extLst>
+            <a:ext uri="{909E8E84-426E-40DD-AFC4-6F175D3DCCD1}">
+              <a14:hiddenFill xmlns:a14="http://schemas.microsoft.com/office/drawing/2010/main">
+                <a:solidFill>
+                  <a:srgbClr val="FFFFFF"/>
+                </a:solidFill>
+              </a14:hiddenFill>
+            </a:ext>
+          </a:extLst>
+        </p:spPr>
+      </p:pic>
+      <p:sp>
+        <p:nvSpPr>
+          <p:cNvPr id="20" name="직사각형 19"/>
+          <p:cNvSpPr/>
+          <p:nvPr/>
+        </p:nvSpPr>
+        <p:spPr>
+          <a:xfrm rot="5400000" flipH="1">
+            <a:off x="2985478" y="1249532"/>
+            <a:ext cx="45719" cy="884802"/>
+          </a:xfrm>
+          <a:prstGeom prst="rect">
+            <a:avLst/>
+          </a:prstGeom>
+          <a:solidFill>
+            <a:schemeClr val="bg1"/>
+          </a:solidFill>
+          <a:ln>
+            <a:solidFill>
+              <a:schemeClr val="bg1"/>
+            </a:solidFill>
+          </a:ln>
+        </p:spPr>
+        <p:style>
+          <a:lnRef idx="2">
+            <a:schemeClr val="accent1">
+              <a:shade val="50000"/>
+            </a:schemeClr>
+          </a:lnRef>
+          <a:fillRef idx="1">
+            <a:schemeClr val="accent1"/>
+          </a:fillRef>
+          <a:effectRef idx="0">
+            <a:schemeClr val="accent1"/>
+          </a:effectRef>
+          <a:fontRef idx="minor">
+            <a:schemeClr val="lt1"/>
+          </a:fontRef>
+        </p:style>
+        <p:txBody>
+          <a:bodyPr rtlCol="0" anchor="ctr"/>
+          <a:lstStyle/>
+          <a:p>
+            <a:pPr algn="ctr"/>
+            <a:endParaRPr lang="ko-KR" altLang="en-US">
+              <a:solidFill>
+                <a:schemeClr val="bg1"/>
+              </a:solidFill>
+            </a:endParaRPr>
+          </a:p>
+        </p:txBody>
+      </p:sp>
+      <p:sp>
+        <p:nvSpPr>
+          <p:cNvPr id="21" name="TextBox 20"/>
+          <p:cNvSpPr txBox="1"/>
+          <p:nvPr/>
+        </p:nvSpPr>
+        <p:spPr>
+          <a:xfrm>
+            <a:off x="2166468" y="1145852"/>
+            <a:ext cx="1713870" cy="523220"/>
+          </a:xfrm>
+          <a:prstGeom prst="rect">
+            <a:avLst/>
+          </a:prstGeom>
+          <a:noFill/>
+        </p:spPr>
+        <p:txBody>
+          <a:bodyPr wrap="square" rtlCol="0">
+            <a:spAutoFit/>
+          </a:bodyPr>
+          <a:lstStyle/>
+          <a:p>
+            <a:r>
+              <a:rPr lang="ko-KR" altLang="en-US" sz="2800" dirty="0" smtClean="0">
+                <a:solidFill>
+                  <a:schemeClr val="bg1"/>
+                </a:solidFill>
+              </a:rPr>
+              <a:t>입출력 예시</a:t>
+            </a:r>
+            <a:endParaRPr lang="ko-KR" altLang="en-US" sz="2800" dirty="0">
+              <a:solidFill>
+                <a:schemeClr val="bg1"/>
+              </a:solidFill>
+            </a:endParaRPr>
+          </a:p>
+        </p:txBody>
+      </p:sp>
+      <p:sp>
+        <p:nvSpPr>
+          <p:cNvPr id="22" name="직사각형 21"/>
+          <p:cNvSpPr/>
+          <p:nvPr/>
+        </p:nvSpPr>
+        <p:spPr>
+          <a:xfrm rot="5400000" flipH="1">
+            <a:off x="9573848" y="1249532"/>
+            <a:ext cx="45719" cy="884802"/>
+          </a:xfrm>
+          <a:prstGeom prst="rect">
+            <a:avLst/>
+          </a:prstGeom>
+          <a:solidFill>
+            <a:schemeClr val="tx1"/>
+          </a:solidFill>
+          <a:ln>
+            <a:solidFill>
+              <a:schemeClr val="tx1"/>
+            </a:solidFill>
+          </a:ln>
+        </p:spPr>
+        <p:style>
+          <a:lnRef idx="2">
+            <a:schemeClr val="accent1">
+              <a:shade val="50000"/>
+            </a:schemeClr>
+          </a:lnRef>
+          <a:fillRef idx="1">
+            <a:schemeClr val="accent1"/>
+          </a:fillRef>
+          <a:effectRef idx="0">
+            <a:schemeClr val="accent1"/>
+          </a:effectRef>
+          <a:fontRef idx="minor">
+            <a:schemeClr val="lt1"/>
+          </a:fontRef>
+        </p:style>
+        <p:txBody>
+          <a:bodyPr rtlCol="0" anchor="ctr"/>
+          <a:lstStyle/>
+          <a:p>
+            <a:pPr algn="ctr"/>
+            <a:endParaRPr lang="ko-KR" altLang="en-US">
+              <a:solidFill>
+                <a:schemeClr val="bg1"/>
+              </a:solidFill>
+            </a:endParaRPr>
+          </a:p>
+        </p:txBody>
+      </p:sp>
+      <p:sp>
+        <p:nvSpPr>
+          <p:cNvPr id="23" name="TextBox 22"/>
+          <p:cNvSpPr txBox="1"/>
+          <p:nvPr/>
+        </p:nvSpPr>
+        <p:spPr>
+          <a:xfrm>
+            <a:off x="8754838" y="1145852"/>
+            <a:ext cx="1713870" cy="523220"/>
+          </a:xfrm>
+          <a:prstGeom prst="rect">
+            <a:avLst/>
+          </a:prstGeom>
+          <a:noFill/>
+        </p:spPr>
+        <p:txBody>
+          <a:bodyPr wrap="square" rtlCol="0">
+            <a:spAutoFit/>
+          </a:bodyPr>
+          <a:lstStyle/>
+          <a:p>
+            <a:r>
+              <a:rPr lang="ko-KR" altLang="en-US" sz="2800" dirty="0" smtClean="0"/>
+              <a:t>흐름 시각화 </a:t>
+            </a:r>
+            <a:endParaRPr lang="ko-KR" altLang="en-US" sz="2800" dirty="0"/>
+          </a:p>
+        </p:txBody>
+      </p:sp>
+      <p:pic>
+        <p:nvPicPr>
+          <p:cNvPr id="6" name="그림 5"/>
+          <p:cNvPicPr>
+            <a:picLocks noChangeAspect="1"/>
+          </p:cNvPicPr>
+          <p:nvPr/>
+        </p:nvPicPr>
+        <p:blipFill>
+          <a:blip r:embed="rId4">
+            <a:extLst>
+              <a:ext uri="{28A0092B-C50C-407E-A947-70E740481C1C}">
+                <a14:useLocalDpi xmlns:a14="http://schemas.microsoft.com/office/drawing/2010/main" val="0"/>
+              </a:ext>
+            </a:extLst>
+          </a:blip>
+          <a:stretch>
+            <a:fillRect/>
+          </a:stretch>
+        </p:blipFill>
+        <p:spPr>
+          <a:xfrm>
+            <a:off x="7069014" y="1972774"/>
+            <a:ext cx="4665785" cy="4735990"/>
+          </a:xfrm>
+          <a:prstGeom prst="rect">
+            <a:avLst/>
+          </a:prstGeom>
+        </p:spPr>
+      </p:pic>
+    </p:spTree>
+    <p:extLst>
+      <p:ext uri="{BB962C8B-B14F-4D97-AF65-F5344CB8AC3E}">
+        <p14:creationId xmlns:p14="http://schemas.microsoft.com/office/powerpoint/2010/main" val="3174804375"/>
+      </p:ext>
+    </p:extLst>
+  </p:cSld>
+  <p:clrMapOvr>
+    <a:masterClrMapping/>
+  </p:clrMapOvr>
+  <p:timing>
+    <p:tnLst>
+      <p:par>
+        <p:cTn id="1" dur="indefinite" restart="never" nodeType="tmRoot"/>
+      </p:par>
+    </p:tnLst>
+  </p:timing>
+</p:sld>
+</file>
+
+<file path=ppt/slides/slide32.xml><?xml version="1.0" encoding="utf-8"?>
+<p:sld xmlns:a="http://schemas.openxmlformats.org/drawingml/2006/main" xmlns:r="http://schemas.openxmlformats.org/officeDocument/2006/relationships" xmlns:p="http://schemas.openxmlformats.org/presentationml/2006/main">
+  <p:cSld>
+    <p:spTree>
+      <p:nvGrpSpPr>
+        <p:cNvPr id="1" name=""/>
+        <p:cNvGrpSpPr/>
+        <p:nvPr/>
+      </p:nvGrpSpPr>
+      <p:grpSpPr>
+        <a:xfrm>
+          <a:off x="0" y="0"/>
+          <a:ext cx="0" cy="0"/>
+          <a:chOff x="0" y="0"/>
+          <a:chExt cx="0" cy="0"/>
+        </a:xfrm>
+      </p:grpSpPr>
+      <p:pic>
+        <p:nvPicPr>
+          <p:cNvPr id="10" name="그림 9"/>
+          <p:cNvPicPr>
+            <a:picLocks noChangeAspect="1"/>
+          </p:cNvPicPr>
+          <p:nvPr/>
+        </p:nvPicPr>
+        <p:blipFill>
+          <a:blip r:embed="rId2"/>
+          <a:stretch>
+            <a:fillRect/>
+          </a:stretch>
+        </p:blipFill>
+        <p:spPr>
+          <a:xfrm>
+            <a:off x="888831" y="857954"/>
+            <a:ext cx="7129754" cy="5132538"/>
+          </a:xfrm>
+          <a:prstGeom prst="rect">
+            <a:avLst/>
+          </a:prstGeom>
+        </p:spPr>
+      </p:pic>
+      <p:sp>
+        <p:nvSpPr>
+          <p:cNvPr id="14" name="직사각형 13"/>
+          <p:cNvSpPr/>
+          <p:nvPr/>
+        </p:nvSpPr>
+        <p:spPr>
+          <a:xfrm flipH="1">
+            <a:off x="888831" y="354552"/>
+            <a:ext cx="45719" cy="353220"/>
+          </a:xfrm>
+          <a:prstGeom prst="rect">
+            <a:avLst/>
+          </a:prstGeom>
+          <a:solidFill>
+            <a:schemeClr val="tx1"/>
+          </a:solidFill>
+          <a:ln>
+            <a:noFill/>
+          </a:ln>
+        </p:spPr>
+        <p:style>
+          <a:lnRef idx="2">
+            <a:schemeClr val="accent1">
+              <a:shade val="50000"/>
+            </a:schemeClr>
+          </a:lnRef>
+          <a:fillRef idx="1">
+            <a:schemeClr val="accent1"/>
+          </a:fillRef>
+          <a:effectRef idx="0">
+            <a:schemeClr val="accent1"/>
+          </a:effectRef>
+          <a:fontRef idx="minor">
+            <a:schemeClr val="lt1"/>
+          </a:fontRef>
+        </p:style>
+        <p:txBody>
+          <a:bodyPr rtlCol="0" anchor="ctr"/>
+          <a:lstStyle/>
+          <a:p>
+            <a:pPr algn="ctr"/>
+            <a:endParaRPr lang="ko-KR" altLang="en-US"/>
+          </a:p>
+        </p:txBody>
+      </p:sp>
+      <p:sp>
+        <p:nvSpPr>
+          <p:cNvPr id="15" name="TextBox 14"/>
+          <p:cNvSpPr txBox="1"/>
+          <p:nvPr/>
+        </p:nvSpPr>
+        <p:spPr>
+          <a:xfrm>
+            <a:off x="911691" y="253934"/>
+            <a:ext cx="2406908" cy="523220"/>
+          </a:xfrm>
+          <a:prstGeom prst="rect">
+            <a:avLst/>
+          </a:prstGeom>
+          <a:noFill/>
+        </p:spPr>
+        <p:txBody>
+          <a:bodyPr wrap="square" rtlCol="0">
+            <a:spAutoFit/>
+          </a:bodyPr>
+          <a:lstStyle/>
+          <a:p>
+            <a:r>
+              <a:rPr lang="ko-KR" altLang="en-US" sz="2800" dirty="0" smtClean="0"/>
+              <a:t>입력 코드</a:t>
+            </a:r>
+            <a:endParaRPr lang="ko-KR" altLang="en-US" dirty="0"/>
+          </a:p>
+        </p:txBody>
+      </p:sp>
+      <p:sp>
+        <p:nvSpPr>
+          <p:cNvPr id="16" name="제목 1">
+            <a:extLst>
+              <a:ext uri="{FF2B5EF4-FFF2-40B4-BE49-F238E27FC236}">
+                <a16:creationId xmlns:a16="http://schemas.microsoft.com/office/drawing/2014/main" xmlns="" id="{A0CFF523-35FA-4713-96AD-9F580039853D}"/>
+              </a:ext>
+            </a:extLst>
+          </p:cNvPr>
+          <p:cNvSpPr>
+            <a:spLocks noGrp="1"/>
+          </p:cNvSpPr>
+          <p:nvPr>
+            <p:ph type="title"/>
+          </p:nvPr>
+        </p:nvSpPr>
+        <p:spPr>
+          <a:xfrm>
+            <a:off x="10304583" y="472185"/>
+            <a:ext cx="1461633" cy="1473708"/>
+          </a:xfrm>
+        </p:spPr>
+        <p:txBody>
+          <a:bodyPr/>
+          <a:lstStyle/>
+          <a:p>
+            <a:r>
+              <a:rPr lang="ko-KR" altLang="en-US" dirty="0" smtClean="0"/>
+              <a:t>예시 </a:t>
+            </a:r>
+            <a:r>
+              <a:rPr lang="en-US" altLang="ko-KR" dirty="0" smtClean="0"/>
+              <a:t/>
+            </a:r>
+            <a:br>
+              <a:rPr lang="en-US" altLang="ko-KR" dirty="0" smtClean="0"/>
+            </a:br>
+            <a:r>
+              <a:rPr lang="ko-KR" altLang="en-US" dirty="0" smtClean="0"/>
+              <a:t>코드</a:t>
+            </a:r>
+            <a:endParaRPr lang="ko-KR" altLang="en-US" dirty="0"/>
+          </a:p>
+        </p:txBody>
+      </p:sp>
+      <p:sp>
+        <p:nvSpPr>
+          <p:cNvPr id="8" name="직사각형 7"/>
+          <p:cNvSpPr/>
+          <p:nvPr/>
+        </p:nvSpPr>
+        <p:spPr>
+          <a:xfrm flipH="1">
+            <a:off x="10153115" y="4136719"/>
+            <a:ext cx="58818" cy="353220"/>
+          </a:xfrm>
+          <a:prstGeom prst="rect">
+            <a:avLst/>
+          </a:prstGeom>
+          <a:solidFill>
+            <a:schemeClr val="tx1"/>
+          </a:solidFill>
+          <a:ln>
+            <a:noFill/>
+          </a:ln>
+        </p:spPr>
+        <p:style>
+          <a:lnRef idx="2">
+            <a:schemeClr val="accent1">
+              <a:shade val="50000"/>
+            </a:schemeClr>
+          </a:lnRef>
+          <a:fillRef idx="1">
+            <a:schemeClr val="accent1"/>
+          </a:fillRef>
+          <a:effectRef idx="0">
+            <a:schemeClr val="accent1"/>
+          </a:effectRef>
+          <a:fontRef idx="minor">
+            <a:schemeClr val="lt1"/>
+          </a:fontRef>
+        </p:style>
+        <p:txBody>
+          <a:bodyPr rtlCol="0" anchor="ctr"/>
+          <a:lstStyle/>
+          <a:p>
+            <a:pPr algn="ctr"/>
+            <a:endParaRPr lang="ko-KR" altLang="en-US"/>
+          </a:p>
+        </p:txBody>
+      </p:sp>
+      <p:sp>
+        <p:nvSpPr>
+          <p:cNvPr id="9" name="TextBox 8"/>
+          <p:cNvSpPr txBox="1"/>
+          <p:nvPr/>
+        </p:nvSpPr>
+        <p:spPr>
+          <a:xfrm>
+            <a:off x="10140808" y="4036101"/>
+            <a:ext cx="1000138" cy="523220"/>
+          </a:xfrm>
+          <a:prstGeom prst="rect">
+            <a:avLst/>
+          </a:prstGeom>
+          <a:noFill/>
+        </p:spPr>
+        <p:txBody>
+          <a:bodyPr wrap="square" rtlCol="0">
+            <a:spAutoFit/>
+          </a:bodyPr>
+          <a:lstStyle/>
+          <a:p>
+            <a:r>
+              <a:rPr lang="ko-KR" altLang="en-US" sz="2800" dirty="0" smtClean="0"/>
+              <a:t>결과</a:t>
+            </a:r>
+            <a:r>
+              <a:rPr lang="ko-KR" altLang="en-US" dirty="0" smtClean="0"/>
+              <a:t> </a:t>
+            </a:r>
+            <a:endParaRPr lang="ko-KR" altLang="en-US" dirty="0"/>
+          </a:p>
+        </p:txBody>
+      </p:sp>
+      <p:pic>
+        <p:nvPicPr>
+          <p:cNvPr id="13" name="그림 12"/>
+          <p:cNvPicPr>
+            <a:picLocks noChangeAspect="1"/>
+          </p:cNvPicPr>
+          <p:nvPr/>
+        </p:nvPicPr>
+        <p:blipFill>
+          <a:blip r:embed="rId3"/>
+          <a:stretch>
+            <a:fillRect/>
+          </a:stretch>
+        </p:blipFill>
+        <p:spPr>
+          <a:xfrm>
+            <a:off x="7437919" y="4659939"/>
+            <a:ext cx="3796811" cy="1899139"/>
+          </a:xfrm>
+          <a:prstGeom prst="rect">
+            <a:avLst/>
+          </a:prstGeom>
+        </p:spPr>
+      </p:pic>
+    </p:spTree>
+    <p:extLst>
+      <p:ext uri="{BB962C8B-B14F-4D97-AF65-F5344CB8AC3E}">
+        <p14:creationId xmlns:p14="http://schemas.microsoft.com/office/powerpoint/2010/main" val="1659598216"/>
+      </p:ext>
+    </p:extLst>
+  </p:cSld>
+  <p:clrMapOvr>
+    <a:masterClrMapping/>
+  </p:clrMapOvr>
+  <p:timing>
+    <p:tnLst>
+      <p:par>
+        <p:cTn id="1" dur="indefinite" restart="never" nodeType="tmRoot"/>
+      </p:par>
+    </p:tnLst>
+  </p:timing>
 </p:sld>
 </file>
 
@@ -19753,7 +24491,7 @@
           <p:cNvPr id="2" name="제목 1">
             <a:extLst>
               <a:ext uri="{FF2B5EF4-FFF2-40B4-BE49-F238E27FC236}">
-                <a16:creationId xmlns:a16="http://schemas.microsoft.com/office/drawing/2014/main" id="{46EF07D7-2C4E-4DE1-B52F-9ACD386C79CB}"/>
+                <a16:creationId xmlns:a16="http://schemas.microsoft.com/office/drawing/2014/main" xmlns="" id="{46EF07D7-2C4E-4DE1-B52F-9ACD386C79CB}"/>
               </a:ext>
             </a:extLst>
           </p:cNvPr>
@@ -19793,7 +24531,7 @@
           <p:cNvPr id="5" name="TextBox 4">
             <a:extLst>
               <a:ext uri="{FF2B5EF4-FFF2-40B4-BE49-F238E27FC236}">
-                <a16:creationId xmlns:a16="http://schemas.microsoft.com/office/drawing/2014/main" id="{F83BAFA1-C11B-4672-B510-037979FA2D38}"/>
+                <a16:creationId xmlns:a16="http://schemas.microsoft.com/office/drawing/2014/main" xmlns="" id="{F83BAFA1-C11B-4672-B510-037979FA2D38}"/>
               </a:ext>
             </a:extLst>
           </p:cNvPr>
@@ -20479,7 +25217,7 @@
           <p:cNvPr id="2" name="제목 1">
             <a:extLst>
               <a:ext uri="{FF2B5EF4-FFF2-40B4-BE49-F238E27FC236}">
-                <a16:creationId xmlns:a16="http://schemas.microsoft.com/office/drawing/2014/main" id="{46EF07D7-2C4E-4DE1-B52F-9ACD386C79CB}"/>
+                <a16:creationId xmlns:a16="http://schemas.microsoft.com/office/drawing/2014/main" xmlns="" id="{46EF07D7-2C4E-4DE1-B52F-9ACD386C79CB}"/>
               </a:ext>
             </a:extLst>
           </p:cNvPr>
@@ -20519,7 +25257,7 @@
           <p:cNvPr id="5" name="TextBox 4">
             <a:extLst>
               <a:ext uri="{FF2B5EF4-FFF2-40B4-BE49-F238E27FC236}">
-                <a16:creationId xmlns:a16="http://schemas.microsoft.com/office/drawing/2014/main" id="{F83BAFA1-C11B-4672-B510-037979FA2D38}"/>
+                <a16:creationId xmlns:a16="http://schemas.microsoft.com/office/drawing/2014/main" xmlns="" id="{F83BAFA1-C11B-4672-B510-037979FA2D38}"/>
               </a:ext>
             </a:extLst>
           </p:cNvPr>
@@ -21124,6 +25862,13 @@
   <p:clrMapOvr>
     <a:masterClrMapping/>
   </p:clrMapOvr>
+  <p:timing>
+    <p:tnLst>
+      <p:par>
+        <p:cTn id="1" dur="indefinite" restart="never" nodeType="tmRoot"/>
+      </p:par>
+    </p:tnLst>
+  </p:timing>
 </p:sld>
 </file>
 
@@ -21149,7 +25894,7 @@
           <p:cNvPr id="2" name="제목 1">
             <a:extLst>
               <a:ext uri="{FF2B5EF4-FFF2-40B4-BE49-F238E27FC236}">
-                <a16:creationId xmlns:a16="http://schemas.microsoft.com/office/drawing/2014/main" id="{46EF07D7-2C4E-4DE1-B52F-9ACD386C79CB}"/>
+                <a16:creationId xmlns:a16="http://schemas.microsoft.com/office/drawing/2014/main" xmlns="" id="{46EF07D7-2C4E-4DE1-B52F-9ACD386C79CB}"/>
               </a:ext>
             </a:extLst>
           </p:cNvPr>
@@ -21189,7 +25934,7 @@
           <p:cNvPr id="5" name="TextBox 4">
             <a:extLst>
               <a:ext uri="{FF2B5EF4-FFF2-40B4-BE49-F238E27FC236}">
-                <a16:creationId xmlns:a16="http://schemas.microsoft.com/office/drawing/2014/main" id="{F83BAFA1-C11B-4672-B510-037979FA2D38}"/>
+                <a16:creationId xmlns:a16="http://schemas.microsoft.com/office/drawing/2014/main" xmlns="" id="{F83BAFA1-C11B-4672-B510-037979FA2D38}"/>
               </a:ext>
             </a:extLst>
           </p:cNvPr>
@@ -21861,6 +26606,13 @@
   <p:clrMapOvr>
     <a:masterClrMapping/>
   </p:clrMapOvr>
+  <p:timing>
+    <p:tnLst>
+      <p:par>
+        <p:cTn id="1" dur="indefinite" restart="never" nodeType="tmRoot"/>
+      </p:par>
+    </p:tnLst>
+  </p:timing>
 </p:sld>
 </file>
 
@@ -21886,7 +26638,7 @@
           <p:cNvPr id="2" name="제목 1">
             <a:extLst>
               <a:ext uri="{FF2B5EF4-FFF2-40B4-BE49-F238E27FC236}">
-                <a16:creationId xmlns:a16="http://schemas.microsoft.com/office/drawing/2014/main" id="{46EF07D7-2C4E-4DE1-B52F-9ACD386C79CB}"/>
+                <a16:creationId xmlns:a16="http://schemas.microsoft.com/office/drawing/2014/main" xmlns="" id="{46EF07D7-2C4E-4DE1-B52F-9ACD386C79CB}"/>
               </a:ext>
             </a:extLst>
           </p:cNvPr>
@@ -21926,7 +26678,7 @@
           <p:cNvPr id="5" name="TextBox 4">
             <a:extLst>
               <a:ext uri="{FF2B5EF4-FFF2-40B4-BE49-F238E27FC236}">
-                <a16:creationId xmlns:a16="http://schemas.microsoft.com/office/drawing/2014/main" id="{F83BAFA1-C11B-4672-B510-037979FA2D38}"/>
+                <a16:creationId xmlns:a16="http://schemas.microsoft.com/office/drawing/2014/main" xmlns="" id="{F83BAFA1-C11B-4672-B510-037979FA2D38}"/>
               </a:ext>
             </a:extLst>
           </p:cNvPr>
@@ -22536,6 +27288,13 @@
   <p:clrMapOvr>
     <a:masterClrMapping/>
   </p:clrMapOvr>
+  <p:timing>
+    <p:tnLst>
+      <p:par>
+        <p:cTn id="1" dur="indefinite" restart="never" nodeType="tmRoot"/>
+      </p:par>
+    </p:tnLst>
+  </p:timing>
 </p:sld>
 </file>
 
@@ -22561,7 +27320,7 @@
           <p:cNvPr id="2" name="제목 1">
             <a:extLst>
               <a:ext uri="{FF2B5EF4-FFF2-40B4-BE49-F238E27FC236}">
-                <a16:creationId xmlns:a16="http://schemas.microsoft.com/office/drawing/2014/main" id="{46EF07D7-2C4E-4DE1-B52F-9ACD386C79CB}"/>
+                <a16:creationId xmlns:a16="http://schemas.microsoft.com/office/drawing/2014/main" xmlns="" id="{46EF07D7-2C4E-4DE1-B52F-9ACD386C79CB}"/>
               </a:ext>
             </a:extLst>
           </p:cNvPr>
@@ -22601,7 +27360,7 @@
           <p:cNvPr id="5" name="TextBox 4">
             <a:extLst>
               <a:ext uri="{FF2B5EF4-FFF2-40B4-BE49-F238E27FC236}">
-                <a16:creationId xmlns:a16="http://schemas.microsoft.com/office/drawing/2014/main" id="{F83BAFA1-C11B-4672-B510-037979FA2D38}"/>
+                <a16:creationId xmlns:a16="http://schemas.microsoft.com/office/drawing/2014/main" xmlns="" id="{F83BAFA1-C11B-4672-B510-037979FA2D38}"/>
               </a:ext>
             </a:extLst>
           </p:cNvPr>
@@ -23273,6 +28032,13 @@
   <p:clrMapOvr>
     <a:masterClrMapping/>
   </p:clrMapOvr>
+  <p:timing>
+    <p:tnLst>
+      <p:par>
+        <p:cTn id="1" dur="indefinite" restart="never" nodeType="tmRoot"/>
+      </p:par>
+    </p:tnLst>
+  </p:timing>
 </p:sld>
 </file>
 
@@ -23298,7 +28064,7 @@
           <p:cNvPr id="2" name="제목 1">
             <a:extLst>
               <a:ext uri="{FF2B5EF4-FFF2-40B4-BE49-F238E27FC236}">
-                <a16:creationId xmlns:a16="http://schemas.microsoft.com/office/drawing/2014/main" id="{46EF07D7-2C4E-4DE1-B52F-9ACD386C79CB}"/>
+                <a16:creationId xmlns:a16="http://schemas.microsoft.com/office/drawing/2014/main" xmlns="" id="{46EF07D7-2C4E-4DE1-B52F-9ACD386C79CB}"/>
               </a:ext>
             </a:extLst>
           </p:cNvPr>
@@ -23338,7 +28104,7 @@
           <p:cNvPr id="5" name="TextBox 4">
             <a:extLst>
               <a:ext uri="{FF2B5EF4-FFF2-40B4-BE49-F238E27FC236}">
-                <a16:creationId xmlns:a16="http://schemas.microsoft.com/office/drawing/2014/main" id="{F83BAFA1-C11B-4672-B510-037979FA2D38}"/>
+                <a16:creationId xmlns:a16="http://schemas.microsoft.com/office/drawing/2014/main" xmlns="" id="{F83BAFA1-C11B-4672-B510-037979FA2D38}"/>
               </a:ext>
             </a:extLst>
           </p:cNvPr>
@@ -23948,6 +28714,13 @@
   <p:clrMapOvr>
     <a:masterClrMapping/>
   </p:clrMapOvr>
+  <p:timing>
+    <p:tnLst>
+      <p:par>
+        <p:cTn id="1" dur="indefinite" restart="never" nodeType="tmRoot"/>
+      </p:par>
+    </p:tnLst>
+  </p:timing>
 </p:sld>
 </file>
 
